--- a/Freelancing/Freelance Session 1.pptx
+++ b/Freelancing/Freelance Session 1.pptx
@@ -11,6 +11,8 @@
     <p:sldId id="278" r:id="rId5"/>
     <p:sldId id="277" r:id="rId6"/>
     <p:sldId id="281" r:id="rId7"/>
+    <p:sldId id="282" r:id="rId8"/>
+    <p:sldId id="283" r:id="rId9"/>
   </p:sldIdLst>
   <p:sldSz cx="12192000" cy="6858000"/>
   <p:notesSz cx="6858000" cy="9144000"/>
@@ -2359,6 +2361,1500 @@
 </file>
 
 <file path=ppt/diagrams/colors4.xml><?xml version="1.0" encoding="utf-8"?>
+<dgm:colorsDef xmlns:dgm="http://schemas.openxmlformats.org/drawingml/2006/diagram" xmlns:a="http://schemas.openxmlformats.org/drawingml/2006/main" uniqueId="urn:microsoft.com/office/officeart/2005/8/colors/accent1_2">
+  <dgm:title val=""/>
+  <dgm:desc val=""/>
+  <dgm:catLst>
+    <dgm:cat type="accent1" pri="11200"/>
+  </dgm:catLst>
+  <dgm:styleLbl name="node0">
+    <dgm:fillClrLst meth="repeat">
+      <a:schemeClr val="accent1"/>
+    </dgm:fillClrLst>
+    <dgm:linClrLst meth="repeat">
+      <a:schemeClr val="lt1"/>
+    </dgm:linClrLst>
+    <dgm:effectClrLst/>
+    <dgm:txLinClrLst/>
+    <dgm:txFillClrLst/>
+    <dgm:txEffectClrLst/>
+  </dgm:styleLbl>
+  <dgm:styleLbl name="alignNode1">
+    <dgm:fillClrLst meth="repeat">
+      <a:schemeClr val="accent1"/>
+    </dgm:fillClrLst>
+    <dgm:linClrLst meth="repeat">
+      <a:schemeClr val="accent1"/>
+    </dgm:linClrLst>
+    <dgm:effectClrLst/>
+    <dgm:txLinClrLst/>
+    <dgm:txFillClrLst/>
+    <dgm:txEffectClrLst/>
+  </dgm:styleLbl>
+  <dgm:styleLbl name="node1">
+    <dgm:fillClrLst meth="repeat">
+      <a:schemeClr val="accent1"/>
+    </dgm:fillClrLst>
+    <dgm:linClrLst meth="repeat">
+      <a:schemeClr val="lt1"/>
+    </dgm:linClrLst>
+    <dgm:effectClrLst/>
+    <dgm:txLinClrLst/>
+    <dgm:txFillClrLst/>
+    <dgm:txEffectClrLst/>
+  </dgm:styleLbl>
+  <dgm:styleLbl name="lnNode1">
+    <dgm:fillClrLst meth="repeat">
+      <a:schemeClr val="accent1"/>
+    </dgm:fillClrLst>
+    <dgm:linClrLst meth="repeat">
+      <a:schemeClr val="lt1"/>
+    </dgm:linClrLst>
+    <dgm:effectClrLst/>
+    <dgm:txLinClrLst/>
+    <dgm:txFillClrLst/>
+    <dgm:txEffectClrLst/>
+  </dgm:styleLbl>
+  <dgm:styleLbl name="vennNode1">
+    <dgm:fillClrLst meth="repeat">
+      <a:schemeClr val="accent1">
+        <a:alpha val="50000"/>
+      </a:schemeClr>
+    </dgm:fillClrLst>
+    <dgm:linClrLst meth="repeat">
+      <a:schemeClr val="lt1"/>
+    </dgm:linClrLst>
+    <dgm:effectClrLst/>
+    <dgm:txLinClrLst/>
+    <dgm:txFillClrLst/>
+    <dgm:txEffectClrLst/>
+  </dgm:styleLbl>
+  <dgm:styleLbl name="node2">
+    <dgm:fillClrLst meth="repeat">
+      <a:schemeClr val="accent1"/>
+    </dgm:fillClrLst>
+    <dgm:linClrLst meth="repeat">
+      <a:schemeClr val="lt1"/>
+    </dgm:linClrLst>
+    <dgm:effectClrLst/>
+    <dgm:txLinClrLst/>
+    <dgm:txFillClrLst/>
+    <dgm:txEffectClrLst/>
+  </dgm:styleLbl>
+  <dgm:styleLbl name="node3">
+    <dgm:fillClrLst meth="repeat">
+      <a:schemeClr val="accent1"/>
+    </dgm:fillClrLst>
+    <dgm:linClrLst meth="repeat">
+      <a:schemeClr val="lt1"/>
+    </dgm:linClrLst>
+    <dgm:effectClrLst/>
+    <dgm:txLinClrLst/>
+    <dgm:txFillClrLst/>
+    <dgm:txEffectClrLst/>
+  </dgm:styleLbl>
+  <dgm:styleLbl name="node4">
+    <dgm:fillClrLst meth="repeat">
+      <a:schemeClr val="accent1"/>
+    </dgm:fillClrLst>
+    <dgm:linClrLst meth="repeat">
+      <a:schemeClr val="lt1"/>
+    </dgm:linClrLst>
+    <dgm:effectClrLst/>
+    <dgm:txLinClrLst/>
+    <dgm:txFillClrLst/>
+    <dgm:txEffectClrLst/>
+  </dgm:styleLbl>
+  <dgm:styleLbl name="fgImgPlace1">
+    <dgm:fillClrLst meth="repeat">
+      <a:schemeClr val="accent1">
+        <a:tint val="50000"/>
+      </a:schemeClr>
+    </dgm:fillClrLst>
+    <dgm:linClrLst meth="repeat">
+      <a:schemeClr val="lt1"/>
+    </dgm:linClrLst>
+    <dgm:effectClrLst/>
+    <dgm:txLinClrLst/>
+    <dgm:txFillClrLst meth="repeat">
+      <a:schemeClr val="lt1"/>
+    </dgm:txFillClrLst>
+    <dgm:txEffectClrLst/>
+  </dgm:styleLbl>
+  <dgm:styleLbl name="alignImgPlace1">
+    <dgm:fillClrLst meth="repeat">
+      <a:schemeClr val="accent1">
+        <a:tint val="50000"/>
+      </a:schemeClr>
+    </dgm:fillClrLst>
+    <dgm:linClrLst meth="repeat">
+      <a:schemeClr val="lt1"/>
+    </dgm:linClrLst>
+    <dgm:effectClrLst/>
+    <dgm:txLinClrLst/>
+    <dgm:txFillClrLst meth="repeat">
+      <a:schemeClr val="lt1"/>
+    </dgm:txFillClrLst>
+    <dgm:txEffectClrLst/>
+  </dgm:styleLbl>
+  <dgm:styleLbl name="bgImgPlace1">
+    <dgm:fillClrLst meth="repeat">
+      <a:schemeClr val="accent1">
+        <a:tint val="50000"/>
+      </a:schemeClr>
+    </dgm:fillClrLst>
+    <dgm:linClrLst meth="repeat">
+      <a:schemeClr val="lt1"/>
+    </dgm:linClrLst>
+    <dgm:effectClrLst/>
+    <dgm:txLinClrLst/>
+    <dgm:txFillClrLst meth="repeat">
+      <a:schemeClr val="lt1"/>
+    </dgm:txFillClrLst>
+    <dgm:txEffectClrLst/>
+  </dgm:styleLbl>
+  <dgm:styleLbl name="sibTrans2D1">
+    <dgm:fillClrLst meth="repeat">
+      <a:schemeClr val="accent1">
+        <a:tint val="60000"/>
+      </a:schemeClr>
+    </dgm:fillClrLst>
+    <dgm:linClrLst meth="repeat">
+      <a:schemeClr val="accent1">
+        <a:tint val="60000"/>
+      </a:schemeClr>
+    </dgm:linClrLst>
+    <dgm:effectClrLst/>
+    <dgm:txLinClrLst/>
+    <dgm:txFillClrLst/>
+    <dgm:txEffectClrLst/>
+  </dgm:styleLbl>
+  <dgm:styleLbl name="fgSibTrans2D1">
+    <dgm:fillClrLst meth="repeat">
+      <a:schemeClr val="accent1">
+        <a:tint val="60000"/>
+      </a:schemeClr>
+    </dgm:fillClrLst>
+    <dgm:linClrLst meth="repeat">
+      <a:schemeClr val="accent1">
+        <a:tint val="60000"/>
+      </a:schemeClr>
+    </dgm:linClrLst>
+    <dgm:effectClrLst/>
+    <dgm:txLinClrLst/>
+    <dgm:txFillClrLst/>
+    <dgm:txEffectClrLst/>
+  </dgm:styleLbl>
+  <dgm:styleLbl name="bgSibTrans2D1">
+    <dgm:fillClrLst meth="repeat">
+      <a:schemeClr val="accent1">
+        <a:tint val="60000"/>
+      </a:schemeClr>
+    </dgm:fillClrLst>
+    <dgm:linClrLst meth="repeat">
+      <a:schemeClr val="accent1">
+        <a:tint val="60000"/>
+      </a:schemeClr>
+    </dgm:linClrLst>
+    <dgm:effectClrLst/>
+    <dgm:txLinClrLst/>
+    <dgm:txFillClrLst/>
+    <dgm:txEffectClrLst/>
+  </dgm:styleLbl>
+  <dgm:styleLbl name="sibTrans1D1">
+    <dgm:fillClrLst meth="repeat">
+      <a:schemeClr val="accent1"/>
+    </dgm:fillClrLst>
+    <dgm:linClrLst meth="repeat">
+      <a:schemeClr val="accent1"/>
+    </dgm:linClrLst>
+    <dgm:effectClrLst/>
+    <dgm:txLinClrLst/>
+    <dgm:txFillClrLst meth="repeat">
+      <a:schemeClr val="tx1"/>
+    </dgm:txFillClrLst>
+    <dgm:txEffectClrLst/>
+  </dgm:styleLbl>
+  <dgm:styleLbl name="callout">
+    <dgm:fillClrLst meth="repeat">
+      <a:schemeClr val="accent1"/>
+    </dgm:fillClrLst>
+    <dgm:linClrLst meth="repeat">
+      <a:schemeClr val="accent1">
+        <a:tint val="50000"/>
+      </a:schemeClr>
+    </dgm:linClrLst>
+    <dgm:effectClrLst/>
+    <dgm:txLinClrLst/>
+    <dgm:txFillClrLst meth="repeat">
+      <a:schemeClr val="tx1"/>
+    </dgm:txFillClrLst>
+    <dgm:txEffectClrLst/>
+  </dgm:styleLbl>
+  <dgm:styleLbl name="asst0">
+    <dgm:fillClrLst meth="repeat">
+      <a:schemeClr val="accent1"/>
+    </dgm:fillClrLst>
+    <dgm:linClrLst meth="repeat">
+      <a:schemeClr val="lt1"/>
+    </dgm:linClrLst>
+    <dgm:effectClrLst/>
+    <dgm:txLinClrLst/>
+    <dgm:txFillClrLst/>
+    <dgm:txEffectClrLst/>
+  </dgm:styleLbl>
+  <dgm:styleLbl name="asst1">
+    <dgm:fillClrLst meth="repeat">
+      <a:schemeClr val="accent1"/>
+    </dgm:fillClrLst>
+    <dgm:linClrLst meth="repeat">
+      <a:schemeClr val="lt1"/>
+    </dgm:linClrLst>
+    <dgm:effectClrLst/>
+    <dgm:txLinClrLst/>
+    <dgm:txFillClrLst/>
+    <dgm:txEffectClrLst/>
+  </dgm:styleLbl>
+  <dgm:styleLbl name="asst2">
+    <dgm:fillClrLst meth="repeat">
+      <a:schemeClr val="accent1"/>
+    </dgm:fillClrLst>
+    <dgm:linClrLst meth="repeat">
+      <a:schemeClr val="lt1"/>
+    </dgm:linClrLst>
+    <dgm:effectClrLst/>
+    <dgm:txLinClrLst/>
+    <dgm:txFillClrLst/>
+    <dgm:txEffectClrLst/>
+  </dgm:styleLbl>
+  <dgm:styleLbl name="asst3">
+    <dgm:fillClrLst meth="repeat">
+      <a:schemeClr val="accent1"/>
+    </dgm:fillClrLst>
+    <dgm:linClrLst meth="repeat">
+      <a:schemeClr val="lt1"/>
+    </dgm:linClrLst>
+    <dgm:effectClrLst/>
+    <dgm:txLinClrLst/>
+    <dgm:txFillClrLst/>
+    <dgm:txEffectClrLst/>
+  </dgm:styleLbl>
+  <dgm:styleLbl name="asst4">
+    <dgm:fillClrLst meth="repeat">
+      <a:schemeClr val="accent1"/>
+    </dgm:fillClrLst>
+    <dgm:linClrLst meth="repeat">
+      <a:schemeClr val="lt1"/>
+    </dgm:linClrLst>
+    <dgm:effectClrLst/>
+    <dgm:txLinClrLst/>
+    <dgm:txFillClrLst/>
+    <dgm:txEffectClrLst/>
+  </dgm:styleLbl>
+  <dgm:styleLbl name="parChTrans2D1">
+    <dgm:fillClrLst meth="repeat">
+      <a:schemeClr val="accent1">
+        <a:tint val="60000"/>
+      </a:schemeClr>
+    </dgm:fillClrLst>
+    <dgm:linClrLst meth="repeat">
+      <a:schemeClr val="accent1">
+        <a:tint val="60000"/>
+      </a:schemeClr>
+    </dgm:linClrLst>
+    <dgm:effectClrLst/>
+    <dgm:txLinClrLst/>
+    <dgm:txFillClrLst meth="repeat">
+      <a:schemeClr val="lt1"/>
+    </dgm:txFillClrLst>
+    <dgm:txEffectClrLst/>
+  </dgm:styleLbl>
+  <dgm:styleLbl name="parChTrans2D2">
+    <dgm:fillClrLst meth="repeat">
+      <a:schemeClr val="accent1"/>
+    </dgm:fillClrLst>
+    <dgm:linClrLst meth="repeat">
+      <a:schemeClr val="accent1"/>
+    </dgm:linClrLst>
+    <dgm:effectClrLst/>
+    <dgm:txLinClrLst/>
+    <dgm:txFillClrLst meth="repeat">
+      <a:schemeClr val="lt1"/>
+    </dgm:txFillClrLst>
+    <dgm:txEffectClrLst/>
+  </dgm:styleLbl>
+  <dgm:styleLbl name="parChTrans2D3">
+    <dgm:fillClrLst meth="repeat">
+      <a:schemeClr val="accent1"/>
+    </dgm:fillClrLst>
+    <dgm:linClrLst meth="repeat">
+      <a:schemeClr val="accent1"/>
+    </dgm:linClrLst>
+    <dgm:effectClrLst/>
+    <dgm:txLinClrLst/>
+    <dgm:txFillClrLst meth="repeat">
+      <a:schemeClr val="lt1"/>
+    </dgm:txFillClrLst>
+    <dgm:txEffectClrLst/>
+  </dgm:styleLbl>
+  <dgm:styleLbl name="parChTrans2D4">
+    <dgm:fillClrLst meth="repeat">
+      <a:schemeClr val="accent1"/>
+    </dgm:fillClrLst>
+    <dgm:linClrLst meth="repeat">
+      <a:schemeClr val="accent1"/>
+    </dgm:linClrLst>
+    <dgm:effectClrLst/>
+    <dgm:txLinClrLst/>
+    <dgm:txFillClrLst meth="repeat">
+      <a:schemeClr val="lt1"/>
+    </dgm:txFillClrLst>
+    <dgm:txEffectClrLst/>
+  </dgm:styleLbl>
+  <dgm:styleLbl name="parChTrans1D1">
+    <dgm:fillClrLst meth="repeat">
+      <a:schemeClr val="accent1"/>
+    </dgm:fillClrLst>
+    <dgm:linClrLst meth="repeat">
+      <a:schemeClr val="accent1">
+        <a:shade val="60000"/>
+      </a:schemeClr>
+    </dgm:linClrLst>
+    <dgm:effectClrLst/>
+    <dgm:txLinClrLst/>
+    <dgm:txFillClrLst meth="repeat">
+      <a:schemeClr val="tx1"/>
+    </dgm:txFillClrLst>
+    <dgm:txEffectClrLst/>
+  </dgm:styleLbl>
+  <dgm:styleLbl name="parChTrans1D2">
+    <dgm:fillClrLst meth="repeat">
+      <a:schemeClr val="accent1"/>
+    </dgm:fillClrLst>
+    <dgm:linClrLst meth="repeat">
+      <a:schemeClr val="accent1">
+        <a:shade val="60000"/>
+      </a:schemeClr>
+    </dgm:linClrLst>
+    <dgm:effectClrLst/>
+    <dgm:txLinClrLst/>
+    <dgm:txFillClrLst meth="repeat">
+      <a:schemeClr val="tx1"/>
+    </dgm:txFillClrLst>
+    <dgm:txEffectClrLst/>
+  </dgm:styleLbl>
+  <dgm:styleLbl name="parChTrans1D3">
+    <dgm:fillClrLst meth="repeat">
+      <a:schemeClr val="accent1"/>
+    </dgm:fillClrLst>
+    <dgm:linClrLst meth="repeat">
+      <a:schemeClr val="accent1">
+        <a:shade val="80000"/>
+      </a:schemeClr>
+    </dgm:linClrLst>
+    <dgm:effectClrLst/>
+    <dgm:txLinClrLst/>
+    <dgm:txFillClrLst meth="repeat">
+      <a:schemeClr val="tx1"/>
+    </dgm:txFillClrLst>
+    <dgm:txEffectClrLst/>
+  </dgm:styleLbl>
+  <dgm:styleLbl name="parChTrans1D4">
+    <dgm:fillClrLst meth="repeat">
+      <a:schemeClr val="accent1"/>
+    </dgm:fillClrLst>
+    <dgm:linClrLst meth="repeat">
+      <a:schemeClr val="accent1">
+        <a:shade val="80000"/>
+      </a:schemeClr>
+    </dgm:linClrLst>
+    <dgm:effectClrLst/>
+    <dgm:txLinClrLst/>
+    <dgm:txFillClrLst meth="repeat">
+      <a:schemeClr val="tx1"/>
+    </dgm:txFillClrLst>
+    <dgm:txEffectClrLst/>
+  </dgm:styleLbl>
+  <dgm:styleLbl name="fgAcc1">
+    <dgm:fillClrLst meth="repeat">
+      <a:schemeClr val="lt1">
+        <a:alpha val="90000"/>
+      </a:schemeClr>
+    </dgm:fillClrLst>
+    <dgm:linClrLst meth="repeat">
+      <a:schemeClr val="accent1"/>
+    </dgm:linClrLst>
+    <dgm:effectClrLst/>
+    <dgm:txLinClrLst/>
+    <dgm:txFillClrLst meth="repeat">
+      <a:schemeClr val="dk1"/>
+    </dgm:txFillClrLst>
+    <dgm:txEffectClrLst/>
+  </dgm:styleLbl>
+  <dgm:styleLbl name="conFgAcc1">
+    <dgm:fillClrLst meth="repeat">
+      <a:schemeClr val="lt1">
+        <a:alpha val="90000"/>
+      </a:schemeClr>
+    </dgm:fillClrLst>
+    <dgm:linClrLst meth="repeat">
+      <a:schemeClr val="accent1"/>
+    </dgm:linClrLst>
+    <dgm:effectClrLst/>
+    <dgm:txLinClrLst/>
+    <dgm:txFillClrLst meth="repeat">
+      <a:schemeClr val="dk1"/>
+    </dgm:txFillClrLst>
+    <dgm:txEffectClrLst/>
+  </dgm:styleLbl>
+  <dgm:styleLbl name="alignAcc1">
+    <dgm:fillClrLst meth="repeat">
+      <a:schemeClr val="lt1">
+        <a:alpha val="90000"/>
+      </a:schemeClr>
+    </dgm:fillClrLst>
+    <dgm:linClrLst meth="repeat">
+      <a:schemeClr val="accent1"/>
+    </dgm:linClrLst>
+    <dgm:effectClrLst/>
+    <dgm:txLinClrLst/>
+    <dgm:txFillClrLst meth="repeat">
+      <a:schemeClr val="dk1"/>
+    </dgm:txFillClrLst>
+    <dgm:txEffectClrLst/>
+  </dgm:styleLbl>
+  <dgm:styleLbl name="trAlignAcc1">
+    <dgm:fillClrLst meth="repeat">
+      <a:schemeClr val="lt1">
+        <a:alpha val="40000"/>
+      </a:schemeClr>
+    </dgm:fillClrLst>
+    <dgm:linClrLst meth="repeat">
+      <a:schemeClr val="accent1"/>
+    </dgm:linClrLst>
+    <dgm:effectClrLst/>
+    <dgm:txLinClrLst/>
+    <dgm:txFillClrLst meth="repeat">
+      <a:schemeClr val="dk1"/>
+    </dgm:txFillClrLst>
+    <dgm:txEffectClrLst/>
+  </dgm:styleLbl>
+  <dgm:styleLbl name="bgAcc1">
+    <dgm:fillClrLst meth="repeat">
+      <a:schemeClr val="lt1">
+        <a:alpha val="90000"/>
+      </a:schemeClr>
+    </dgm:fillClrLst>
+    <dgm:linClrLst meth="repeat">
+      <a:schemeClr val="accent1"/>
+    </dgm:linClrLst>
+    <dgm:effectClrLst/>
+    <dgm:txLinClrLst/>
+    <dgm:txFillClrLst meth="repeat">
+      <a:schemeClr val="dk1"/>
+    </dgm:txFillClrLst>
+    <dgm:txEffectClrLst/>
+  </dgm:styleLbl>
+  <dgm:styleLbl name="solidFgAcc1">
+    <dgm:fillClrLst meth="repeat">
+      <a:schemeClr val="lt1"/>
+    </dgm:fillClrLst>
+    <dgm:linClrLst meth="repeat">
+      <a:schemeClr val="accent1"/>
+    </dgm:linClrLst>
+    <dgm:effectClrLst/>
+    <dgm:txLinClrLst/>
+    <dgm:txFillClrLst meth="repeat">
+      <a:schemeClr val="dk1"/>
+    </dgm:txFillClrLst>
+    <dgm:txEffectClrLst/>
+  </dgm:styleLbl>
+  <dgm:styleLbl name="solidAlignAcc1">
+    <dgm:fillClrLst meth="repeat">
+      <a:schemeClr val="lt1"/>
+    </dgm:fillClrLst>
+    <dgm:linClrLst meth="repeat">
+      <a:schemeClr val="accent1"/>
+    </dgm:linClrLst>
+    <dgm:effectClrLst/>
+    <dgm:txLinClrLst/>
+    <dgm:txFillClrLst meth="repeat">
+      <a:schemeClr val="dk1"/>
+    </dgm:txFillClrLst>
+    <dgm:txEffectClrLst/>
+  </dgm:styleLbl>
+  <dgm:styleLbl name="solidBgAcc1">
+    <dgm:fillClrLst meth="repeat">
+      <a:schemeClr val="lt1"/>
+    </dgm:fillClrLst>
+    <dgm:linClrLst meth="repeat">
+      <a:schemeClr val="accent1"/>
+    </dgm:linClrLst>
+    <dgm:effectClrLst/>
+    <dgm:txLinClrLst/>
+    <dgm:txFillClrLst meth="repeat">
+      <a:schemeClr val="dk1"/>
+    </dgm:txFillClrLst>
+    <dgm:txEffectClrLst/>
+  </dgm:styleLbl>
+  <dgm:styleLbl name="fgAccFollowNode1">
+    <dgm:fillClrLst meth="repeat">
+      <a:schemeClr val="accent1">
+        <a:alpha val="90000"/>
+        <a:tint val="40000"/>
+      </a:schemeClr>
+    </dgm:fillClrLst>
+    <dgm:linClrLst meth="repeat">
+      <a:schemeClr val="accent1">
+        <a:alpha val="90000"/>
+        <a:tint val="40000"/>
+      </a:schemeClr>
+    </dgm:linClrLst>
+    <dgm:effectClrLst/>
+    <dgm:txLinClrLst/>
+    <dgm:txFillClrLst meth="repeat">
+      <a:schemeClr val="dk1"/>
+    </dgm:txFillClrLst>
+    <dgm:txEffectClrLst/>
+  </dgm:styleLbl>
+  <dgm:styleLbl name="alignAccFollowNode1">
+    <dgm:fillClrLst meth="repeat">
+      <a:schemeClr val="accent1">
+        <a:alpha val="90000"/>
+        <a:tint val="40000"/>
+      </a:schemeClr>
+    </dgm:fillClrLst>
+    <dgm:linClrLst meth="repeat">
+      <a:schemeClr val="accent1">
+        <a:alpha val="90000"/>
+        <a:tint val="40000"/>
+      </a:schemeClr>
+    </dgm:linClrLst>
+    <dgm:effectClrLst/>
+    <dgm:txLinClrLst/>
+    <dgm:txFillClrLst meth="repeat">
+      <a:schemeClr val="dk1"/>
+    </dgm:txFillClrLst>
+    <dgm:txEffectClrLst/>
+  </dgm:styleLbl>
+  <dgm:styleLbl name="bgAccFollowNode1">
+    <dgm:fillClrLst meth="repeat">
+      <a:schemeClr val="accent1">
+        <a:alpha val="90000"/>
+        <a:tint val="40000"/>
+      </a:schemeClr>
+    </dgm:fillClrLst>
+    <dgm:linClrLst meth="repeat">
+      <a:schemeClr val="accent1">
+        <a:alpha val="90000"/>
+        <a:tint val="40000"/>
+      </a:schemeClr>
+    </dgm:linClrLst>
+    <dgm:effectClrLst/>
+    <dgm:txLinClrLst/>
+    <dgm:txFillClrLst meth="repeat">
+      <a:schemeClr val="dk1"/>
+    </dgm:txFillClrLst>
+    <dgm:txEffectClrLst/>
+  </dgm:styleLbl>
+  <dgm:styleLbl name="fgAcc0">
+    <dgm:fillClrLst meth="repeat">
+      <a:schemeClr val="lt1">
+        <a:alpha val="90000"/>
+      </a:schemeClr>
+    </dgm:fillClrLst>
+    <dgm:linClrLst meth="repeat">
+      <a:schemeClr val="accent1"/>
+    </dgm:linClrLst>
+    <dgm:effectClrLst/>
+    <dgm:txLinClrLst/>
+    <dgm:txFillClrLst meth="repeat">
+      <a:schemeClr val="dk1"/>
+    </dgm:txFillClrLst>
+    <dgm:txEffectClrLst/>
+  </dgm:styleLbl>
+  <dgm:styleLbl name="fgAcc2">
+    <dgm:fillClrLst meth="repeat">
+      <a:schemeClr val="lt1">
+        <a:alpha val="90000"/>
+      </a:schemeClr>
+    </dgm:fillClrLst>
+    <dgm:linClrLst meth="repeat">
+      <a:schemeClr val="accent1"/>
+    </dgm:linClrLst>
+    <dgm:effectClrLst/>
+    <dgm:txLinClrLst/>
+    <dgm:txFillClrLst meth="repeat">
+      <a:schemeClr val="dk1"/>
+    </dgm:txFillClrLst>
+    <dgm:txEffectClrLst/>
+  </dgm:styleLbl>
+  <dgm:styleLbl name="fgAcc3">
+    <dgm:fillClrLst meth="repeat">
+      <a:schemeClr val="lt1">
+        <a:alpha val="90000"/>
+      </a:schemeClr>
+    </dgm:fillClrLst>
+    <dgm:linClrLst meth="repeat">
+      <a:schemeClr val="accent1"/>
+    </dgm:linClrLst>
+    <dgm:effectClrLst/>
+    <dgm:txLinClrLst/>
+    <dgm:txFillClrLst meth="repeat">
+      <a:schemeClr val="dk1"/>
+    </dgm:txFillClrLst>
+    <dgm:txEffectClrLst/>
+  </dgm:styleLbl>
+  <dgm:styleLbl name="fgAcc4">
+    <dgm:fillClrLst meth="repeat">
+      <a:schemeClr val="lt1">
+        <a:alpha val="90000"/>
+      </a:schemeClr>
+    </dgm:fillClrLst>
+    <dgm:linClrLst meth="repeat">
+      <a:schemeClr val="accent1"/>
+    </dgm:linClrLst>
+    <dgm:effectClrLst/>
+    <dgm:txLinClrLst/>
+    <dgm:txFillClrLst meth="repeat">
+      <a:schemeClr val="dk1"/>
+    </dgm:txFillClrLst>
+    <dgm:txEffectClrLst/>
+  </dgm:styleLbl>
+  <dgm:styleLbl name="bgShp">
+    <dgm:fillClrLst meth="repeat">
+      <a:schemeClr val="accent1">
+        <a:tint val="40000"/>
+      </a:schemeClr>
+    </dgm:fillClrLst>
+    <dgm:linClrLst meth="repeat">
+      <a:schemeClr val="accent1"/>
+    </dgm:linClrLst>
+    <dgm:effectClrLst/>
+    <dgm:txLinClrLst/>
+    <dgm:txFillClrLst meth="repeat">
+      <a:schemeClr val="dk1"/>
+    </dgm:txFillClrLst>
+    <dgm:txEffectClrLst/>
+  </dgm:styleLbl>
+  <dgm:styleLbl name="dkBgShp">
+    <dgm:fillClrLst meth="repeat">
+      <a:schemeClr val="accent1">
+        <a:shade val="80000"/>
+      </a:schemeClr>
+    </dgm:fillClrLst>
+    <dgm:linClrLst meth="repeat">
+      <a:schemeClr val="accent1"/>
+    </dgm:linClrLst>
+    <dgm:effectClrLst/>
+    <dgm:txLinClrLst/>
+    <dgm:txFillClrLst meth="repeat">
+      <a:schemeClr val="lt1"/>
+    </dgm:txFillClrLst>
+    <dgm:txEffectClrLst/>
+  </dgm:styleLbl>
+  <dgm:styleLbl name="trBgShp">
+    <dgm:fillClrLst meth="repeat">
+      <a:schemeClr val="accent1">
+        <a:tint val="50000"/>
+        <a:alpha val="40000"/>
+      </a:schemeClr>
+    </dgm:fillClrLst>
+    <dgm:linClrLst meth="repeat">
+      <a:schemeClr val="accent1"/>
+    </dgm:linClrLst>
+    <dgm:effectClrLst/>
+    <dgm:txLinClrLst/>
+    <dgm:txFillClrLst meth="repeat">
+      <a:schemeClr val="lt1"/>
+    </dgm:txFillClrLst>
+    <dgm:txEffectClrLst/>
+  </dgm:styleLbl>
+  <dgm:styleLbl name="fgShp">
+    <dgm:fillClrLst meth="repeat">
+      <a:schemeClr val="accent1">
+        <a:tint val="60000"/>
+      </a:schemeClr>
+    </dgm:fillClrLst>
+    <dgm:linClrLst meth="repeat">
+      <a:schemeClr val="lt1"/>
+    </dgm:linClrLst>
+    <dgm:effectClrLst/>
+    <dgm:txLinClrLst/>
+    <dgm:txFillClrLst meth="repeat">
+      <a:schemeClr val="dk1"/>
+    </dgm:txFillClrLst>
+    <dgm:txEffectClrLst/>
+  </dgm:styleLbl>
+  <dgm:styleLbl name="revTx">
+    <dgm:fillClrLst meth="repeat">
+      <a:schemeClr val="lt1">
+        <a:alpha val="0"/>
+      </a:schemeClr>
+    </dgm:fillClrLst>
+    <dgm:linClrLst meth="repeat">
+      <a:schemeClr val="dk1">
+        <a:alpha val="0"/>
+      </a:schemeClr>
+    </dgm:linClrLst>
+    <dgm:effectClrLst/>
+    <dgm:txLinClrLst/>
+    <dgm:txFillClrLst meth="repeat">
+      <a:schemeClr val="tx1"/>
+    </dgm:txFillClrLst>
+    <dgm:txEffectClrLst/>
+  </dgm:styleLbl>
+</dgm:colorsDef>
+</file>
+
+<file path=ppt/diagrams/colors5.xml><?xml version="1.0" encoding="utf-8"?>
+<dgm:colorsDef xmlns:dgm="http://schemas.openxmlformats.org/drawingml/2006/diagram" xmlns:a="http://schemas.openxmlformats.org/drawingml/2006/main" uniqueId="urn:microsoft.com/office/officeart/2005/8/colors/accent1_2">
+  <dgm:title val=""/>
+  <dgm:desc val=""/>
+  <dgm:catLst>
+    <dgm:cat type="accent1" pri="11200"/>
+  </dgm:catLst>
+  <dgm:styleLbl name="node0">
+    <dgm:fillClrLst meth="repeat">
+      <a:schemeClr val="accent1"/>
+    </dgm:fillClrLst>
+    <dgm:linClrLst meth="repeat">
+      <a:schemeClr val="lt1"/>
+    </dgm:linClrLst>
+    <dgm:effectClrLst/>
+    <dgm:txLinClrLst/>
+    <dgm:txFillClrLst/>
+    <dgm:txEffectClrLst/>
+  </dgm:styleLbl>
+  <dgm:styleLbl name="alignNode1">
+    <dgm:fillClrLst meth="repeat">
+      <a:schemeClr val="accent1"/>
+    </dgm:fillClrLst>
+    <dgm:linClrLst meth="repeat">
+      <a:schemeClr val="accent1"/>
+    </dgm:linClrLst>
+    <dgm:effectClrLst/>
+    <dgm:txLinClrLst/>
+    <dgm:txFillClrLst/>
+    <dgm:txEffectClrLst/>
+  </dgm:styleLbl>
+  <dgm:styleLbl name="node1">
+    <dgm:fillClrLst meth="repeat">
+      <a:schemeClr val="accent1"/>
+    </dgm:fillClrLst>
+    <dgm:linClrLst meth="repeat">
+      <a:schemeClr val="lt1"/>
+    </dgm:linClrLst>
+    <dgm:effectClrLst/>
+    <dgm:txLinClrLst/>
+    <dgm:txFillClrLst/>
+    <dgm:txEffectClrLst/>
+  </dgm:styleLbl>
+  <dgm:styleLbl name="lnNode1">
+    <dgm:fillClrLst meth="repeat">
+      <a:schemeClr val="accent1"/>
+    </dgm:fillClrLst>
+    <dgm:linClrLst meth="repeat">
+      <a:schemeClr val="lt1"/>
+    </dgm:linClrLst>
+    <dgm:effectClrLst/>
+    <dgm:txLinClrLst/>
+    <dgm:txFillClrLst/>
+    <dgm:txEffectClrLst/>
+  </dgm:styleLbl>
+  <dgm:styleLbl name="vennNode1">
+    <dgm:fillClrLst meth="repeat">
+      <a:schemeClr val="accent1">
+        <a:alpha val="50000"/>
+      </a:schemeClr>
+    </dgm:fillClrLst>
+    <dgm:linClrLst meth="repeat">
+      <a:schemeClr val="lt1"/>
+    </dgm:linClrLst>
+    <dgm:effectClrLst/>
+    <dgm:txLinClrLst/>
+    <dgm:txFillClrLst/>
+    <dgm:txEffectClrLst/>
+  </dgm:styleLbl>
+  <dgm:styleLbl name="node2">
+    <dgm:fillClrLst meth="repeat">
+      <a:schemeClr val="accent1"/>
+    </dgm:fillClrLst>
+    <dgm:linClrLst meth="repeat">
+      <a:schemeClr val="lt1"/>
+    </dgm:linClrLst>
+    <dgm:effectClrLst/>
+    <dgm:txLinClrLst/>
+    <dgm:txFillClrLst/>
+    <dgm:txEffectClrLst/>
+  </dgm:styleLbl>
+  <dgm:styleLbl name="node3">
+    <dgm:fillClrLst meth="repeat">
+      <a:schemeClr val="accent1"/>
+    </dgm:fillClrLst>
+    <dgm:linClrLst meth="repeat">
+      <a:schemeClr val="lt1"/>
+    </dgm:linClrLst>
+    <dgm:effectClrLst/>
+    <dgm:txLinClrLst/>
+    <dgm:txFillClrLst/>
+    <dgm:txEffectClrLst/>
+  </dgm:styleLbl>
+  <dgm:styleLbl name="node4">
+    <dgm:fillClrLst meth="repeat">
+      <a:schemeClr val="accent1"/>
+    </dgm:fillClrLst>
+    <dgm:linClrLst meth="repeat">
+      <a:schemeClr val="lt1"/>
+    </dgm:linClrLst>
+    <dgm:effectClrLst/>
+    <dgm:txLinClrLst/>
+    <dgm:txFillClrLst/>
+    <dgm:txEffectClrLst/>
+  </dgm:styleLbl>
+  <dgm:styleLbl name="fgImgPlace1">
+    <dgm:fillClrLst meth="repeat">
+      <a:schemeClr val="accent1">
+        <a:tint val="50000"/>
+      </a:schemeClr>
+    </dgm:fillClrLst>
+    <dgm:linClrLst meth="repeat">
+      <a:schemeClr val="lt1"/>
+    </dgm:linClrLst>
+    <dgm:effectClrLst/>
+    <dgm:txLinClrLst/>
+    <dgm:txFillClrLst meth="repeat">
+      <a:schemeClr val="lt1"/>
+    </dgm:txFillClrLst>
+    <dgm:txEffectClrLst/>
+  </dgm:styleLbl>
+  <dgm:styleLbl name="alignImgPlace1">
+    <dgm:fillClrLst meth="repeat">
+      <a:schemeClr val="accent1">
+        <a:tint val="50000"/>
+      </a:schemeClr>
+    </dgm:fillClrLst>
+    <dgm:linClrLst meth="repeat">
+      <a:schemeClr val="lt1"/>
+    </dgm:linClrLst>
+    <dgm:effectClrLst/>
+    <dgm:txLinClrLst/>
+    <dgm:txFillClrLst meth="repeat">
+      <a:schemeClr val="lt1"/>
+    </dgm:txFillClrLst>
+    <dgm:txEffectClrLst/>
+  </dgm:styleLbl>
+  <dgm:styleLbl name="bgImgPlace1">
+    <dgm:fillClrLst meth="repeat">
+      <a:schemeClr val="accent1">
+        <a:tint val="50000"/>
+      </a:schemeClr>
+    </dgm:fillClrLst>
+    <dgm:linClrLst meth="repeat">
+      <a:schemeClr val="lt1"/>
+    </dgm:linClrLst>
+    <dgm:effectClrLst/>
+    <dgm:txLinClrLst/>
+    <dgm:txFillClrLst meth="repeat">
+      <a:schemeClr val="lt1"/>
+    </dgm:txFillClrLst>
+    <dgm:txEffectClrLst/>
+  </dgm:styleLbl>
+  <dgm:styleLbl name="sibTrans2D1">
+    <dgm:fillClrLst meth="repeat">
+      <a:schemeClr val="accent1">
+        <a:tint val="60000"/>
+      </a:schemeClr>
+    </dgm:fillClrLst>
+    <dgm:linClrLst meth="repeat">
+      <a:schemeClr val="accent1">
+        <a:tint val="60000"/>
+      </a:schemeClr>
+    </dgm:linClrLst>
+    <dgm:effectClrLst/>
+    <dgm:txLinClrLst/>
+    <dgm:txFillClrLst/>
+    <dgm:txEffectClrLst/>
+  </dgm:styleLbl>
+  <dgm:styleLbl name="fgSibTrans2D1">
+    <dgm:fillClrLst meth="repeat">
+      <a:schemeClr val="accent1">
+        <a:tint val="60000"/>
+      </a:schemeClr>
+    </dgm:fillClrLst>
+    <dgm:linClrLst meth="repeat">
+      <a:schemeClr val="accent1">
+        <a:tint val="60000"/>
+      </a:schemeClr>
+    </dgm:linClrLst>
+    <dgm:effectClrLst/>
+    <dgm:txLinClrLst/>
+    <dgm:txFillClrLst/>
+    <dgm:txEffectClrLst/>
+  </dgm:styleLbl>
+  <dgm:styleLbl name="bgSibTrans2D1">
+    <dgm:fillClrLst meth="repeat">
+      <a:schemeClr val="accent1">
+        <a:tint val="60000"/>
+      </a:schemeClr>
+    </dgm:fillClrLst>
+    <dgm:linClrLst meth="repeat">
+      <a:schemeClr val="accent1">
+        <a:tint val="60000"/>
+      </a:schemeClr>
+    </dgm:linClrLst>
+    <dgm:effectClrLst/>
+    <dgm:txLinClrLst/>
+    <dgm:txFillClrLst/>
+    <dgm:txEffectClrLst/>
+  </dgm:styleLbl>
+  <dgm:styleLbl name="sibTrans1D1">
+    <dgm:fillClrLst meth="repeat">
+      <a:schemeClr val="accent1"/>
+    </dgm:fillClrLst>
+    <dgm:linClrLst meth="repeat">
+      <a:schemeClr val="accent1"/>
+    </dgm:linClrLst>
+    <dgm:effectClrLst/>
+    <dgm:txLinClrLst/>
+    <dgm:txFillClrLst meth="repeat">
+      <a:schemeClr val="tx1"/>
+    </dgm:txFillClrLst>
+    <dgm:txEffectClrLst/>
+  </dgm:styleLbl>
+  <dgm:styleLbl name="callout">
+    <dgm:fillClrLst meth="repeat">
+      <a:schemeClr val="accent1"/>
+    </dgm:fillClrLst>
+    <dgm:linClrLst meth="repeat">
+      <a:schemeClr val="accent1">
+        <a:tint val="50000"/>
+      </a:schemeClr>
+    </dgm:linClrLst>
+    <dgm:effectClrLst/>
+    <dgm:txLinClrLst/>
+    <dgm:txFillClrLst meth="repeat">
+      <a:schemeClr val="tx1"/>
+    </dgm:txFillClrLst>
+    <dgm:txEffectClrLst/>
+  </dgm:styleLbl>
+  <dgm:styleLbl name="asst0">
+    <dgm:fillClrLst meth="repeat">
+      <a:schemeClr val="accent1"/>
+    </dgm:fillClrLst>
+    <dgm:linClrLst meth="repeat">
+      <a:schemeClr val="lt1"/>
+    </dgm:linClrLst>
+    <dgm:effectClrLst/>
+    <dgm:txLinClrLst/>
+    <dgm:txFillClrLst/>
+    <dgm:txEffectClrLst/>
+  </dgm:styleLbl>
+  <dgm:styleLbl name="asst1">
+    <dgm:fillClrLst meth="repeat">
+      <a:schemeClr val="accent1"/>
+    </dgm:fillClrLst>
+    <dgm:linClrLst meth="repeat">
+      <a:schemeClr val="lt1"/>
+    </dgm:linClrLst>
+    <dgm:effectClrLst/>
+    <dgm:txLinClrLst/>
+    <dgm:txFillClrLst/>
+    <dgm:txEffectClrLst/>
+  </dgm:styleLbl>
+  <dgm:styleLbl name="asst2">
+    <dgm:fillClrLst meth="repeat">
+      <a:schemeClr val="accent1"/>
+    </dgm:fillClrLst>
+    <dgm:linClrLst meth="repeat">
+      <a:schemeClr val="lt1"/>
+    </dgm:linClrLst>
+    <dgm:effectClrLst/>
+    <dgm:txLinClrLst/>
+    <dgm:txFillClrLst/>
+    <dgm:txEffectClrLst/>
+  </dgm:styleLbl>
+  <dgm:styleLbl name="asst3">
+    <dgm:fillClrLst meth="repeat">
+      <a:schemeClr val="accent1"/>
+    </dgm:fillClrLst>
+    <dgm:linClrLst meth="repeat">
+      <a:schemeClr val="lt1"/>
+    </dgm:linClrLst>
+    <dgm:effectClrLst/>
+    <dgm:txLinClrLst/>
+    <dgm:txFillClrLst/>
+    <dgm:txEffectClrLst/>
+  </dgm:styleLbl>
+  <dgm:styleLbl name="asst4">
+    <dgm:fillClrLst meth="repeat">
+      <a:schemeClr val="accent1"/>
+    </dgm:fillClrLst>
+    <dgm:linClrLst meth="repeat">
+      <a:schemeClr val="lt1"/>
+    </dgm:linClrLst>
+    <dgm:effectClrLst/>
+    <dgm:txLinClrLst/>
+    <dgm:txFillClrLst/>
+    <dgm:txEffectClrLst/>
+  </dgm:styleLbl>
+  <dgm:styleLbl name="parChTrans2D1">
+    <dgm:fillClrLst meth="repeat">
+      <a:schemeClr val="accent1">
+        <a:tint val="60000"/>
+      </a:schemeClr>
+    </dgm:fillClrLst>
+    <dgm:linClrLst meth="repeat">
+      <a:schemeClr val="accent1">
+        <a:tint val="60000"/>
+      </a:schemeClr>
+    </dgm:linClrLst>
+    <dgm:effectClrLst/>
+    <dgm:txLinClrLst/>
+    <dgm:txFillClrLst meth="repeat">
+      <a:schemeClr val="lt1"/>
+    </dgm:txFillClrLst>
+    <dgm:txEffectClrLst/>
+  </dgm:styleLbl>
+  <dgm:styleLbl name="parChTrans2D2">
+    <dgm:fillClrLst meth="repeat">
+      <a:schemeClr val="accent1"/>
+    </dgm:fillClrLst>
+    <dgm:linClrLst meth="repeat">
+      <a:schemeClr val="accent1"/>
+    </dgm:linClrLst>
+    <dgm:effectClrLst/>
+    <dgm:txLinClrLst/>
+    <dgm:txFillClrLst meth="repeat">
+      <a:schemeClr val="lt1"/>
+    </dgm:txFillClrLst>
+    <dgm:txEffectClrLst/>
+  </dgm:styleLbl>
+  <dgm:styleLbl name="parChTrans2D3">
+    <dgm:fillClrLst meth="repeat">
+      <a:schemeClr val="accent1"/>
+    </dgm:fillClrLst>
+    <dgm:linClrLst meth="repeat">
+      <a:schemeClr val="accent1"/>
+    </dgm:linClrLst>
+    <dgm:effectClrLst/>
+    <dgm:txLinClrLst/>
+    <dgm:txFillClrLst meth="repeat">
+      <a:schemeClr val="lt1"/>
+    </dgm:txFillClrLst>
+    <dgm:txEffectClrLst/>
+  </dgm:styleLbl>
+  <dgm:styleLbl name="parChTrans2D4">
+    <dgm:fillClrLst meth="repeat">
+      <a:schemeClr val="accent1"/>
+    </dgm:fillClrLst>
+    <dgm:linClrLst meth="repeat">
+      <a:schemeClr val="accent1"/>
+    </dgm:linClrLst>
+    <dgm:effectClrLst/>
+    <dgm:txLinClrLst/>
+    <dgm:txFillClrLst meth="repeat">
+      <a:schemeClr val="lt1"/>
+    </dgm:txFillClrLst>
+    <dgm:txEffectClrLst/>
+  </dgm:styleLbl>
+  <dgm:styleLbl name="parChTrans1D1">
+    <dgm:fillClrLst meth="repeat">
+      <a:schemeClr val="accent1"/>
+    </dgm:fillClrLst>
+    <dgm:linClrLst meth="repeat">
+      <a:schemeClr val="accent1">
+        <a:shade val="60000"/>
+      </a:schemeClr>
+    </dgm:linClrLst>
+    <dgm:effectClrLst/>
+    <dgm:txLinClrLst/>
+    <dgm:txFillClrLst meth="repeat">
+      <a:schemeClr val="tx1"/>
+    </dgm:txFillClrLst>
+    <dgm:txEffectClrLst/>
+  </dgm:styleLbl>
+  <dgm:styleLbl name="parChTrans1D2">
+    <dgm:fillClrLst meth="repeat">
+      <a:schemeClr val="accent1"/>
+    </dgm:fillClrLst>
+    <dgm:linClrLst meth="repeat">
+      <a:schemeClr val="accent1">
+        <a:shade val="60000"/>
+      </a:schemeClr>
+    </dgm:linClrLst>
+    <dgm:effectClrLst/>
+    <dgm:txLinClrLst/>
+    <dgm:txFillClrLst meth="repeat">
+      <a:schemeClr val="tx1"/>
+    </dgm:txFillClrLst>
+    <dgm:txEffectClrLst/>
+  </dgm:styleLbl>
+  <dgm:styleLbl name="parChTrans1D3">
+    <dgm:fillClrLst meth="repeat">
+      <a:schemeClr val="accent1"/>
+    </dgm:fillClrLst>
+    <dgm:linClrLst meth="repeat">
+      <a:schemeClr val="accent1">
+        <a:shade val="80000"/>
+      </a:schemeClr>
+    </dgm:linClrLst>
+    <dgm:effectClrLst/>
+    <dgm:txLinClrLst/>
+    <dgm:txFillClrLst meth="repeat">
+      <a:schemeClr val="tx1"/>
+    </dgm:txFillClrLst>
+    <dgm:txEffectClrLst/>
+  </dgm:styleLbl>
+  <dgm:styleLbl name="parChTrans1D4">
+    <dgm:fillClrLst meth="repeat">
+      <a:schemeClr val="accent1"/>
+    </dgm:fillClrLst>
+    <dgm:linClrLst meth="repeat">
+      <a:schemeClr val="accent1">
+        <a:shade val="80000"/>
+      </a:schemeClr>
+    </dgm:linClrLst>
+    <dgm:effectClrLst/>
+    <dgm:txLinClrLst/>
+    <dgm:txFillClrLst meth="repeat">
+      <a:schemeClr val="tx1"/>
+    </dgm:txFillClrLst>
+    <dgm:txEffectClrLst/>
+  </dgm:styleLbl>
+  <dgm:styleLbl name="fgAcc1">
+    <dgm:fillClrLst meth="repeat">
+      <a:schemeClr val="lt1">
+        <a:alpha val="90000"/>
+      </a:schemeClr>
+    </dgm:fillClrLst>
+    <dgm:linClrLst meth="repeat">
+      <a:schemeClr val="accent1"/>
+    </dgm:linClrLst>
+    <dgm:effectClrLst/>
+    <dgm:txLinClrLst/>
+    <dgm:txFillClrLst meth="repeat">
+      <a:schemeClr val="dk1"/>
+    </dgm:txFillClrLst>
+    <dgm:txEffectClrLst/>
+  </dgm:styleLbl>
+  <dgm:styleLbl name="conFgAcc1">
+    <dgm:fillClrLst meth="repeat">
+      <a:schemeClr val="lt1">
+        <a:alpha val="90000"/>
+      </a:schemeClr>
+    </dgm:fillClrLst>
+    <dgm:linClrLst meth="repeat">
+      <a:schemeClr val="accent1"/>
+    </dgm:linClrLst>
+    <dgm:effectClrLst/>
+    <dgm:txLinClrLst/>
+    <dgm:txFillClrLst meth="repeat">
+      <a:schemeClr val="dk1"/>
+    </dgm:txFillClrLst>
+    <dgm:txEffectClrLst/>
+  </dgm:styleLbl>
+  <dgm:styleLbl name="alignAcc1">
+    <dgm:fillClrLst meth="repeat">
+      <a:schemeClr val="lt1">
+        <a:alpha val="90000"/>
+      </a:schemeClr>
+    </dgm:fillClrLst>
+    <dgm:linClrLst meth="repeat">
+      <a:schemeClr val="accent1"/>
+    </dgm:linClrLst>
+    <dgm:effectClrLst/>
+    <dgm:txLinClrLst/>
+    <dgm:txFillClrLst meth="repeat">
+      <a:schemeClr val="dk1"/>
+    </dgm:txFillClrLst>
+    <dgm:txEffectClrLst/>
+  </dgm:styleLbl>
+  <dgm:styleLbl name="trAlignAcc1">
+    <dgm:fillClrLst meth="repeat">
+      <a:schemeClr val="lt1">
+        <a:alpha val="40000"/>
+      </a:schemeClr>
+    </dgm:fillClrLst>
+    <dgm:linClrLst meth="repeat">
+      <a:schemeClr val="accent1"/>
+    </dgm:linClrLst>
+    <dgm:effectClrLst/>
+    <dgm:txLinClrLst/>
+    <dgm:txFillClrLst meth="repeat">
+      <a:schemeClr val="dk1"/>
+    </dgm:txFillClrLst>
+    <dgm:txEffectClrLst/>
+  </dgm:styleLbl>
+  <dgm:styleLbl name="bgAcc1">
+    <dgm:fillClrLst meth="repeat">
+      <a:schemeClr val="lt1">
+        <a:alpha val="90000"/>
+      </a:schemeClr>
+    </dgm:fillClrLst>
+    <dgm:linClrLst meth="repeat">
+      <a:schemeClr val="accent1"/>
+    </dgm:linClrLst>
+    <dgm:effectClrLst/>
+    <dgm:txLinClrLst/>
+    <dgm:txFillClrLst meth="repeat">
+      <a:schemeClr val="dk1"/>
+    </dgm:txFillClrLst>
+    <dgm:txEffectClrLst/>
+  </dgm:styleLbl>
+  <dgm:styleLbl name="solidFgAcc1">
+    <dgm:fillClrLst meth="repeat">
+      <a:schemeClr val="lt1"/>
+    </dgm:fillClrLst>
+    <dgm:linClrLst meth="repeat">
+      <a:schemeClr val="accent1"/>
+    </dgm:linClrLst>
+    <dgm:effectClrLst/>
+    <dgm:txLinClrLst/>
+    <dgm:txFillClrLst meth="repeat">
+      <a:schemeClr val="dk1"/>
+    </dgm:txFillClrLst>
+    <dgm:txEffectClrLst/>
+  </dgm:styleLbl>
+  <dgm:styleLbl name="solidAlignAcc1">
+    <dgm:fillClrLst meth="repeat">
+      <a:schemeClr val="lt1"/>
+    </dgm:fillClrLst>
+    <dgm:linClrLst meth="repeat">
+      <a:schemeClr val="accent1"/>
+    </dgm:linClrLst>
+    <dgm:effectClrLst/>
+    <dgm:txLinClrLst/>
+    <dgm:txFillClrLst meth="repeat">
+      <a:schemeClr val="dk1"/>
+    </dgm:txFillClrLst>
+    <dgm:txEffectClrLst/>
+  </dgm:styleLbl>
+  <dgm:styleLbl name="solidBgAcc1">
+    <dgm:fillClrLst meth="repeat">
+      <a:schemeClr val="lt1"/>
+    </dgm:fillClrLst>
+    <dgm:linClrLst meth="repeat">
+      <a:schemeClr val="accent1"/>
+    </dgm:linClrLst>
+    <dgm:effectClrLst/>
+    <dgm:txLinClrLst/>
+    <dgm:txFillClrLst meth="repeat">
+      <a:schemeClr val="dk1"/>
+    </dgm:txFillClrLst>
+    <dgm:txEffectClrLst/>
+  </dgm:styleLbl>
+  <dgm:styleLbl name="fgAccFollowNode1">
+    <dgm:fillClrLst meth="repeat">
+      <a:schemeClr val="accent1">
+        <a:alpha val="90000"/>
+        <a:tint val="40000"/>
+      </a:schemeClr>
+    </dgm:fillClrLst>
+    <dgm:linClrLst meth="repeat">
+      <a:schemeClr val="accent1">
+        <a:alpha val="90000"/>
+        <a:tint val="40000"/>
+      </a:schemeClr>
+    </dgm:linClrLst>
+    <dgm:effectClrLst/>
+    <dgm:txLinClrLst/>
+    <dgm:txFillClrLst meth="repeat">
+      <a:schemeClr val="dk1"/>
+    </dgm:txFillClrLst>
+    <dgm:txEffectClrLst/>
+  </dgm:styleLbl>
+  <dgm:styleLbl name="alignAccFollowNode1">
+    <dgm:fillClrLst meth="repeat">
+      <a:schemeClr val="accent1">
+        <a:alpha val="90000"/>
+        <a:tint val="40000"/>
+      </a:schemeClr>
+    </dgm:fillClrLst>
+    <dgm:linClrLst meth="repeat">
+      <a:schemeClr val="accent1">
+        <a:alpha val="90000"/>
+        <a:tint val="40000"/>
+      </a:schemeClr>
+    </dgm:linClrLst>
+    <dgm:effectClrLst/>
+    <dgm:txLinClrLst/>
+    <dgm:txFillClrLst meth="repeat">
+      <a:schemeClr val="dk1"/>
+    </dgm:txFillClrLst>
+    <dgm:txEffectClrLst/>
+  </dgm:styleLbl>
+  <dgm:styleLbl name="bgAccFollowNode1">
+    <dgm:fillClrLst meth="repeat">
+      <a:schemeClr val="accent1">
+        <a:alpha val="90000"/>
+        <a:tint val="40000"/>
+      </a:schemeClr>
+    </dgm:fillClrLst>
+    <dgm:linClrLst meth="repeat">
+      <a:schemeClr val="accent1">
+        <a:alpha val="90000"/>
+        <a:tint val="40000"/>
+      </a:schemeClr>
+    </dgm:linClrLst>
+    <dgm:effectClrLst/>
+    <dgm:txLinClrLst/>
+    <dgm:txFillClrLst meth="repeat">
+      <a:schemeClr val="dk1"/>
+    </dgm:txFillClrLst>
+    <dgm:txEffectClrLst/>
+  </dgm:styleLbl>
+  <dgm:styleLbl name="fgAcc0">
+    <dgm:fillClrLst meth="repeat">
+      <a:schemeClr val="lt1">
+        <a:alpha val="90000"/>
+      </a:schemeClr>
+    </dgm:fillClrLst>
+    <dgm:linClrLst meth="repeat">
+      <a:schemeClr val="accent1"/>
+    </dgm:linClrLst>
+    <dgm:effectClrLst/>
+    <dgm:txLinClrLst/>
+    <dgm:txFillClrLst meth="repeat">
+      <a:schemeClr val="dk1"/>
+    </dgm:txFillClrLst>
+    <dgm:txEffectClrLst/>
+  </dgm:styleLbl>
+  <dgm:styleLbl name="fgAcc2">
+    <dgm:fillClrLst meth="repeat">
+      <a:schemeClr val="lt1">
+        <a:alpha val="90000"/>
+      </a:schemeClr>
+    </dgm:fillClrLst>
+    <dgm:linClrLst meth="repeat">
+      <a:schemeClr val="accent1"/>
+    </dgm:linClrLst>
+    <dgm:effectClrLst/>
+    <dgm:txLinClrLst/>
+    <dgm:txFillClrLst meth="repeat">
+      <a:schemeClr val="dk1"/>
+    </dgm:txFillClrLst>
+    <dgm:txEffectClrLst/>
+  </dgm:styleLbl>
+  <dgm:styleLbl name="fgAcc3">
+    <dgm:fillClrLst meth="repeat">
+      <a:schemeClr val="lt1">
+        <a:alpha val="90000"/>
+      </a:schemeClr>
+    </dgm:fillClrLst>
+    <dgm:linClrLst meth="repeat">
+      <a:schemeClr val="accent1"/>
+    </dgm:linClrLst>
+    <dgm:effectClrLst/>
+    <dgm:txLinClrLst/>
+    <dgm:txFillClrLst meth="repeat">
+      <a:schemeClr val="dk1"/>
+    </dgm:txFillClrLst>
+    <dgm:txEffectClrLst/>
+  </dgm:styleLbl>
+  <dgm:styleLbl name="fgAcc4">
+    <dgm:fillClrLst meth="repeat">
+      <a:schemeClr val="lt1">
+        <a:alpha val="90000"/>
+      </a:schemeClr>
+    </dgm:fillClrLst>
+    <dgm:linClrLst meth="repeat">
+      <a:schemeClr val="accent1"/>
+    </dgm:linClrLst>
+    <dgm:effectClrLst/>
+    <dgm:txLinClrLst/>
+    <dgm:txFillClrLst meth="repeat">
+      <a:schemeClr val="dk1"/>
+    </dgm:txFillClrLst>
+    <dgm:txEffectClrLst/>
+  </dgm:styleLbl>
+  <dgm:styleLbl name="bgShp">
+    <dgm:fillClrLst meth="repeat">
+      <a:schemeClr val="accent1">
+        <a:tint val="40000"/>
+      </a:schemeClr>
+    </dgm:fillClrLst>
+    <dgm:linClrLst meth="repeat">
+      <a:schemeClr val="accent1"/>
+    </dgm:linClrLst>
+    <dgm:effectClrLst/>
+    <dgm:txLinClrLst/>
+    <dgm:txFillClrLst meth="repeat">
+      <a:schemeClr val="dk1"/>
+    </dgm:txFillClrLst>
+    <dgm:txEffectClrLst/>
+  </dgm:styleLbl>
+  <dgm:styleLbl name="dkBgShp">
+    <dgm:fillClrLst meth="repeat">
+      <a:schemeClr val="accent1">
+        <a:shade val="80000"/>
+      </a:schemeClr>
+    </dgm:fillClrLst>
+    <dgm:linClrLst meth="repeat">
+      <a:schemeClr val="accent1"/>
+    </dgm:linClrLst>
+    <dgm:effectClrLst/>
+    <dgm:txLinClrLst/>
+    <dgm:txFillClrLst meth="repeat">
+      <a:schemeClr val="lt1"/>
+    </dgm:txFillClrLst>
+    <dgm:txEffectClrLst/>
+  </dgm:styleLbl>
+  <dgm:styleLbl name="trBgShp">
+    <dgm:fillClrLst meth="repeat">
+      <a:schemeClr val="accent1">
+        <a:tint val="50000"/>
+        <a:alpha val="40000"/>
+      </a:schemeClr>
+    </dgm:fillClrLst>
+    <dgm:linClrLst meth="repeat">
+      <a:schemeClr val="accent1"/>
+    </dgm:linClrLst>
+    <dgm:effectClrLst/>
+    <dgm:txLinClrLst/>
+    <dgm:txFillClrLst meth="repeat">
+      <a:schemeClr val="lt1"/>
+    </dgm:txFillClrLst>
+    <dgm:txEffectClrLst/>
+  </dgm:styleLbl>
+  <dgm:styleLbl name="fgShp">
+    <dgm:fillClrLst meth="repeat">
+      <a:schemeClr val="accent1">
+        <a:tint val="60000"/>
+      </a:schemeClr>
+    </dgm:fillClrLst>
+    <dgm:linClrLst meth="repeat">
+      <a:schemeClr val="lt1"/>
+    </dgm:linClrLst>
+    <dgm:effectClrLst/>
+    <dgm:txLinClrLst/>
+    <dgm:txFillClrLst meth="repeat">
+      <a:schemeClr val="dk1"/>
+    </dgm:txFillClrLst>
+    <dgm:txEffectClrLst/>
+  </dgm:styleLbl>
+  <dgm:styleLbl name="revTx">
+    <dgm:fillClrLst meth="repeat">
+      <a:schemeClr val="lt1">
+        <a:alpha val="0"/>
+      </a:schemeClr>
+    </dgm:fillClrLst>
+    <dgm:linClrLst meth="repeat">
+      <a:schemeClr val="dk1">
+        <a:alpha val="0"/>
+      </a:schemeClr>
+    </dgm:linClrLst>
+    <dgm:effectClrLst/>
+    <dgm:txLinClrLst/>
+    <dgm:txFillClrLst meth="repeat">
+      <a:schemeClr val="tx1"/>
+    </dgm:txFillClrLst>
+    <dgm:txEffectClrLst/>
+  </dgm:styleLbl>
+</dgm:colorsDef>
+</file>
+
+<file path=ppt/diagrams/colors6.xml><?xml version="1.0" encoding="utf-8"?>
 <dgm:colorsDef xmlns:dgm="http://schemas.openxmlformats.org/drawingml/2006/diagram" xmlns:a="http://schemas.openxmlformats.org/drawingml/2006/main" uniqueId="urn:microsoft.com/office/officeart/2005/8/colors/accent1_2">
   <dgm:title val=""/>
   <dgm:desc val=""/>
@@ -4995,6 +6491,90 @@
         </a:p>
       </dgm:t>
     </dgm:pt>
+    <dgm:pt modelId="{C9797033-EBC8-4EFD-9673-DC2228860C30}">
+      <dgm:prSet/>
+      <dgm:spPr/>
+      <dgm:t>
+        <a:bodyPr/>
+        <a:lstStyle/>
+        <a:p>
+          <a:pPr>
+            <a:buFont typeface="+mj-lt"/>
+            <a:buAutoNum type="arabicPeriod"/>
+          </a:pPr>
+          <a:r>
+            <a:rPr lang="en-US" b="0" i="0" dirty="0"/>
+            <a:t>Once you get selected, screen your employer to</a:t>
+          </a:r>
+        </a:p>
+      </dgm:t>
+    </dgm:pt>
+    <dgm:pt modelId="{2AFF4E6F-B011-48C1-A433-4286BDDC3D09}" type="parTrans" cxnId="{C5A34A83-C101-444A-8D86-D63A2B3759D9}">
+      <dgm:prSet/>
+      <dgm:spPr/>
+      <dgm:t>
+        <a:bodyPr/>
+        <a:lstStyle/>
+        <a:p>
+          <a:endParaRPr lang="fr-FR"/>
+        </a:p>
+      </dgm:t>
+    </dgm:pt>
+    <dgm:pt modelId="{DC5EC1F4-2BA4-44A2-8D6C-AD2F6E011CB9}" type="sibTrans" cxnId="{C5A34A83-C101-444A-8D86-D63A2B3759D9}">
+      <dgm:prSet/>
+      <dgm:spPr/>
+      <dgm:t>
+        <a:bodyPr/>
+        <a:lstStyle/>
+        <a:p>
+          <a:endParaRPr lang="fr-FR"/>
+        </a:p>
+      </dgm:t>
+    </dgm:pt>
+    <dgm:pt modelId="{EE4116B1-BEE3-4354-B607-B17C7A674912}">
+      <dgm:prSet/>
+      <dgm:spPr/>
+      <dgm:t>
+        <a:bodyPr/>
+        <a:lstStyle/>
+        <a:p>
+          <a:pPr>
+            <a:buFont typeface="+mj-lt"/>
+            <a:buAutoNum type="arabicPeriod"/>
+          </a:pPr>
+          <a:r>
+            <a:rPr lang="en-US" b="0" i="0"/>
+            <a:t> </a:t>
+          </a:r>
+          <a:r>
+            <a:rPr lang="en-US" b="0" i="0" dirty="0"/>
+            <a:t>see you can work with them </a:t>
+          </a:r>
+        </a:p>
+      </dgm:t>
+    </dgm:pt>
+    <dgm:pt modelId="{67AC02C6-6402-46EF-933A-59A97F74FF10}" type="parTrans" cxnId="{B22FF9AA-D345-4C7C-ABC0-186E3B06700E}">
+      <dgm:prSet/>
+      <dgm:spPr/>
+      <dgm:t>
+        <a:bodyPr/>
+        <a:lstStyle/>
+        <a:p>
+          <a:endParaRPr lang="fr-FR"/>
+        </a:p>
+      </dgm:t>
+    </dgm:pt>
+    <dgm:pt modelId="{EA8A1F1E-1835-4C74-ACA6-19DBDFAED235}" type="sibTrans" cxnId="{B22FF9AA-D345-4C7C-ABC0-186E3B06700E}">
+      <dgm:prSet/>
+      <dgm:spPr/>
+      <dgm:t>
+        <a:bodyPr/>
+        <a:lstStyle/>
+        <a:p>
+          <a:endParaRPr lang="fr-FR"/>
+        </a:p>
+      </dgm:t>
+    </dgm:pt>
     <dgm:pt modelId="{CE27D942-1C2B-45A6-B11D-102CB7AC984B}" type="pres">
       <dgm:prSet presAssocID="{480BFB1A-5604-4D44-9784-3B4A05BAD4FE}" presName="linear" presStyleCnt="0">
         <dgm:presLayoutVars>
@@ -5005,7 +6585,7 @@
       <dgm:spPr/>
     </dgm:pt>
     <dgm:pt modelId="{036972BC-A6E2-4B60-80D9-94B8CFA7B554}" type="pres">
-      <dgm:prSet presAssocID="{F41ECDA6-B83D-4773-A2D3-0107F9189F1E}" presName="parentText" presStyleLbl="node1" presStyleIdx="0" presStyleCnt="2">
+      <dgm:prSet presAssocID="{F41ECDA6-B83D-4773-A2D3-0107F9189F1E}" presName="parentText" presStyleLbl="node1" presStyleIdx="0" presStyleCnt="3">
         <dgm:presLayoutVars>
           <dgm:chMax val="0"/>
           <dgm:bulletEnabled val="1"/>
@@ -5014,7 +6594,7 @@
       <dgm:spPr/>
     </dgm:pt>
     <dgm:pt modelId="{3F84FC38-21EA-4494-A66C-2A2F5625D34F}" type="pres">
-      <dgm:prSet presAssocID="{F41ECDA6-B83D-4773-A2D3-0107F9189F1E}" presName="childText" presStyleLbl="revTx" presStyleIdx="0" presStyleCnt="2">
+      <dgm:prSet presAssocID="{F41ECDA6-B83D-4773-A2D3-0107F9189F1E}" presName="childText" presStyleLbl="revTx" presStyleIdx="0" presStyleCnt="3">
         <dgm:presLayoutVars>
           <dgm:bulletEnabled val="1"/>
         </dgm:presLayoutVars>
@@ -5022,7 +6602,7 @@
       <dgm:spPr/>
     </dgm:pt>
     <dgm:pt modelId="{0E4BB1EE-9BDE-48F1-8998-FC253E03B9DF}" type="pres">
-      <dgm:prSet presAssocID="{DAD38523-39F9-4682-8303-C61D773B77E9}" presName="parentText" presStyleLbl="node1" presStyleIdx="1" presStyleCnt="2">
+      <dgm:prSet presAssocID="{DAD38523-39F9-4682-8303-C61D773B77E9}" presName="parentText" presStyleLbl="node1" presStyleIdx="1" presStyleCnt="3">
         <dgm:presLayoutVars>
           <dgm:chMax val="0"/>
           <dgm:bulletEnabled val="1"/>
@@ -5031,7 +6611,502 @@
       <dgm:spPr/>
     </dgm:pt>
     <dgm:pt modelId="{21DC1E53-8627-46BD-A9D2-20626C753BA1}" type="pres">
-      <dgm:prSet presAssocID="{DAD38523-39F9-4682-8303-C61D773B77E9}" presName="childText" presStyleLbl="revTx" presStyleIdx="1" presStyleCnt="2">
+      <dgm:prSet presAssocID="{DAD38523-39F9-4682-8303-C61D773B77E9}" presName="childText" presStyleLbl="revTx" presStyleIdx="1" presStyleCnt="3">
+        <dgm:presLayoutVars>
+          <dgm:bulletEnabled val="1"/>
+        </dgm:presLayoutVars>
+      </dgm:prSet>
+      <dgm:spPr/>
+    </dgm:pt>
+    <dgm:pt modelId="{C69C29F0-41E6-4CE4-A204-6597337DED2D}" type="pres">
+      <dgm:prSet presAssocID="{C9797033-EBC8-4EFD-9673-DC2228860C30}" presName="parentText" presStyleLbl="node1" presStyleIdx="2" presStyleCnt="3">
+        <dgm:presLayoutVars>
+          <dgm:chMax val="0"/>
+          <dgm:bulletEnabled val="1"/>
+        </dgm:presLayoutVars>
+      </dgm:prSet>
+      <dgm:spPr/>
+    </dgm:pt>
+    <dgm:pt modelId="{559E1490-F75F-4937-904C-E880A900F3C6}" type="pres">
+      <dgm:prSet presAssocID="{C9797033-EBC8-4EFD-9673-DC2228860C30}" presName="childText" presStyleLbl="revTx" presStyleIdx="2" presStyleCnt="3">
+        <dgm:presLayoutVars>
+          <dgm:bulletEnabled val="1"/>
+        </dgm:presLayoutVars>
+      </dgm:prSet>
+      <dgm:spPr/>
+    </dgm:pt>
+  </dgm:ptLst>
+  <dgm:cxnLst>
+    <dgm:cxn modelId="{6DAD6411-FA76-47D7-B605-4C1E40C0A7ED}" type="presOf" srcId="{DAD38523-39F9-4682-8303-C61D773B77E9}" destId="{0E4BB1EE-9BDE-48F1-8998-FC253E03B9DF}" srcOrd="0" destOrd="0" presId="urn:microsoft.com/office/officeart/2005/8/layout/vList2"/>
+    <dgm:cxn modelId="{F49E2131-A2DC-4120-92B3-7E5208F35679}" type="presOf" srcId="{C9797033-EBC8-4EFD-9673-DC2228860C30}" destId="{C69C29F0-41E6-4CE4-A204-6597337DED2D}" srcOrd="0" destOrd="0" presId="urn:microsoft.com/office/officeart/2005/8/layout/vList2"/>
+    <dgm:cxn modelId="{6CF0D536-EE10-4A95-AF6B-DD18D8C46B3E}" type="presOf" srcId="{2DF3DD24-2DE2-4EE3-9E01-D36A7061C1FC}" destId="{21DC1E53-8627-46BD-A9D2-20626C753BA1}" srcOrd="0" destOrd="1" presId="urn:microsoft.com/office/officeart/2005/8/layout/vList2"/>
+    <dgm:cxn modelId="{F112075E-8AEE-4824-BF6C-CDE1D5026FA1}" srcId="{DAD38523-39F9-4682-8303-C61D773B77E9}" destId="{2DF3DD24-2DE2-4EE3-9E01-D36A7061C1FC}" srcOrd="1" destOrd="0" parTransId="{41CBE812-B1C7-469C-9A26-1BC89E1FFB1C}" sibTransId="{404CAF97-1840-4B00-ACC7-8403D7EACC4A}"/>
+    <dgm:cxn modelId="{1FD2C441-84FC-47DB-82F5-1C751ABE1D7C}" srcId="{480BFB1A-5604-4D44-9784-3B4A05BAD4FE}" destId="{DAD38523-39F9-4682-8303-C61D773B77E9}" srcOrd="1" destOrd="0" parTransId="{52011740-C09F-4225-A73D-93F48268E4F1}" sibTransId="{41EB7354-5577-4FB1-8ED4-5033E1FCED97}"/>
+    <dgm:cxn modelId="{AA794762-2F7B-41DE-8F2F-0E0A8EC7748A}" type="presOf" srcId="{F41ECDA6-B83D-4773-A2D3-0107F9189F1E}" destId="{036972BC-A6E2-4B60-80D9-94B8CFA7B554}" srcOrd="0" destOrd="0" presId="urn:microsoft.com/office/officeart/2005/8/layout/vList2"/>
+    <dgm:cxn modelId="{04A85C6A-71A7-4906-83B9-3BE4071974FF}" srcId="{DAD38523-39F9-4682-8303-C61D773B77E9}" destId="{73B3CAFF-0E41-4516-8E2A-BA7E19C68FF4}" srcOrd="2" destOrd="0" parTransId="{BC3E72E8-6D98-400A-B727-7CBB2267A356}" sibTransId="{6666A177-0B7E-4925-8077-3DE77992B10C}"/>
+    <dgm:cxn modelId="{DDB4C051-505C-45E1-8C2E-E5F07AA9CC06}" type="presOf" srcId="{B2E842A0-BDEA-4522-A62F-C48BEA3E951A}" destId="{21DC1E53-8627-46BD-A9D2-20626C753BA1}" srcOrd="0" destOrd="0" presId="urn:microsoft.com/office/officeart/2005/8/layout/vList2"/>
+    <dgm:cxn modelId="{26B1BC76-E992-46CD-9910-466944652069}" type="presOf" srcId="{EE4116B1-BEE3-4354-B607-B17C7A674912}" destId="{559E1490-F75F-4937-904C-E880A900F3C6}" srcOrd="0" destOrd="0" presId="urn:microsoft.com/office/officeart/2005/8/layout/vList2"/>
+    <dgm:cxn modelId="{C5A34A83-C101-444A-8D86-D63A2B3759D9}" srcId="{480BFB1A-5604-4D44-9784-3B4A05BAD4FE}" destId="{C9797033-EBC8-4EFD-9673-DC2228860C30}" srcOrd="2" destOrd="0" parTransId="{2AFF4E6F-B011-48C1-A433-4286BDDC3D09}" sibTransId="{DC5EC1F4-2BA4-44A2-8D6C-AD2F6E011CB9}"/>
+    <dgm:cxn modelId="{939AD997-E83E-4B35-9FFA-2CDA6683265E}" srcId="{480BFB1A-5604-4D44-9784-3B4A05BAD4FE}" destId="{F41ECDA6-B83D-4773-A2D3-0107F9189F1E}" srcOrd="0" destOrd="0" parTransId="{F09A42DC-D744-4C9D-BC84-1119C762666C}" sibTransId="{411828C7-AAFE-4FC8-9313-E94507A853F2}"/>
+    <dgm:cxn modelId="{9010B8A2-8DD1-4111-AA09-67BACD3D0969}" type="presOf" srcId="{73B3CAFF-0E41-4516-8E2A-BA7E19C68FF4}" destId="{21DC1E53-8627-46BD-A9D2-20626C753BA1}" srcOrd="0" destOrd="2" presId="urn:microsoft.com/office/officeart/2005/8/layout/vList2"/>
+    <dgm:cxn modelId="{B22FF9AA-D345-4C7C-ABC0-186E3B06700E}" srcId="{C9797033-EBC8-4EFD-9673-DC2228860C30}" destId="{EE4116B1-BEE3-4354-B607-B17C7A674912}" srcOrd="0" destOrd="0" parTransId="{67AC02C6-6402-46EF-933A-59A97F74FF10}" sibTransId="{EA8A1F1E-1835-4C74-ACA6-19DBDFAED235}"/>
+    <dgm:cxn modelId="{CF8C74B1-D478-4888-A784-E86E72EE08FC}" type="presOf" srcId="{480BFB1A-5604-4D44-9784-3B4A05BAD4FE}" destId="{CE27D942-1C2B-45A6-B11D-102CB7AC984B}" srcOrd="0" destOrd="0" presId="urn:microsoft.com/office/officeart/2005/8/layout/vList2"/>
+    <dgm:cxn modelId="{CC5162B3-7E97-4AF6-B96A-2A69CD2BD943}" srcId="{F41ECDA6-B83D-4773-A2D3-0107F9189F1E}" destId="{FB8FE5FE-9193-43FD-98E6-6D29D54FE382}" srcOrd="0" destOrd="0" parTransId="{9BD6F223-6CF4-4A77-9C72-6BC0BEE75017}" sibTransId="{0D7DBE56-8D1E-496B-9C55-7FDE3C944F49}"/>
+    <dgm:cxn modelId="{70EC94BC-036C-4692-8511-E1333184E15C}" srcId="{DAD38523-39F9-4682-8303-C61D773B77E9}" destId="{B2E842A0-BDEA-4522-A62F-C48BEA3E951A}" srcOrd="0" destOrd="0" parTransId="{1AD0EA42-770C-4E3B-9AC0-2DEF23CE79E1}" sibTransId="{A12874D4-AD31-485C-B422-1B7E6869F97E}"/>
+    <dgm:cxn modelId="{9F97CAF7-839A-4690-A70C-8A49DEA564A0}" type="presOf" srcId="{FB8FE5FE-9193-43FD-98E6-6D29D54FE382}" destId="{3F84FC38-21EA-4494-A66C-2A2F5625D34F}" srcOrd="0" destOrd="0" presId="urn:microsoft.com/office/officeart/2005/8/layout/vList2"/>
+    <dgm:cxn modelId="{14FC29AE-DFE1-4F38-95F6-7ABE6E128ACC}" type="presParOf" srcId="{CE27D942-1C2B-45A6-B11D-102CB7AC984B}" destId="{036972BC-A6E2-4B60-80D9-94B8CFA7B554}" srcOrd="0" destOrd="0" presId="urn:microsoft.com/office/officeart/2005/8/layout/vList2"/>
+    <dgm:cxn modelId="{2FE8ABEA-8B4E-40C2-BEA0-E4FB17994734}" type="presParOf" srcId="{CE27D942-1C2B-45A6-B11D-102CB7AC984B}" destId="{3F84FC38-21EA-4494-A66C-2A2F5625D34F}" srcOrd="1" destOrd="0" presId="urn:microsoft.com/office/officeart/2005/8/layout/vList2"/>
+    <dgm:cxn modelId="{7E259579-406F-4B93-8208-531F6FB52024}" type="presParOf" srcId="{CE27D942-1C2B-45A6-B11D-102CB7AC984B}" destId="{0E4BB1EE-9BDE-48F1-8998-FC253E03B9DF}" srcOrd="2" destOrd="0" presId="urn:microsoft.com/office/officeart/2005/8/layout/vList2"/>
+    <dgm:cxn modelId="{BB2210F4-9ADF-4029-96FC-67D549BD4083}" type="presParOf" srcId="{CE27D942-1C2B-45A6-B11D-102CB7AC984B}" destId="{21DC1E53-8627-46BD-A9D2-20626C753BA1}" srcOrd="3" destOrd="0" presId="urn:microsoft.com/office/officeart/2005/8/layout/vList2"/>
+    <dgm:cxn modelId="{80B8B163-FC54-477E-8EC1-C63F107875A5}" type="presParOf" srcId="{CE27D942-1C2B-45A6-B11D-102CB7AC984B}" destId="{C69C29F0-41E6-4CE4-A204-6597337DED2D}" srcOrd="4" destOrd="0" presId="urn:microsoft.com/office/officeart/2005/8/layout/vList2"/>
+    <dgm:cxn modelId="{363506F9-A29E-44F4-9D9C-493B89BD68FD}" type="presParOf" srcId="{CE27D942-1C2B-45A6-B11D-102CB7AC984B}" destId="{559E1490-F75F-4937-904C-E880A900F3C6}" srcOrd="5" destOrd="0" presId="urn:microsoft.com/office/officeart/2005/8/layout/vList2"/>
+  </dgm:cxnLst>
+  <dgm:bg/>
+  <dgm:whole/>
+  <dgm:extLst>
+    <a:ext uri="http://schemas.microsoft.com/office/drawing/2008/diagram">
+      <dsp:dataModelExt xmlns:dsp="http://schemas.microsoft.com/office/drawing/2008/diagram" relId="rId6" minVer="http://schemas.openxmlformats.org/drawingml/2006/diagram"/>
+    </a:ext>
+  </dgm:extLst>
+</dgm:dataModel>
+</file>
+
+<file path=ppt/diagrams/data5.xml><?xml version="1.0" encoding="utf-8"?>
+<dgm:dataModel xmlns:dgm="http://schemas.openxmlformats.org/drawingml/2006/diagram" xmlns:a="http://schemas.openxmlformats.org/drawingml/2006/main">
+  <dgm:ptLst>
+    <dgm:pt modelId="{480BFB1A-5604-4D44-9784-3B4A05BAD4FE}" type="doc">
+      <dgm:prSet loTypeId="urn:microsoft.com/office/officeart/2005/8/layout/vList2" loCatId="list" qsTypeId="urn:microsoft.com/office/officeart/2005/8/quickstyle/simple1" qsCatId="simple" csTypeId="urn:microsoft.com/office/officeart/2005/8/colors/accent1_2" csCatId="accent1" phldr="1"/>
+      <dgm:spPr/>
+      <dgm:t>
+        <a:bodyPr/>
+        <a:lstStyle/>
+        <a:p>
+          <a:endParaRPr lang="fr-FR"/>
+        </a:p>
+      </dgm:t>
+    </dgm:pt>
+    <dgm:pt modelId="{F41ECDA6-B83D-4773-A2D3-0107F9189F1E}">
+      <dgm:prSet/>
+      <dgm:spPr/>
+      <dgm:t>
+        <a:bodyPr/>
+        <a:lstStyle/>
+        <a:p>
+          <a:pPr>
+            <a:buFont typeface="+mj-lt"/>
+            <a:buAutoNum type="arabicPeriod"/>
+          </a:pPr>
+          <a:r>
+            <a:rPr lang="en-US" b="1" i="0" dirty="0"/>
+            <a:t>Project on Upwork starts at avg market rate</a:t>
+          </a:r>
+          <a:endParaRPr lang="en-US" b="0" i="0" dirty="0"/>
+        </a:p>
+      </dgm:t>
+    </dgm:pt>
+    <dgm:pt modelId="{F09A42DC-D744-4C9D-BC84-1119C762666C}" type="parTrans" cxnId="{939AD997-E83E-4B35-9FFA-2CDA6683265E}">
+      <dgm:prSet/>
+      <dgm:spPr/>
+      <dgm:t>
+        <a:bodyPr/>
+        <a:lstStyle/>
+        <a:p>
+          <a:endParaRPr lang="fr-FR"/>
+        </a:p>
+      </dgm:t>
+    </dgm:pt>
+    <dgm:pt modelId="{411828C7-AAFE-4FC8-9313-E94507A853F2}" type="sibTrans" cxnId="{939AD997-E83E-4B35-9FFA-2CDA6683265E}">
+      <dgm:prSet/>
+      <dgm:spPr/>
+      <dgm:t>
+        <a:bodyPr/>
+        <a:lstStyle/>
+        <a:p>
+          <a:endParaRPr lang="fr-FR"/>
+        </a:p>
+      </dgm:t>
+    </dgm:pt>
+    <dgm:pt modelId="{FB8FE5FE-9193-43FD-98E6-6D29D54FE382}">
+      <dgm:prSet/>
+      <dgm:spPr/>
+      <dgm:t>
+        <a:bodyPr/>
+        <a:lstStyle/>
+        <a:p>
+          <a:pPr>
+            <a:buFont typeface="+mj-lt"/>
+            <a:buAutoNum type="arabicPeriod"/>
+          </a:pPr>
+          <a:r>
+            <a:rPr lang="en-US" b="0" i="0" dirty="0"/>
+            <a:t>You need to buy credits to apply to a job on Upwork</a:t>
+          </a:r>
+        </a:p>
+      </dgm:t>
+    </dgm:pt>
+    <dgm:pt modelId="{9BD6F223-6CF4-4A77-9C72-6BC0BEE75017}" type="parTrans" cxnId="{CC5162B3-7E97-4AF6-B96A-2A69CD2BD943}">
+      <dgm:prSet/>
+      <dgm:spPr/>
+      <dgm:t>
+        <a:bodyPr/>
+        <a:lstStyle/>
+        <a:p>
+          <a:endParaRPr lang="fr-FR"/>
+        </a:p>
+      </dgm:t>
+    </dgm:pt>
+    <dgm:pt modelId="{0D7DBE56-8D1E-496B-9C55-7FDE3C944F49}" type="sibTrans" cxnId="{CC5162B3-7E97-4AF6-B96A-2A69CD2BD943}">
+      <dgm:prSet/>
+      <dgm:spPr/>
+      <dgm:t>
+        <a:bodyPr/>
+        <a:lstStyle/>
+        <a:p>
+          <a:endParaRPr lang="fr-FR"/>
+        </a:p>
+      </dgm:t>
+    </dgm:pt>
+    <dgm:pt modelId="{DAD38523-39F9-4682-8303-C61D773B77E9}">
+      <dgm:prSet/>
+      <dgm:spPr/>
+      <dgm:t>
+        <a:bodyPr/>
+        <a:lstStyle/>
+        <a:p>
+          <a:pPr>
+            <a:buFont typeface="+mj-lt"/>
+            <a:buAutoNum type="arabicPeriod"/>
+          </a:pPr>
+          <a:r>
+            <a:rPr lang="en-US" b="0" i="0" dirty="0"/>
+            <a:t>When you start, you need to get into projects with fewest bidders</a:t>
+          </a:r>
+        </a:p>
+      </dgm:t>
+    </dgm:pt>
+    <dgm:pt modelId="{52011740-C09F-4225-A73D-93F48268E4F1}" type="parTrans" cxnId="{1FD2C441-84FC-47DB-82F5-1C751ABE1D7C}">
+      <dgm:prSet/>
+      <dgm:spPr/>
+      <dgm:t>
+        <a:bodyPr/>
+        <a:lstStyle/>
+        <a:p>
+          <a:endParaRPr lang="fr-FR"/>
+        </a:p>
+      </dgm:t>
+    </dgm:pt>
+    <dgm:pt modelId="{41EB7354-5577-4FB1-8ED4-5033E1FCED97}" type="sibTrans" cxnId="{1FD2C441-84FC-47DB-82F5-1C751ABE1D7C}">
+      <dgm:prSet/>
+      <dgm:spPr/>
+      <dgm:t>
+        <a:bodyPr/>
+        <a:lstStyle/>
+        <a:p>
+          <a:endParaRPr lang="fr-FR"/>
+        </a:p>
+      </dgm:t>
+    </dgm:pt>
+    <dgm:pt modelId="{73B3CAFF-0E41-4516-8E2A-BA7E19C68FF4}">
+      <dgm:prSet/>
+      <dgm:spPr/>
+      <dgm:t>
+        <a:bodyPr/>
+        <a:lstStyle/>
+        <a:p>
+          <a:pPr>
+            <a:buFont typeface="+mj-lt"/>
+            <a:buAutoNum type="arabicPeriod"/>
+          </a:pPr>
+          <a:r>
+            <a:rPr lang="en-US" b="0" i="0" dirty="0"/>
+            <a:t>to have good ratings on your Upwork profile.</a:t>
+          </a:r>
+        </a:p>
+      </dgm:t>
+    </dgm:pt>
+    <dgm:pt modelId="{BC3E72E8-6D98-400A-B727-7CBB2267A356}" type="parTrans" cxnId="{04A85C6A-71A7-4906-83B9-3BE4071974FF}">
+      <dgm:prSet/>
+      <dgm:spPr/>
+      <dgm:t>
+        <a:bodyPr/>
+        <a:lstStyle/>
+        <a:p>
+          <a:endParaRPr lang="fr-FR"/>
+        </a:p>
+      </dgm:t>
+    </dgm:pt>
+    <dgm:pt modelId="{6666A177-0B7E-4925-8077-3DE77992B10C}" type="sibTrans" cxnId="{04A85C6A-71A7-4906-83B9-3BE4071974FF}">
+      <dgm:prSet/>
+      <dgm:spPr/>
+      <dgm:t>
+        <a:bodyPr/>
+        <a:lstStyle/>
+        <a:p>
+          <a:endParaRPr lang="fr-FR"/>
+        </a:p>
+      </dgm:t>
+    </dgm:pt>
+    <dgm:pt modelId="{2DF3DD24-2DE2-4EE3-9E01-D36A7061C1FC}">
+      <dgm:prSet/>
+      <dgm:spPr/>
+      <dgm:t>
+        <a:bodyPr/>
+        <a:lstStyle/>
+        <a:p>
+          <a:pPr>
+            <a:buFont typeface="+mj-lt"/>
+            <a:buAutoNum type="arabicPeriod"/>
+          </a:pPr>
+          <a:r>
+            <a:rPr lang="en-US" b="0" i="0" dirty="0"/>
+            <a:t>to get familiar with working freelance</a:t>
+          </a:r>
+        </a:p>
+      </dgm:t>
+    </dgm:pt>
+    <dgm:pt modelId="{41CBE812-B1C7-469C-9A26-1BC89E1FFB1C}" type="parTrans" cxnId="{F112075E-8AEE-4824-BF6C-CDE1D5026FA1}">
+      <dgm:prSet/>
+      <dgm:spPr/>
+      <dgm:t>
+        <a:bodyPr/>
+        <a:lstStyle/>
+        <a:p>
+          <a:endParaRPr lang="fr-FR"/>
+        </a:p>
+      </dgm:t>
+    </dgm:pt>
+    <dgm:pt modelId="{404CAF97-1840-4B00-ACC7-8403D7EACC4A}" type="sibTrans" cxnId="{F112075E-8AEE-4824-BF6C-CDE1D5026FA1}">
+      <dgm:prSet/>
+      <dgm:spPr/>
+      <dgm:t>
+        <a:bodyPr/>
+        <a:lstStyle/>
+        <a:p>
+          <a:endParaRPr lang="fr-FR"/>
+        </a:p>
+      </dgm:t>
+    </dgm:pt>
+    <dgm:pt modelId="{B2E842A0-BDEA-4522-A62F-C48BEA3E951A}">
+      <dgm:prSet/>
+      <dgm:spPr/>
+      <dgm:t>
+        <a:bodyPr/>
+        <a:lstStyle/>
+        <a:p>
+          <a:pPr>
+            <a:buFont typeface="+mj-lt"/>
+            <a:buAutoNum type="arabicPeriod"/>
+          </a:pPr>
+          <a:r>
+            <a:rPr lang="en-US" b="0" i="0" dirty="0"/>
+            <a:t>to build your portfolio</a:t>
+          </a:r>
+        </a:p>
+      </dgm:t>
+    </dgm:pt>
+    <dgm:pt modelId="{A12874D4-AD31-485C-B422-1B7E6869F97E}" type="sibTrans" cxnId="{70EC94BC-036C-4692-8511-E1333184E15C}">
+      <dgm:prSet/>
+      <dgm:spPr/>
+      <dgm:t>
+        <a:bodyPr/>
+        <a:lstStyle/>
+        <a:p>
+          <a:endParaRPr lang="fr-FR"/>
+        </a:p>
+      </dgm:t>
+    </dgm:pt>
+    <dgm:pt modelId="{1AD0EA42-770C-4E3B-9AC0-2DEF23CE79E1}" type="parTrans" cxnId="{70EC94BC-036C-4692-8511-E1333184E15C}">
+      <dgm:prSet/>
+      <dgm:spPr/>
+      <dgm:t>
+        <a:bodyPr/>
+        <a:lstStyle/>
+        <a:p>
+          <a:endParaRPr lang="fr-FR"/>
+        </a:p>
+      </dgm:t>
+    </dgm:pt>
+    <dgm:pt modelId="{42701FB8-020A-4F10-ABD8-A87527B8DB79}">
+      <dgm:prSet/>
+      <dgm:spPr/>
+      <dgm:t>
+        <a:bodyPr/>
+        <a:lstStyle/>
+        <a:p>
+          <a:pPr>
+            <a:buFont typeface="+mj-lt"/>
+            <a:buAutoNum type="arabicPeriod"/>
+          </a:pPr>
+          <a:r>
+            <a:rPr lang="en-US" b="0" i="0" dirty="0"/>
+            <a:t>Write a good cover letter when applying to an </a:t>
+          </a:r>
+          <a:r>
+            <a:rPr lang="en-US" b="0" i="0" dirty="0" err="1"/>
+            <a:t>upwork</a:t>
+          </a:r>
+          <a:r>
+            <a:rPr lang="en-US" b="0" i="0" dirty="0"/>
+            <a:t> job</a:t>
+          </a:r>
+        </a:p>
+      </dgm:t>
+    </dgm:pt>
+    <dgm:pt modelId="{173CBFAE-A5AD-41E6-BE9D-A076F487A34F}" type="parTrans" cxnId="{4B20A56A-DB09-40CF-8D12-9CD0F3F7565A}">
+      <dgm:prSet/>
+      <dgm:spPr/>
+      <dgm:t>
+        <a:bodyPr/>
+        <a:lstStyle/>
+        <a:p>
+          <a:endParaRPr lang="fr-FR"/>
+        </a:p>
+      </dgm:t>
+    </dgm:pt>
+    <dgm:pt modelId="{3388C342-95B2-4CBA-9E08-B9E48288D327}" type="sibTrans" cxnId="{4B20A56A-DB09-40CF-8D12-9CD0F3F7565A}">
+      <dgm:prSet/>
+      <dgm:spPr/>
+      <dgm:t>
+        <a:bodyPr/>
+        <a:lstStyle/>
+        <a:p>
+          <a:endParaRPr lang="fr-FR"/>
+        </a:p>
+      </dgm:t>
+    </dgm:pt>
+    <dgm:pt modelId="{F3039E3B-C637-4B4B-9DD6-0A13AEAC4D0A}">
+      <dgm:prSet/>
+      <dgm:spPr/>
+      <dgm:t>
+        <a:bodyPr/>
+        <a:lstStyle/>
+        <a:p>
+          <a:pPr>
+            <a:buFont typeface="+mj-lt"/>
+            <a:buAutoNum type="arabicPeriod"/>
+          </a:pPr>
+          <a:r>
+            <a:rPr lang="en-US" b="0" i="0" dirty="0"/>
+            <a:t>Once you get selected and finally talk to the client, screen your employer to</a:t>
+          </a:r>
+        </a:p>
+      </dgm:t>
+    </dgm:pt>
+    <dgm:pt modelId="{2A4414B9-DE5C-4674-B504-636D4B98DC59}" type="parTrans" cxnId="{40C71AF8-7469-4525-BDFA-CC0B665E98F3}">
+      <dgm:prSet/>
+      <dgm:spPr/>
+    </dgm:pt>
+    <dgm:pt modelId="{9199FE04-924E-4D22-8F78-31D0261F41C3}" type="sibTrans" cxnId="{40C71AF8-7469-4525-BDFA-CC0B665E98F3}">
+      <dgm:prSet/>
+      <dgm:spPr/>
+    </dgm:pt>
+    <dgm:pt modelId="{29C2079D-61B1-46D6-83C2-EF2A3AB7F4EE}">
+      <dgm:prSet/>
+      <dgm:spPr/>
+      <dgm:t>
+        <a:bodyPr/>
+        <a:lstStyle/>
+        <a:p>
+          <a:pPr>
+            <a:buFont typeface="+mj-lt"/>
+            <a:buAutoNum type="arabicPeriod"/>
+          </a:pPr>
+          <a:r>
+            <a:rPr lang="en-US" b="0" i="0" dirty="0"/>
+            <a:t>see if you can work with them</a:t>
+          </a:r>
+        </a:p>
+      </dgm:t>
+    </dgm:pt>
+    <dgm:pt modelId="{C22C06EA-5EEB-49BE-BC55-1989EBD10FD2}" type="parTrans" cxnId="{05FFB3F8-9D39-47B5-A10A-E2220CFE36B5}">
+      <dgm:prSet/>
+      <dgm:spPr/>
+      <dgm:t>
+        <a:bodyPr/>
+        <a:lstStyle/>
+        <a:p>
+          <a:endParaRPr lang="fr-FR"/>
+        </a:p>
+      </dgm:t>
+    </dgm:pt>
+    <dgm:pt modelId="{19076A22-0FFE-4DB9-820E-D1124260CC80}" type="sibTrans" cxnId="{05FFB3F8-9D39-47B5-A10A-E2220CFE36B5}">
+      <dgm:prSet/>
+      <dgm:spPr/>
+      <dgm:t>
+        <a:bodyPr/>
+        <a:lstStyle/>
+        <a:p>
+          <a:endParaRPr lang="fr-FR"/>
+        </a:p>
+      </dgm:t>
+    </dgm:pt>
+    <dgm:pt modelId="{CE27D942-1C2B-45A6-B11D-102CB7AC984B}" type="pres">
+      <dgm:prSet presAssocID="{480BFB1A-5604-4D44-9784-3B4A05BAD4FE}" presName="linear" presStyleCnt="0">
+        <dgm:presLayoutVars>
+          <dgm:animLvl val="lvl"/>
+          <dgm:resizeHandles val="exact"/>
+        </dgm:presLayoutVars>
+      </dgm:prSet>
+      <dgm:spPr/>
+    </dgm:pt>
+    <dgm:pt modelId="{036972BC-A6E2-4B60-80D9-94B8CFA7B554}" type="pres">
+      <dgm:prSet presAssocID="{F41ECDA6-B83D-4773-A2D3-0107F9189F1E}" presName="parentText" presStyleLbl="node1" presStyleIdx="0" presStyleCnt="4">
+        <dgm:presLayoutVars>
+          <dgm:chMax val="0"/>
+          <dgm:bulletEnabled val="1"/>
+        </dgm:presLayoutVars>
+      </dgm:prSet>
+      <dgm:spPr/>
+    </dgm:pt>
+    <dgm:pt modelId="{3F84FC38-21EA-4494-A66C-2A2F5625D34F}" type="pres">
+      <dgm:prSet presAssocID="{F41ECDA6-B83D-4773-A2D3-0107F9189F1E}" presName="childText" presStyleLbl="revTx" presStyleIdx="0" presStyleCnt="3">
+        <dgm:presLayoutVars>
+          <dgm:bulletEnabled val="1"/>
+        </dgm:presLayoutVars>
+      </dgm:prSet>
+      <dgm:spPr/>
+    </dgm:pt>
+    <dgm:pt modelId="{0E4BB1EE-9BDE-48F1-8998-FC253E03B9DF}" type="pres">
+      <dgm:prSet presAssocID="{DAD38523-39F9-4682-8303-C61D773B77E9}" presName="parentText" presStyleLbl="node1" presStyleIdx="1" presStyleCnt="4">
+        <dgm:presLayoutVars>
+          <dgm:chMax val="0"/>
+          <dgm:bulletEnabled val="1"/>
+        </dgm:presLayoutVars>
+      </dgm:prSet>
+      <dgm:spPr/>
+    </dgm:pt>
+    <dgm:pt modelId="{21DC1E53-8627-46BD-A9D2-20626C753BA1}" type="pres">
+      <dgm:prSet presAssocID="{DAD38523-39F9-4682-8303-C61D773B77E9}" presName="childText" presStyleLbl="revTx" presStyleIdx="1" presStyleCnt="3">
+        <dgm:presLayoutVars>
+          <dgm:bulletEnabled val="1"/>
+        </dgm:presLayoutVars>
+      </dgm:prSet>
+      <dgm:spPr/>
+    </dgm:pt>
+    <dgm:pt modelId="{FB817134-EC13-4AB3-BF54-15128E4D9565}" type="pres">
+      <dgm:prSet presAssocID="{42701FB8-020A-4F10-ABD8-A87527B8DB79}" presName="parentText" presStyleLbl="node1" presStyleIdx="2" presStyleCnt="4">
+        <dgm:presLayoutVars>
+          <dgm:chMax val="0"/>
+          <dgm:bulletEnabled val="1"/>
+        </dgm:presLayoutVars>
+      </dgm:prSet>
+      <dgm:spPr/>
+    </dgm:pt>
+    <dgm:pt modelId="{C6EEBBCB-D625-4922-808A-D0722B87D7C9}" type="pres">
+      <dgm:prSet presAssocID="{3388C342-95B2-4CBA-9E08-B9E48288D327}" presName="spacer" presStyleCnt="0"/>
+      <dgm:spPr/>
+    </dgm:pt>
+    <dgm:pt modelId="{F6BE18D1-FAB7-4898-BC78-749229F1A022}" type="pres">
+      <dgm:prSet presAssocID="{F3039E3B-C637-4B4B-9DD6-0A13AEAC4D0A}" presName="parentText" presStyleLbl="node1" presStyleIdx="3" presStyleCnt="4">
+        <dgm:presLayoutVars>
+          <dgm:chMax val="0"/>
+          <dgm:bulletEnabled val="1"/>
+        </dgm:presLayoutVars>
+      </dgm:prSet>
+      <dgm:spPr/>
+    </dgm:pt>
+    <dgm:pt modelId="{7F99C806-C6EE-406C-9D16-1E997BD1A388}" type="pres">
+      <dgm:prSet presAssocID="{F3039E3B-C637-4B4B-9DD6-0A13AEAC4D0A}" presName="childText" presStyleLbl="revTx" presStyleIdx="2" presStyleCnt="3">
         <dgm:presLayoutVars>
           <dgm:bulletEnabled val="1"/>
         </dgm:presLayoutVars>
@@ -5043,9 +7118,13 @@
     <dgm:cxn modelId="{6DAD6411-FA76-47D7-B605-4C1E40C0A7ED}" type="presOf" srcId="{DAD38523-39F9-4682-8303-C61D773B77E9}" destId="{0E4BB1EE-9BDE-48F1-8998-FC253E03B9DF}" srcOrd="0" destOrd="0" presId="urn:microsoft.com/office/officeart/2005/8/layout/vList2"/>
     <dgm:cxn modelId="{6CF0D536-EE10-4A95-AF6B-DD18D8C46B3E}" type="presOf" srcId="{2DF3DD24-2DE2-4EE3-9E01-D36A7061C1FC}" destId="{21DC1E53-8627-46BD-A9D2-20626C753BA1}" srcOrd="0" destOrd="1" presId="urn:microsoft.com/office/officeart/2005/8/layout/vList2"/>
     <dgm:cxn modelId="{F112075E-8AEE-4824-BF6C-CDE1D5026FA1}" srcId="{DAD38523-39F9-4682-8303-C61D773B77E9}" destId="{2DF3DD24-2DE2-4EE3-9E01-D36A7061C1FC}" srcOrd="1" destOrd="0" parTransId="{41CBE812-B1C7-469C-9A26-1BC89E1FFB1C}" sibTransId="{404CAF97-1840-4B00-ACC7-8403D7EACC4A}"/>
+    <dgm:cxn modelId="{989FD060-5E6C-416B-B5EA-C5B1C615231D}" type="presOf" srcId="{29C2079D-61B1-46D6-83C2-EF2A3AB7F4EE}" destId="{7F99C806-C6EE-406C-9D16-1E997BD1A388}" srcOrd="0" destOrd="0" presId="urn:microsoft.com/office/officeart/2005/8/layout/vList2"/>
     <dgm:cxn modelId="{1FD2C441-84FC-47DB-82F5-1C751ABE1D7C}" srcId="{480BFB1A-5604-4D44-9784-3B4A05BAD4FE}" destId="{DAD38523-39F9-4682-8303-C61D773B77E9}" srcOrd="1" destOrd="0" parTransId="{52011740-C09F-4225-A73D-93F48268E4F1}" sibTransId="{41EB7354-5577-4FB1-8ED4-5033E1FCED97}"/>
     <dgm:cxn modelId="{AA794762-2F7B-41DE-8F2F-0E0A8EC7748A}" type="presOf" srcId="{F41ECDA6-B83D-4773-A2D3-0107F9189F1E}" destId="{036972BC-A6E2-4B60-80D9-94B8CFA7B554}" srcOrd="0" destOrd="0" presId="urn:microsoft.com/office/officeart/2005/8/layout/vList2"/>
+    <dgm:cxn modelId="{880ED946-8BCD-4D47-B37C-906DE34ACF02}" type="presOf" srcId="{F3039E3B-C637-4B4B-9DD6-0A13AEAC4D0A}" destId="{F6BE18D1-FAB7-4898-BC78-749229F1A022}" srcOrd="0" destOrd="0" presId="urn:microsoft.com/office/officeart/2005/8/layout/vList2"/>
     <dgm:cxn modelId="{04A85C6A-71A7-4906-83B9-3BE4071974FF}" srcId="{DAD38523-39F9-4682-8303-C61D773B77E9}" destId="{73B3CAFF-0E41-4516-8E2A-BA7E19C68FF4}" srcOrd="2" destOrd="0" parTransId="{BC3E72E8-6D98-400A-B727-7CBB2267A356}" sibTransId="{6666A177-0B7E-4925-8077-3DE77992B10C}"/>
+    <dgm:cxn modelId="{4B20A56A-DB09-40CF-8D12-9CD0F3F7565A}" srcId="{480BFB1A-5604-4D44-9784-3B4A05BAD4FE}" destId="{42701FB8-020A-4F10-ABD8-A87527B8DB79}" srcOrd="2" destOrd="0" parTransId="{173CBFAE-A5AD-41E6-BE9D-A076F487A34F}" sibTransId="{3388C342-95B2-4CBA-9E08-B9E48288D327}"/>
+    <dgm:cxn modelId="{8D50B650-3C00-415E-80D9-0860433F0AA8}" type="presOf" srcId="{42701FB8-020A-4F10-ABD8-A87527B8DB79}" destId="{FB817134-EC13-4AB3-BF54-15128E4D9565}" srcOrd="0" destOrd="0" presId="urn:microsoft.com/office/officeart/2005/8/layout/vList2"/>
     <dgm:cxn modelId="{DDB4C051-505C-45E1-8C2E-E5F07AA9CC06}" type="presOf" srcId="{B2E842A0-BDEA-4522-A62F-C48BEA3E951A}" destId="{21DC1E53-8627-46BD-A9D2-20626C753BA1}" srcOrd="0" destOrd="0" presId="urn:microsoft.com/office/officeart/2005/8/layout/vList2"/>
     <dgm:cxn modelId="{939AD997-E83E-4B35-9FFA-2CDA6683265E}" srcId="{480BFB1A-5604-4D44-9784-3B4A05BAD4FE}" destId="{F41ECDA6-B83D-4773-A2D3-0107F9189F1E}" srcOrd="0" destOrd="0" parTransId="{F09A42DC-D744-4C9D-BC84-1119C762666C}" sibTransId="{411828C7-AAFE-4FC8-9313-E94507A853F2}"/>
     <dgm:cxn modelId="{9010B8A2-8DD1-4111-AA09-67BACD3D0969}" type="presOf" srcId="{73B3CAFF-0E41-4516-8E2A-BA7E19C68FF4}" destId="{21DC1E53-8627-46BD-A9D2-20626C753BA1}" srcOrd="0" destOrd="2" presId="urn:microsoft.com/office/officeart/2005/8/layout/vList2"/>
@@ -5053,10 +7132,314 @@
     <dgm:cxn modelId="{CC5162B3-7E97-4AF6-B96A-2A69CD2BD943}" srcId="{F41ECDA6-B83D-4773-A2D3-0107F9189F1E}" destId="{FB8FE5FE-9193-43FD-98E6-6D29D54FE382}" srcOrd="0" destOrd="0" parTransId="{9BD6F223-6CF4-4A77-9C72-6BC0BEE75017}" sibTransId="{0D7DBE56-8D1E-496B-9C55-7FDE3C944F49}"/>
     <dgm:cxn modelId="{70EC94BC-036C-4692-8511-E1333184E15C}" srcId="{DAD38523-39F9-4682-8303-C61D773B77E9}" destId="{B2E842A0-BDEA-4522-A62F-C48BEA3E951A}" srcOrd="0" destOrd="0" parTransId="{1AD0EA42-770C-4E3B-9AC0-2DEF23CE79E1}" sibTransId="{A12874D4-AD31-485C-B422-1B7E6869F97E}"/>
     <dgm:cxn modelId="{9F97CAF7-839A-4690-A70C-8A49DEA564A0}" type="presOf" srcId="{FB8FE5FE-9193-43FD-98E6-6D29D54FE382}" destId="{3F84FC38-21EA-4494-A66C-2A2F5625D34F}" srcOrd="0" destOrd="0" presId="urn:microsoft.com/office/officeart/2005/8/layout/vList2"/>
+    <dgm:cxn modelId="{40C71AF8-7469-4525-BDFA-CC0B665E98F3}" srcId="{480BFB1A-5604-4D44-9784-3B4A05BAD4FE}" destId="{F3039E3B-C637-4B4B-9DD6-0A13AEAC4D0A}" srcOrd="3" destOrd="0" parTransId="{2A4414B9-DE5C-4674-B504-636D4B98DC59}" sibTransId="{9199FE04-924E-4D22-8F78-31D0261F41C3}"/>
+    <dgm:cxn modelId="{05FFB3F8-9D39-47B5-A10A-E2220CFE36B5}" srcId="{F3039E3B-C637-4B4B-9DD6-0A13AEAC4D0A}" destId="{29C2079D-61B1-46D6-83C2-EF2A3AB7F4EE}" srcOrd="0" destOrd="0" parTransId="{C22C06EA-5EEB-49BE-BC55-1989EBD10FD2}" sibTransId="{19076A22-0FFE-4DB9-820E-D1124260CC80}"/>
     <dgm:cxn modelId="{14FC29AE-DFE1-4F38-95F6-7ABE6E128ACC}" type="presParOf" srcId="{CE27D942-1C2B-45A6-B11D-102CB7AC984B}" destId="{036972BC-A6E2-4B60-80D9-94B8CFA7B554}" srcOrd="0" destOrd="0" presId="urn:microsoft.com/office/officeart/2005/8/layout/vList2"/>
     <dgm:cxn modelId="{2FE8ABEA-8B4E-40C2-BEA0-E4FB17994734}" type="presParOf" srcId="{CE27D942-1C2B-45A6-B11D-102CB7AC984B}" destId="{3F84FC38-21EA-4494-A66C-2A2F5625D34F}" srcOrd="1" destOrd="0" presId="urn:microsoft.com/office/officeart/2005/8/layout/vList2"/>
     <dgm:cxn modelId="{7E259579-406F-4B93-8208-531F6FB52024}" type="presParOf" srcId="{CE27D942-1C2B-45A6-B11D-102CB7AC984B}" destId="{0E4BB1EE-9BDE-48F1-8998-FC253E03B9DF}" srcOrd="2" destOrd="0" presId="urn:microsoft.com/office/officeart/2005/8/layout/vList2"/>
     <dgm:cxn modelId="{BB2210F4-9ADF-4029-96FC-67D549BD4083}" type="presParOf" srcId="{CE27D942-1C2B-45A6-B11D-102CB7AC984B}" destId="{21DC1E53-8627-46BD-A9D2-20626C753BA1}" srcOrd="3" destOrd="0" presId="urn:microsoft.com/office/officeart/2005/8/layout/vList2"/>
+    <dgm:cxn modelId="{C607536C-EC39-4927-9C29-160A5407A237}" type="presParOf" srcId="{CE27D942-1C2B-45A6-B11D-102CB7AC984B}" destId="{FB817134-EC13-4AB3-BF54-15128E4D9565}" srcOrd="4" destOrd="0" presId="urn:microsoft.com/office/officeart/2005/8/layout/vList2"/>
+    <dgm:cxn modelId="{88B035AD-3F41-4583-BAE0-C01D414F8018}" type="presParOf" srcId="{CE27D942-1C2B-45A6-B11D-102CB7AC984B}" destId="{C6EEBBCB-D625-4922-808A-D0722B87D7C9}" srcOrd="5" destOrd="0" presId="urn:microsoft.com/office/officeart/2005/8/layout/vList2"/>
+    <dgm:cxn modelId="{B88B6F88-E5A7-4501-8AEC-F576BFC20EB9}" type="presParOf" srcId="{CE27D942-1C2B-45A6-B11D-102CB7AC984B}" destId="{F6BE18D1-FAB7-4898-BC78-749229F1A022}" srcOrd="6" destOrd="0" presId="urn:microsoft.com/office/officeart/2005/8/layout/vList2"/>
+    <dgm:cxn modelId="{F090BB46-1041-4E64-BC55-024924E45E33}" type="presParOf" srcId="{CE27D942-1C2B-45A6-B11D-102CB7AC984B}" destId="{7F99C806-C6EE-406C-9D16-1E997BD1A388}" srcOrd="7" destOrd="0" presId="urn:microsoft.com/office/officeart/2005/8/layout/vList2"/>
+  </dgm:cxnLst>
+  <dgm:bg/>
+  <dgm:whole/>
+  <dgm:extLst>
+    <a:ext uri="http://schemas.microsoft.com/office/drawing/2008/diagram">
+      <dsp:dataModelExt xmlns:dsp="http://schemas.microsoft.com/office/drawing/2008/diagram" relId="rId6" minVer="http://schemas.openxmlformats.org/drawingml/2006/diagram"/>
+    </a:ext>
+  </dgm:extLst>
+</dgm:dataModel>
+</file>
+
+<file path=ppt/diagrams/data6.xml><?xml version="1.0" encoding="utf-8"?>
+<dgm:dataModel xmlns:dgm="http://schemas.openxmlformats.org/drawingml/2006/diagram" xmlns:a="http://schemas.openxmlformats.org/drawingml/2006/main">
+  <dgm:ptLst>
+    <dgm:pt modelId="{480BFB1A-5604-4D44-9784-3B4A05BAD4FE}" type="doc">
+      <dgm:prSet loTypeId="urn:microsoft.com/office/officeart/2005/8/layout/vList2" loCatId="list" qsTypeId="urn:microsoft.com/office/officeart/2005/8/quickstyle/simple1" qsCatId="simple" csTypeId="urn:microsoft.com/office/officeart/2005/8/colors/accent1_2" csCatId="accent1" phldr="1"/>
+      <dgm:spPr/>
+      <dgm:t>
+        <a:bodyPr/>
+        <a:lstStyle/>
+        <a:p>
+          <a:endParaRPr lang="fr-FR"/>
+        </a:p>
+      </dgm:t>
+    </dgm:pt>
+    <dgm:pt modelId="{3F698109-40CA-46C6-B5E2-421899D776D1}">
+      <dgm:prSet/>
+      <dgm:spPr/>
+      <dgm:t>
+        <a:bodyPr/>
+        <a:lstStyle/>
+        <a:p>
+          <a:r>
+            <a:rPr lang="en-GB" dirty="0"/>
+            <a:t>Add non-</a:t>
+          </a:r>
+          <a:r>
+            <a:rPr lang="en-GB" dirty="0" err="1"/>
+            <a:t>upwork</a:t>
+          </a:r>
+          <a:r>
+            <a:rPr lang="en-GB" dirty="0"/>
+            <a:t> testimonials on Upwork, </a:t>
+          </a:r>
+          <a:endParaRPr lang="fr-FR" dirty="0"/>
+        </a:p>
+      </dgm:t>
+    </dgm:pt>
+    <dgm:pt modelId="{9CC99665-AB75-4746-9F60-3DBC4CC8BD8E}" type="parTrans" cxnId="{257588C6-8287-44AF-AE3F-5772AA8050FF}">
+      <dgm:prSet/>
+      <dgm:spPr/>
+      <dgm:t>
+        <a:bodyPr/>
+        <a:lstStyle/>
+        <a:p>
+          <a:endParaRPr lang="fr-FR"/>
+        </a:p>
+      </dgm:t>
+    </dgm:pt>
+    <dgm:pt modelId="{9907A63D-D4BF-4272-806B-ACBB8F3A9F1B}" type="sibTrans" cxnId="{257588C6-8287-44AF-AE3F-5772AA8050FF}">
+      <dgm:prSet/>
+      <dgm:spPr/>
+      <dgm:t>
+        <a:bodyPr/>
+        <a:lstStyle/>
+        <a:p>
+          <a:endParaRPr lang="fr-FR"/>
+        </a:p>
+      </dgm:t>
+    </dgm:pt>
+    <dgm:pt modelId="{F15270DC-9E21-4B5E-A327-3A1C7523EF4E}">
+      <dgm:prSet/>
+      <dgm:spPr/>
+      <dgm:t>
+        <a:bodyPr/>
+        <a:lstStyle/>
+        <a:p>
+          <a:r>
+            <a:rPr lang="en-GB" dirty="0"/>
+            <a:t>send testimonials requests from </a:t>
+          </a:r>
+          <a:r>
+            <a:rPr lang="en-GB" dirty="0" err="1"/>
+            <a:t>upwork</a:t>
+          </a:r>
+          <a:endParaRPr lang="fr-FR" dirty="0"/>
+        </a:p>
+      </dgm:t>
+    </dgm:pt>
+    <dgm:pt modelId="{F438102D-6D39-43DF-BA5C-3ACB83493CBE}" type="parTrans" cxnId="{1D64F934-60ED-4C54-81E6-5DC63F6B1268}">
+      <dgm:prSet/>
+      <dgm:spPr/>
+      <dgm:t>
+        <a:bodyPr/>
+        <a:lstStyle/>
+        <a:p>
+          <a:endParaRPr lang="fr-FR"/>
+        </a:p>
+      </dgm:t>
+    </dgm:pt>
+    <dgm:pt modelId="{E28331ED-4283-4039-865F-6BAEE1E6DD4B}" type="sibTrans" cxnId="{1D64F934-60ED-4C54-81E6-5DC63F6B1268}">
+      <dgm:prSet/>
+      <dgm:spPr/>
+      <dgm:t>
+        <a:bodyPr/>
+        <a:lstStyle/>
+        <a:p>
+          <a:endParaRPr lang="fr-FR"/>
+        </a:p>
+      </dgm:t>
+    </dgm:pt>
+    <dgm:pt modelId="{DD7A2E85-C472-4CC1-8F1D-AF734EB62E5A}">
+      <dgm:prSet/>
+      <dgm:spPr/>
+      <dgm:t>
+        <a:bodyPr/>
+        <a:lstStyle/>
+        <a:p>
+          <a:r>
+            <a:rPr lang="en-GB" dirty="0"/>
+            <a:t>Everyday, search jobs on </a:t>
+          </a:r>
+          <a:r>
+            <a:rPr lang="en-GB" dirty="0" err="1"/>
+            <a:t>upwork</a:t>
+          </a:r>
+          <a:r>
+            <a:rPr lang="en-GB" dirty="0"/>
+            <a:t> which</a:t>
+          </a:r>
+          <a:endParaRPr lang="fr-FR" dirty="0"/>
+        </a:p>
+      </dgm:t>
+    </dgm:pt>
+    <dgm:pt modelId="{3576DA04-A7BF-4924-B036-9857993341E4}" type="parTrans" cxnId="{CAE69D1E-221A-4E9C-84D9-ED5B202C0BDD}">
+      <dgm:prSet/>
+      <dgm:spPr/>
+      <dgm:t>
+        <a:bodyPr/>
+        <a:lstStyle/>
+        <a:p>
+          <a:endParaRPr lang="fr-FR"/>
+        </a:p>
+      </dgm:t>
+    </dgm:pt>
+    <dgm:pt modelId="{C3215D7B-CAE3-4119-B6DE-8C8A439E35CA}" type="sibTrans" cxnId="{CAE69D1E-221A-4E9C-84D9-ED5B202C0BDD}">
+      <dgm:prSet/>
+      <dgm:spPr/>
+      <dgm:t>
+        <a:bodyPr/>
+        <a:lstStyle/>
+        <a:p>
+          <a:endParaRPr lang="fr-FR"/>
+        </a:p>
+      </dgm:t>
+    </dgm:pt>
+    <dgm:pt modelId="{88842233-C53F-4768-BFFC-E35157B0F42A}">
+      <dgm:prSet/>
+      <dgm:spPr/>
+      <dgm:t>
+        <a:bodyPr/>
+        <a:lstStyle/>
+        <a:p>
+          <a:r>
+            <a:rPr lang="en-GB"/>
+            <a:t>fewest </a:t>
+          </a:r>
+          <a:r>
+            <a:rPr lang="en-GB" dirty="0"/>
+            <a:t>bids and apply to them </a:t>
+          </a:r>
+          <a:endParaRPr lang="fr-FR" dirty="0"/>
+        </a:p>
+      </dgm:t>
+    </dgm:pt>
+    <dgm:pt modelId="{87901879-1F11-4595-A7E3-13624173ADB9}" type="parTrans" cxnId="{89D51418-5E8D-4024-ABEB-700D162259DD}">
+      <dgm:prSet/>
+      <dgm:spPr/>
+      <dgm:t>
+        <a:bodyPr/>
+        <a:lstStyle/>
+        <a:p>
+          <a:endParaRPr lang="fr-FR"/>
+        </a:p>
+      </dgm:t>
+    </dgm:pt>
+    <dgm:pt modelId="{8C561558-FA7E-4DDC-A60E-14282E18D1D0}" type="sibTrans" cxnId="{89D51418-5E8D-4024-ABEB-700D162259DD}">
+      <dgm:prSet/>
+      <dgm:spPr/>
+      <dgm:t>
+        <a:bodyPr/>
+        <a:lstStyle/>
+        <a:p>
+          <a:endParaRPr lang="fr-FR"/>
+        </a:p>
+      </dgm:t>
+    </dgm:pt>
+    <dgm:pt modelId="{BD138ACA-92D1-404A-B4A6-00297587043E}">
+      <dgm:prSet/>
+      <dgm:spPr/>
+      <dgm:t>
+        <a:bodyPr/>
+        <a:lstStyle/>
+        <a:p>
+          <a:r>
+            <a:rPr lang="en-GB"/>
+            <a:t>perfectly </a:t>
+          </a:r>
+          <a:r>
+            <a:rPr lang="en-GB" dirty="0"/>
+            <a:t>match your skillset, </a:t>
+          </a:r>
+          <a:endParaRPr lang="fr-FR" dirty="0"/>
+        </a:p>
+      </dgm:t>
+    </dgm:pt>
+    <dgm:pt modelId="{5B9E0F68-E0A5-418D-9B29-6FC8FA241F89}" type="parTrans" cxnId="{79309CDF-3027-4D55-9D00-E3B91E636B6A}">
+      <dgm:prSet/>
+      <dgm:spPr/>
+      <dgm:t>
+        <a:bodyPr/>
+        <a:lstStyle/>
+        <a:p>
+          <a:endParaRPr lang="fr-FR"/>
+        </a:p>
+      </dgm:t>
+    </dgm:pt>
+    <dgm:pt modelId="{75CCDCFA-CB6A-407A-B510-2C4B175A11E3}" type="sibTrans" cxnId="{79309CDF-3027-4D55-9D00-E3B91E636B6A}">
+      <dgm:prSet/>
+      <dgm:spPr/>
+      <dgm:t>
+        <a:bodyPr/>
+        <a:lstStyle/>
+        <a:p>
+          <a:endParaRPr lang="fr-FR"/>
+        </a:p>
+      </dgm:t>
+    </dgm:pt>
+    <dgm:pt modelId="{CE27D942-1C2B-45A6-B11D-102CB7AC984B}" type="pres">
+      <dgm:prSet presAssocID="{480BFB1A-5604-4D44-9784-3B4A05BAD4FE}" presName="linear" presStyleCnt="0">
+        <dgm:presLayoutVars>
+          <dgm:animLvl val="lvl"/>
+          <dgm:resizeHandles val="exact"/>
+        </dgm:presLayoutVars>
+      </dgm:prSet>
+      <dgm:spPr/>
+    </dgm:pt>
+    <dgm:pt modelId="{97801DC3-E45E-4407-8380-1A527E95FBFB}" type="pres">
+      <dgm:prSet presAssocID="{3F698109-40CA-46C6-B5E2-421899D776D1}" presName="parentText" presStyleLbl="node1" presStyleIdx="0" presStyleCnt="2">
+        <dgm:presLayoutVars>
+          <dgm:chMax val="0"/>
+          <dgm:bulletEnabled val="1"/>
+        </dgm:presLayoutVars>
+      </dgm:prSet>
+      <dgm:spPr/>
+    </dgm:pt>
+    <dgm:pt modelId="{8E49EAAA-F4AF-4D2E-B4D9-FA1C396EFEEE}" type="pres">
+      <dgm:prSet presAssocID="{3F698109-40CA-46C6-B5E2-421899D776D1}" presName="childText" presStyleLbl="revTx" presStyleIdx="0" presStyleCnt="2">
+        <dgm:presLayoutVars>
+          <dgm:bulletEnabled val="1"/>
+        </dgm:presLayoutVars>
+      </dgm:prSet>
+      <dgm:spPr/>
+    </dgm:pt>
+    <dgm:pt modelId="{E3CC0B01-4BF6-4423-AC3F-2D540B485E5E}" type="pres">
+      <dgm:prSet presAssocID="{DD7A2E85-C472-4CC1-8F1D-AF734EB62E5A}" presName="parentText" presStyleLbl="node1" presStyleIdx="1" presStyleCnt="2">
+        <dgm:presLayoutVars>
+          <dgm:chMax val="0"/>
+          <dgm:bulletEnabled val="1"/>
+        </dgm:presLayoutVars>
+      </dgm:prSet>
+      <dgm:spPr/>
+    </dgm:pt>
+    <dgm:pt modelId="{67D67F61-5B69-408A-9403-4FD4E4463A3D}" type="pres">
+      <dgm:prSet presAssocID="{DD7A2E85-C472-4CC1-8F1D-AF734EB62E5A}" presName="childText" presStyleLbl="revTx" presStyleIdx="1" presStyleCnt="2">
+        <dgm:presLayoutVars>
+          <dgm:bulletEnabled val="1"/>
+        </dgm:presLayoutVars>
+      </dgm:prSet>
+      <dgm:spPr/>
+    </dgm:pt>
+  </dgm:ptLst>
+  <dgm:cxnLst>
+    <dgm:cxn modelId="{124A2C0B-ED76-4FA1-B192-57F450DEE1EE}" type="presOf" srcId="{F15270DC-9E21-4B5E-A327-3A1C7523EF4E}" destId="{8E49EAAA-F4AF-4D2E-B4D9-FA1C396EFEEE}" srcOrd="0" destOrd="0" presId="urn:microsoft.com/office/officeart/2005/8/layout/vList2"/>
+    <dgm:cxn modelId="{89D51418-5E8D-4024-ABEB-700D162259DD}" srcId="{DD7A2E85-C472-4CC1-8F1D-AF734EB62E5A}" destId="{88842233-C53F-4768-BFFC-E35157B0F42A}" srcOrd="1" destOrd="0" parTransId="{87901879-1F11-4595-A7E3-13624173ADB9}" sibTransId="{8C561558-FA7E-4DDC-A60E-14282E18D1D0}"/>
+    <dgm:cxn modelId="{CAE69D1E-221A-4E9C-84D9-ED5B202C0BDD}" srcId="{480BFB1A-5604-4D44-9784-3B4A05BAD4FE}" destId="{DD7A2E85-C472-4CC1-8F1D-AF734EB62E5A}" srcOrd="1" destOrd="0" parTransId="{3576DA04-A7BF-4924-B036-9857993341E4}" sibTransId="{C3215D7B-CAE3-4119-B6DE-8C8A439E35CA}"/>
+    <dgm:cxn modelId="{1D64F934-60ED-4C54-81E6-5DC63F6B1268}" srcId="{3F698109-40CA-46C6-B5E2-421899D776D1}" destId="{F15270DC-9E21-4B5E-A327-3A1C7523EF4E}" srcOrd="0" destOrd="0" parTransId="{F438102D-6D39-43DF-BA5C-3ACB83493CBE}" sibTransId="{E28331ED-4283-4039-865F-6BAEE1E6DD4B}"/>
+    <dgm:cxn modelId="{531BAD64-FCBF-4EBA-94AC-365F05301CE3}" type="presOf" srcId="{3F698109-40CA-46C6-B5E2-421899D776D1}" destId="{97801DC3-E45E-4407-8380-1A527E95FBFB}" srcOrd="0" destOrd="0" presId="urn:microsoft.com/office/officeart/2005/8/layout/vList2"/>
+    <dgm:cxn modelId="{B6B490A0-A351-4809-9F8F-0C51275B584B}" type="presOf" srcId="{DD7A2E85-C472-4CC1-8F1D-AF734EB62E5A}" destId="{E3CC0B01-4BF6-4423-AC3F-2D540B485E5E}" srcOrd="0" destOrd="0" presId="urn:microsoft.com/office/officeart/2005/8/layout/vList2"/>
+    <dgm:cxn modelId="{780DABAB-0F23-4A2B-A39C-E004653187FD}" type="presOf" srcId="{BD138ACA-92D1-404A-B4A6-00297587043E}" destId="{67D67F61-5B69-408A-9403-4FD4E4463A3D}" srcOrd="0" destOrd="0" presId="urn:microsoft.com/office/officeart/2005/8/layout/vList2"/>
+    <dgm:cxn modelId="{CF8C74B1-D478-4888-A784-E86E72EE08FC}" type="presOf" srcId="{480BFB1A-5604-4D44-9784-3B4A05BAD4FE}" destId="{CE27D942-1C2B-45A6-B11D-102CB7AC984B}" srcOrd="0" destOrd="0" presId="urn:microsoft.com/office/officeart/2005/8/layout/vList2"/>
+    <dgm:cxn modelId="{257588C6-8287-44AF-AE3F-5772AA8050FF}" srcId="{480BFB1A-5604-4D44-9784-3B4A05BAD4FE}" destId="{3F698109-40CA-46C6-B5E2-421899D776D1}" srcOrd="0" destOrd="0" parTransId="{9CC99665-AB75-4746-9F60-3DBC4CC8BD8E}" sibTransId="{9907A63D-D4BF-4272-806B-ACBB8F3A9F1B}"/>
+    <dgm:cxn modelId="{79309CDF-3027-4D55-9D00-E3B91E636B6A}" srcId="{DD7A2E85-C472-4CC1-8F1D-AF734EB62E5A}" destId="{BD138ACA-92D1-404A-B4A6-00297587043E}" srcOrd="0" destOrd="0" parTransId="{5B9E0F68-E0A5-418D-9B29-6FC8FA241F89}" sibTransId="{75CCDCFA-CB6A-407A-B510-2C4B175A11E3}"/>
+    <dgm:cxn modelId="{86B7C0FE-B676-463E-BAB4-3E97195FC3D6}" type="presOf" srcId="{88842233-C53F-4768-BFFC-E35157B0F42A}" destId="{67D67F61-5B69-408A-9403-4FD4E4463A3D}" srcOrd="0" destOrd="1" presId="urn:microsoft.com/office/officeart/2005/8/layout/vList2"/>
+    <dgm:cxn modelId="{F8F2C54C-9720-4D5E-9390-B940B915414B}" type="presParOf" srcId="{CE27D942-1C2B-45A6-B11D-102CB7AC984B}" destId="{97801DC3-E45E-4407-8380-1A527E95FBFB}" srcOrd="0" destOrd="0" presId="urn:microsoft.com/office/officeart/2005/8/layout/vList2"/>
+    <dgm:cxn modelId="{1FF33D2B-E096-4EB4-9640-4A4BCAF55C7E}" type="presParOf" srcId="{CE27D942-1C2B-45A6-B11D-102CB7AC984B}" destId="{8E49EAAA-F4AF-4D2E-B4D9-FA1C396EFEEE}" srcOrd="1" destOrd="0" presId="urn:microsoft.com/office/officeart/2005/8/layout/vList2"/>
+    <dgm:cxn modelId="{7DEC1780-DDF4-4692-AE2E-47635D0F7C5A}" type="presParOf" srcId="{CE27D942-1C2B-45A6-B11D-102CB7AC984B}" destId="{E3CC0B01-4BF6-4423-AC3F-2D540B485E5E}" srcOrd="2" destOrd="0" presId="urn:microsoft.com/office/officeart/2005/8/layout/vList2"/>
+    <dgm:cxn modelId="{35A2F50B-25AA-45BA-9100-4ED2CB47EDED}" type="presParOf" srcId="{CE27D942-1C2B-45A6-B11D-102CB7AC984B}" destId="{67D67F61-5B69-408A-9403-4FD4E4463A3D}" srcOrd="3" destOrd="0" presId="urn:microsoft.com/office/officeart/2005/8/layout/vList2"/>
   </dgm:cxnLst>
   <dgm:bg/>
   <dgm:whole/>
@@ -7133,8 +9516,8 @@
       </dsp:nvSpPr>
       <dsp:spPr>
         <a:xfrm>
-          <a:off x="0" y="19230"/>
-          <a:ext cx="10058399" cy="1152029"/>
+          <a:off x="0" y="48240"/>
+          <a:ext cx="10058399" cy="647595"/>
         </a:xfrm>
         <a:prstGeom prst="roundRect">
           <a:avLst/>
@@ -7175,12 +9558,12 @@
         </a:fontRef>
       </dsp:style>
       <dsp:txBody>
-        <a:bodyPr spcFirstLastPara="0" vert="horz" wrap="square" lIns="110490" tIns="110490" rIns="110490" bIns="110490" numCol="1" spcCol="1270" anchor="ctr" anchorCtr="0">
+        <a:bodyPr spcFirstLastPara="0" vert="horz" wrap="square" lIns="102870" tIns="102870" rIns="102870" bIns="102870" numCol="1" spcCol="1270" anchor="ctr" anchorCtr="0">
           <a:noAutofit/>
         </a:bodyPr>
         <a:lstStyle/>
         <a:p>
-          <a:pPr marL="0" lvl="0" indent="0" algn="l" defTabSz="1289050">
+          <a:pPr marL="0" lvl="0" indent="0" algn="l" defTabSz="1200150">
             <a:lnSpc>
               <a:spcPct val="90000"/>
             </a:lnSpc>
@@ -7194,15 +9577,15 @@
             <a:buNone/>
           </a:pPr>
           <a:r>
-            <a:rPr lang="en-US" sz="2900" b="1" i="0" kern="1200" dirty="0"/>
+            <a:rPr lang="en-US" sz="2700" b="1" i="0" kern="1200" dirty="0"/>
             <a:t>Project on Upwork starts at avg market rate</a:t>
           </a:r>
-          <a:endParaRPr lang="en-US" sz="2900" b="0" i="0" kern="1200" dirty="0"/>
+          <a:endParaRPr lang="en-US" sz="2700" b="0" i="0" kern="1200" dirty="0"/>
         </a:p>
       </dsp:txBody>
       <dsp:txXfrm>
-        <a:off x="56237" y="75467"/>
-        <a:ext cx="9945925" cy="1039555"/>
+        <a:off x="31613" y="79853"/>
+        <a:ext cx="9995173" cy="584369"/>
       </dsp:txXfrm>
     </dsp:sp>
     <dsp:sp modelId="{3F84FC38-21EA-4494-A66C-2A2F5625D34F}">
@@ -7212,8 +9595,8 @@
       </dsp:nvSpPr>
       <dsp:spPr>
         <a:xfrm>
-          <a:off x="0" y="1171260"/>
-          <a:ext cx="10058399" cy="480240"/>
+          <a:off x="0" y="695835"/>
+          <a:ext cx="10058399" cy="447120"/>
         </a:xfrm>
         <a:prstGeom prst="rect">
           <a:avLst/>
@@ -7237,12 +9620,12 @@
         <a:fontRef idx="minor"/>
       </dsp:style>
       <dsp:txBody>
-        <a:bodyPr spcFirstLastPara="0" vert="horz" wrap="square" lIns="319354" tIns="36830" rIns="206248" bIns="36830" numCol="1" spcCol="1270" anchor="t" anchorCtr="0">
+        <a:bodyPr spcFirstLastPara="0" vert="horz" wrap="square" lIns="319354" tIns="34290" rIns="192024" bIns="34290" numCol="1" spcCol="1270" anchor="t" anchorCtr="0">
           <a:noAutofit/>
         </a:bodyPr>
         <a:lstStyle/>
         <a:p>
-          <a:pPr marL="228600" lvl="1" indent="-228600" algn="l" defTabSz="1022350">
+          <a:pPr marL="228600" lvl="1" indent="-228600" algn="l" defTabSz="933450">
             <a:lnSpc>
               <a:spcPct val="90000"/>
             </a:lnSpc>
@@ -7256,14 +9639,14 @@
             <a:buAutoNum type="arabicPeriod"/>
           </a:pPr>
           <a:r>
-            <a:rPr lang="en-US" sz="2300" b="0" i="0" kern="1200" dirty="0"/>
+            <a:rPr lang="en-US" sz="2100" b="0" i="0" kern="1200" dirty="0"/>
             <a:t>You need to buy credits to apply to a job on Upwork</a:t>
           </a:r>
         </a:p>
       </dsp:txBody>
       <dsp:txXfrm>
-        <a:off x="0" y="1171260"/>
-        <a:ext cx="10058399" cy="480240"/>
+        <a:off x="0" y="695835"/>
+        <a:ext cx="10058399" cy="447120"/>
       </dsp:txXfrm>
     </dsp:sp>
     <dsp:sp modelId="{0E4BB1EE-9BDE-48F1-8998-FC253E03B9DF}">
@@ -7273,8 +9656,8 @@
       </dsp:nvSpPr>
       <dsp:spPr>
         <a:xfrm>
-          <a:off x="0" y="1651500"/>
-          <a:ext cx="10058399" cy="1152029"/>
+          <a:off x="0" y="1142955"/>
+          <a:ext cx="10058399" cy="647595"/>
         </a:xfrm>
         <a:prstGeom prst="roundRect">
           <a:avLst/>
@@ -7315,12 +9698,12 @@
         </a:fontRef>
       </dsp:style>
       <dsp:txBody>
-        <a:bodyPr spcFirstLastPara="0" vert="horz" wrap="square" lIns="110490" tIns="110490" rIns="110490" bIns="110490" numCol="1" spcCol="1270" anchor="ctr" anchorCtr="0">
+        <a:bodyPr spcFirstLastPara="0" vert="horz" wrap="square" lIns="102870" tIns="102870" rIns="102870" bIns="102870" numCol="1" spcCol="1270" anchor="ctr" anchorCtr="0">
           <a:noAutofit/>
         </a:bodyPr>
         <a:lstStyle/>
         <a:p>
-          <a:pPr marL="0" lvl="0" indent="0" algn="l" defTabSz="1289050">
+          <a:pPr marL="0" lvl="0" indent="0" algn="l" defTabSz="1200150">
             <a:lnSpc>
               <a:spcPct val="90000"/>
             </a:lnSpc>
@@ -7334,14 +9717,14 @@
             <a:buNone/>
           </a:pPr>
           <a:r>
-            <a:rPr lang="en-US" sz="2900" b="0" i="0" kern="1200" dirty="0"/>
+            <a:rPr lang="en-US" sz="2700" b="0" i="0" kern="1200" dirty="0"/>
             <a:t>When you start, you need to get into projects with fewest bidders</a:t>
           </a:r>
         </a:p>
       </dsp:txBody>
       <dsp:txXfrm>
-        <a:off x="56237" y="1707737"/>
-        <a:ext cx="9945925" cy="1039555"/>
+        <a:off x="31613" y="1174568"/>
+        <a:ext cx="9995173" cy="584369"/>
       </dsp:txXfrm>
     </dsp:sp>
     <dsp:sp modelId="{21DC1E53-8627-46BD-A9D2-20626C753BA1}">
@@ -7351,8 +9734,8 @@
       </dsp:nvSpPr>
       <dsp:spPr>
         <a:xfrm>
-          <a:off x="0" y="2803529"/>
-          <a:ext cx="10058399" cy="1200599"/>
+          <a:off x="0" y="1790550"/>
+          <a:ext cx="10058399" cy="1089854"/>
         </a:xfrm>
         <a:prstGeom prst="rect">
           <a:avLst/>
@@ -7376,12 +9759,12 @@
         <a:fontRef idx="minor"/>
       </dsp:style>
       <dsp:txBody>
-        <a:bodyPr spcFirstLastPara="0" vert="horz" wrap="square" lIns="319354" tIns="36830" rIns="206248" bIns="36830" numCol="1" spcCol="1270" anchor="t" anchorCtr="0">
+        <a:bodyPr spcFirstLastPara="0" vert="horz" wrap="square" lIns="319354" tIns="34290" rIns="192024" bIns="34290" numCol="1" spcCol="1270" anchor="t" anchorCtr="0">
           <a:noAutofit/>
         </a:bodyPr>
         <a:lstStyle/>
         <a:p>
-          <a:pPr marL="228600" lvl="1" indent="-228600" algn="l" defTabSz="1022350">
+          <a:pPr marL="228600" lvl="1" indent="-228600" algn="l" defTabSz="933450">
             <a:lnSpc>
               <a:spcPct val="90000"/>
             </a:lnSpc>
@@ -7395,12 +9778,12 @@
             <a:buAutoNum type="arabicPeriod"/>
           </a:pPr>
           <a:r>
-            <a:rPr lang="en-US" sz="2300" b="0" i="0" kern="1200" dirty="0"/>
+            <a:rPr lang="en-US" sz="2100" b="0" i="0" kern="1200" dirty="0"/>
             <a:t>to build your portfolio</a:t>
           </a:r>
         </a:p>
         <a:p>
-          <a:pPr marL="228600" lvl="1" indent="-228600" algn="l" defTabSz="1022350">
+          <a:pPr marL="228600" lvl="1" indent="-228600" algn="l" defTabSz="933450">
             <a:lnSpc>
               <a:spcPct val="90000"/>
             </a:lnSpc>
@@ -7414,12 +9797,12 @@
             <a:buAutoNum type="arabicPeriod"/>
           </a:pPr>
           <a:r>
-            <a:rPr lang="en-US" sz="2300" b="0" i="0" kern="1200" dirty="0"/>
+            <a:rPr lang="en-US" sz="2100" b="0" i="0" kern="1200" dirty="0"/>
             <a:t>to get familiar with working freelance</a:t>
           </a:r>
         </a:p>
         <a:p>
-          <a:pPr marL="228600" lvl="1" indent="-228600" algn="l" defTabSz="1022350">
+          <a:pPr marL="228600" lvl="1" indent="-228600" algn="l" defTabSz="933450">
             <a:lnSpc>
               <a:spcPct val="90000"/>
             </a:lnSpc>
@@ -7433,14 +9816,1048 @@
             <a:buAutoNum type="arabicPeriod"/>
           </a:pPr>
           <a:r>
-            <a:rPr lang="en-US" sz="2300" b="0" i="0" kern="1200" dirty="0"/>
+            <a:rPr lang="en-US" sz="2100" b="0" i="0" kern="1200" dirty="0"/>
             <a:t>to have good ratings on your Upwork profile.</a:t>
           </a:r>
         </a:p>
       </dsp:txBody>
       <dsp:txXfrm>
-        <a:off x="0" y="2803529"/>
-        <a:ext cx="10058399" cy="1200599"/>
+        <a:off x="0" y="1790550"/>
+        <a:ext cx="10058399" cy="1089854"/>
+      </dsp:txXfrm>
+    </dsp:sp>
+    <dsp:sp modelId="{C69C29F0-41E6-4CE4-A204-6597337DED2D}">
+      <dsp:nvSpPr>
+        <dsp:cNvPr id="0" name=""/>
+        <dsp:cNvSpPr/>
+      </dsp:nvSpPr>
+      <dsp:spPr>
+        <a:xfrm>
+          <a:off x="0" y="2880404"/>
+          <a:ext cx="10058399" cy="647595"/>
+        </a:xfrm>
+        <a:prstGeom prst="roundRect">
+          <a:avLst/>
+        </a:prstGeom>
+        <a:solidFill>
+          <a:schemeClr val="accent1">
+            <a:hueOff val="0"/>
+            <a:satOff val="0"/>
+            <a:lumOff val="0"/>
+            <a:alphaOff val="0"/>
+          </a:schemeClr>
+        </a:solidFill>
+        <a:ln w="15875" cap="flat" cmpd="sng" algn="ctr">
+          <a:solidFill>
+            <a:schemeClr val="lt1">
+              <a:hueOff val="0"/>
+              <a:satOff val="0"/>
+              <a:lumOff val="0"/>
+              <a:alphaOff val="0"/>
+            </a:schemeClr>
+          </a:solidFill>
+          <a:prstDash val="solid"/>
+        </a:ln>
+        <a:effectLst/>
+      </dsp:spPr>
+      <dsp:style>
+        <a:lnRef idx="2">
+          <a:scrgbClr r="0" g="0" b="0"/>
+        </a:lnRef>
+        <a:fillRef idx="1">
+          <a:scrgbClr r="0" g="0" b="0"/>
+        </a:fillRef>
+        <a:effectRef idx="0">
+          <a:scrgbClr r="0" g="0" b="0"/>
+        </a:effectRef>
+        <a:fontRef idx="minor">
+          <a:schemeClr val="lt1"/>
+        </a:fontRef>
+      </dsp:style>
+      <dsp:txBody>
+        <a:bodyPr spcFirstLastPara="0" vert="horz" wrap="square" lIns="102870" tIns="102870" rIns="102870" bIns="102870" numCol="1" spcCol="1270" anchor="ctr" anchorCtr="0">
+          <a:noAutofit/>
+        </a:bodyPr>
+        <a:lstStyle/>
+        <a:p>
+          <a:pPr marL="0" lvl="0" indent="0" algn="l" defTabSz="1200150">
+            <a:lnSpc>
+              <a:spcPct val="90000"/>
+            </a:lnSpc>
+            <a:spcBef>
+              <a:spcPct val="0"/>
+            </a:spcBef>
+            <a:spcAft>
+              <a:spcPct val="35000"/>
+            </a:spcAft>
+            <a:buFont typeface="+mj-lt"/>
+            <a:buNone/>
+          </a:pPr>
+          <a:r>
+            <a:rPr lang="en-US" sz="2700" b="0" i="0" kern="1200" dirty="0"/>
+            <a:t>Once you get selected, screen your employer to</a:t>
+          </a:r>
+        </a:p>
+      </dsp:txBody>
+      <dsp:txXfrm>
+        <a:off x="31613" y="2912017"/>
+        <a:ext cx="9995173" cy="584369"/>
+      </dsp:txXfrm>
+    </dsp:sp>
+    <dsp:sp modelId="{559E1490-F75F-4937-904C-E880A900F3C6}">
+      <dsp:nvSpPr>
+        <dsp:cNvPr id="0" name=""/>
+        <dsp:cNvSpPr/>
+      </dsp:nvSpPr>
+      <dsp:spPr>
+        <a:xfrm>
+          <a:off x="0" y="3528000"/>
+          <a:ext cx="10058399" cy="447120"/>
+        </a:xfrm>
+        <a:prstGeom prst="rect">
+          <a:avLst/>
+        </a:prstGeom>
+        <a:noFill/>
+        <a:ln>
+          <a:noFill/>
+        </a:ln>
+        <a:effectLst/>
+      </dsp:spPr>
+      <dsp:style>
+        <a:lnRef idx="0">
+          <a:scrgbClr r="0" g="0" b="0"/>
+        </a:lnRef>
+        <a:fillRef idx="0">
+          <a:scrgbClr r="0" g="0" b="0"/>
+        </a:fillRef>
+        <a:effectRef idx="0">
+          <a:scrgbClr r="0" g="0" b="0"/>
+        </a:effectRef>
+        <a:fontRef idx="minor"/>
+      </dsp:style>
+      <dsp:txBody>
+        <a:bodyPr spcFirstLastPara="0" vert="horz" wrap="square" lIns="319354" tIns="34290" rIns="192024" bIns="34290" numCol="1" spcCol="1270" anchor="t" anchorCtr="0">
+          <a:noAutofit/>
+        </a:bodyPr>
+        <a:lstStyle/>
+        <a:p>
+          <a:pPr marL="228600" lvl="1" indent="-228600" algn="l" defTabSz="933450">
+            <a:lnSpc>
+              <a:spcPct val="90000"/>
+            </a:lnSpc>
+            <a:spcBef>
+              <a:spcPct val="0"/>
+            </a:spcBef>
+            <a:spcAft>
+              <a:spcPct val="20000"/>
+            </a:spcAft>
+            <a:buFont typeface="+mj-lt"/>
+            <a:buAutoNum type="arabicPeriod"/>
+          </a:pPr>
+          <a:r>
+            <a:rPr lang="en-US" sz="2100" b="0" i="0" kern="1200"/>
+            <a:t> </a:t>
+          </a:r>
+          <a:r>
+            <a:rPr lang="en-US" sz="2100" b="0" i="0" kern="1200" dirty="0"/>
+            <a:t>see you can work with them </a:t>
+          </a:r>
+        </a:p>
+      </dsp:txBody>
+      <dsp:txXfrm>
+        <a:off x="0" y="3528000"/>
+        <a:ext cx="10058399" cy="447120"/>
+      </dsp:txXfrm>
+    </dsp:sp>
+  </dsp:spTree>
+</dsp:drawing>
+</file>
+
+<file path=ppt/diagrams/drawing5.xml><?xml version="1.0" encoding="utf-8"?>
+<dsp:drawing xmlns:dgm="http://schemas.openxmlformats.org/drawingml/2006/diagram" xmlns:dsp="http://schemas.microsoft.com/office/drawing/2008/diagram" xmlns:a="http://schemas.openxmlformats.org/drawingml/2006/main">
+  <dsp:spTree>
+    <dsp:nvGrpSpPr>
+      <dsp:cNvPr id="0" name=""/>
+      <dsp:cNvGrpSpPr/>
+    </dsp:nvGrpSpPr>
+    <dsp:grpSpPr/>
+    <dsp:sp modelId="{036972BC-A6E2-4B60-80D9-94B8CFA7B554}">
+      <dsp:nvSpPr>
+        <dsp:cNvPr id="0" name=""/>
+        <dsp:cNvSpPr/>
+      </dsp:nvSpPr>
+      <dsp:spPr>
+        <a:xfrm>
+          <a:off x="0" y="30172"/>
+          <a:ext cx="10058399" cy="551655"/>
+        </a:xfrm>
+        <a:prstGeom prst="roundRect">
+          <a:avLst/>
+        </a:prstGeom>
+        <a:solidFill>
+          <a:schemeClr val="accent1">
+            <a:hueOff val="0"/>
+            <a:satOff val="0"/>
+            <a:lumOff val="0"/>
+            <a:alphaOff val="0"/>
+          </a:schemeClr>
+        </a:solidFill>
+        <a:ln w="15875" cap="flat" cmpd="sng" algn="ctr">
+          <a:solidFill>
+            <a:schemeClr val="lt1">
+              <a:hueOff val="0"/>
+              <a:satOff val="0"/>
+              <a:lumOff val="0"/>
+              <a:alphaOff val="0"/>
+            </a:schemeClr>
+          </a:solidFill>
+          <a:prstDash val="solid"/>
+        </a:ln>
+        <a:effectLst/>
+      </dsp:spPr>
+      <dsp:style>
+        <a:lnRef idx="2">
+          <a:scrgbClr r="0" g="0" b="0"/>
+        </a:lnRef>
+        <a:fillRef idx="1">
+          <a:scrgbClr r="0" g="0" b="0"/>
+        </a:fillRef>
+        <a:effectRef idx="0">
+          <a:scrgbClr r="0" g="0" b="0"/>
+        </a:effectRef>
+        <a:fontRef idx="minor">
+          <a:schemeClr val="lt1"/>
+        </a:fontRef>
+      </dsp:style>
+      <dsp:txBody>
+        <a:bodyPr spcFirstLastPara="0" vert="horz" wrap="square" lIns="87630" tIns="87630" rIns="87630" bIns="87630" numCol="1" spcCol="1270" anchor="ctr" anchorCtr="0">
+          <a:noAutofit/>
+        </a:bodyPr>
+        <a:lstStyle/>
+        <a:p>
+          <a:pPr marL="0" lvl="0" indent="0" algn="l" defTabSz="1022350">
+            <a:lnSpc>
+              <a:spcPct val="90000"/>
+            </a:lnSpc>
+            <a:spcBef>
+              <a:spcPct val="0"/>
+            </a:spcBef>
+            <a:spcAft>
+              <a:spcPct val="35000"/>
+            </a:spcAft>
+            <a:buFont typeface="+mj-lt"/>
+            <a:buNone/>
+          </a:pPr>
+          <a:r>
+            <a:rPr lang="en-US" sz="2300" b="1" i="0" kern="1200" dirty="0"/>
+            <a:t>Project on Upwork starts at avg market rate</a:t>
+          </a:r>
+          <a:endParaRPr lang="en-US" sz="2300" b="0" i="0" kern="1200" dirty="0"/>
+        </a:p>
+      </dsp:txBody>
+      <dsp:txXfrm>
+        <a:off x="26930" y="57102"/>
+        <a:ext cx="10004539" cy="497795"/>
+      </dsp:txXfrm>
+    </dsp:sp>
+    <dsp:sp modelId="{3F84FC38-21EA-4494-A66C-2A2F5625D34F}">
+      <dsp:nvSpPr>
+        <dsp:cNvPr id="0" name=""/>
+        <dsp:cNvSpPr/>
+      </dsp:nvSpPr>
+      <dsp:spPr>
+        <a:xfrm>
+          <a:off x="0" y="581827"/>
+          <a:ext cx="10058399" cy="380880"/>
+        </a:xfrm>
+        <a:prstGeom prst="rect">
+          <a:avLst/>
+        </a:prstGeom>
+        <a:noFill/>
+        <a:ln>
+          <a:noFill/>
+        </a:ln>
+        <a:effectLst/>
+      </dsp:spPr>
+      <dsp:style>
+        <a:lnRef idx="0">
+          <a:scrgbClr r="0" g="0" b="0"/>
+        </a:lnRef>
+        <a:fillRef idx="0">
+          <a:scrgbClr r="0" g="0" b="0"/>
+        </a:fillRef>
+        <a:effectRef idx="0">
+          <a:scrgbClr r="0" g="0" b="0"/>
+        </a:effectRef>
+        <a:fontRef idx="minor"/>
+      </dsp:style>
+      <dsp:txBody>
+        <a:bodyPr spcFirstLastPara="0" vert="horz" wrap="square" lIns="319354" tIns="29210" rIns="163576" bIns="29210" numCol="1" spcCol="1270" anchor="t" anchorCtr="0">
+          <a:noAutofit/>
+        </a:bodyPr>
+        <a:lstStyle/>
+        <a:p>
+          <a:pPr marL="171450" lvl="1" indent="-171450" algn="l" defTabSz="800100">
+            <a:lnSpc>
+              <a:spcPct val="90000"/>
+            </a:lnSpc>
+            <a:spcBef>
+              <a:spcPct val="0"/>
+            </a:spcBef>
+            <a:spcAft>
+              <a:spcPct val="20000"/>
+            </a:spcAft>
+            <a:buFont typeface="+mj-lt"/>
+            <a:buAutoNum type="arabicPeriod"/>
+          </a:pPr>
+          <a:r>
+            <a:rPr lang="en-US" sz="1800" b="0" i="0" kern="1200" dirty="0"/>
+            <a:t>You need to buy credits to apply to a job on Upwork</a:t>
+          </a:r>
+        </a:p>
+      </dsp:txBody>
+      <dsp:txXfrm>
+        <a:off x="0" y="581827"/>
+        <a:ext cx="10058399" cy="380880"/>
+      </dsp:txXfrm>
+    </dsp:sp>
+    <dsp:sp modelId="{0E4BB1EE-9BDE-48F1-8998-FC253E03B9DF}">
+      <dsp:nvSpPr>
+        <dsp:cNvPr id="0" name=""/>
+        <dsp:cNvSpPr/>
+      </dsp:nvSpPr>
+      <dsp:spPr>
+        <a:xfrm>
+          <a:off x="0" y="962707"/>
+          <a:ext cx="10058399" cy="551655"/>
+        </a:xfrm>
+        <a:prstGeom prst="roundRect">
+          <a:avLst/>
+        </a:prstGeom>
+        <a:solidFill>
+          <a:schemeClr val="accent1">
+            <a:hueOff val="0"/>
+            <a:satOff val="0"/>
+            <a:lumOff val="0"/>
+            <a:alphaOff val="0"/>
+          </a:schemeClr>
+        </a:solidFill>
+        <a:ln w="15875" cap="flat" cmpd="sng" algn="ctr">
+          <a:solidFill>
+            <a:schemeClr val="lt1">
+              <a:hueOff val="0"/>
+              <a:satOff val="0"/>
+              <a:lumOff val="0"/>
+              <a:alphaOff val="0"/>
+            </a:schemeClr>
+          </a:solidFill>
+          <a:prstDash val="solid"/>
+        </a:ln>
+        <a:effectLst/>
+      </dsp:spPr>
+      <dsp:style>
+        <a:lnRef idx="2">
+          <a:scrgbClr r="0" g="0" b="0"/>
+        </a:lnRef>
+        <a:fillRef idx="1">
+          <a:scrgbClr r="0" g="0" b="0"/>
+        </a:fillRef>
+        <a:effectRef idx="0">
+          <a:scrgbClr r="0" g="0" b="0"/>
+        </a:effectRef>
+        <a:fontRef idx="minor">
+          <a:schemeClr val="lt1"/>
+        </a:fontRef>
+      </dsp:style>
+      <dsp:txBody>
+        <a:bodyPr spcFirstLastPara="0" vert="horz" wrap="square" lIns="87630" tIns="87630" rIns="87630" bIns="87630" numCol="1" spcCol="1270" anchor="ctr" anchorCtr="0">
+          <a:noAutofit/>
+        </a:bodyPr>
+        <a:lstStyle/>
+        <a:p>
+          <a:pPr marL="0" lvl="0" indent="0" algn="l" defTabSz="1022350">
+            <a:lnSpc>
+              <a:spcPct val="90000"/>
+            </a:lnSpc>
+            <a:spcBef>
+              <a:spcPct val="0"/>
+            </a:spcBef>
+            <a:spcAft>
+              <a:spcPct val="35000"/>
+            </a:spcAft>
+            <a:buFont typeface="+mj-lt"/>
+            <a:buNone/>
+          </a:pPr>
+          <a:r>
+            <a:rPr lang="en-US" sz="2300" b="0" i="0" kern="1200" dirty="0"/>
+            <a:t>When you start, you need to get into projects with fewest bidders</a:t>
+          </a:r>
+        </a:p>
+      </dsp:txBody>
+      <dsp:txXfrm>
+        <a:off x="26930" y="989637"/>
+        <a:ext cx="10004539" cy="497795"/>
+      </dsp:txXfrm>
+    </dsp:sp>
+    <dsp:sp modelId="{21DC1E53-8627-46BD-A9D2-20626C753BA1}">
+      <dsp:nvSpPr>
+        <dsp:cNvPr id="0" name=""/>
+        <dsp:cNvSpPr/>
+      </dsp:nvSpPr>
+      <dsp:spPr>
+        <a:xfrm>
+          <a:off x="0" y="1514362"/>
+          <a:ext cx="10058399" cy="928395"/>
+        </a:xfrm>
+        <a:prstGeom prst="rect">
+          <a:avLst/>
+        </a:prstGeom>
+        <a:noFill/>
+        <a:ln>
+          <a:noFill/>
+        </a:ln>
+        <a:effectLst/>
+      </dsp:spPr>
+      <dsp:style>
+        <a:lnRef idx="0">
+          <a:scrgbClr r="0" g="0" b="0"/>
+        </a:lnRef>
+        <a:fillRef idx="0">
+          <a:scrgbClr r="0" g="0" b="0"/>
+        </a:fillRef>
+        <a:effectRef idx="0">
+          <a:scrgbClr r="0" g="0" b="0"/>
+        </a:effectRef>
+        <a:fontRef idx="minor"/>
+      </dsp:style>
+      <dsp:txBody>
+        <a:bodyPr spcFirstLastPara="0" vert="horz" wrap="square" lIns="319354" tIns="29210" rIns="163576" bIns="29210" numCol="1" spcCol="1270" anchor="t" anchorCtr="0">
+          <a:noAutofit/>
+        </a:bodyPr>
+        <a:lstStyle/>
+        <a:p>
+          <a:pPr marL="171450" lvl="1" indent="-171450" algn="l" defTabSz="800100">
+            <a:lnSpc>
+              <a:spcPct val="90000"/>
+            </a:lnSpc>
+            <a:spcBef>
+              <a:spcPct val="0"/>
+            </a:spcBef>
+            <a:spcAft>
+              <a:spcPct val="20000"/>
+            </a:spcAft>
+            <a:buFont typeface="+mj-lt"/>
+            <a:buAutoNum type="arabicPeriod"/>
+          </a:pPr>
+          <a:r>
+            <a:rPr lang="en-US" sz="1800" b="0" i="0" kern="1200" dirty="0"/>
+            <a:t>to build your portfolio</a:t>
+          </a:r>
+        </a:p>
+        <a:p>
+          <a:pPr marL="171450" lvl="1" indent="-171450" algn="l" defTabSz="800100">
+            <a:lnSpc>
+              <a:spcPct val="90000"/>
+            </a:lnSpc>
+            <a:spcBef>
+              <a:spcPct val="0"/>
+            </a:spcBef>
+            <a:spcAft>
+              <a:spcPct val="20000"/>
+            </a:spcAft>
+            <a:buFont typeface="+mj-lt"/>
+            <a:buAutoNum type="arabicPeriod"/>
+          </a:pPr>
+          <a:r>
+            <a:rPr lang="en-US" sz="1800" b="0" i="0" kern="1200" dirty="0"/>
+            <a:t>to get familiar with working freelance</a:t>
+          </a:r>
+        </a:p>
+        <a:p>
+          <a:pPr marL="171450" lvl="1" indent="-171450" algn="l" defTabSz="800100">
+            <a:lnSpc>
+              <a:spcPct val="90000"/>
+            </a:lnSpc>
+            <a:spcBef>
+              <a:spcPct val="0"/>
+            </a:spcBef>
+            <a:spcAft>
+              <a:spcPct val="20000"/>
+            </a:spcAft>
+            <a:buFont typeface="+mj-lt"/>
+            <a:buAutoNum type="arabicPeriod"/>
+          </a:pPr>
+          <a:r>
+            <a:rPr lang="en-US" sz="1800" b="0" i="0" kern="1200" dirty="0"/>
+            <a:t>to have good ratings on your Upwork profile.</a:t>
+          </a:r>
+        </a:p>
+      </dsp:txBody>
+      <dsp:txXfrm>
+        <a:off x="0" y="1514362"/>
+        <a:ext cx="10058399" cy="928395"/>
+      </dsp:txXfrm>
+    </dsp:sp>
+    <dsp:sp modelId="{FB817134-EC13-4AB3-BF54-15128E4D9565}">
+      <dsp:nvSpPr>
+        <dsp:cNvPr id="0" name=""/>
+        <dsp:cNvSpPr/>
+      </dsp:nvSpPr>
+      <dsp:spPr>
+        <a:xfrm>
+          <a:off x="0" y="2442757"/>
+          <a:ext cx="10058399" cy="551655"/>
+        </a:xfrm>
+        <a:prstGeom prst="roundRect">
+          <a:avLst/>
+        </a:prstGeom>
+        <a:solidFill>
+          <a:schemeClr val="accent1">
+            <a:hueOff val="0"/>
+            <a:satOff val="0"/>
+            <a:lumOff val="0"/>
+            <a:alphaOff val="0"/>
+          </a:schemeClr>
+        </a:solidFill>
+        <a:ln w="15875" cap="flat" cmpd="sng" algn="ctr">
+          <a:solidFill>
+            <a:schemeClr val="lt1">
+              <a:hueOff val="0"/>
+              <a:satOff val="0"/>
+              <a:lumOff val="0"/>
+              <a:alphaOff val="0"/>
+            </a:schemeClr>
+          </a:solidFill>
+          <a:prstDash val="solid"/>
+        </a:ln>
+        <a:effectLst/>
+      </dsp:spPr>
+      <dsp:style>
+        <a:lnRef idx="2">
+          <a:scrgbClr r="0" g="0" b="0"/>
+        </a:lnRef>
+        <a:fillRef idx="1">
+          <a:scrgbClr r="0" g="0" b="0"/>
+        </a:fillRef>
+        <a:effectRef idx="0">
+          <a:scrgbClr r="0" g="0" b="0"/>
+        </a:effectRef>
+        <a:fontRef idx="minor">
+          <a:schemeClr val="lt1"/>
+        </a:fontRef>
+      </dsp:style>
+      <dsp:txBody>
+        <a:bodyPr spcFirstLastPara="0" vert="horz" wrap="square" lIns="87630" tIns="87630" rIns="87630" bIns="87630" numCol="1" spcCol="1270" anchor="ctr" anchorCtr="0">
+          <a:noAutofit/>
+        </a:bodyPr>
+        <a:lstStyle/>
+        <a:p>
+          <a:pPr marL="0" lvl="0" indent="0" algn="l" defTabSz="1022350">
+            <a:lnSpc>
+              <a:spcPct val="90000"/>
+            </a:lnSpc>
+            <a:spcBef>
+              <a:spcPct val="0"/>
+            </a:spcBef>
+            <a:spcAft>
+              <a:spcPct val="35000"/>
+            </a:spcAft>
+            <a:buFont typeface="+mj-lt"/>
+            <a:buNone/>
+          </a:pPr>
+          <a:r>
+            <a:rPr lang="en-US" sz="2300" b="0" i="0" kern="1200" dirty="0"/>
+            <a:t>Write a good cover letter when applying to an </a:t>
+          </a:r>
+          <a:r>
+            <a:rPr lang="en-US" sz="2300" b="0" i="0" kern="1200" dirty="0" err="1"/>
+            <a:t>upwork</a:t>
+          </a:r>
+          <a:r>
+            <a:rPr lang="en-US" sz="2300" b="0" i="0" kern="1200" dirty="0"/>
+            <a:t> job</a:t>
+          </a:r>
+        </a:p>
+      </dsp:txBody>
+      <dsp:txXfrm>
+        <a:off x="26930" y="2469687"/>
+        <a:ext cx="10004539" cy="497795"/>
+      </dsp:txXfrm>
+    </dsp:sp>
+    <dsp:sp modelId="{F6BE18D1-FAB7-4898-BC78-749229F1A022}">
+      <dsp:nvSpPr>
+        <dsp:cNvPr id="0" name=""/>
+        <dsp:cNvSpPr/>
+      </dsp:nvSpPr>
+      <dsp:spPr>
+        <a:xfrm>
+          <a:off x="0" y="3060652"/>
+          <a:ext cx="10058399" cy="551655"/>
+        </a:xfrm>
+        <a:prstGeom prst="roundRect">
+          <a:avLst/>
+        </a:prstGeom>
+        <a:solidFill>
+          <a:schemeClr val="accent1">
+            <a:hueOff val="0"/>
+            <a:satOff val="0"/>
+            <a:lumOff val="0"/>
+            <a:alphaOff val="0"/>
+          </a:schemeClr>
+        </a:solidFill>
+        <a:ln w="15875" cap="flat" cmpd="sng" algn="ctr">
+          <a:solidFill>
+            <a:schemeClr val="lt1">
+              <a:hueOff val="0"/>
+              <a:satOff val="0"/>
+              <a:lumOff val="0"/>
+              <a:alphaOff val="0"/>
+            </a:schemeClr>
+          </a:solidFill>
+          <a:prstDash val="solid"/>
+        </a:ln>
+        <a:effectLst/>
+      </dsp:spPr>
+      <dsp:style>
+        <a:lnRef idx="2">
+          <a:scrgbClr r="0" g="0" b="0"/>
+        </a:lnRef>
+        <a:fillRef idx="1">
+          <a:scrgbClr r="0" g="0" b="0"/>
+        </a:fillRef>
+        <a:effectRef idx="0">
+          <a:scrgbClr r="0" g="0" b="0"/>
+        </a:effectRef>
+        <a:fontRef idx="minor">
+          <a:schemeClr val="lt1"/>
+        </a:fontRef>
+      </dsp:style>
+      <dsp:txBody>
+        <a:bodyPr spcFirstLastPara="0" vert="horz" wrap="square" lIns="87630" tIns="87630" rIns="87630" bIns="87630" numCol="1" spcCol="1270" anchor="ctr" anchorCtr="0">
+          <a:noAutofit/>
+        </a:bodyPr>
+        <a:lstStyle/>
+        <a:p>
+          <a:pPr marL="0" lvl="0" indent="0" algn="l" defTabSz="1022350">
+            <a:lnSpc>
+              <a:spcPct val="90000"/>
+            </a:lnSpc>
+            <a:spcBef>
+              <a:spcPct val="0"/>
+            </a:spcBef>
+            <a:spcAft>
+              <a:spcPct val="35000"/>
+            </a:spcAft>
+            <a:buFont typeface="+mj-lt"/>
+            <a:buNone/>
+          </a:pPr>
+          <a:r>
+            <a:rPr lang="en-US" sz="2300" b="0" i="0" kern="1200" dirty="0"/>
+            <a:t>Once you get selected and finally talk to the client, screen your employer to</a:t>
+          </a:r>
+        </a:p>
+      </dsp:txBody>
+      <dsp:txXfrm>
+        <a:off x="26930" y="3087582"/>
+        <a:ext cx="10004539" cy="497795"/>
+      </dsp:txXfrm>
+    </dsp:sp>
+    <dsp:sp modelId="{7F99C806-C6EE-406C-9D16-1E997BD1A388}">
+      <dsp:nvSpPr>
+        <dsp:cNvPr id="0" name=""/>
+        <dsp:cNvSpPr/>
+      </dsp:nvSpPr>
+      <dsp:spPr>
+        <a:xfrm>
+          <a:off x="0" y="3612307"/>
+          <a:ext cx="10058399" cy="380880"/>
+        </a:xfrm>
+        <a:prstGeom prst="rect">
+          <a:avLst/>
+        </a:prstGeom>
+        <a:noFill/>
+        <a:ln>
+          <a:noFill/>
+        </a:ln>
+        <a:effectLst/>
+      </dsp:spPr>
+      <dsp:style>
+        <a:lnRef idx="0">
+          <a:scrgbClr r="0" g="0" b="0"/>
+        </a:lnRef>
+        <a:fillRef idx="0">
+          <a:scrgbClr r="0" g="0" b="0"/>
+        </a:fillRef>
+        <a:effectRef idx="0">
+          <a:scrgbClr r="0" g="0" b="0"/>
+        </a:effectRef>
+        <a:fontRef idx="minor"/>
+      </dsp:style>
+      <dsp:txBody>
+        <a:bodyPr spcFirstLastPara="0" vert="horz" wrap="square" lIns="319354" tIns="29210" rIns="163576" bIns="29210" numCol="1" spcCol="1270" anchor="t" anchorCtr="0">
+          <a:noAutofit/>
+        </a:bodyPr>
+        <a:lstStyle/>
+        <a:p>
+          <a:pPr marL="171450" lvl="1" indent="-171450" algn="l" defTabSz="800100">
+            <a:lnSpc>
+              <a:spcPct val="90000"/>
+            </a:lnSpc>
+            <a:spcBef>
+              <a:spcPct val="0"/>
+            </a:spcBef>
+            <a:spcAft>
+              <a:spcPct val="20000"/>
+            </a:spcAft>
+            <a:buFont typeface="+mj-lt"/>
+            <a:buAutoNum type="arabicPeriod"/>
+          </a:pPr>
+          <a:r>
+            <a:rPr lang="en-US" sz="1800" b="0" i="0" kern="1200" dirty="0"/>
+            <a:t>see if you can work with them</a:t>
+          </a:r>
+        </a:p>
+      </dsp:txBody>
+      <dsp:txXfrm>
+        <a:off x="0" y="3612307"/>
+        <a:ext cx="10058399" cy="380880"/>
+      </dsp:txXfrm>
+    </dsp:sp>
+  </dsp:spTree>
+</dsp:drawing>
+</file>
+
+<file path=ppt/diagrams/drawing6.xml><?xml version="1.0" encoding="utf-8"?>
+<dsp:drawing xmlns:dgm="http://schemas.openxmlformats.org/drawingml/2006/diagram" xmlns:dsp="http://schemas.microsoft.com/office/drawing/2008/diagram" xmlns:a="http://schemas.openxmlformats.org/drawingml/2006/main">
+  <dsp:spTree>
+    <dsp:nvGrpSpPr>
+      <dsp:cNvPr id="0" name=""/>
+      <dsp:cNvGrpSpPr/>
+    </dsp:nvGrpSpPr>
+    <dsp:grpSpPr/>
+    <dsp:sp modelId="{97801DC3-E45E-4407-8380-1A527E95FBFB}">
+      <dsp:nvSpPr>
+        <dsp:cNvPr id="0" name=""/>
+        <dsp:cNvSpPr/>
+      </dsp:nvSpPr>
+      <dsp:spPr>
+        <a:xfrm>
+          <a:off x="0" y="0"/>
+          <a:ext cx="10058399" cy="1055340"/>
+        </a:xfrm>
+        <a:prstGeom prst="roundRect">
+          <a:avLst/>
+        </a:prstGeom>
+        <a:solidFill>
+          <a:schemeClr val="accent1">
+            <a:hueOff val="0"/>
+            <a:satOff val="0"/>
+            <a:lumOff val="0"/>
+            <a:alphaOff val="0"/>
+          </a:schemeClr>
+        </a:solidFill>
+        <a:ln w="15875" cap="flat" cmpd="sng" algn="ctr">
+          <a:solidFill>
+            <a:schemeClr val="lt1">
+              <a:hueOff val="0"/>
+              <a:satOff val="0"/>
+              <a:lumOff val="0"/>
+              <a:alphaOff val="0"/>
+            </a:schemeClr>
+          </a:solidFill>
+          <a:prstDash val="solid"/>
+        </a:ln>
+        <a:effectLst/>
+      </dsp:spPr>
+      <dsp:style>
+        <a:lnRef idx="2">
+          <a:scrgbClr r="0" g="0" b="0"/>
+        </a:lnRef>
+        <a:fillRef idx="1">
+          <a:scrgbClr r="0" g="0" b="0"/>
+        </a:fillRef>
+        <a:effectRef idx="0">
+          <a:scrgbClr r="0" g="0" b="0"/>
+        </a:effectRef>
+        <a:fontRef idx="minor">
+          <a:schemeClr val="lt1"/>
+        </a:fontRef>
+      </dsp:style>
+      <dsp:txBody>
+        <a:bodyPr spcFirstLastPara="0" vert="horz" wrap="square" lIns="167640" tIns="167640" rIns="167640" bIns="167640" numCol="1" spcCol="1270" anchor="ctr" anchorCtr="0">
+          <a:noAutofit/>
+        </a:bodyPr>
+        <a:lstStyle/>
+        <a:p>
+          <a:pPr marL="0" lvl="0" indent="0" algn="l" defTabSz="1955800">
+            <a:lnSpc>
+              <a:spcPct val="90000"/>
+            </a:lnSpc>
+            <a:spcBef>
+              <a:spcPct val="0"/>
+            </a:spcBef>
+            <a:spcAft>
+              <a:spcPct val="35000"/>
+            </a:spcAft>
+            <a:buNone/>
+          </a:pPr>
+          <a:r>
+            <a:rPr lang="en-GB" sz="4400" kern="1200" dirty="0"/>
+            <a:t>Add non-</a:t>
+          </a:r>
+          <a:r>
+            <a:rPr lang="en-GB" sz="4400" kern="1200" dirty="0" err="1"/>
+            <a:t>upwork</a:t>
+          </a:r>
+          <a:r>
+            <a:rPr lang="en-GB" sz="4400" kern="1200" dirty="0"/>
+            <a:t> testimonials on Upwork, </a:t>
+          </a:r>
+          <a:endParaRPr lang="fr-FR" sz="4400" kern="1200" dirty="0"/>
+        </a:p>
+      </dsp:txBody>
+      <dsp:txXfrm>
+        <a:off x="51517" y="51517"/>
+        <a:ext cx="9955365" cy="952306"/>
+      </dsp:txXfrm>
+    </dsp:sp>
+    <dsp:sp modelId="{8E49EAAA-F4AF-4D2E-B4D9-FA1C396EFEEE}">
+      <dsp:nvSpPr>
+        <dsp:cNvPr id="0" name=""/>
+        <dsp:cNvSpPr/>
+      </dsp:nvSpPr>
+      <dsp:spPr>
+        <a:xfrm>
+          <a:off x="0" y="1055340"/>
+          <a:ext cx="10058399" cy="728640"/>
+        </a:xfrm>
+        <a:prstGeom prst="rect">
+          <a:avLst/>
+        </a:prstGeom>
+        <a:noFill/>
+        <a:ln>
+          <a:noFill/>
+        </a:ln>
+        <a:effectLst/>
+      </dsp:spPr>
+      <dsp:style>
+        <a:lnRef idx="0">
+          <a:scrgbClr r="0" g="0" b="0"/>
+        </a:lnRef>
+        <a:fillRef idx="0">
+          <a:scrgbClr r="0" g="0" b="0"/>
+        </a:fillRef>
+        <a:effectRef idx="0">
+          <a:scrgbClr r="0" g="0" b="0"/>
+        </a:effectRef>
+        <a:fontRef idx="minor"/>
+      </dsp:style>
+      <dsp:txBody>
+        <a:bodyPr spcFirstLastPara="0" vert="horz" wrap="square" lIns="319354" tIns="55880" rIns="312928" bIns="55880" numCol="1" spcCol="1270" anchor="t" anchorCtr="0">
+          <a:noAutofit/>
+        </a:bodyPr>
+        <a:lstStyle/>
+        <a:p>
+          <a:pPr marL="285750" lvl="1" indent="-285750" algn="l" defTabSz="1511300">
+            <a:lnSpc>
+              <a:spcPct val="90000"/>
+            </a:lnSpc>
+            <a:spcBef>
+              <a:spcPct val="0"/>
+            </a:spcBef>
+            <a:spcAft>
+              <a:spcPct val="20000"/>
+            </a:spcAft>
+            <a:buChar char="•"/>
+          </a:pPr>
+          <a:r>
+            <a:rPr lang="en-GB" sz="3400" kern="1200" dirty="0"/>
+            <a:t>send testimonials requests from </a:t>
+          </a:r>
+          <a:r>
+            <a:rPr lang="en-GB" sz="3400" kern="1200" dirty="0" err="1"/>
+            <a:t>upwork</a:t>
+          </a:r>
+          <a:endParaRPr lang="fr-FR" sz="3400" kern="1200" dirty="0"/>
+        </a:p>
+      </dsp:txBody>
+      <dsp:txXfrm>
+        <a:off x="0" y="1055340"/>
+        <a:ext cx="10058399" cy="728640"/>
+      </dsp:txXfrm>
+    </dsp:sp>
+    <dsp:sp modelId="{E3CC0B01-4BF6-4423-AC3F-2D540B485E5E}">
+      <dsp:nvSpPr>
+        <dsp:cNvPr id="0" name=""/>
+        <dsp:cNvSpPr/>
+      </dsp:nvSpPr>
+      <dsp:spPr>
+        <a:xfrm>
+          <a:off x="0" y="1783980"/>
+          <a:ext cx="10058399" cy="1055340"/>
+        </a:xfrm>
+        <a:prstGeom prst="roundRect">
+          <a:avLst/>
+        </a:prstGeom>
+        <a:solidFill>
+          <a:schemeClr val="accent1">
+            <a:hueOff val="0"/>
+            <a:satOff val="0"/>
+            <a:lumOff val="0"/>
+            <a:alphaOff val="0"/>
+          </a:schemeClr>
+        </a:solidFill>
+        <a:ln w="15875" cap="flat" cmpd="sng" algn="ctr">
+          <a:solidFill>
+            <a:schemeClr val="lt1">
+              <a:hueOff val="0"/>
+              <a:satOff val="0"/>
+              <a:lumOff val="0"/>
+              <a:alphaOff val="0"/>
+            </a:schemeClr>
+          </a:solidFill>
+          <a:prstDash val="solid"/>
+        </a:ln>
+        <a:effectLst/>
+      </dsp:spPr>
+      <dsp:style>
+        <a:lnRef idx="2">
+          <a:scrgbClr r="0" g="0" b="0"/>
+        </a:lnRef>
+        <a:fillRef idx="1">
+          <a:scrgbClr r="0" g="0" b="0"/>
+        </a:fillRef>
+        <a:effectRef idx="0">
+          <a:scrgbClr r="0" g="0" b="0"/>
+        </a:effectRef>
+        <a:fontRef idx="minor">
+          <a:schemeClr val="lt1"/>
+        </a:fontRef>
+      </dsp:style>
+      <dsp:txBody>
+        <a:bodyPr spcFirstLastPara="0" vert="horz" wrap="square" lIns="167640" tIns="167640" rIns="167640" bIns="167640" numCol="1" spcCol="1270" anchor="ctr" anchorCtr="0">
+          <a:noAutofit/>
+        </a:bodyPr>
+        <a:lstStyle/>
+        <a:p>
+          <a:pPr marL="0" lvl="0" indent="0" algn="l" defTabSz="1955800">
+            <a:lnSpc>
+              <a:spcPct val="90000"/>
+            </a:lnSpc>
+            <a:spcBef>
+              <a:spcPct val="0"/>
+            </a:spcBef>
+            <a:spcAft>
+              <a:spcPct val="35000"/>
+            </a:spcAft>
+            <a:buNone/>
+          </a:pPr>
+          <a:r>
+            <a:rPr lang="en-GB" sz="4400" kern="1200" dirty="0"/>
+            <a:t>Everyday, search jobs on </a:t>
+          </a:r>
+          <a:r>
+            <a:rPr lang="en-GB" sz="4400" kern="1200" dirty="0" err="1"/>
+            <a:t>upwork</a:t>
+          </a:r>
+          <a:r>
+            <a:rPr lang="en-GB" sz="4400" kern="1200" dirty="0"/>
+            <a:t> which</a:t>
+          </a:r>
+          <a:endParaRPr lang="fr-FR" sz="4400" kern="1200" dirty="0"/>
+        </a:p>
+      </dsp:txBody>
+      <dsp:txXfrm>
+        <a:off x="51517" y="1835497"/>
+        <a:ext cx="9955365" cy="952306"/>
+      </dsp:txXfrm>
+    </dsp:sp>
+    <dsp:sp modelId="{67D67F61-5B69-408A-9403-4FD4E4463A3D}">
+      <dsp:nvSpPr>
+        <dsp:cNvPr id="0" name=""/>
+        <dsp:cNvSpPr/>
+      </dsp:nvSpPr>
+      <dsp:spPr>
+        <a:xfrm>
+          <a:off x="0" y="2839320"/>
+          <a:ext cx="10058399" cy="1184040"/>
+        </a:xfrm>
+        <a:prstGeom prst="rect">
+          <a:avLst/>
+        </a:prstGeom>
+        <a:noFill/>
+        <a:ln>
+          <a:noFill/>
+        </a:ln>
+        <a:effectLst/>
+      </dsp:spPr>
+      <dsp:style>
+        <a:lnRef idx="0">
+          <a:scrgbClr r="0" g="0" b="0"/>
+        </a:lnRef>
+        <a:fillRef idx="0">
+          <a:scrgbClr r="0" g="0" b="0"/>
+        </a:fillRef>
+        <a:effectRef idx="0">
+          <a:scrgbClr r="0" g="0" b="0"/>
+        </a:effectRef>
+        <a:fontRef idx="minor"/>
+      </dsp:style>
+      <dsp:txBody>
+        <a:bodyPr spcFirstLastPara="0" vert="horz" wrap="square" lIns="319354" tIns="55880" rIns="312928" bIns="55880" numCol="1" spcCol="1270" anchor="t" anchorCtr="0">
+          <a:noAutofit/>
+        </a:bodyPr>
+        <a:lstStyle/>
+        <a:p>
+          <a:pPr marL="285750" lvl="1" indent="-285750" algn="l" defTabSz="1511300">
+            <a:lnSpc>
+              <a:spcPct val="90000"/>
+            </a:lnSpc>
+            <a:spcBef>
+              <a:spcPct val="0"/>
+            </a:spcBef>
+            <a:spcAft>
+              <a:spcPct val="20000"/>
+            </a:spcAft>
+            <a:buChar char="•"/>
+          </a:pPr>
+          <a:r>
+            <a:rPr lang="en-GB" sz="3400" kern="1200"/>
+            <a:t>perfectly </a:t>
+          </a:r>
+          <a:r>
+            <a:rPr lang="en-GB" sz="3400" kern="1200" dirty="0"/>
+            <a:t>match your skillset, </a:t>
+          </a:r>
+          <a:endParaRPr lang="fr-FR" sz="3400" kern="1200" dirty="0"/>
+        </a:p>
+        <a:p>
+          <a:pPr marL="285750" lvl="1" indent="-285750" algn="l" defTabSz="1511300">
+            <a:lnSpc>
+              <a:spcPct val="90000"/>
+            </a:lnSpc>
+            <a:spcBef>
+              <a:spcPct val="0"/>
+            </a:spcBef>
+            <a:spcAft>
+              <a:spcPct val="20000"/>
+            </a:spcAft>
+            <a:buChar char="•"/>
+          </a:pPr>
+          <a:r>
+            <a:rPr lang="en-GB" sz="3400" kern="1200"/>
+            <a:t>fewest </a:t>
+          </a:r>
+          <a:r>
+            <a:rPr lang="en-GB" sz="3400" kern="1200" dirty="0"/>
+            <a:t>bids and apply to them </a:t>
+          </a:r>
+          <a:endParaRPr lang="fr-FR" sz="3400" kern="1200" dirty="0"/>
+        </a:p>
+      </dsp:txBody>
+      <dsp:txXfrm>
+        <a:off x="0" y="2839320"/>
+        <a:ext cx="10058399" cy="1184040"/>
       </dsp:txXfrm>
     </dsp:sp>
   </dsp:spTree>
@@ -8115,6 +11532,340 @@
 </dgm:layoutDef>
 </file>
 
+<file path=ppt/diagrams/layout5.xml><?xml version="1.0" encoding="utf-8"?>
+<dgm:layoutDef xmlns:dgm="http://schemas.openxmlformats.org/drawingml/2006/diagram" xmlns:a="http://schemas.openxmlformats.org/drawingml/2006/main" uniqueId="urn:microsoft.com/office/officeart/2005/8/layout/vList2">
+  <dgm:title val=""/>
+  <dgm:desc val=""/>
+  <dgm:catLst>
+    <dgm:cat type="list" pri="3000"/>
+    <dgm:cat type="convert" pri="1000"/>
+  </dgm:catLst>
+  <dgm:sampData>
+    <dgm:dataModel>
+      <dgm:ptLst>
+        <dgm:pt modelId="0" type="doc"/>
+        <dgm:pt modelId="1">
+          <dgm:prSet phldr="1"/>
+        </dgm:pt>
+        <dgm:pt modelId="11">
+          <dgm:prSet phldr="1"/>
+        </dgm:pt>
+        <dgm:pt modelId="2">
+          <dgm:prSet phldr="1"/>
+        </dgm:pt>
+        <dgm:pt modelId="21">
+          <dgm:prSet phldr="1"/>
+        </dgm:pt>
+      </dgm:ptLst>
+      <dgm:cxnLst>
+        <dgm:cxn modelId="4" srcId="0" destId="1" srcOrd="0" destOrd="0"/>
+        <dgm:cxn modelId="5" srcId="0" destId="2" srcOrd="1" destOrd="0"/>
+        <dgm:cxn modelId="12" srcId="1" destId="11" srcOrd="0" destOrd="0"/>
+        <dgm:cxn modelId="23" srcId="2" destId="21" srcOrd="0" destOrd="0"/>
+      </dgm:cxnLst>
+      <dgm:bg/>
+      <dgm:whole/>
+    </dgm:dataModel>
+  </dgm:sampData>
+  <dgm:styleData>
+    <dgm:dataModel>
+      <dgm:ptLst>
+        <dgm:pt modelId="0" type="doc"/>
+        <dgm:pt modelId="1"/>
+        <dgm:pt modelId="2"/>
+      </dgm:ptLst>
+      <dgm:cxnLst>
+        <dgm:cxn modelId="3" srcId="0" destId="1" srcOrd="0" destOrd="0"/>
+        <dgm:cxn modelId="4" srcId="0" destId="2" srcOrd="1" destOrd="0"/>
+      </dgm:cxnLst>
+      <dgm:bg/>
+      <dgm:whole/>
+    </dgm:dataModel>
+  </dgm:styleData>
+  <dgm:clrData>
+    <dgm:dataModel>
+      <dgm:ptLst>
+        <dgm:pt modelId="0" type="doc"/>
+        <dgm:pt modelId="1"/>
+        <dgm:pt modelId="2"/>
+        <dgm:pt modelId="3"/>
+        <dgm:pt modelId="4"/>
+      </dgm:ptLst>
+      <dgm:cxnLst>
+        <dgm:cxn modelId="5" srcId="0" destId="1" srcOrd="0" destOrd="0"/>
+        <dgm:cxn modelId="6" srcId="0" destId="2" srcOrd="1" destOrd="0"/>
+        <dgm:cxn modelId="7" srcId="0" destId="3" srcOrd="2" destOrd="0"/>
+        <dgm:cxn modelId="8" srcId="0" destId="4" srcOrd="3" destOrd="0"/>
+      </dgm:cxnLst>
+      <dgm:bg/>
+      <dgm:whole/>
+    </dgm:dataModel>
+  </dgm:clrData>
+  <dgm:layoutNode name="linear">
+    <dgm:varLst>
+      <dgm:animLvl val="lvl"/>
+      <dgm:resizeHandles val="exact"/>
+    </dgm:varLst>
+    <dgm:alg type="lin">
+      <dgm:param type="linDir" val="fromT"/>
+      <dgm:param type="vertAlign" val="mid"/>
+    </dgm:alg>
+    <dgm:shape xmlns:r="http://schemas.openxmlformats.org/officeDocument/2006/relationships" r:blip="">
+      <dgm:adjLst/>
+    </dgm:shape>
+    <dgm:presOf/>
+    <dgm:constrLst>
+      <dgm:constr type="w" for="ch" forName="parentText" refType="w"/>
+      <dgm:constr type="h" for="ch" forName="parentText" refType="primFontSz" refFor="ch" refForName="parentText" fact="0.52"/>
+      <dgm:constr type="w" for="ch" forName="childText" refType="w"/>
+      <dgm:constr type="h" for="ch" forName="childText" refType="primFontSz" refFor="ch" refForName="parentText" fact="0.46"/>
+      <dgm:constr type="h" for="ch" forName="parentText" op="equ"/>
+      <dgm:constr type="primFontSz" for="ch" forName="parentText" op="equ" val="65"/>
+      <dgm:constr type="primFontSz" for="ch" forName="childText" refType="primFontSz" refFor="ch" refForName="parentText" op="equ"/>
+      <dgm:constr type="h" for="ch" forName="spacer" refType="primFontSz" refFor="ch" refForName="parentText" fact="0.08"/>
+    </dgm:constrLst>
+    <dgm:ruleLst>
+      <dgm:rule type="primFontSz" for="ch" forName="parentText" val="5" fact="NaN" max="NaN"/>
+    </dgm:ruleLst>
+    <dgm:forEach name="Name0" axis="ch" ptType="node">
+      <dgm:layoutNode name="parentText" styleLbl="node1">
+        <dgm:varLst>
+          <dgm:chMax val="0"/>
+          <dgm:bulletEnabled val="1"/>
+        </dgm:varLst>
+        <dgm:alg type="tx">
+          <dgm:param type="parTxLTRAlign" val="l"/>
+          <dgm:param type="parTxRTLAlign" val="r"/>
+        </dgm:alg>
+        <dgm:shape xmlns:r="http://schemas.openxmlformats.org/officeDocument/2006/relationships" type="roundRect" r:blip="">
+          <dgm:adjLst/>
+        </dgm:shape>
+        <dgm:presOf axis="self"/>
+        <dgm:constrLst>
+          <dgm:constr type="tMarg" refType="primFontSz" fact="0.3"/>
+          <dgm:constr type="bMarg" refType="primFontSz" fact="0.3"/>
+          <dgm:constr type="lMarg" refType="primFontSz" fact="0.3"/>
+          <dgm:constr type="rMarg" refType="primFontSz" fact="0.3"/>
+        </dgm:constrLst>
+        <dgm:ruleLst>
+          <dgm:rule type="h" val="INF" fact="NaN" max="NaN"/>
+        </dgm:ruleLst>
+      </dgm:layoutNode>
+      <dgm:choose name="Name1">
+        <dgm:if name="Name2" axis="ch" ptType="node" func="cnt" op="gte" val="1">
+          <dgm:layoutNode name="childText" styleLbl="revTx">
+            <dgm:varLst>
+              <dgm:bulletEnabled val="1"/>
+            </dgm:varLst>
+            <dgm:alg type="tx">
+              <dgm:param type="stBulletLvl" val="1"/>
+              <dgm:param type="lnSpAfChP" val="20"/>
+            </dgm:alg>
+            <dgm:shape xmlns:r="http://schemas.openxmlformats.org/officeDocument/2006/relationships" type="rect" r:blip="">
+              <dgm:adjLst/>
+            </dgm:shape>
+            <dgm:presOf axis="des" ptType="node"/>
+            <dgm:constrLst>
+              <dgm:constr type="tMarg" refType="primFontSz" fact="0.1"/>
+              <dgm:constr type="bMarg" refType="primFontSz" fact="0.1"/>
+              <dgm:constr type="lMarg" refType="w" fact="0.09"/>
+            </dgm:constrLst>
+            <dgm:ruleLst>
+              <dgm:rule type="h" val="INF" fact="NaN" max="NaN"/>
+            </dgm:ruleLst>
+          </dgm:layoutNode>
+        </dgm:if>
+        <dgm:else name="Name3">
+          <dgm:choose name="Name4">
+            <dgm:if name="Name5" axis="par ch" ptType="doc node" func="cnt" op="gte" val="2">
+              <dgm:forEach name="Name6" axis="followSib" ptType="sibTrans" cnt="1">
+                <dgm:layoutNode name="spacer">
+                  <dgm:alg type="sp"/>
+                  <dgm:shape xmlns:r="http://schemas.openxmlformats.org/officeDocument/2006/relationships" r:blip="">
+                    <dgm:adjLst/>
+                  </dgm:shape>
+                  <dgm:presOf/>
+                  <dgm:constrLst/>
+                  <dgm:ruleLst/>
+                </dgm:layoutNode>
+              </dgm:forEach>
+            </dgm:if>
+            <dgm:else name="Name7"/>
+          </dgm:choose>
+        </dgm:else>
+      </dgm:choose>
+    </dgm:forEach>
+  </dgm:layoutNode>
+</dgm:layoutDef>
+</file>
+
+<file path=ppt/diagrams/layout6.xml><?xml version="1.0" encoding="utf-8"?>
+<dgm:layoutDef xmlns:dgm="http://schemas.openxmlformats.org/drawingml/2006/diagram" xmlns:a="http://schemas.openxmlformats.org/drawingml/2006/main" uniqueId="urn:microsoft.com/office/officeart/2005/8/layout/vList2">
+  <dgm:title val=""/>
+  <dgm:desc val=""/>
+  <dgm:catLst>
+    <dgm:cat type="list" pri="3000"/>
+    <dgm:cat type="convert" pri="1000"/>
+  </dgm:catLst>
+  <dgm:sampData>
+    <dgm:dataModel>
+      <dgm:ptLst>
+        <dgm:pt modelId="0" type="doc"/>
+        <dgm:pt modelId="1">
+          <dgm:prSet phldr="1"/>
+        </dgm:pt>
+        <dgm:pt modelId="11">
+          <dgm:prSet phldr="1"/>
+        </dgm:pt>
+        <dgm:pt modelId="2">
+          <dgm:prSet phldr="1"/>
+        </dgm:pt>
+        <dgm:pt modelId="21">
+          <dgm:prSet phldr="1"/>
+        </dgm:pt>
+      </dgm:ptLst>
+      <dgm:cxnLst>
+        <dgm:cxn modelId="4" srcId="0" destId="1" srcOrd="0" destOrd="0"/>
+        <dgm:cxn modelId="5" srcId="0" destId="2" srcOrd="1" destOrd="0"/>
+        <dgm:cxn modelId="12" srcId="1" destId="11" srcOrd="0" destOrd="0"/>
+        <dgm:cxn modelId="23" srcId="2" destId="21" srcOrd="0" destOrd="0"/>
+      </dgm:cxnLst>
+      <dgm:bg/>
+      <dgm:whole/>
+    </dgm:dataModel>
+  </dgm:sampData>
+  <dgm:styleData>
+    <dgm:dataModel>
+      <dgm:ptLst>
+        <dgm:pt modelId="0" type="doc"/>
+        <dgm:pt modelId="1"/>
+        <dgm:pt modelId="2"/>
+      </dgm:ptLst>
+      <dgm:cxnLst>
+        <dgm:cxn modelId="3" srcId="0" destId="1" srcOrd="0" destOrd="0"/>
+        <dgm:cxn modelId="4" srcId="0" destId="2" srcOrd="1" destOrd="0"/>
+      </dgm:cxnLst>
+      <dgm:bg/>
+      <dgm:whole/>
+    </dgm:dataModel>
+  </dgm:styleData>
+  <dgm:clrData>
+    <dgm:dataModel>
+      <dgm:ptLst>
+        <dgm:pt modelId="0" type="doc"/>
+        <dgm:pt modelId="1"/>
+        <dgm:pt modelId="2"/>
+        <dgm:pt modelId="3"/>
+        <dgm:pt modelId="4"/>
+      </dgm:ptLst>
+      <dgm:cxnLst>
+        <dgm:cxn modelId="5" srcId="0" destId="1" srcOrd="0" destOrd="0"/>
+        <dgm:cxn modelId="6" srcId="0" destId="2" srcOrd="1" destOrd="0"/>
+        <dgm:cxn modelId="7" srcId="0" destId="3" srcOrd="2" destOrd="0"/>
+        <dgm:cxn modelId="8" srcId="0" destId="4" srcOrd="3" destOrd="0"/>
+      </dgm:cxnLst>
+      <dgm:bg/>
+      <dgm:whole/>
+    </dgm:dataModel>
+  </dgm:clrData>
+  <dgm:layoutNode name="linear">
+    <dgm:varLst>
+      <dgm:animLvl val="lvl"/>
+      <dgm:resizeHandles val="exact"/>
+    </dgm:varLst>
+    <dgm:alg type="lin">
+      <dgm:param type="linDir" val="fromT"/>
+      <dgm:param type="vertAlign" val="mid"/>
+    </dgm:alg>
+    <dgm:shape xmlns:r="http://schemas.openxmlformats.org/officeDocument/2006/relationships" r:blip="">
+      <dgm:adjLst/>
+    </dgm:shape>
+    <dgm:presOf/>
+    <dgm:constrLst>
+      <dgm:constr type="w" for="ch" forName="parentText" refType="w"/>
+      <dgm:constr type="h" for="ch" forName="parentText" refType="primFontSz" refFor="ch" refForName="parentText" fact="0.52"/>
+      <dgm:constr type="w" for="ch" forName="childText" refType="w"/>
+      <dgm:constr type="h" for="ch" forName="childText" refType="primFontSz" refFor="ch" refForName="parentText" fact="0.46"/>
+      <dgm:constr type="h" for="ch" forName="parentText" op="equ"/>
+      <dgm:constr type="primFontSz" for="ch" forName="parentText" op="equ" val="65"/>
+      <dgm:constr type="primFontSz" for="ch" forName="childText" refType="primFontSz" refFor="ch" refForName="parentText" op="equ"/>
+      <dgm:constr type="h" for="ch" forName="spacer" refType="primFontSz" refFor="ch" refForName="parentText" fact="0.08"/>
+    </dgm:constrLst>
+    <dgm:ruleLst>
+      <dgm:rule type="primFontSz" for="ch" forName="parentText" val="5" fact="NaN" max="NaN"/>
+    </dgm:ruleLst>
+    <dgm:forEach name="Name0" axis="ch" ptType="node">
+      <dgm:layoutNode name="parentText" styleLbl="node1">
+        <dgm:varLst>
+          <dgm:chMax val="0"/>
+          <dgm:bulletEnabled val="1"/>
+        </dgm:varLst>
+        <dgm:alg type="tx">
+          <dgm:param type="parTxLTRAlign" val="l"/>
+          <dgm:param type="parTxRTLAlign" val="r"/>
+        </dgm:alg>
+        <dgm:shape xmlns:r="http://schemas.openxmlformats.org/officeDocument/2006/relationships" type="roundRect" r:blip="">
+          <dgm:adjLst/>
+        </dgm:shape>
+        <dgm:presOf axis="self"/>
+        <dgm:constrLst>
+          <dgm:constr type="tMarg" refType="primFontSz" fact="0.3"/>
+          <dgm:constr type="bMarg" refType="primFontSz" fact="0.3"/>
+          <dgm:constr type="lMarg" refType="primFontSz" fact="0.3"/>
+          <dgm:constr type="rMarg" refType="primFontSz" fact="0.3"/>
+        </dgm:constrLst>
+        <dgm:ruleLst>
+          <dgm:rule type="h" val="INF" fact="NaN" max="NaN"/>
+        </dgm:ruleLst>
+      </dgm:layoutNode>
+      <dgm:choose name="Name1">
+        <dgm:if name="Name2" axis="ch" ptType="node" func="cnt" op="gte" val="1">
+          <dgm:layoutNode name="childText" styleLbl="revTx">
+            <dgm:varLst>
+              <dgm:bulletEnabled val="1"/>
+            </dgm:varLst>
+            <dgm:alg type="tx">
+              <dgm:param type="stBulletLvl" val="1"/>
+              <dgm:param type="lnSpAfChP" val="20"/>
+            </dgm:alg>
+            <dgm:shape xmlns:r="http://schemas.openxmlformats.org/officeDocument/2006/relationships" type="rect" r:blip="">
+              <dgm:adjLst/>
+            </dgm:shape>
+            <dgm:presOf axis="des" ptType="node"/>
+            <dgm:constrLst>
+              <dgm:constr type="tMarg" refType="primFontSz" fact="0.1"/>
+              <dgm:constr type="bMarg" refType="primFontSz" fact="0.1"/>
+              <dgm:constr type="lMarg" refType="w" fact="0.09"/>
+            </dgm:constrLst>
+            <dgm:ruleLst>
+              <dgm:rule type="h" val="INF" fact="NaN" max="NaN"/>
+            </dgm:ruleLst>
+          </dgm:layoutNode>
+        </dgm:if>
+        <dgm:else name="Name3">
+          <dgm:choose name="Name4">
+            <dgm:if name="Name5" axis="par ch" ptType="doc node" func="cnt" op="gte" val="2">
+              <dgm:forEach name="Name6" axis="followSib" ptType="sibTrans" cnt="1">
+                <dgm:layoutNode name="spacer">
+                  <dgm:alg type="sp"/>
+                  <dgm:shape xmlns:r="http://schemas.openxmlformats.org/officeDocument/2006/relationships" r:blip="">
+                    <dgm:adjLst/>
+                  </dgm:shape>
+                  <dgm:presOf/>
+                  <dgm:constrLst/>
+                  <dgm:ruleLst/>
+                </dgm:layoutNode>
+              </dgm:forEach>
+            </dgm:if>
+            <dgm:else name="Name7"/>
+          </dgm:choose>
+        </dgm:else>
+      </dgm:choose>
+    </dgm:forEach>
+  </dgm:layoutNode>
+</dgm:layoutDef>
+</file>
+
 <file path=ppt/diagrams/quickStyle1.xml><?xml version="1.0" encoding="utf-8"?>
 <dgm:styleDef xmlns:dgm="http://schemas.openxmlformats.org/drawingml/2006/diagram" xmlns:a="http://schemas.openxmlformats.org/drawingml/2006/main" uniqueId="urn:microsoft.com/office/officeart/2005/8/quickstyle/simple1">
   <dgm:title val=""/>
@@ -11218,6 +14969,2074 @@
 </file>
 
 <file path=ppt/diagrams/quickStyle4.xml><?xml version="1.0" encoding="utf-8"?>
+<dgm:styleDef xmlns:dgm="http://schemas.openxmlformats.org/drawingml/2006/diagram" xmlns:a="http://schemas.openxmlformats.org/drawingml/2006/main" uniqueId="urn:microsoft.com/office/officeart/2005/8/quickstyle/simple1">
+  <dgm:title val=""/>
+  <dgm:desc val=""/>
+  <dgm:catLst>
+    <dgm:cat type="simple" pri="10100"/>
+  </dgm:catLst>
+  <dgm:scene3d>
+    <a:camera prst="orthographicFront"/>
+    <a:lightRig rig="threePt" dir="t"/>
+  </dgm:scene3d>
+  <dgm:styleLbl name="node0">
+    <dgm:scene3d>
+      <a:camera prst="orthographicFront"/>
+      <a:lightRig rig="threePt" dir="t"/>
+    </dgm:scene3d>
+    <dgm:sp3d/>
+    <dgm:txPr/>
+    <dgm:style>
+      <a:lnRef idx="2">
+        <a:scrgbClr r="0" g="0" b="0"/>
+      </a:lnRef>
+      <a:fillRef idx="1">
+        <a:scrgbClr r="0" g="0" b="0"/>
+      </a:fillRef>
+      <a:effectRef idx="0">
+        <a:scrgbClr r="0" g="0" b="0"/>
+      </a:effectRef>
+      <a:fontRef idx="minor">
+        <a:schemeClr val="lt1"/>
+      </a:fontRef>
+    </dgm:style>
+  </dgm:styleLbl>
+  <dgm:styleLbl name="lnNode1">
+    <dgm:scene3d>
+      <a:camera prst="orthographicFront"/>
+      <a:lightRig rig="threePt" dir="t"/>
+    </dgm:scene3d>
+    <dgm:sp3d/>
+    <dgm:txPr/>
+    <dgm:style>
+      <a:lnRef idx="2">
+        <a:scrgbClr r="0" g="0" b="0"/>
+      </a:lnRef>
+      <a:fillRef idx="1">
+        <a:scrgbClr r="0" g="0" b="0"/>
+      </a:fillRef>
+      <a:effectRef idx="0">
+        <a:scrgbClr r="0" g="0" b="0"/>
+      </a:effectRef>
+      <a:fontRef idx="minor">
+        <a:schemeClr val="lt1"/>
+      </a:fontRef>
+    </dgm:style>
+  </dgm:styleLbl>
+  <dgm:styleLbl name="vennNode1">
+    <dgm:scene3d>
+      <a:camera prst="orthographicFront"/>
+      <a:lightRig rig="threePt" dir="t"/>
+    </dgm:scene3d>
+    <dgm:sp3d/>
+    <dgm:txPr/>
+    <dgm:style>
+      <a:lnRef idx="2">
+        <a:scrgbClr r="0" g="0" b="0"/>
+      </a:lnRef>
+      <a:fillRef idx="1">
+        <a:scrgbClr r="0" g="0" b="0"/>
+      </a:fillRef>
+      <a:effectRef idx="0">
+        <a:scrgbClr r="0" g="0" b="0"/>
+      </a:effectRef>
+      <a:fontRef idx="minor">
+        <a:schemeClr val="tx1"/>
+      </a:fontRef>
+    </dgm:style>
+  </dgm:styleLbl>
+  <dgm:styleLbl name="alignNode1">
+    <dgm:scene3d>
+      <a:camera prst="orthographicFront"/>
+      <a:lightRig rig="threePt" dir="t"/>
+    </dgm:scene3d>
+    <dgm:sp3d/>
+    <dgm:txPr/>
+    <dgm:style>
+      <a:lnRef idx="2">
+        <a:scrgbClr r="0" g="0" b="0"/>
+      </a:lnRef>
+      <a:fillRef idx="1">
+        <a:scrgbClr r="0" g="0" b="0"/>
+      </a:fillRef>
+      <a:effectRef idx="0">
+        <a:scrgbClr r="0" g="0" b="0"/>
+      </a:effectRef>
+      <a:fontRef idx="minor">
+        <a:schemeClr val="lt1"/>
+      </a:fontRef>
+    </dgm:style>
+  </dgm:styleLbl>
+  <dgm:styleLbl name="node1">
+    <dgm:scene3d>
+      <a:camera prst="orthographicFront"/>
+      <a:lightRig rig="threePt" dir="t"/>
+    </dgm:scene3d>
+    <dgm:sp3d/>
+    <dgm:txPr/>
+    <dgm:style>
+      <a:lnRef idx="2">
+        <a:scrgbClr r="0" g="0" b="0"/>
+      </a:lnRef>
+      <a:fillRef idx="1">
+        <a:scrgbClr r="0" g="0" b="0"/>
+      </a:fillRef>
+      <a:effectRef idx="0">
+        <a:scrgbClr r="0" g="0" b="0"/>
+      </a:effectRef>
+      <a:fontRef idx="minor">
+        <a:schemeClr val="lt1"/>
+      </a:fontRef>
+    </dgm:style>
+  </dgm:styleLbl>
+  <dgm:styleLbl name="node2">
+    <dgm:scene3d>
+      <a:camera prst="orthographicFront"/>
+      <a:lightRig rig="threePt" dir="t"/>
+    </dgm:scene3d>
+    <dgm:sp3d/>
+    <dgm:txPr/>
+    <dgm:style>
+      <a:lnRef idx="2">
+        <a:scrgbClr r="0" g="0" b="0"/>
+      </a:lnRef>
+      <a:fillRef idx="1">
+        <a:scrgbClr r="0" g="0" b="0"/>
+      </a:fillRef>
+      <a:effectRef idx="0">
+        <a:scrgbClr r="0" g="0" b="0"/>
+      </a:effectRef>
+      <a:fontRef idx="minor">
+        <a:schemeClr val="lt1"/>
+      </a:fontRef>
+    </dgm:style>
+  </dgm:styleLbl>
+  <dgm:styleLbl name="node3">
+    <dgm:scene3d>
+      <a:camera prst="orthographicFront"/>
+      <a:lightRig rig="threePt" dir="t"/>
+    </dgm:scene3d>
+    <dgm:sp3d/>
+    <dgm:txPr/>
+    <dgm:style>
+      <a:lnRef idx="2">
+        <a:scrgbClr r="0" g="0" b="0"/>
+      </a:lnRef>
+      <a:fillRef idx="1">
+        <a:scrgbClr r="0" g="0" b="0"/>
+      </a:fillRef>
+      <a:effectRef idx="0">
+        <a:scrgbClr r="0" g="0" b="0"/>
+      </a:effectRef>
+      <a:fontRef idx="minor">
+        <a:schemeClr val="lt1"/>
+      </a:fontRef>
+    </dgm:style>
+  </dgm:styleLbl>
+  <dgm:styleLbl name="node4">
+    <dgm:scene3d>
+      <a:camera prst="orthographicFront"/>
+      <a:lightRig rig="threePt" dir="t"/>
+    </dgm:scene3d>
+    <dgm:sp3d/>
+    <dgm:txPr/>
+    <dgm:style>
+      <a:lnRef idx="2">
+        <a:scrgbClr r="0" g="0" b="0"/>
+      </a:lnRef>
+      <a:fillRef idx="1">
+        <a:scrgbClr r="0" g="0" b="0"/>
+      </a:fillRef>
+      <a:effectRef idx="0">
+        <a:scrgbClr r="0" g="0" b="0"/>
+      </a:effectRef>
+      <a:fontRef idx="minor">
+        <a:schemeClr val="lt1"/>
+      </a:fontRef>
+    </dgm:style>
+  </dgm:styleLbl>
+  <dgm:styleLbl name="fgImgPlace1">
+    <dgm:scene3d>
+      <a:camera prst="orthographicFront"/>
+      <a:lightRig rig="threePt" dir="t"/>
+    </dgm:scene3d>
+    <dgm:sp3d/>
+    <dgm:txPr/>
+    <dgm:style>
+      <a:lnRef idx="2">
+        <a:scrgbClr r="0" g="0" b="0"/>
+      </a:lnRef>
+      <a:fillRef idx="1">
+        <a:scrgbClr r="0" g="0" b="0"/>
+      </a:fillRef>
+      <a:effectRef idx="0">
+        <a:scrgbClr r="0" g="0" b="0"/>
+      </a:effectRef>
+      <a:fontRef idx="minor"/>
+    </dgm:style>
+  </dgm:styleLbl>
+  <dgm:styleLbl name="alignImgPlace1">
+    <dgm:scene3d>
+      <a:camera prst="orthographicFront"/>
+      <a:lightRig rig="threePt" dir="t"/>
+    </dgm:scene3d>
+    <dgm:sp3d/>
+    <dgm:txPr/>
+    <dgm:style>
+      <a:lnRef idx="2">
+        <a:scrgbClr r="0" g="0" b="0"/>
+      </a:lnRef>
+      <a:fillRef idx="1">
+        <a:scrgbClr r="0" g="0" b="0"/>
+      </a:fillRef>
+      <a:effectRef idx="0">
+        <a:scrgbClr r="0" g="0" b="0"/>
+      </a:effectRef>
+      <a:fontRef idx="minor"/>
+    </dgm:style>
+  </dgm:styleLbl>
+  <dgm:styleLbl name="bgImgPlace1">
+    <dgm:scene3d>
+      <a:camera prst="orthographicFront"/>
+      <a:lightRig rig="threePt" dir="t"/>
+    </dgm:scene3d>
+    <dgm:sp3d/>
+    <dgm:txPr/>
+    <dgm:style>
+      <a:lnRef idx="2">
+        <a:scrgbClr r="0" g="0" b="0"/>
+      </a:lnRef>
+      <a:fillRef idx="1">
+        <a:scrgbClr r="0" g="0" b="0"/>
+      </a:fillRef>
+      <a:effectRef idx="0">
+        <a:scrgbClr r="0" g="0" b="0"/>
+      </a:effectRef>
+      <a:fontRef idx="minor"/>
+    </dgm:style>
+  </dgm:styleLbl>
+  <dgm:styleLbl name="sibTrans2D1">
+    <dgm:scene3d>
+      <a:camera prst="orthographicFront"/>
+      <a:lightRig rig="threePt" dir="t"/>
+    </dgm:scene3d>
+    <dgm:sp3d/>
+    <dgm:txPr/>
+    <dgm:style>
+      <a:lnRef idx="0">
+        <a:scrgbClr r="0" g="0" b="0"/>
+      </a:lnRef>
+      <a:fillRef idx="1">
+        <a:scrgbClr r="0" g="0" b="0"/>
+      </a:fillRef>
+      <a:effectRef idx="0">
+        <a:scrgbClr r="0" g="0" b="0"/>
+      </a:effectRef>
+      <a:fontRef idx="minor">
+        <a:schemeClr val="lt1"/>
+      </a:fontRef>
+    </dgm:style>
+  </dgm:styleLbl>
+  <dgm:styleLbl name="fgSibTrans2D1">
+    <dgm:scene3d>
+      <a:camera prst="orthographicFront"/>
+      <a:lightRig rig="threePt" dir="t"/>
+    </dgm:scene3d>
+    <dgm:sp3d/>
+    <dgm:txPr/>
+    <dgm:style>
+      <a:lnRef idx="0">
+        <a:scrgbClr r="0" g="0" b="0"/>
+      </a:lnRef>
+      <a:fillRef idx="1">
+        <a:scrgbClr r="0" g="0" b="0"/>
+      </a:fillRef>
+      <a:effectRef idx="0">
+        <a:scrgbClr r="0" g="0" b="0"/>
+      </a:effectRef>
+      <a:fontRef idx="minor">
+        <a:schemeClr val="lt1"/>
+      </a:fontRef>
+    </dgm:style>
+  </dgm:styleLbl>
+  <dgm:styleLbl name="bgSibTrans2D1">
+    <dgm:scene3d>
+      <a:camera prst="orthographicFront"/>
+      <a:lightRig rig="threePt" dir="t"/>
+    </dgm:scene3d>
+    <dgm:sp3d/>
+    <dgm:txPr/>
+    <dgm:style>
+      <a:lnRef idx="0">
+        <a:scrgbClr r="0" g="0" b="0"/>
+      </a:lnRef>
+      <a:fillRef idx="1">
+        <a:scrgbClr r="0" g="0" b="0"/>
+      </a:fillRef>
+      <a:effectRef idx="0">
+        <a:scrgbClr r="0" g="0" b="0"/>
+      </a:effectRef>
+      <a:fontRef idx="minor">
+        <a:schemeClr val="lt1"/>
+      </a:fontRef>
+    </dgm:style>
+  </dgm:styleLbl>
+  <dgm:styleLbl name="sibTrans1D1">
+    <dgm:scene3d>
+      <a:camera prst="orthographicFront"/>
+      <a:lightRig rig="threePt" dir="t"/>
+    </dgm:scene3d>
+    <dgm:sp3d/>
+    <dgm:txPr/>
+    <dgm:style>
+      <a:lnRef idx="1">
+        <a:scrgbClr r="0" g="0" b="0"/>
+      </a:lnRef>
+      <a:fillRef idx="0">
+        <a:scrgbClr r="0" g="0" b="0"/>
+      </a:fillRef>
+      <a:effectRef idx="0">
+        <a:scrgbClr r="0" g="0" b="0"/>
+      </a:effectRef>
+      <a:fontRef idx="minor"/>
+    </dgm:style>
+  </dgm:styleLbl>
+  <dgm:styleLbl name="callout">
+    <dgm:scene3d>
+      <a:camera prst="orthographicFront"/>
+      <a:lightRig rig="threePt" dir="t"/>
+    </dgm:scene3d>
+    <dgm:sp3d/>
+    <dgm:txPr/>
+    <dgm:style>
+      <a:lnRef idx="2">
+        <a:scrgbClr r="0" g="0" b="0"/>
+      </a:lnRef>
+      <a:fillRef idx="1">
+        <a:scrgbClr r="0" g="0" b="0"/>
+      </a:fillRef>
+      <a:effectRef idx="0">
+        <a:scrgbClr r="0" g="0" b="0"/>
+      </a:effectRef>
+      <a:fontRef idx="minor"/>
+    </dgm:style>
+  </dgm:styleLbl>
+  <dgm:styleLbl name="asst0">
+    <dgm:scene3d>
+      <a:camera prst="orthographicFront"/>
+      <a:lightRig rig="threePt" dir="t"/>
+    </dgm:scene3d>
+    <dgm:sp3d/>
+    <dgm:txPr/>
+    <dgm:style>
+      <a:lnRef idx="2">
+        <a:scrgbClr r="0" g="0" b="0"/>
+      </a:lnRef>
+      <a:fillRef idx="1">
+        <a:scrgbClr r="0" g="0" b="0"/>
+      </a:fillRef>
+      <a:effectRef idx="0">
+        <a:scrgbClr r="0" g="0" b="0"/>
+      </a:effectRef>
+      <a:fontRef idx="minor">
+        <a:schemeClr val="lt1"/>
+      </a:fontRef>
+    </dgm:style>
+  </dgm:styleLbl>
+  <dgm:styleLbl name="asst1">
+    <dgm:scene3d>
+      <a:camera prst="orthographicFront"/>
+      <a:lightRig rig="threePt" dir="t"/>
+    </dgm:scene3d>
+    <dgm:sp3d/>
+    <dgm:txPr/>
+    <dgm:style>
+      <a:lnRef idx="2">
+        <a:scrgbClr r="0" g="0" b="0"/>
+      </a:lnRef>
+      <a:fillRef idx="1">
+        <a:scrgbClr r="0" g="0" b="0"/>
+      </a:fillRef>
+      <a:effectRef idx="0">
+        <a:scrgbClr r="0" g="0" b="0"/>
+      </a:effectRef>
+      <a:fontRef idx="minor">
+        <a:schemeClr val="lt1"/>
+      </a:fontRef>
+    </dgm:style>
+  </dgm:styleLbl>
+  <dgm:styleLbl name="asst2">
+    <dgm:scene3d>
+      <a:camera prst="orthographicFront"/>
+      <a:lightRig rig="threePt" dir="t"/>
+    </dgm:scene3d>
+    <dgm:sp3d/>
+    <dgm:txPr/>
+    <dgm:style>
+      <a:lnRef idx="2">
+        <a:scrgbClr r="0" g="0" b="0"/>
+      </a:lnRef>
+      <a:fillRef idx="1">
+        <a:scrgbClr r="0" g="0" b="0"/>
+      </a:fillRef>
+      <a:effectRef idx="0">
+        <a:scrgbClr r="0" g="0" b="0"/>
+      </a:effectRef>
+      <a:fontRef idx="minor">
+        <a:schemeClr val="lt1"/>
+      </a:fontRef>
+    </dgm:style>
+  </dgm:styleLbl>
+  <dgm:styleLbl name="asst3">
+    <dgm:scene3d>
+      <a:camera prst="orthographicFront"/>
+      <a:lightRig rig="threePt" dir="t"/>
+    </dgm:scene3d>
+    <dgm:sp3d/>
+    <dgm:txPr/>
+    <dgm:style>
+      <a:lnRef idx="2">
+        <a:scrgbClr r="0" g="0" b="0"/>
+      </a:lnRef>
+      <a:fillRef idx="1">
+        <a:scrgbClr r="0" g="0" b="0"/>
+      </a:fillRef>
+      <a:effectRef idx="0">
+        <a:scrgbClr r="0" g="0" b="0"/>
+      </a:effectRef>
+      <a:fontRef idx="minor">
+        <a:schemeClr val="lt1"/>
+      </a:fontRef>
+    </dgm:style>
+  </dgm:styleLbl>
+  <dgm:styleLbl name="asst4">
+    <dgm:scene3d>
+      <a:camera prst="orthographicFront"/>
+      <a:lightRig rig="threePt" dir="t"/>
+    </dgm:scene3d>
+    <dgm:sp3d/>
+    <dgm:txPr/>
+    <dgm:style>
+      <a:lnRef idx="2">
+        <a:scrgbClr r="0" g="0" b="0"/>
+      </a:lnRef>
+      <a:fillRef idx="1">
+        <a:scrgbClr r="0" g="0" b="0"/>
+      </a:fillRef>
+      <a:effectRef idx="0">
+        <a:scrgbClr r="0" g="0" b="0"/>
+      </a:effectRef>
+      <a:fontRef idx="minor">
+        <a:schemeClr val="lt1"/>
+      </a:fontRef>
+    </dgm:style>
+  </dgm:styleLbl>
+  <dgm:styleLbl name="parChTrans2D1">
+    <dgm:scene3d>
+      <a:camera prst="orthographicFront"/>
+      <a:lightRig rig="threePt" dir="t"/>
+    </dgm:scene3d>
+    <dgm:sp3d/>
+    <dgm:txPr/>
+    <dgm:style>
+      <a:lnRef idx="2">
+        <a:scrgbClr r="0" g="0" b="0"/>
+      </a:lnRef>
+      <a:fillRef idx="1">
+        <a:scrgbClr r="0" g="0" b="0"/>
+      </a:fillRef>
+      <a:effectRef idx="0">
+        <a:scrgbClr r="0" g="0" b="0"/>
+      </a:effectRef>
+      <a:fontRef idx="minor">
+        <a:schemeClr val="lt1"/>
+      </a:fontRef>
+    </dgm:style>
+  </dgm:styleLbl>
+  <dgm:styleLbl name="parChTrans2D2">
+    <dgm:scene3d>
+      <a:camera prst="orthographicFront"/>
+      <a:lightRig rig="threePt" dir="t"/>
+    </dgm:scene3d>
+    <dgm:sp3d/>
+    <dgm:txPr/>
+    <dgm:style>
+      <a:lnRef idx="2">
+        <a:scrgbClr r="0" g="0" b="0"/>
+      </a:lnRef>
+      <a:fillRef idx="1">
+        <a:scrgbClr r="0" g="0" b="0"/>
+      </a:fillRef>
+      <a:effectRef idx="0">
+        <a:scrgbClr r="0" g="0" b="0"/>
+      </a:effectRef>
+      <a:fontRef idx="minor">
+        <a:schemeClr val="lt1"/>
+      </a:fontRef>
+    </dgm:style>
+  </dgm:styleLbl>
+  <dgm:styleLbl name="parChTrans2D3">
+    <dgm:scene3d>
+      <a:camera prst="orthographicFront"/>
+      <a:lightRig rig="threePt" dir="t"/>
+    </dgm:scene3d>
+    <dgm:sp3d/>
+    <dgm:txPr/>
+    <dgm:style>
+      <a:lnRef idx="2">
+        <a:scrgbClr r="0" g="0" b="0"/>
+      </a:lnRef>
+      <a:fillRef idx="1">
+        <a:scrgbClr r="0" g="0" b="0"/>
+      </a:fillRef>
+      <a:effectRef idx="0">
+        <a:scrgbClr r="0" g="0" b="0"/>
+      </a:effectRef>
+      <a:fontRef idx="minor">
+        <a:schemeClr val="lt1"/>
+      </a:fontRef>
+    </dgm:style>
+  </dgm:styleLbl>
+  <dgm:styleLbl name="parChTrans2D4">
+    <dgm:scene3d>
+      <a:camera prst="orthographicFront"/>
+      <a:lightRig rig="threePt" dir="t"/>
+    </dgm:scene3d>
+    <dgm:sp3d/>
+    <dgm:txPr/>
+    <dgm:style>
+      <a:lnRef idx="2">
+        <a:scrgbClr r="0" g="0" b="0"/>
+      </a:lnRef>
+      <a:fillRef idx="1">
+        <a:scrgbClr r="0" g="0" b="0"/>
+      </a:fillRef>
+      <a:effectRef idx="0">
+        <a:scrgbClr r="0" g="0" b="0"/>
+      </a:effectRef>
+      <a:fontRef idx="minor">
+        <a:schemeClr val="lt1"/>
+      </a:fontRef>
+    </dgm:style>
+  </dgm:styleLbl>
+  <dgm:styleLbl name="parChTrans1D1">
+    <dgm:scene3d>
+      <a:camera prst="orthographicFront"/>
+      <a:lightRig rig="threePt" dir="t"/>
+    </dgm:scene3d>
+    <dgm:sp3d/>
+    <dgm:txPr/>
+    <dgm:style>
+      <a:lnRef idx="2">
+        <a:scrgbClr r="0" g="0" b="0"/>
+      </a:lnRef>
+      <a:fillRef idx="0">
+        <a:scrgbClr r="0" g="0" b="0"/>
+      </a:fillRef>
+      <a:effectRef idx="0">
+        <a:scrgbClr r="0" g="0" b="0"/>
+      </a:effectRef>
+      <a:fontRef idx="minor"/>
+    </dgm:style>
+  </dgm:styleLbl>
+  <dgm:styleLbl name="parChTrans1D2">
+    <dgm:scene3d>
+      <a:camera prst="orthographicFront"/>
+      <a:lightRig rig="threePt" dir="t"/>
+    </dgm:scene3d>
+    <dgm:sp3d/>
+    <dgm:txPr/>
+    <dgm:style>
+      <a:lnRef idx="2">
+        <a:scrgbClr r="0" g="0" b="0"/>
+      </a:lnRef>
+      <a:fillRef idx="0">
+        <a:scrgbClr r="0" g="0" b="0"/>
+      </a:fillRef>
+      <a:effectRef idx="0">
+        <a:scrgbClr r="0" g="0" b="0"/>
+      </a:effectRef>
+      <a:fontRef idx="minor"/>
+    </dgm:style>
+  </dgm:styleLbl>
+  <dgm:styleLbl name="parChTrans1D3">
+    <dgm:scene3d>
+      <a:camera prst="orthographicFront"/>
+      <a:lightRig rig="threePt" dir="t"/>
+    </dgm:scene3d>
+    <dgm:sp3d/>
+    <dgm:txPr/>
+    <dgm:style>
+      <a:lnRef idx="2">
+        <a:scrgbClr r="0" g="0" b="0"/>
+      </a:lnRef>
+      <a:fillRef idx="0">
+        <a:scrgbClr r="0" g="0" b="0"/>
+      </a:fillRef>
+      <a:effectRef idx="0">
+        <a:scrgbClr r="0" g="0" b="0"/>
+      </a:effectRef>
+      <a:fontRef idx="minor"/>
+    </dgm:style>
+  </dgm:styleLbl>
+  <dgm:styleLbl name="parChTrans1D4">
+    <dgm:scene3d>
+      <a:camera prst="orthographicFront"/>
+      <a:lightRig rig="threePt" dir="t"/>
+    </dgm:scene3d>
+    <dgm:sp3d/>
+    <dgm:txPr/>
+    <dgm:style>
+      <a:lnRef idx="2">
+        <a:scrgbClr r="0" g="0" b="0"/>
+      </a:lnRef>
+      <a:fillRef idx="0">
+        <a:scrgbClr r="0" g="0" b="0"/>
+      </a:fillRef>
+      <a:effectRef idx="0">
+        <a:scrgbClr r="0" g="0" b="0"/>
+      </a:effectRef>
+      <a:fontRef idx="minor"/>
+    </dgm:style>
+  </dgm:styleLbl>
+  <dgm:styleLbl name="fgAcc1">
+    <dgm:scene3d>
+      <a:camera prst="orthographicFront"/>
+      <a:lightRig rig="threePt" dir="t"/>
+    </dgm:scene3d>
+    <dgm:sp3d/>
+    <dgm:txPr/>
+    <dgm:style>
+      <a:lnRef idx="2">
+        <a:scrgbClr r="0" g="0" b="0"/>
+      </a:lnRef>
+      <a:fillRef idx="1">
+        <a:scrgbClr r="0" g="0" b="0"/>
+      </a:fillRef>
+      <a:effectRef idx="0">
+        <a:scrgbClr r="0" g="0" b="0"/>
+      </a:effectRef>
+      <a:fontRef idx="minor"/>
+    </dgm:style>
+  </dgm:styleLbl>
+  <dgm:styleLbl name="conFgAcc1">
+    <dgm:scene3d>
+      <a:camera prst="orthographicFront"/>
+      <a:lightRig rig="threePt" dir="t"/>
+    </dgm:scene3d>
+    <dgm:sp3d/>
+    <dgm:txPr/>
+    <dgm:style>
+      <a:lnRef idx="2">
+        <a:scrgbClr r="0" g="0" b="0"/>
+      </a:lnRef>
+      <a:fillRef idx="1">
+        <a:scrgbClr r="0" g="0" b="0"/>
+      </a:fillRef>
+      <a:effectRef idx="0">
+        <a:scrgbClr r="0" g="0" b="0"/>
+      </a:effectRef>
+      <a:fontRef idx="minor"/>
+    </dgm:style>
+  </dgm:styleLbl>
+  <dgm:styleLbl name="alignAcc1">
+    <dgm:scene3d>
+      <a:camera prst="orthographicFront"/>
+      <a:lightRig rig="threePt" dir="t"/>
+    </dgm:scene3d>
+    <dgm:sp3d/>
+    <dgm:txPr/>
+    <dgm:style>
+      <a:lnRef idx="2">
+        <a:scrgbClr r="0" g="0" b="0"/>
+      </a:lnRef>
+      <a:fillRef idx="1">
+        <a:scrgbClr r="0" g="0" b="0"/>
+      </a:fillRef>
+      <a:effectRef idx="0">
+        <a:scrgbClr r="0" g="0" b="0"/>
+      </a:effectRef>
+      <a:fontRef idx="minor"/>
+    </dgm:style>
+  </dgm:styleLbl>
+  <dgm:styleLbl name="trAlignAcc1">
+    <dgm:scene3d>
+      <a:camera prst="orthographicFront"/>
+      <a:lightRig rig="threePt" dir="t"/>
+    </dgm:scene3d>
+    <dgm:sp3d/>
+    <dgm:txPr/>
+    <dgm:style>
+      <a:lnRef idx="1">
+        <a:scrgbClr r="0" g="0" b="0"/>
+      </a:lnRef>
+      <a:fillRef idx="1">
+        <a:scrgbClr r="0" g="0" b="0"/>
+      </a:fillRef>
+      <a:effectRef idx="0">
+        <a:scrgbClr r="0" g="0" b="0"/>
+      </a:effectRef>
+      <a:fontRef idx="minor"/>
+    </dgm:style>
+  </dgm:styleLbl>
+  <dgm:styleLbl name="bgAcc1">
+    <dgm:scene3d>
+      <a:camera prst="orthographicFront"/>
+      <a:lightRig rig="threePt" dir="t"/>
+    </dgm:scene3d>
+    <dgm:sp3d/>
+    <dgm:txPr/>
+    <dgm:style>
+      <a:lnRef idx="2">
+        <a:scrgbClr r="0" g="0" b="0"/>
+      </a:lnRef>
+      <a:fillRef idx="1">
+        <a:scrgbClr r="0" g="0" b="0"/>
+      </a:fillRef>
+      <a:effectRef idx="0">
+        <a:scrgbClr r="0" g="0" b="0"/>
+      </a:effectRef>
+      <a:fontRef idx="minor"/>
+    </dgm:style>
+  </dgm:styleLbl>
+  <dgm:styleLbl name="solidFgAcc1">
+    <dgm:scene3d>
+      <a:camera prst="orthographicFront"/>
+      <a:lightRig rig="threePt" dir="t"/>
+    </dgm:scene3d>
+    <dgm:sp3d/>
+    <dgm:txPr/>
+    <dgm:style>
+      <a:lnRef idx="2">
+        <a:scrgbClr r="0" g="0" b="0"/>
+      </a:lnRef>
+      <a:fillRef idx="1">
+        <a:scrgbClr r="0" g="0" b="0"/>
+      </a:fillRef>
+      <a:effectRef idx="0">
+        <a:scrgbClr r="0" g="0" b="0"/>
+      </a:effectRef>
+      <a:fontRef idx="minor"/>
+    </dgm:style>
+  </dgm:styleLbl>
+  <dgm:styleLbl name="solidAlignAcc1">
+    <dgm:scene3d>
+      <a:camera prst="orthographicFront"/>
+      <a:lightRig rig="threePt" dir="t"/>
+    </dgm:scene3d>
+    <dgm:sp3d/>
+    <dgm:txPr/>
+    <dgm:style>
+      <a:lnRef idx="2">
+        <a:scrgbClr r="0" g="0" b="0"/>
+      </a:lnRef>
+      <a:fillRef idx="1">
+        <a:scrgbClr r="0" g="0" b="0"/>
+      </a:fillRef>
+      <a:effectRef idx="0">
+        <a:scrgbClr r="0" g="0" b="0"/>
+      </a:effectRef>
+      <a:fontRef idx="minor"/>
+    </dgm:style>
+  </dgm:styleLbl>
+  <dgm:styleLbl name="solidBgAcc1">
+    <dgm:scene3d>
+      <a:camera prst="orthographicFront"/>
+      <a:lightRig rig="threePt" dir="t"/>
+    </dgm:scene3d>
+    <dgm:sp3d/>
+    <dgm:txPr/>
+    <dgm:style>
+      <a:lnRef idx="2">
+        <a:scrgbClr r="0" g="0" b="0"/>
+      </a:lnRef>
+      <a:fillRef idx="1">
+        <a:scrgbClr r="0" g="0" b="0"/>
+      </a:fillRef>
+      <a:effectRef idx="0">
+        <a:scrgbClr r="0" g="0" b="0"/>
+      </a:effectRef>
+      <a:fontRef idx="minor"/>
+    </dgm:style>
+  </dgm:styleLbl>
+  <dgm:styleLbl name="fgAccFollowNode1">
+    <dgm:scene3d>
+      <a:camera prst="orthographicFront"/>
+      <a:lightRig rig="threePt" dir="t"/>
+    </dgm:scene3d>
+    <dgm:sp3d/>
+    <dgm:txPr/>
+    <dgm:style>
+      <a:lnRef idx="2">
+        <a:scrgbClr r="0" g="0" b="0"/>
+      </a:lnRef>
+      <a:fillRef idx="1">
+        <a:scrgbClr r="0" g="0" b="0"/>
+      </a:fillRef>
+      <a:effectRef idx="0">
+        <a:scrgbClr r="0" g="0" b="0"/>
+      </a:effectRef>
+      <a:fontRef idx="minor"/>
+    </dgm:style>
+  </dgm:styleLbl>
+  <dgm:styleLbl name="alignAccFollowNode1">
+    <dgm:scene3d>
+      <a:camera prst="orthographicFront"/>
+      <a:lightRig rig="threePt" dir="t"/>
+    </dgm:scene3d>
+    <dgm:sp3d/>
+    <dgm:txPr/>
+    <dgm:style>
+      <a:lnRef idx="2">
+        <a:scrgbClr r="0" g="0" b="0"/>
+      </a:lnRef>
+      <a:fillRef idx="1">
+        <a:scrgbClr r="0" g="0" b="0"/>
+      </a:fillRef>
+      <a:effectRef idx="0">
+        <a:scrgbClr r="0" g="0" b="0"/>
+      </a:effectRef>
+      <a:fontRef idx="minor"/>
+    </dgm:style>
+  </dgm:styleLbl>
+  <dgm:styleLbl name="bgAccFollowNode1">
+    <dgm:scene3d>
+      <a:camera prst="orthographicFront"/>
+      <a:lightRig rig="threePt" dir="t"/>
+    </dgm:scene3d>
+    <dgm:sp3d/>
+    <dgm:txPr/>
+    <dgm:style>
+      <a:lnRef idx="2">
+        <a:scrgbClr r="0" g="0" b="0"/>
+      </a:lnRef>
+      <a:fillRef idx="1">
+        <a:scrgbClr r="0" g="0" b="0"/>
+      </a:fillRef>
+      <a:effectRef idx="0">
+        <a:scrgbClr r="0" g="0" b="0"/>
+      </a:effectRef>
+      <a:fontRef idx="minor"/>
+    </dgm:style>
+  </dgm:styleLbl>
+  <dgm:styleLbl name="fgAcc0">
+    <dgm:scene3d>
+      <a:camera prst="orthographicFront"/>
+      <a:lightRig rig="threePt" dir="t"/>
+    </dgm:scene3d>
+    <dgm:sp3d/>
+    <dgm:txPr/>
+    <dgm:style>
+      <a:lnRef idx="2">
+        <a:scrgbClr r="0" g="0" b="0"/>
+      </a:lnRef>
+      <a:fillRef idx="1">
+        <a:scrgbClr r="0" g="0" b="0"/>
+      </a:fillRef>
+      <a:effectRef idx="0">
+        <a:scrgbClr r="0" g="0" b="0"/>
+      </a:effectRef>
+      <a:fontRef idx="minor"/>
+    </dgm:style>
+  </dgm:styleLbl>
+  <dgm:styleLbl name="fgAcc2">
+    <dgm:scene3d>
+      <a:camera prst="orthographicFront"/>
+      <a:lightRig rig="threePt" dir="t"/>
+    </dgm:scene3d>
+    <dgm:sp3d/>
+    <dgm:txPr/>
+    <dgm:style>
+      <a:lnRef idx="2">
+        <a:scrgbClr r="0" g="0" b="0"/>
+      </a:lnRef>
+      <a:fillRef idx="1">
+        <a:scrgbClr r="0" g="0" b="0"/>
+      </a:fillRef>
+      <a:effectRef idx="0">
+        <a:scrgbClr r="0" g="0" b="0"/>
+      </a:effectRef>
+      <a:fontRef idx="minor"/>
+    </dgm:style>
+  </dgm:styleLbl>
+  <dgm:styleLbl name="fgAcc3">
+    <dgm:scene3d>
+      <a:camera prst="orthographicFront"/>
+      <a:lightRig rig="threePt" dir="t"/>
+    </dgm:scene3d>
+    <dgm:sp3d/>
+    <dgm:txPr/>
+    <dgm:style>
+      <a:lnRef idx="2">
+        <a:scrgbClr r="0" g="0" b="0"/>
+      </a:lnRef>
+      <a:fillRef idx="1">
+        <a:scrgbClr r="0" g="0" b="0"/>
+      </a:fillRef>
+      <a:effectRef idx="0">
+        <a:scrgbClr r="0" g="0" b="0"/>
+      </a:effectRef>
+      <a:fontRef idx="minor"/>
+    </dgm:style>
+  </dgm:styleLbl>
+  <dgm:styleLbl name="fgAcc4">
+    <dgm:scene3d>
+      <a:camera prst="orthographicFront"/>
+      <a:lightRig rig="threePt" dir="t"/>
+    </dgm:scene3d>
+    <dgm:sp3d/>
+    <dgm:txPr/>
+    <dgm:style>
+      <a:lnRef idx="2">
+        <a:scrgbClr r="0" g="0" b="0"/>
+      </a:lnRef>
+      <a:fillRef idx="1">
+        <a:scrgbClr r="0" g="0" b="0"/>
+      </a:fillRef>
+      <a:effectRef idx="0">
+        <a:scrgbClr r="0" g="0" b="0"/>
+      </a:effectRef>
+      <a:fontRef idx="minor"/>
+    </dgm:style>
+  </dgm:styleLbl>
+  <dgm:styleLbl name="bgShp">
+    <dgm:scene3d>
+      <a:camera prst="orthographicFront"/>
+      <a:lightRig rig="threePt" dir="t"/>
+    </dgm:scene3d>
+    <dgm:sp3d/>
+    <dgm:txPr/>
+    <dgm:style>
+      <a:lnRef idx="0">
+        <a:scrgbClr r="0" g="0" b="0"/>
+      </a:lnRef>
+      <a:fillRef idx="1">
+        <a:scrgbClr r="0" g="0" b="0"/>
+      </a:fillRef>
+      <a:effectRef idx="0">
+        <a:scrgbClr r="0" g="0" b="0"/>
+      </a:effectRef>
+      <a:fontRef idx="minor"/>
+    </dgm:style>
+  </dgm:styleLbl>
+  <dgm:styleLbl name="dkBgShp">
+    <dgm:scene3d>
+      <a:camera prst="orthographicFront"/>
+      <a:lightRig rig="threePt" dir="t"/>
+    </dgm:scene3d>
+    <dgm:sp3d/>
+    <dgm:txPr/>
+    <dgm:style>
+      <a:lnRef idx="0">
+        <a:scrgbClr r="0" g="0" b="0"/>
+      </a:lnRef>
+      <a:fillRef idx="1">
+        <a:scrgbClr r="0" g="0" b="0"/>
+      </a:fillRef>
+      <a:effectRef idx="0">
+        <a:scrgbClr r="0" g="0" b="0"/>
+      </a:effectRef>
+      <a:fontRef idx="minor"/>
+    </dgm:style>
+  </dgm:styleLbl>
+  <dgm:styleLbl name="trBgShp">
+    <dgm:scene3d>
+      <a:camera prst="orthographicFront"/>
+      <a:lightRig rig="threePt" dir="t"/>
+    </dgm:scene3d>
+    <dgm:sp3d/>
+    <dgm:txPr/>
+    <dgm:style>
+      <a:lnRef idx="0">
+        <a:scrgbClr r="0" g="0" b="0"/>
+      </a:lnRef>
+      <a:fillRef idx="1">
+        <a:scrgbClr r="0" g="0" b="0"/>
+      </a:fillRef>
+      <a:effectRef idx="0">
+        <a:scrgbClr r="0" g="0" b="0"/>
+      </a:effectRef>
+      <a:fontRef idx="minor"/>
+    </dgm:style>
+  </dgm:styleLbl>
+  <dgm:styleLbl name="fgShp">
+    <dgm:scene3d>
+      <a:camera prst="orthographicFront"/>
+      <a:lightRig rig="threePt" dir="t"/>
+    </dgm:scene3d>
+    <dgm:sp3d/>
+    <dgm:txPr/>
+    <dgm:style>
+      <a:lnRef idx="2">
+        <a:scrgbClr r="0" g="0" b="0"/>
+      </a:lnRef>
+      <a:fillRef idx="1">
+        <a:scrgbClr r="0" g="0" b="0"/>
+      </a:fillRef>
+      <a:effectRef idx="0">
+        <a:scrgbClr r="0" g="0" b="0"/>
+      </a:effectRef>
+      <a:fontRef idx="minor"/>
+    </dgm:style>
+  </dgm:styleLbl>
+  <dgm:styleLbl name="revTx">
+    <dgm:scene3d>
+      <a:camera prst="orthographicFront"/>
+      <a:lightRig rig="threePt" dir="t"/>
+    </dgm:scene3d>
+    <dgm:sp3d/>
+    <dgm:txPr/>
+    <dgm:style>
+      <a:lnRef idx="0">
+        <a:scrgbClr r="0" g="0" b="0"/>
+      </a:lnRef>
+      <a:fillRef idx="0">
+        <a:scrgbClr r="0" g="0" b="0"/>
+      </a:fillRef>
+      <a:effectRef idx="0">
+        <a:scrgbClr r="0" g="0" b="0"/>
+      </a:effectRef>
+      <a:fontRef idx="minor"/>
+    </dgm:style>
+  </dgm:styleLbl>
+</dgm:styleDef>
+</file>
+
+<file path=ppt/diagrams/quickStyle5.xml><?xml version="1.0" encoding="utf-8"?>
+<dgm:styleDef xmlns:dgm="http://schemas.openxmlformats.org/drawingml/2006/diagram" xmlns:a="http://schemas.openxmlformats.org/drawingml/2006/main" uniqueId="urn:microsoft.com/office/officeart/2005/8/quickstyle/simple1">
+  <dgm:title val=""/>
+  <dgm:desc val=""/>
+  <dgm:catLst>
+    <dgm:cat type="simple" pri="10100"/>
+  </dgm:catLst>
+  <dgm:scene3d>
+    <a:camera prst="orthographicFront"/>
+    <a:lightRig rig="threePt" dir="t"/>
+  </dgm:scene3d>
+  <dgm:styleLbl name="node0">
+    <dgm:scene3d>
+      <a:camera prst="orthographicFront"/>
+      <a:lightRig rig="threePt" dir="t"/>
+    </dgm:scene3d>
+    <dgm:sp3d/>
+    <dgm:txPr/>
+    <dgm:style>
+      <a:lnRef idx="2">
+        <a:scrgbClr r="0" g="0" b="0"/>
+      </a:lnRef>
+      <a:fillRef idx="1">
+        <a:scrgbClr r="0" g="0" b="0"/>
+      </a:fillRef>
+      <a:effectRef idx="0">
+        <a:scrgbClr r="0" g="0" b="0"/>
+      </a:effectRef>
+      <a:fontRef idx="minor">
+        <a:schemeClr val="lt1"/>
+      </a:fontRef>
+    </dgm:style>
+  </dgm:styleLbl>
+  <dgm:styleLbl name="lnNode1">
+    <dgm:scene3d>
+      <a:camera prst="orthographicFront"/>
+      <a:lightRig rig="threePt" dir="t"/>
+    </dgm:scene3d>
+    <dgm:sp3d/>
+    <dgm:txPr/>
+    <dgm:style>
+      <a:lnRef idx="2">
+        <a:scrgbClr r="0" g="0" b="0"/>
+      </a:lnRef>
+      <a:fillRef idx="1">
+        <a:scrgbClr r="0" g="0" b="0"/>
+      </a:fillRef>
+      <a:effectRef idx="0">
+        <a:scrgbClr r="0" g="0" b="0"/>
+      </a:effectRef>
+      <a:fontRef idx="minor">
+        <a:schemeClr val="lt1"/>
+      </a:fontRef>
+    </dgm:style>
+  </dgm:styleLbl>
+  <dgm:styleLbl name="vennNode1">
+    <dgm:scene3d>
+      <a:camera prst="orthographicFront"/>
+      <a:lightRig rig="threePt" dir="t"/>
+    </dgm:scene3d>
+    <dgm:sp3d/>
+    <dgm:txPr/>
+    <dgm:style>
+      <a:lnRef idx="2">
+        <a:scrgbClr r="0" g="0" b="0"/>
+      </a:lnRef>
+      <a:fillRef idx="1">
+        <a:scrgbClr r="0" g="0" b="0"/>
+      </a:fillRef>
+      <a:effectRef idx="0">
+        <a:scrgbClr r="0" g="0" b="0"/>
+      </a:effectRef>
+      <a:fontRef idx="minor">
+        <a:schemeClr val="tx1"/>
+      </a:fontRef>
+    </dgm:style>
+  </dgm:styleLbl>
+  <dgm:styleLbl name="alignNode1">
+    <dgm:scene3d>
+      <a:camera prst="orthographicFront"/>
+      <a:lightRig rig="threePt" dir="t"/>
+    </dgm:scene3d>
+    <dgm:sp3d/>
+    <dgm:txPr/>
+    <dgm:style>
+      <a:lnRef idx="2">
+        <a:scrgbClr r="0" g="0" b="0"/>
+      </a:lnRef>
+      <a:fillRef idx="1">
+        <a:scrgbClr r="0" g="0" b="0"/>
+      </a:fillRef>
+      <a:effectRef idx="0">
+        <a:scrgbClr r="0" g="0" b="0"/>
+      </a:effectRef>
+      <a:fontRef idx="minor">
+        <a:schemeClr val="lt1"/>
+      </a:fontRef>
+    </dgm:style>
+  </dgm:styleLbl>
+  <dgm:styleLbl name="node1">
+    <dgm:scene3d>
+      <a:camera prst="orthographicFront"/>
+      <a:lightRig rig="threePt" dir="t"/>
+    </dgm:scene3d>
+    <dgm:sp3d/>
+    <dgm:txPr/>
+    <dgm:style>
+      <a:lnRef idx="2">
+        <a:scrgbClr r="0" g="0" b="0"/>
+      </a:lnRef>
+      <a:fillRef idx="1">
+        <a:scrgbClr r="0" g="0" b="0"/>
+      </a:fillRef>
+      <a:effectRef idx="0">
+        <a:scrgbClr r="0" g="0" b="0"/>
+      </a:effectRef>
+      <a:fontRef idx="minor">
+        <a:schemeClr val="lt1"/>
+      </a:fontRef>
+    </dgm:style>
+  </dgm:styleLbl>
+  <dgm:styleLbl name="node2">
+    <dgm:scene3d>
+      <a:camera prst="orthographicFront"/>
+      <a:lightRig rig="threePt" dir="t"/>
+    </dgm:scene3d>
+    <dgm:sp3d/>
+    <dgm:txPr/>
+    <dgm:style>
+      <a:lnRef idx="2">
+        <a:scrgbClr r="0" g="0" b="0"/>
+      </a:lnRef>
+      <a:fillRef idx="1">
+        <a:scrgbClr r="0" g="0" b="0"/>
+      </a:fillRef>
+      <a:effectRef idx="0">
+        <a:scrgbClr r="0" g="0" b="0"/>
+      </a:effectRef>
+      <a:fontRef idx="minor">
+        <a:schemeClr val="lt1"/>
+      </a:fontRef>
+    </dgm:style>
+  </dgm:styleLbl>
+  <dgm:styleLbl name="node3">
+    <dgm:scene3d>
+      <a:camera prst="orthographicFront"/>
+      <a:lightRig rig="threePt" dir="t"/>
+    </dgm:scene3d>
+    <dgm:sp3d/>
+    <dgm:txPr/>
+    <dgm:style>
+      <a:lnRef idx="2">
+        <a:scrgbClr r="0" g="0" b="0"/>
+      </a:lnRef>
+      <a:fillRef idx="1">
+        <a:scrgbClr r="0" g="0" b="0"/>
+      </a:fillRef>
+      <a:effectRef idx="0">
+        <a:scrgbClr r="0" g="0" b="0"/>
+      </a:effectRef>
+      <a:fontRef idx="minor">
+        <a:schemeClr val="lt1"/>
+      </a:fontRef>
+    </dgm:style>
+  </dgm:styleLbl>
+  <dgm:styleLbl name="node4">
+    <dgm:scene3d>
+      <a:camera prst="orthographicFront"/>
+      <a:lightRig rig="threePt" dir="t"/>
+    </dgm:scene3d>
+    <dgm:sp3d/>
+    <dgm:txPr/>
+    <dgm:style>
+      <a:lnRef idx="2">
+        <a:scrgbClr r="0" g="0" b="0"/>
+      </a:lnRef>
+      <a:fillRef idx="1">
+        <a:scrgbClr r="0" g="0" b="0"/>
+      </a:fillRef>
+      <a:effectRef idx="0">
+        <a:scrgbClr r="0" g="0" b="0"/>
+      </a:effectRef>
+      <a:fontRef idx="minor">
+        <a:schemeClr val="lt1"/>
+      </a:fontRef>
+    </dgm:style>
+  </dgm:styleLbl>
+  <dgm:styleLbl name="fgImgPlace1">
+    <dgm:scene3d>
+      <a:camera prst="orthographicFront"/>
+      <a:lightRig rig="threePt" dir="t"/>
+    </dgm:scene3d>
+    <dgm:sp3d/>
+    <dgm:txPr/>
+    <dgm:style>
+      <a:lnRef idx="2">
+        <a:scrgbClr r="0" g="0" b="0"/>
+      </a:lnRef>
+      <a:fillRef idx="1">
+        <a:scrgbClr r="0" g="0" b="0"/>
+      </a:fillRef>
+      <a:effectRef idx="0">
+        <a:scrgbClr r="0" g="0" b="0"/>
+      </a:effectRef>
+      <a:fontRef idx="minor"/>
+    </dgm:style>
+  </dgm:styleLbl>
+  <dgm:styleLbl name="alignImgPlace1">
+    <dgm:scene3d>
+      <a:camera prst="orthographicFront"/>
+      <a:lightRig rig="threePt" dir="t"/>
+    </dgm:scene3d>
+    <dgm:sp3d/>
+    <dgm:txPr/>
+    <dgm:style>
+      <a:lnRef idx="2">
+        <a:scrgbClr r="0" g="0" b="0"/>
+      </a:lnRef>
+      <a:fillRef idx="1">
+        <a:scrgbClr r="0" g="0" b="0"/>
+      </a:fillRef>
+      <a:effectRef idx="0">
+        <a:scrgbClr r="0" g="0" b="0"/>
+      </a:effectRef>
+      <a:fontRef idx="minor"/>
+    </dgm:style>
+  </dgm:styleLbl>
+  <dgm:styleLbl name="bgImgPlace1">
+    <dgm:scene3d>
+      <a:camera prst="orthographicFront"/>
+      <a:lightRig rig="threePt" dir="t"/>
+    </dgm:scene3d>
+    <dgm:sp3d/>
+    <dgm:txPr/>
+    <dgm:style>
+      <a:lnRef idx="2">
+        <a:scrgbClr r="0" g="0" b="0"/>
+      </a:lnRef>
+      <a:fillRef idx="1">
+        <a:scrgbClr r="0" g="0" b="0"/>
+      </a:fillRef>
+      <a:effectRef idx="0">
+        <a:scrgbClr r="0" g="0" b="0"/>
+      </a:effectRef>
+      <a:fontRef idx="minor"/>
+    </dgm:style>
+  </dgm:styleLbl>
+  <dgm:styleLbl name="sibTrans2D1">
+    <dgm:scene3d>
+      <a:camera prst="orthographicFront"/>
+      <a:lightRig rig="threePt" dir="t"/>
+    </dgm:scene3d>
+    <dgm:sp3d/>
+    <dgm:txPr/>
+    <dgm:style>
+      <a:lnRef idx="0">
+        <a:scrgbClr r="0" g="0" b="0"/>
+      </a:lnRef>
+      <a:fillRef idx="1">
+        <a:scrgbClr r="0" g="0" b="0"/>
+      </a:fillRef>
+      <a:effectRef idx="0">
+        <a:scrgbClr r="0" g="0" b="0"/>
+      </a:effectRef>
+      <a:fontRef idx="minor">
+        <a:schemeClr val="lt1"/>
+      </a:fontRef>
+    </dgm:style>
+  </dgm:styleLbl>
+  <dgm:styleLbl name="fgSibTrans2D1">
+    <dgm:scene3d>
+      <a:camera prst="orthographicFront"/>
+      <a:lightRig rig="threePt" dir="t"/>
+    </dgm:scene3d>
+    <dgm:sp3d/>
+    <dgm:txPr/>
+    <dgm:style>
+      <a:lnRef idx="0">
+        <a:scrgbClr r="0" g="0" b="0"/>
+      </a:lnRef>
+      <a:fillRef idx="1">
+        <a:scrgbClr r="0" g="0" b="0"/>
+      </a:fillRef>
+      <a:effectRef idx="0">
+        <a:scrgbClr r="0" g="0" b="0"/>
+      </a:effectRef>
+      <a:fontRef idx="minor">
+        <a:schemeClr val="lt1"/>
+      </a:fontRef>
+    </dgm:style>
+  </dgm:styleLbl>
+  <dgm:styleLbl name="bgSibTrans2D1">
+    <dgm:scene3d>
+      <a:camera prst="orthographicFront"/>
+      <a:lightRig rig="threePt" dir="t"/>
+    </dgm:scene3d>
+    <dgm:sp3d/>
+    <dgm:txPr/>
+    <dgm:style>
+      <a:lnRef idx="0">
+        <a:scrgbClr r="0" g="0" b="0"/>
+      </a:lnRef>
+      <a:fillRef idx="1">
+        <a:scrgbClr r="0" g="0" b="0"/>
+      </a:fillRef>
+      <a:effectRef idx="0">
+        <a:scrgbClr r="0" g="0" b="0"/>
+      </a:effectRef>
+      <a:fontRef idx="minor">
+        <a:schemeClr val="lt1"/>
+      </a:fontRef>
+    </dgm:style>
+  </dgm:styleLbl>
+  <dgm:styleLbl name="sibTrans1D1">
+    <dgm:scene3d>
+      <a:camera prst="orthographicFront"/>
+      <a:lightRig rig="threePt" dir="t"/>
+    </dgm:scene3d>
+    <dgm:sp3d/>
+    <dgm:txPr/>
+    <dgm:style>
+      <a:lnRef idx="1">
+        <a:scrgbClr r="0" g="0" b="0"/>
+      </a:lnRef>
+      <a:fillRef idx="0">
+        <a:scrgbClr r="0" g="0" b="0"/>
+      </a:fillRef>
+      <a:effectRef idx="0">
+        <a:scrgbClr r="0" g="0" b="0"/>
+      </a:effectRef>
+      <a:fontRef idx="minor"/>
+    </dgm:style>
+  </dgm:styleLbl>
+  <dgm:styleLbl name="callout">
+    <dgm:scene3d>
+      <a:camera prst="orthographicFront"/>
+      <a:lightRig rig="threePt" dir="t"/>
+    </dgm:scene3d>
+    <dgm:sp3d/>
+    <dgm:txPr/>
+    <dgm:style>
+      <a:lnRef idx="2">
+        <a:scrgbClr r="0" g="0" b="0"/>
+      </a:lnRef>
+      <a:fillRef idx="1">
+        <a:scrgbClr r="0" g="0" b="0"/>
+      </a:fillRef>
+      <a:effectRef idx="0">
+        <a:scrgbClr r="0" g="0" b="0"/>
+      </a:effectRef>
+      <a:fontRef idx="minor"/>
+    </dgm:style>
+  </dgm:styleLbl>
+  <dgm:styleLbl name="asst0">
+    <dgm:scene3d>
+      <a:camera prst="orthographicFront"/>
+      <a:lightRig rig="threePt" dir="t"/>
+    </dgm:scene3d>
+    <dgm:sp3d/>
+    <dgm:txPr/>
+    <dgm:style>
+      <a:lnRef idx="2">
+        <a:scrgbClr r="0" g="0" b="0"/>
+      </a:lnRef>
+      <a:fillRef idx="1">
+        <a:scrgbClr r="0" g="0" b="0"/>
+      </a:fillRef>
+      <a:effectRef idx="0">
+        <a:scrgbClr r="0" g="0" b="0"/>
+      </a:effectRef>
+      <a:fontRef idx="minor">
+        <a:schemeClr val="lt1"/>
+      </a:fontRef>
+    </dgm:style>
+  </dgm:styleLbl>
+  <dgm:styleLbl name="asst1">
+    <dgm:scene3d>
+      <a:camera prst="orthographicFront"/>
+      <a:lightRig rig="threePt" dir="t"/>
+    </dgm:scene3d>
+    <dgm:sp3d/>
+    <dgm:txPr/>
+    <dgm:style>
+      <a:lnRef idx="2">
+        <a:scrgbClr r="0" g="0" b="0"/>
+      </a:lnRef>
+      <a:fillRef idx="1">
+        <a:scrgbClr r="0" g="0" b="0"/>
+      </a:fillRef>
+      <a:effectRef idx="0">
+        <a:scrgbClr r="0" g="0" b="0"/>
+      </a:effectRef>
+      <a:fontRef idx="minor">
+        <a:schemeClr val="lt1"/>
+      </a:fontRef>
+    </dgm:style>
+  </dgm:styleLbl>
+  <dgm:styleLbl name="asst2">
+    <dgm:scene3d>
+      <a:camera prst="orthographicFront"/>
+      <a:lightRig rig="threePt" dir="t"/>
+    </dgm:scene3d>
+    <dgm:sp3d/>
+    <dgm:txPr/>
+    <dgm:style>
+      <a:lnRef idx="2">
+        <a:scrgbClr r="0" g="0" b="0"/>
+      </a:lnRef>
+      <a:fillRef idx="1">
+        <a:scrgbClr r="0" g="0" b="0"/>
+      </a:fillRef>
+      <a:effectRef idx="0">
+        <a:scrgbClr r="0" g="0" b="0"/>
+      </a:effectRef>
+      <a:fontRef idx="minor">
+        <a:schemeClr val="lt1"/>
+      </a:fontRef>
+    </dgm:style>
+  </dgm:styleLbl>
+  <dgm:styleLbl name="asst3">
+    <dgm:scene3d>
+      <a:camera prst="orthographicFront"/>
+      <a:lightRig rig="threePt" dir="t"/>
+    </dgm:scene3d>
+    <dgm:sp3d/>
+    <dgm:txPr/>
+    <dgm:style>
+      <a:lnRef idx="2">
+        <a:scrgbClr r="0" g="0" b="0"/>
+      </a:lnRef>
+      <a:fillRef idx="1">
+        <a:scrgbClr r="0" g="0" b="0"/>
+      </a:fillRef>
+      <a:effectRef idx="0">
+        <a:scrgbClr r="0" g="0" b="0"/>
+      </a:effectRef>
+      <a:fontRef idx="minor">
+        <a:schemeClr val="lt1"/>
+      </a:fontRef>
+    </dgm:style>
+  </dgm:styleLbl>
+  <dgm:styleLbl name="asst4">
+    <dgm:scene3d>
+      <a:camera prst="orthographicFront"/>
+      <a:lightRig rig="threePt" dir="t"/>
+    </dgm:scene3d>
+    <dgm:sp3d/>
+    <dgm:txPr/>
+    <dgm:style>
+      <a:lnRef idx="2">
+        <a:scrgbClr r="0" g="0" b="0"/>
+      </a:lnRef>
+      <a:fillRef idx="1">
+        <a:scrgbClr r="0" g="0" b="0"/>
+      </a:fillRef>
+      <a:effectRef idx="0">
+        <a:scrgbClr r="0" g="0" b="0"/>
+      </a:effectRef>
+      <a:fontRef idx="minor">
+        <a:schemeClr val="lt1"/>
+      </a:fontRef>
+    </dgm:style>
+  </dgm:styleLbl>
+  <dgm:styleLbl name="parChTrans2D1">
+    <dgm:scene3d>
+      <a:camera prst="orthographicFront"/>
+      <a:lightRig rig="threePt" dir="t"/>
+    </dgm:scene3d>
+    <dgm:sp3d/>
+    <dgm:txPr/>
+    <dgm:style>
+      <a:lnRef idx="2">
+        <a:scrgbClr r="0" g="0" b="0"/>
+      </a:lnRef>
+      <a:fillRef idx="1">
+        <a:scrgbClr r="0" g="0" b="0"/>
+      </a:fillRef>
+      <a:effectRef idx="0">
+        <a:scrgbClr r="0" g="0" b="0"/>
+      </a:effectRef>
+      <a:fontRef idx="minor">
+        <a:schemeClr val="lt1"/>
+      </a:fontRef>
+    </dgm:style>
+  </dgm:styleLbl>
+  <dgm:styleLbl name="parChTrans2D2">
+    <dgm:scene3d>
+      <a:camera prst="orthographicFront"/>
+      <a:lightRig rig="threePt" dir="t"/>
+    </dgm:scene3d>
+    <dgm:sp3d/>
+    <dgm:txPr/>
+    <dgm:style>
+      <a:lnRef idx="2">
+        <a:scrgbClr r="0" g="0" b="0"/>
+      </a:lnRef>
+      <a:fillRef idx="1">
+        <a:scrgbClr r="0" g="0" b="0"/>
+      </a:fillRef>
+      <a:effectRef idx="0">
+        <a:scrgbClr r="0" g="0" b="0"/>
+      </a:effectRef>
+      <a:fontRef idx="minor">
+        <a:schemeClr val="lt1"/>
+      </a:fontRef>
+    </dgm:style>
+  </dgm:styleLbl>
+  <dgm:styleLbl name="parChTrans2D3">
+    <dgm:scene3d>
+      <a:camera prst="orthographicFront"/>
+      <a:lightRig rig="threePt" dir="t"/>
+    </dgm:scene3d>
+    <dgm:sp3d/>
+    <dgm:txPr/>
+    <dgm:style>
+      <a:lnRef idx="2">
+        <a:scrgbClr r="0" g="0" b="0"/>
+      </a:lnRef>
+      <a:fillRef idx="1">
+        <a:scrgbClr r="0" g="0" b="0"/>
+      </a:fillRef>
+      <a:effectRef idx="0">
+        <a:scrgbClr r="0" g="0" b="0"/>
+      </a:effectRef>
+      <a:fontRef idx="minor">
+        <a:schemeClr val="lt1"/>
+      </a:fontRef>
+    </dgm:style>
+  </dgm:styleLbl>
+  <dgm:styleLbl name="parChTrans2D4">
+    <dgm:scene3d>
+      <a:camera prst="orthographicFront"/>
+      <a:lightRig rig="threePt" dir="t"/>
+    </dgm:scene3d>
+    <dgm:sp3d/>
+    <dgm:txPr/>
+    <dgm:style>
+      <a:lnRef idx="2">
+        <a:scrgbClr r="0" g="0" b="0"/>
+      </a:lnRef>
+      <a:fillRef idx="1">
+        <a:scrgbClr r="0" g="0" b="0"/>
+      </a:fillRef>
+      <a:effectRef idx="0">
+        <a:scrgbClr r="0" g="0" b="0"/>
+      </a:effectRef>
+      <a:fontRef idx="minor">
+        <a:schemeClr val="lt1"/>
+      </a:fontRef>
+    </dgm:style>
+  </dgm:styleLbl>
+  <dgm:styleLbl name="parChTrans1D1">
+    <dgm:scene3d>
+      <a:camera prst="orthographicFront"/>
+      <a:lightRig rig="threePt" dir="t"/>
+    </dgm:scene3d>
+    <dgm:sp3d/>
+    <dgm:txPr/>
+    <dgm:style>
+      <a:lnRef idx="2">
+        <a:scrgbClr r="0" g="0" b="0"/>
+      </a:lnRef>
+      <a:fillRef idx="0">
+        <a:scrgbClr r="0" g="0" b="0"/>
+      </a:fillRef>
+      <a:effectRef idx="0">
+        <a:scrgbClr r="0" g="0" b="0"/>
+      </a:effectRef>
+      <a:fontRef idx="minor"/>
+    </dgm:style>
+  </dgm:styleLbl>
+  <dgm:styleLbl name="parChTrans1D2">
+    <dgm:scene3d>
+      <a:camera prst="orthographicFront"/>
+      <a:lightRig rig="threePt" dir="t"/>
+    </dgm:scene3d>
+    <dgm:sp3d/>
+    <dgm:txPr/>
+    <dgm:style>
+      <a:lnRef idx="2">
+        <a:scrgbClr r="0" g="0" b="0"/>
+      </a:lnRef>
+      <a:fillRef idx="0">
+        <a:scrgbClr r="0" g="0" b="0"/>
+      </a:fillRef>
+      <a:effectRef idx="0">
+        <a:scrgbClr r="0" g="0" b="0"/>
+      </a:effectRef>
+      <a:fontRef idx="minor"/>
+    </dgm:style>
+  </dgm:styleLbl>
+  <dgm:styleLbl name="parChTrans1D3">
+    <dgm:scene3d>
+      <a:camera prst="orthographicFront"/>
+      <a:lightRig rig="threePt" dir="t"/>
+    </dgm:scene3d>
+    <dgm:sp3d/>
+    <dgm:txPr/>
+    <dgm:style>
+      <a:lnRef idx="2">
+        <a:scrgbClr r="0" g="0" b="0"/>
+      </a:lnRef>
+      <a:fillRef idx="0">
+        <a:scrgbClr r="0" g="0" b="0"/>
+      </a:fillRef>
+      <a:effectRef idx="0">
+        <a:scrgbClr r="0" g="0" b="0"/>
+      </a:effectRef>
+      <a:fontRef idx="minor"/>
+    </dgm:style>
+  </dgm:styleLbl>
+  <dgm:styleLbl name="parChTrans1D4">
+    <dgm:scene3d>
+      <a:camera prst="orthographicFront"/>
+      <a:lightRig rig="threePt" dir="t"/>
+    </dgm:scene3d>
+    <dgm:sp3d/>
+    <dgm:txPr/>
+    <dgm:style>
+      <a:lnRef idx="2">
+        <a:scrgbClr r="0" g="0" b="0"/>
+      </a:lnRef>
+      <a:fillRef idx="0">
+        <a:scrgbClr r="0" g="0" b="0"/>
+      </a:fillRef>
+      <a:effectRef idx="0">
+        <a:scrgbClr r="0" g="0" b="0"/>
+      </a:effectRef>
+      <a:fontRef idx="minor"/>
+    </dgm:style>
+  </dgm:styleLbl>
+  <dgm:styleLbl name="fgAcc1">
+    <dgm:scene3d>
+      <a:camera prst="orthographicFront"/>
+      <a:lightRig rig="threePt" dir="t"/>
+    </dgm:scene3d>
+    <dgm:sp3d/>
+    <dgm:txPr/>
+    <dgm:style>
+      <a:lnRef idx="2">
+        <a:scrgbClr r="0" g="0" b="0"/>
+      </a:lnRef>
+      <a:fillRef idx="1">
+        <a:scrgbClr r="0" g="0" b="0"/>
+      </a:fillRef>
+      <a:effectRef idx="0">
+        <a:scrgbClr r="0" g="0" b="0"/>
+      </a:effectRef>
+      <a:fontRef idx="minor"/>
+    </dgm:style>
+  </dgm:styleLbl>
+  <dgm:styleLbl name="conFgAcc1">
+    <dgm:scene3d>
+      <a:camera prst="orthographicFront"/>
+      <a:lightRig rig="threePt" dir="t"/>
+    </dgm:scene3d>
+    <dgm:sp3d/>
+    <dgm:txPr/>
+    <dgm:style>
+      <a:lnRef idx="2">
+        <a:scrgbClr r="0" g="0" b="0"/>
+      </a:lnRef>
+      <a:fillRef idx="1">
+        <a:scrgbClr r="0" g="0" b="0"/>
+      </a:fillRef>
+      <a:effectRef idx="0">
+        <a:scrgbClr r="0" g="0" b="0"/>
+      </a:effectRef>
+      <a:fontRef idx="minor"/>
+    </dgm:style>
+  </dgm:styleLbl>
+  <dgm:styleLbl name="alignAcc1">
+    <dgm:scene3d>
+      <a:camera prst="orthographicFront"/>
+      <a:lightRig rig="threePt" dir="t"/>
+    </dgm:scene3d>
+    <dgm:sp3d/>
+    <dgm:txPr/>
+    <dgm:style>
+      <a:lnRef idx="2">
+        <a:scrgbClr r="0" g="0" b="0"/>
+      </a:lnRef>
+      <a:fillRef idx="1">
+        <a:scrgbClr r="0" g="0" b="0"/>
+      </a:fillRef>
+      <a:effectRef idx="0">
+        <a:scrgbClr r="0" g="0" b="0"/>
+      </a:effectRef>
+      <a:fontRef idx="minor"/>
+    </dgm:style>
+  </dgm:styleLbl>
+  <dgm:styleLbl name="trAlignAcc1">
+    <dgm:scene3d>
+      <a:camera prst="orthographicFront"/>
+      <a:lightRig rig="threePt" dir="t"/>
+    </dgm:scene3d>
+    <dgm:sp3d/>
+    <dgm:txPr/>
+    <dgm:style>
+      <a:lnRef idx="1">
+        <a:scrgbClr r="0" g="0" b="0"/>
+      </a:lnRef>
+      <a:fillRef idx="1">
+        <a:scrgbClr r="0" g="0" b="0"/>
+      </a:fillRef>
+      <a:effectRef idx="0">
+        <a:scrgbClr r="0" g="0" b="0"/>
+      </a:effectRef>
+      <a:fontRef idx="minor"/>
+    </dgm:style>
+  </dgm:styleLbl>
+  <dgm:styleLbl name="bgAcc1">
+    <dgm:scene3d>
+      <a:camera prst="orthographicFront"/>
+      <a:lightRig rig="threePt" dir="t"/>
+    </dgm:scene3d>
+    <dgm:sp3d/>
+    <dgm:txPr/>
+    <dgm:style>
+      <a:lnRef idx="2">
+        <a:scrgbClr r="0" g="0" b="0"/>
+      </a:lnRef>
+      <a:fillRef idx="1">
+        <a:scrgbClr r="0" g="0" b="0"/>
+      </a:fillRef>
+      <a:effectRef idx="0">
+        <a:scrgbClr r="0" g="0" b="0"/>
+      </a:effectRef>
+      <a:fontRef idx="minor"/>
+    </dgm:style>
+  </dgm:styleLbl>
+  <dgm:styleLbl name="solidFgAcc1">
+    <dgm:scene3d>
+      <a:camera prst="orthographicFront"/>
+      <a:lightRig rig="threePt" dir="t"/>
+    </dgm:scene3d>
+    <dgm:sp3d/>
+    <dgm:txPr/>
+    <dgm:style>
+      <a:lnRef idx="2">
+        <a:scrgbClr r="0" g="0" b="0"/>
+      </a:lnRef>
+      <a:fillRef idx="1">
+        <a:scrgbClr r="0" g="0" b="0"/>
+      </a:fillRef>
+      <a:effectRef idx="0">
+        <a:scrgbClr r="0" g="0" b="0"/>
+      </a:effectRef>
+      <a:fontRef idx="minor"/>
+    </dgm:style>
+  </dgm:styleLbl>
+  <dgm:styleLbl name="solidAlignAcc1">
+    <dgm:scene3d>
+      <a:camera prst="orthographicFront"/>
+      <a:lightRig rig="threePt" dir="t"/>
+    </dgm:scene3d>
+    <dgm:sp3d/>
+    <dgm:txPr/>
+    <dgm:style>
+      <a:lnRef idx="2">
+        <a:scrgbClr r="0" g="0" b="0"/>
+      </a:lnRef>
+      <a:fillRef idx="1">
+        <a:scrgbClr r="0" g="0" b="0"/>
+      </a:fillRef>
+      <a:effectRef idx="0">
+        <a:scrgbClr r="0" g="0" b="0"/>
+      </a:effectRef>
+      <a:fontRef idx="minor"/>
+    </dgm:style>
+  </dgm:styleLbl>
+  <dgm:styleLbl name="solidBgAcc1">
+    <dgm:scene3d>
+      <a:camera prst="orthographicFront"/>
+      <a:lightRig rig="threePt" dir="t"/>
+    </dgm:scene3d>
+    <dgm:sp3d/>
+    <dgm:txPr/>
+    <dgm:style>
+      <a:lnRef idx="2">
+        <a:scrgbClr r="0" g="0" b="0"/>
+      </a:lnRef>
+      <a:fillRef idx="1">
+        <a:scrgbClr r="0" g="0" b="0"/>
+      </a:fillRef>
+      <a:effectRef idx="0">
+        <a:scrgbClr r="0" g="0" b="0"/>
+      </a:effectRef>
+      <a:fontRef idx="minor"/>
+    </dgm:style>
+  </dgm:styleLbl>
+  <dgm:styleLbl name="fgAccFollowNode1">
+    <dgm:scene3d>
+      <a:camera prst="orthographicFront"/>
+      <a:lightRig rig="threePt" dir="t"/>
+    </dgm:scene3d>
+    <dgm:sp3d/>
+    <dgm:txPr/>
+    <dgm:style>
+      <a:lnRef idx="2">
+        <a:scrgbClr r="0" g="0" b="0"/>
+      </a:lnRef>
+      <a:fillRef idx="1">
+        <a:scrgbClr r="0" g="0" b="0"/>
+      </a:fillRef>
+      <a:effectRef idx="0">
+        <a:scrgbClr r="0" g="0" b="0"/>
+      </a:effectRef>
+      <a:fontRef idx="minor"/>
+    </dgm:style>
+  </dgm:styleLbl>
+  <dgm:styleLbl name="alignAccFollowNode1">
+    <dgm:scene3d>
+      <a:camera prst="orthographicFront"/>
+      <a:lightRig rig="threePt" dir="t"/>
+    </dgm:scene3d>
+    <dgm:sp3d/>
+    <dgm:txPr/>
+    <dgm:style>
+      <a:lnRef idx="2">
+        <a:scrgbClr r="0" g="0" b="0"/>
+      </a:lnRef>
+      <a:fillRef idx="1">
+        <a:scrgbClr r="0" g="0" b="0"/>
+      </a:fillRef>
+      <a:effectRef idx="0">
+        <a:scrgbClr r="0" g="0" b="0"/>
+      </a:effectRef>
+      <a:fontRef idx="minor"/>
+    </dgm:style>
+  </dgm:styleLbl>
+  <dgm:styleLbl name="bgAccFollowNode1">
+    <dgm:scene3d>
+      <a:camera prst="orthographicFront"/>
+      <a:lightRig rig="threePt" dir="t"/>
+    </dgm:scene3d>
+    <dgm:sp3d/>
+    <dgm:txPr/>
+    <dgm:style>
+      <a:lnRef idx="2">
+        <a:scrgbClr r="0" g="0" b="0"/>
+      </a:lnRef>
+      <a:fillRef idx="1">
+        <a:scrgbClr r="0" g="0" b="0"/>
+      </a:fillRef>
+      <a:effectRef idx="0">
+        <a:scrgbClr r="0" g="0" b="0"/>
+      </a:effectRef>
+      <a:fontRef idx="minor"/>
+    </dgm:style>
+  </dgm:styleLbl>
+  <dgm:styleLbl name="fgAcc0">
+    <dgm:scene3d>
+      <a:camera prst="orthographicFront"/>
+      <a:lightRig rig="threePt" dir="t"/>
+    </dgm:scene3d>
+    <dgm:sp3d/>
+    <dgm:txPr/>
+    <dgm:style>
+      <a:lnRef idx="2">
+        <a:scrgbClr r="0" g="0" b="0"/>
+      </a:lnRef>
+      <a:fillRef idx="1">
+        <a:scrgbClr r="0" g="0" b="0"/>
+      </a:fillRef>
+      <a:effectRef idx="0">
+        <a:scrgbClr r="0" g="0" b="0"/>
+      </a:effectRef>
+      <a:fontRef idx="minor"/>
+    </dgm:style>
+  </dgm:styleLbl>
+  <dgm:styleLbl name="fgAcc2">
+    <dgm:scene3d>
+      <a:camera prst="orthographicFront"/>
+      <a:lightRig rig="threePt" dir="t"/>
+    </dgm:scene3d>
+    <dgm:sp3d/>
+    <dgm:txPr/>
+    <dgm:style>
+      <a:lnRef idx="2">
+        <a:scrgbClr r="0" g="0" b="0"/>
+      </a:lnRef>
+      <a:fillRef idx="1">
+        <a:scrgbClr r="0" g="0" b="0"/>
+      </a:fillRef>
+      <a:effectRef idx="0">
+        <a:scrgbClr r="0" g="0" b="0"/>
+      </a:effectRef>
+      <a:fontRef idx="minor"/>
+    </dgm:style>
+  </dgm:styleLbl>
+  <dgm:styleLbl name="fgAcc3">
+    <dgm:scene3d>
+      <a:camera prst="orthographicFront"/>
+      <a:lightRig rig="threePt" dir="t"/>
+    </dgm:scene3d>
+    <dgm:sp3d/>
+    <dgm:txPr/>
+    <dgm:style>
+      <a:lnRef idx="2">
+        <a:scrgbClr r="0" g="0" b="0"/>
+      </a:lnRef>
+      <a:fillRef idx="1">
+        <a:scrgbClr r="0" g="0" b="0"/>
+      </a:fillRef>
+      <a:effectRef idx="0">
+        <a:scrgbClr r="0" g="0" b="0"/>
+      </a:effectRef>
+      <a:fontRef idx="minor"/>
+    </dgm:style>
+  </dgm:styleLbl>
+  <dgm:styleLbl name="fgAcc4">
+    <dgm:scene3d>
+      <a:camera prst="orthographicFront"/>
+      <a:lightRig rig="threePt" dir="t"/>
+    </dgm:scene3d>
+    <dgm:sp3d/>
+    <dgm:txPr/>
+    <dgm:style>
+      <a:lnRef idx="2">
+        <a:scrgbClr r="0" g="0" b="0"/>
+      </a:lnRef>
+      <a:fillRef idx="1">
+        <a:scrgbClr r="0" g="0" b="0"/>
+      </a:fillRef>
+      <a:effectRef idx="0">
+        <a:scrgbClr r="0" g="0" b="0"/>
+      </a:effectRef>
+      <a:fontRef idx="minor"/>
+    </dgm:style>
+  </dgm:styleLbl>
+  <dgm:styleLbl name="bgShp">
+    <dgm:scene3d>
+      <a:camera prst="orthographicFront"/>
+      <a:lightRig rig="threePt" dir="t"/>
+    </dgm:scene3d>
+    <dgm:sp3d/>
+    <dgm:txPr/>
+    <dgm:style>
+      <a:lnRef idx="0">
+        <a:scrgbClr r="0" g="0" b="0"/>
+      </a:lnRef>
+      <a:fillRef idx="1">
+        <a:scrgbClr r="0" g="0" b="0"/>
+      </a:fillRef>
+      <a:effectRef idx="0">
+        <a:scrgbClr r="0" g="0" b="0"/>
+      </a:effectRef>
+      <a:fontRef idx="minor"/>
+    </dgm:style>
+  </dgm:styleLbl>
+  <dgm:styleLbl name="dkBgShp">
+    <dgm:scene3d>
+      <a:camera prst="orthographicFront"/>
+      <a:lightRig rig="threePt" dir="t"/>
+    </dgm:scene3d>
+    <dgm:sp3d/>
+    <dgm:txPr/>
+    <dgm:style>
+      <a:lnRef idx="0">
+        <a:scrgbClr r="0" g="0" b="0"/>
+      </a:lnRef>
+      <a:fillRef idx="1">
+        <a:scrgbClr r="0" g="0" b="0"/>
+      </a:fillRef>
+      <a:effectRef idx="0">
+        <a:scrgbClr r="0" g="0" b="0"/>
+      </a:effectRef>
+      <a:fontRef idx="minor"/>
+    </dgm:style>
+  </dgm:styleLbl>
+  <dgm:styleLbl name="trBgShp">
+    <dgm:scene3d>
+      <a:camera prst="orthographicFront"/>
+      <a:lightRig rig="threePt" dir="t"/>
+    </dgm:scene3d>
+    <dgm:sp3d/>
+    <dgm:txPr/>
+    <dgm:style>
+      <a:lnRef idx="0">
+        <a:scrgbClr r="0" g="0" b="0"/>
+      </a:lnRef>
+      <a:fillRef idx="1">
+        <a:scrgbClr r="0" g="0" b="0"/>
+      </a:fillRef>
+      <a:effectRef idx="0">
+        <a:scrgbClr r="0" g="0" b="0"/>
+      </a:effectRef>
+      <a:fontRef idx="minor"/>
+    </dgm:style>
+  </dgm:styleLbl>
+  <dgm:styleLbl name="fgShp">
+    <dgm:scene3d>
+      <a:camera prst="orthographicFront"/>
+      <a:lightRig rig="threePt" dir="t"/>
+    </dgm:scene3d>
+    <dgm:sp3d/>
+    <dgm:txPr/>
+    <dgm:style>
+      <a:lnRef idx="2">
+        <a:scrgbClr r="0" g="0" b="0"/>
+      </a:lnRef>
+      <a:fillRef idx="1">
+        <a:scrgbClr r="0" g="0" b="0"/>
+      </a:fillRef>
+      <a:effectRef idx="0">
+        <a:scrgbClr r="0" g="0" b="0"/>
+      </a:effectRef>
+      <a:fontRef idx="minor"/>
+    </dgm:style>
+  </dgm:styleLbl>
+  <dgm:styleLbl name="revTx">
+    <dgm:scene3d>
+      <a:camera prst="orthographicFront"/>
+      <a:lightRig rig="threePt" dir="t"/>
+    </dgm:scene3d>
+    <dgm:sp3d/>
+    <dgm:txPr/>
+    <dgm:style>
+      <a:lnRef idx="0">
+        <a:scrgbClr r="0" g="0" b="0"/>
+      </a:lnRef>
+      <a:fillRef idx="0">
+        <a:scrgbClr r="0" g="0" b="0"/>
+      </a:fillRef>
+      <a:effectRef idx="0">
+        <a:scrgbClr r="0" g="0" b="0"/>
+      </a:effectRef>
+      <a:fontRef idx="minor"/>
+    </dgm:style>
+  </dgm:styleLbl>
+</dgm:styleDef>
+</file>
+
+<file path=ppt/diagrams/quickStyle6.xml><?xml version="1.0" encoding="utf-8"?>
 <dgm:styleDef xmlns:dgm="http://schemas.openxmlformats.org/drawingml/2006/diagram" xmlns:a="http://schemas.openxmlformats.org/drawingml/2006/main" uniqueId="urn:microsoft.com/office/officeart/2005/8/quickstyle/simple1">
   <dgm:title val=""/>
   <dgm:desc val=""/>
@@ -17483,7 +23302,7 @@
             <p:ph idx="1"/>
             <p:extLst>
               <p:ext uri="{D42A27DB-BD31-4B8C-83A1-F6EECF244321}">
-                <p14:modId xmlns:p14="http://schemas.microsoft.com/office/powerpoint/2010/main" val="1875099420"/>
+                <p14:modId xmlns:p14="http://schemas.microsoft.com/office/powerpoint/2010/main" val="722330474"/>
               </p:ext>
             </p:extLst>
           </p:nvPr>
@@ -17544,6 +23363,289 @@
     <p:extLst>
       <p:ext uri="{BB962C8B-B14F-4D97-AF65-F5344CB8AC3E}">
         <p14:creationId xmlns:p14="http://schemas.microsoft.com/office/powerpoint/2010/main" val="4272996009"/>
+      </p:ext>
+    </p:extLst>
+  </p:cSld>
+  <p:clrMapOvr>
+    <a:masterClrMapping/>
+  </p:clrMapOvr>
+</p:sld>
+</file>
+
+<file path=ppt/slides/slide7.xml><?xml version="1.0" encoding="utf-8"?>
+<p:sld xmlns:a="http://schemas.openxmlformats.org/drawingml/2006/main" xmlns:r="http://schemas.openxmlformats.org/officeDocument/2006/relationships" xmlns:p="http://schemas.openxmlformats.org/presentationml/2006/main">
+  <p:cSld>
+    <p:spTree>
+      <p:nvGrpSpPr>
+        <p:cNvPr id="1" name=""/>
+        <p:cNvGrpSpPr/>
+        <p:nvPr/>
+      </p:nvGrpSpPr>
+      <p:grpSpPr>
+        <a:xfrm>
+          <a:off x="0" y="0"/>
+          <a:ext cx="0" cy="0"/>
+          <a:chOff x="0" y="0"/>
+          <a:chExt cx="0" cy="0"/>
+        </a:xfrm>
+      </p:grpSpPr>
+      <p:sp>
+        <p:nvSpPr>
+          <p:cNvPr id="2" name="Title 1">
+            <a:extLst>
+              <a:ext uri="{FF2B5EF4-FFF2-40B4-BE49-F238E27FC236}">
+                <a16:creationId xmlns:a16="http://schemas.microsoft.com/office/drawing/2014/main" id="{10A6E79C-7337-425C-AD7E-D6AD9FF66A06}"/>
+              </a:ext>
+            </a:extLst>
+          </p:cNvPr>
+          <p:cNvSpPr>
+            <a:spLocks noGrp="1"/>
+          </p:cNvSpPr>
+          <p:nvPr>
+            <p:ph type="title"/>
+          </p:nvPr>
+        </p:nvSpPr>
+        <p:spPr/>
+        <p:txBody>
+          <a:bodyPr/>
+          <a:lstStyle/>
+          <a:p>
+            <a:r>
+              <a:rPr lang="fr-FR" dirty="0" err="1"/>
+              <a:t>Upwork</a:t>
+            </a:r>
+            <a:r>
+              <a:rPr lang="fr-FR" dirty="0"/>
+              <a:t> </a:t>
+            </a:r>
+            <a:r>
+              <a:rPr lang="fr-FR" dirty="0" err="1"/>
+              <a:t>Gigs</a:t>
+            </a:r>
+            <a:endParaRPr lang="fr-FR" dirty="0"/>
+          </a:p>
+        </p:txBody>
+      </p:sp>
+      <p:graphicFrame>
+        <p:nvGraphicFramePr>
+          <p:cNvPr id="7" name="Content Placeholder 6">
+            <a:extLst>
+              <a:ext uri="{FF2B5EF4-FFF2-40B4-BE49-F238E27FC236}">
+                <a16:creationId xmlns:a16="http://schemas.microsoft.com/office/drawing/2014/main" id="{E11E0253-42B1-467D-851C-8D1ED8B716E7}"/>
+              </a:ext>
+            </a:extLst>
+          </p:cNvPr>
+          <p:cNvGraphicFramePr>
+            <a:graphicFrameLocks noGrp="1"/>
+          </p:cNvGraphicFramePr>
+          <p:nvPr>
+            <p:ph idx="1"/>
+            <p:extLst>
+              <p:ext uri="{D42A27DB-BD31-4B8C-83A1-F6EECF244321}">
+                <p14:modId xmlns:p14="http://schemas.microsoft.com/office/powerpoint/2010/main" val="1647420827"/>
+              </p:ext>
+            </p:extLst>
+          </p:nvPr>
+        </p:nvGraphicFramePr>
+        <p:xfrm>
+          <a:off x="1097280" y="1845734"/>
+          <a:ext cx="10058400" cy="4023360"/>
+        </p:xfrm>
+        <a:graphic>
+          <a:graphicData uri="http://schemas.openxmlformats.org/drawingml/2006/diagram">
+            <dgm:relIds xmlns:dgm="http://schemas.openxmlformats.org/drawingml/2006/diagram" xmlns:r="http://schemas.openxmlformats.org/officeDocument/2006/relationships" r:dm="rId2" r:lo="rId3" r:qs="rId4" r:cs="rId5"/>
+          </a:graphicData>
+        </a:graphic>
+      </p:graphicFrame>
+      <p:sp>
+        <p:nvSpPr>
+          <p:cNvPr id="8" name="TextBox 7">
+            <a:extLst>
+              <a:ext uri="{FF2B5EF4-FFF2-40B4-BE49-F238E27FC236}">
+                <a16:creationId xmlns:a16="http://schemas.microsoft.com/office/drawing/2014/main" id="{4AF17F59-F6B8-4BA7-8A20-7D6DC6990005}"/>
+              </a:ext>
+            </a:extLst>
+          </p:cNvPr>
+          <p:cNvSpPr txBox="1"/>
+          <p:nvPr/>
+        </p:nvSpPr>
+        <p:spPr>
+          <a:xfrm>
+            <a:off x="1097280" y="6409081"/>
+            <a:ext cx="7115542" cy="369332"/>
+          </a:xfrm>
+          <a:prstGeom prst="rect">
+            <a:avLst/>
+          </a:prstGeom>
+          <a:noFill/>
+        </p:spPr>
+        <p:txBody>
+          <a:bodyPr wrap="square">
+            <a:spAutoFit/>
+          </a:bodyPr>
+          <a:lstStyle/>
+          <a:p>
+            <a:r>
+              <a:rPr lang="en-GB" dirty="0">
+                <a:solidFill>
+                  <a:schemeClr val="accent1">
+                    <a:lumMod val="50000"/>
+                  </a:schemeClr>
+                </a:solidFill>
+              </a:rPr>
+              <a:t>Freelance Sessions </a:t>
+            </a:r>
+            <a:endParaRPr lang="fr-FR" dirty="0"/>
+          </a:p>
+        </p:txBody>
+      </p:sp>
+    </p:spTree>
+    <p:extLst>
+      <p:ext uri="{BB962C8B-B14F-4D97-AF65-F5344CB8AC3E}">
+        <p14:creationId xmlns:p14="http://schemas.microsoft.com/office/powerpoint/2010/main" val="2416640285"/>
+      </p:ext>
+    </p:extLst>
+  </p:cSld>
+  <p:clrMapOvr>
+    <a:masterClrMapping/>
+  </p:clrMapOvr>
+</p:sld>
+</file>
+
+<file path=ppt/slides/slide8.xml><?xml version="1.0" encoding="utf-8"?>
+<p:sld xmlns:a="http://schemas.openxmlformats.org/drawingml/2006/main" xmlns:r="http://schemas.openxmlformats.org/officeDocument/2006/relationships" xmlns:p="http://schemas.openxmlformats.org/presentationml/2006/main">
+  <p:cSld>
+    <p:spTree>
+      <p:nvGrpSpPr>
+        <p:cNvPr id="1" name=""/>
+        <p:cNvGrpSpPr/>
+        <p:nvPr/>
+      </p:nvGrpSpPr>
+      <p:grpSpPr>
+        <a:xfrm>
+          <a:off x="0" y="0"/>
+          <a:ext cx="0" cy="0"/>
+          <a:chOff x="0" y="0"/>
+          <a:chExt cx="0" cy="0"/>
+        </a:xfrm>
+      </p:grpSpPr>
+      <p:sp>
+        <p:nvSpPr>
+          <p:cNvPr id="2" name="Title 1">
+            <a:extLst>
+              <a:ext uri="{FF2B5EF4-FFF2-40B4-BE49-F238E27FC236}">
+                <a16:creationId xmlns:a16="http://schemas.microsoft.com/office/drawing/2014/main" id="{10A6E79C-7337-425C-AD7E-D6AD9FF66A06}"/>
+              </a:ext>
+            </a:extLst>
+          </p:cNvPr>
+          <p:cNvSpPr>
+            <a:spLocks noGrp="1"/>
+          </p:cNvSpPr>
+          <p:nvPr>
+            <p:ph type="title"/>
+          </p:nvPr>
+        </p:nvSpPr>
+        <p:spPr/>
+        <p:txBody>
+          <a:bodyPr/>
+          <a:lstStyle/>
+          <a:p>
+            <a:r>
+              <a:rPr lang="fr-FR" dirty="0" err="1"/>
+              <a:t>Upwork</a:t>
+            </a:r>
+            <a:r>
+              <a:rPr lang="fr-FR" dirty="0"/>
+              <a:t> </a:t>
+            </a:r>
+            <a:r>
+              <a:rPr lang="fr-FR" dirty="0" err="1"/>
+              <a:t>Gigs</a:t>
+            </a:r>
+            <a:r>
+              <a:rPr lang="fr-FR" dirty="0"/>
+              <a:t>  </a:t>
+            </a:r>
+          </a:p>
+        </p:txBody>
+      </p:sp>
+      <p:graphicFrame>
+        <p:nvGraphicFramePr>
+          <p:cNvPr id="7" name="Content Placeholder 6">
+            <a:extLst>
+              <a:ext uri="{FF2B5EF4-FFF2-40B4-BE49-F238E27FC236}">
+                <a16:creationId xmlns:a16="http://schemas.microsoft.com/office/drawing/2014/main" id="{E11E0253-42B1-467D-851C-8D1ED8B716E7}"/>
+              </a:ext>
+            </a:extLst>
+          </p:cNvPr>
+          <p:cNvGraphicFramePr>
+            <a:graphicFrameLocks noGrp="1"/>
+          </p:cNvGraphicFramePr>
+          <p:nvPr>
+            <p:ph idx="1"/>
+            <p:extLst>
+              <p:ext uri="{D42A27DB-BD31-4B8C-83A1-F6EECF244321}">
+                <p14:modId xmlns:p14="http://schemas.microsoft.com/office/powerpoint/2010/main" val="2135196924"/>
+              </p:ext>
+            </p:extLst>
+          </p:nvPr>
+        </p:nvGraphicFramePr>
+        <p:xfrm>
+          <a:off x="1097280" y="1845734"/>
+          <a:ext cx="10058400" cy="4023360"/>
+        </p:xfrm>
+        <a:graphic>
+          <a:graphicData uri="http://schemas.openxmlformats.org/drawingml/2006/diagram">
+            <dgm:relIds xmlns:dgm="http://schemas.openxmlformats.org/drawingml/2006/diagram" xmlns:r="http://schemas.openxmlformats.org/officeDocument/2006/relationships" r:dm="rId2" r:lo="rId3" r:qs="rId4" r:cs="rId5"/>
+          </a:graphicData>
+        </a:graphic>
+      </p:graphicFrame>
+      <p:sp>
+        <p:nvSpPr>
+          <p:cNvPr id="8" name="TextBox 7">
+            <a:extLst>
+              <a:ext uri="{FF2B5EF4-FFF2-40B4-BE49-F238E27FC236}">
+                <a16:creationId xmlns:a16="http://schemas.microsoft.com/office/drawing/2014/main" id="{4AF17F59-F6B8-4BA7-8A20-7D6DC6990005}"/>
+              </a:ext>
+            </a:extLst>
+          </p:cNvPr>
+          <p:cNvSpPr txBox="1"/>
+          <p:nvPr/>
+        </p:nvSpPr>
+        <p:spPr>
+          <a:xfrm>
+            <a:off x="1097280" y="6409081"/>
+            <a:ext cx="7115542" cy="369332"/>
+          </a:xfrm>
+          <a:prstGeom prst="rect">
+            <a:avLst/>
+          </a:prstGeom>
+          <a:noFill/>
+        </p:spPr>
+        <p:txBody>
+          <a:bodyPr wrap="square">
+            <a:spAutoFit/>
+          </a:bodyPr>
+          <a:lstStyle/>
+          <a:p>
+            <a:r>
+              <a:rPr lang="en-GB" dirty="0">
+                <a:solidFill>
+                  <a:schemeClr val="accent1">
+                    <a:lumMod val="50000"/>
+                  </a:schemeClr>
+                </a:solidFill>
+              </a:rPr>
+              <a:t>Freelance Sessions </a:t>
+            </a:r>
+            <a:endParaRPr lang="fr-FR" dirty="0"/>
+          </a:p>
+        </p:txBody>
+      </p:sp>
+    </p:spTree>
+    <p:extLst>
+      <p:ext uri="{BB962C8B-B14F-4D97-AF65-F5344CB8AC3E}">
+        <p14:creationId xmlns:p14="http://schemas.microsoft.com/office/powerpoint/2010/main" val="1289688856"/>
       </p:ext>
     </p:extLst>
   </p:cSld>

--- a/Freelancing/Freelance Session 1.pptx
+++ b/Freelancing/Freelance Session 1.pptx
@@ -13,14 +13,16 @@
     <p:sldId id="285" r:id="rId7"/>
     <p:sldId id="287" r:id="rId8"/>
     <p:sldId id="288" r:id="rId9"/>
-    <p:sldId id="289" r:id="rId10"/>
-    <p:sldId id="290" r:id="rId11"/>
-    <p:sldId id="283" r:id="rId12"/>
-    <p:sldId id="282" r:id="rId13"/>
-    <p:sldId id="295" r:id="rId14"/>
-    <p:sldId id="293" r:id="rId15"/>
-    <p:sldId id="294" r:id="rId16"/>
-    <p:sldId id="291" r:id="rId17"/>
+    <p:sldId id="290" r:id="rId10"/>
+    <p:sldId id="283" r:id="rId11"/>
+    <p:sldId id="282" r:id="rId12"/>
+    <p:sldId id="295" r:id="rId13"/>
+    <p:sldId id="293" r:id="rId14"/>
+    <p:sldId id="294" r:id="rId15"/>
+    <p:sldId id="291" r:id="rId16"/>
+    <p:sldId id="296" r:id="rId17"/>
+    <p:sldId id="298" r:id="rId18"/>
+    <p:sldId id="299" r:id="rId19"/>
   </p:sldIdLst>
   <p:sldSz cx="12192000" cy="6858000"/>
   <p:notesSz cx="6858000" cy="9144000"/>
@@ -11519,304 +11521,6 @@
         </a:p>
       </dgm:t>
     </dgm:pt>
-    <dgm:pt modelId="{3F698109-40CA-46C6-B5E2-421899D776D1}">
-      <dgm:prSet/>
-      <dgm:spPr/>
-      <dgm:t>
-        <a:bodyPr/>
-        <a:lstStyle/>
-        <a:p>
-          <a:r>
-            <a:rPr lang="en-GB" dirty="0"/>
-            <a:t>Add non-</a:t>
-          </a:r>
-          <a:r>
-            <a:rPr lang="en-GB" dirty="0" err="1"/>
-            <a:t>upwork</a:t>
-          </a:r>
-          <a:r>
-            <a:rPr lang="en-GB" dirty="0"/>
-            <a:t> testimonials on Upwork, </a:t>
-          </a:r>
-          <a:endParaRPr lang="fr-FR" dirty="0"/>
-        </a:p>
-      </dgm:t>
-    </dgm:pt>
-    <dgm:pt modelId="{9CC99665-AB75-4746-9F60-3DBC4CC8BD8E}" type="parTrans" cxnId="{257588C6-8287-44AF-AE3F-5772AA8050FF}">
-      <dgm:prSet/>
-      <dgm:spPr/>
-      <dgm:t>
-        <a:bodyPr/>
-        <a:lstStyle/>
-        <a:p>
-          <a:endParaRPr lang="fr-FR"/>
-        </a:p>
-      </dgm:t>
-    </dgm:pt>
-    <dgm:pt modelId="{9907A63D-D4BF-4272-806B-ACBB8F3A9F1B}" type="sibTrans" cxnId="{257588C6-8287-44AF-AE3F-5772AA8050FF}">
-      <dgm:prSet/>
-      <dgm:spPr/>
-      <dgm:t>
-        <a:bodyPr/>
-        <a:lstStyle/>
-        <a:p>
-          <a:endParaRPr lang="fr-FR"/>
-        </a:p>
-      </dgm:t>
-    </dgm:pt>
-    <dgm:pt modelId="{F15270DC-9E21-4B5E-A327-3A1C7523EF4E}">
-      <dgm:prSet/>
-      <dgm:spPr/>
-      <dgm:t>
-        <a:bodyPr/>
-        <a:lstStyle/>
-        <a:p>
-          <a:r>
-            <a:rPr lang="en-GB" dirty="0"/>
-            <a:t>send testimonials requests from </a:t>
-          </a:r>
-          <a:r>
-            <a:rPr lang="en-GB" dirty="0" err="1"/>
-            <a:t>upwork</a:t>
-          </a:r>
-          <a:endParaRPr lang="fr-FR" dirty="0"/>
-        </a:p>
-      </dgm:t>
-    </dgm:pt>
-    <dgm:pt modelId="{F438102D-6D39-43DF-BA5C-3ACB83493CBE}" type="parTrans" cxnId="{1D64F934-60ED-4C54-81E6-5DC63F6B1268}">
-      <dgm:prSet/>
-      <dgm:spPr/>
-      <dgm:t>
-        <a:bodyPr/>
-        <a:lstStyle/>
-        <a:p>
-          <a:endParaRPr lang="fr-FR"/>
-        </a:p>
-      </dgm:t>
-    </dgm:pt>
-    <dgm:pt modelId="{E28331ED-4283-4039-865F-6BAEE1E6DD4B}" type="sibTrans" cxnId="{1D64F934-60ED-4C54-81E6-5DC63F6B1268}">
-      <dgm:prSet/>
-      <dgm:spPr/>
-      <dgm:t>
-        <a:bodyPr/>
-        <a:lstStyle/>
-        <a:p>
-          <a:endParaRPr lang="fr-FR"/>
-        </a:p>
-      </dgm:t>
-    </dgm:pt>
-    <dgm:pt modelId="{DD7A2E85-C472-4CC1-8F1D-AF734EB62E5A}">
-      <dgm:prSet/>
-      <dgm:spPr/>
-      <dgm:t>
-        <a:bodyPr/>
-        <a:lstStyle/>
-        <a:p>
-          <a:r>
-            <a:rPr lang="en-GB" dirty="0"/>
-            <a:t>Everyday, search jobs on </a:t>
-          </a:r>
-          <a:r>
-            <a:rPr lang="en-GB" dirty="0" err="1"/>
-            <a:t>upwork</a:t>
-          </a:r>
-          <a:r>
-            <a:rPr lang="en-GB" dirty="0"/>
-            <a:t> which</a:t>
-          </a:r>
-          <a:endParaRPr lang="fr-FR" dirty="0"/>
-        </a:p>
-      </dgm:t>
-    </dgm:pt>
-    <dgm:pt modelId="{3576DA04-A7BF-4924-B036-9857993341E4}" type="parTrans" cxnId="{CAE69D1E-221A-4E9C-84D9-ED5B202C0BDD}">
-      <dgm:prSet/>
-      <dgm:spPr/>
-      <dgm:t>
-        <a:bodyPr/>
-        <a:lstStyle/>
-        <a:p>
-          <a:endParaRPr lang="fr-FR"/>
-        </a:p>
-      </dgm:t>
-    </dgm:pt>
-    <dgm:pt modelId="{C3215D7B-CAE3-4119-B6DE-8C8A439E35CA}" type="sibTrans" cxnId="{CAE69D1E-221A-4E9C-84D9-ED5B202C0BDD}">
-      <dgm:prSet/>
-      <dgm:spPr/>
-      <dgm:t>
-        <a:bodyPr/>
-        <a:lstStyle/>
-        <a:p>
-          <a:endParaRPr lang="fr-FR"/>
-        </a:p>
-      </dgm:t>
-    </dgm:pt>
-    <dgm:pt modelId="{88842233-C53F-4768-BFFC-E35157B0F42A}">
-      <dgm:prSet/>
-      <dgm:spPr/>
-      <dgm:t>
-        <a:bodyPr/>
-        <a:lstStyle/>
-        <a:p>
-          <a:r>
-            <a:rPr lang="en-GB"/>
-            <a:t>fewest </a:t>
-          </a:r>
-          <a:r>
-            <a:rPr lang="en-GB" dirty="0"/>
-            <a:t>bids and apply to them </a:t>
-          </a:r>
-          <a:endParaRPr lang="fr-FR" dirty="0"/>
-        </a:p>
-      </dgm:t>
-    </dgm:pt>
-    <dgm:pt modelId="{87901879-1F11-4595-A7E3-13624173ADB9}" type="parTrans" cxnId="{89D51418-5E8D-4024-ABEB-700D162259DD}">
-      <dgm:prSet/>
-      <dgm:spPr/>
-      <dgm:t>
-        <a:bodyPr/>
-        <a:lstStyle/>
-        <a:p>
-          <a:endParaRPr lang="fr-FR"/>
-        </a:p>
-      </dgm:t>
-    </dgm:pt>
-    <dgm:pt modelId="{8C561558-FA7E-4DDC-A60E-14282E18D1D0}" type="sibTrans" cxnId="{89D51418-5E8D-4024-ABEB-700D162259DD}">
-      <dgm:prSet/>
-      <dgm:spPr/>
-      <dgm:t>
-        <a:bodyPr/>
-        <a:lstStyle/>
-        <a:p>
-          <a:endParaRPr lang="fr-FR"/>
-        </a:p>
-      </dgm:t>
-    </dgm:pt>
-    <dgm:pt modelId="{BD138ACA-92D1-404A-B4A6-00297587043E}">
-      <dgm:prSet/>
-      <dgm:spPr/>
-      <dgm:t>
-        <a:bodyPr/>
-        <a:lstStyle/>
-        <a:p>
-          <a:r>
-            <a:rPr lang="en-GB"/>
-            <a:t>perfectly </a:t>
-          </a:r>
-          <a:r>
-            <a:rPr lang="en-GB" dirty="0"/>
-            <a:t>match your skillset, </a:t>
-          </a:r>
-          <a:endParaRPr lang="fr-FR" dirty="0"/>
-        </a:p>
-      </dgm:t>
-    </dgm:pt>
-    <dgm:pt modelId="{5B9E0F68-E0A5-418D-9B29-6FC8FA241F89}" type="parTrans" cxnId="{79309CDF-3027-4D55-9D00-E3B91E636B6A}">
-      <dgm:prSet/>
-      <dgm:spPr/>
-      <dgm:t>
-        <a:bodyPr/>
-        <a:lstStyle/>
-        <a:p>
-          <a:endParaRPr lang="fr-FR"/>
-        </a:p>
-      </dgm:t>
-    </dgm:pt>
-    <dgm:pt modelId="{75CCDCFA-CB6A-407A-B510-2C4B175A11E3}" type="sibTrans" cxnId="{79309CDF-3027-4D55-9D00-E3B91E636B6A}">
-      <dgm:prSet/>
-      <dgm:spPr/>
-      <dgm:t>
-        <a:bodyPr/>
-        <a:lstStyle/>
-        <a:p>
-          <a:endParaRPr lang="fr-FR"/>
-        </a:p>
-      </dgm:t>
-    </dgm:pt>
-    <dgm:pt modelId="{CE27D942-1C2B-45A6-B11D-102CB7AC984B}" type="pres">
-      <dgm:prSet presAssocID="{480BFB1A-5604-4D44-9784-3B4A05BAD4FE}" presName="linear" presStyleCnt="0">
-        <dgm:presLayoutVars>
-          <dgm:animLvl val="lvl"/>
-          <dgm:resizeHandles val="exact"/>
-        </dgm:presLayoutVars>
-      </dgm:prSet>
-      <dgm:spPr/>
-    </dgm:pt>
-    <dgm:pt modelId="{97801DC3-E45E-4407-8380-1A527E95FBFB}" type="pres">
-      <dgm:prSet presAssocID="{3F698109-40CA-46C6-B5E2-421899D776D1}" presName="parentText" presStyleLbl="node1" presStyleIdx="0" presStyleCnt="2">
-        <dgm:presLayoutVars>
-          <dgm:chMax val="0"/>
-          <dgm:bulletEnabled val="1"/>
-        </dgm:presLayoutVars>
-      </dgm:prSet>
-      <dgm:spPr/>
-    </dgm:pt>
-    <dgm:pt modelId="{8E49EAAA-F4AF-4D2E-B4D9-FA1C396EFEEE}" type="pres">
-      <dgm:prSet presAssocID="{3F698109-40CA-46C6-B5E2-421899D776D1}" presName="childText" presStyleLbl="revTx" presStyleIdx="0" presStyleCnt="2">
-        <dgm:presLayoutVars>
-          <dgm:bulletEnabled val="1"/>
-        </dgm:presLayoutVars>
-      </dgm:prSet>
-      <dgm:spPr/>
-    </dgm:pt>
-    <dgm:pt modelId="{E3CC0B01-4BF6-4423-AC3F-2D540B485E5E}" type="pres">
-      <dgm:prSet presAssocID="{DD7A2E85-C472-4CC1-8F1D-AF734EB62E5A}" presName="parentText" presStyleLbl="node1" presStyleIdx="1" presStyleCnt="2">
-        <dgm:presLayoutVars>
-          <dgm:chMax val="0"/>
-          <dgm:bulletEnabled val="1"/>
-        </dgm:presLayoutVars>
-      </dgm:prSet>
-      <dgm:spPr/>
-    </dgm:pt>
-    <dgm:pt modelId="{67D67F61-5B69-408A-9403-4FD4E4463A3D}" type="pres">
-      <dgm:prSet presAssocID="{DD7A2E85-C472-4CC1-8F1D-AF734EB62E5A}" presName="childText" presStyleLbl="revTx" presStyleIdx="1" presStyleCnt="2">
-        <dgm:presLayoutVars>
-          <dgm:bulletEnabled val="1"/>
-        </dgm:presLayoutVars>
-      </dgm:prSet>
-      <dgm:spPr/>
-    </dgm:pt>
-  </dgm:ptLst>
-  <dgm:cxnLst>
-    <dgm:cxn modelId="{124A2C0B-ED76-4FA1-B192-57F450DEE1EE}" type="presOf" srcId="{F15270DC-9E21-4B5E-A327-3A1C7523EF4E}" destId="{8E49EAAA-F4AF-4D2E-B4D9-FA1C396EFEEE}" srcOrd="0" destOrd="0" presId="urn:microsoft.com/office/officeart/2005/8/layout/vList2"/>
-    <dgm:cxn modelId="{89D51418-5E8D-4024-ABEB-700D162259DD}" srcId="{DD7A2E85-C472-4CC1-8F1D-AF734EB62E5A}" destId="{88842233-C53F-4768-BFFC-E35157B0F42A}" srcOrd="1" destOrd="0" parTransId="{87901879-1F11-4595-A7E3-13624173ADB9}" sibTransId="{8C561558-FA7E-4DDC-A60E-14282E18D1D0}"/>
-    <dgm:cxn modelId="{CAE69D1E-221A-4E9C-84D9-ED5B202C0BDD}" srcId="{480BFB1A-5604-4D44-9784-3B4A05BAD4FE}" destId="{DD7A2E85-C472-4CC1-8F1D-AF734EB62E5A}" srcOrd="1" destOrd="0" parTransId="{3576DA04-A7BF-4924-B036-9857993341E4}" sibTransId="{C3215D7B-CAE3-4119-B6DE-8C8A439E35CA}"/>
-    <dgm:cxn modelId="{1D64F934-60ED-4C54-81E6-5DC63F6B1268}" srcId="{3F698109-40CA-46C6-B5E2-421899D776D1}" destId="{F15270DC-9E21-4B5E-A327-3A1C7523EF4E}" srcOrd="0" destOrd="0" parTransId="{F438102D-6D39-43DF-BA5C-3ACB83493CBE}" sibTransId="{E28331ED-4283-4039-865F-6BAEE1E6DD4B}"/>
-    <dgm:cxn modelId="{531BAD64-FCBF-4EBA-94AC-365F05301CE3}" type="presOf" srcId="{3F698109-40CA-46C6-B5E2-421899D776D1}" destId="{97801DC3-E45E-4407-8380-1A527E95FBFB}" srcOrd="0" destOrd="0" presId="urn:microsoft.com/office/officeart/2005/8/layout/vList2"/>
-    <dgm:cxn modelId="{B6B490A0-A351-4809-9F8F-0C51275B584B}" type="presOf" srcId="{DD7A2E85-C472-4CC1-8F1D-AF734EB62E5A}" destId="{E3CC0B01-4BF6-4423-AC3F-2D540B485E5E}" srcOrd="0" destOrd="0" presId="urn:microsoft.com/office/officeart/2005/8/layout/vList2"/>
-    <dgm:cxn modelId="{780DABAB-0F23-4A2B-A39C-E004653187FD}" type="presOf" srcId="{BD138ACA-92D1-404A-B4A6-00297587043E}" destId="{67D67F61-5B69-408A-9403-4FD4E4463A3D}" srcOrd="0" destOrd="0" presId="urn:microsoft.com/office/officeart/2005/8/layout/vList2"/>
-    <dgm:cxn modelId="{CF8C74B1-D478-4888-A784-E86E72EE08FC}" type="presOf" srcId="{480BFB1A-5604-4D44-9784-3B4A05BAD4FE}" destId="{CE27D942-1C2B-45A6-B11D-102CB7AC984B}" srcOrd="0" destOrd="0" presId="urn:microsoft.com/office/officeart/2005/8/layout/vList2"/>
-    <dgm:cxn modelId="{257588C6-8287-44AF-AE3F-5772AA8050FF}" srcId="{480BFB1A-5604-4D44-9784-3B4A05BAD4FE}" destId="{3F698109-40CA-46C6-B5E2-421899D776D1}" srcOrd="0" destOrd="0" parTransId="{9CC99665-AB75-4746-9F60-3DBC4CC8BD8E}" sibTransId="{9907A63D-D4BF-4272-806B-ACBB8F3A9F1B}"/>
-    <dgm:cxn modelId="{79309CDF-3027-4D55-9D00-E3B91E636B6A}" srcId="{DD7A2E85-C472-4CC1-8F1D-AF734EB62E5A}" destId="{BD138ACA-92D1-404A-B4A6-00297587043E}" srcOrd="0" destOrd="0" parTransId="{5B9E0F68-E0A5-418D-9B29-6FC8FA241F89}" sibTransId="{75CCDCFA-CB6A-407A-B510-2C4B175A11E3}"/>
-    <dgm:cxn modelId="{86B7C0FE-B676-463E-BAB4-3E97195FC3D6}" type="presOf" srcId="{88842233-C53F-4768-BFFC-E35157B0F42A}" destId="{67D67F61-5B69-408A-9403-4FD4E4463A3D}" srcOrd="0" destOrd="1" presId="urn:microsoft.com/office/officeart/2005/8/layout/vList2"/>
-    <dgm:cxn modelId="{F8F2C54C-9720-4D5E-9390-B940B915414B}" type="presParOf" srcId="{CE27D942-1C2B-45A6-B11D-102CB7AC984B}" destId="{97801DC3-E45E-4407-8380-1A527E95FBFB}" srcOrd="0" destOrd="0" presId="urn:microsoft.com/office/officeart/2005/8/layout/vList2"/>
-    <dgm:cxn modelId="{1FF33D2B-E096-4EB4-9640-4A4BCAF55C7E}" type="presParOf" srcId="{CE27D942-1C2B-45A6-B11D-102CB7AC984B}" destId="{8E49EAAA-F4AF-4D2E-B4D9-FA1C396EFEEE}" srcOrd="1" destOrd="0" presId="urn:microsoft.com/office/officeart/2005/8/layout/vList2"/>
-    <dgm:cxn modelId="{7DEC1780-DDF4-4692-AE2E-47635D0F7C5A}" type="presParOf" srcId="{CE27D942-1C2B-45A6-B11D-102CB7AC984B}" destId="{E3CC0B01-4BF6-4423-AC3F-2D540B485E5E}" srcOrd="2" destOrd="0" presId="urn:microsoft.com/office/officeart/2005/8/layout/vList2"/>
-    <dgm:cxn modelId="{35A2F50B-25AA-45BA-9100-4ED2CB47EDED}" type="presParOf" srcId="{CE27D942-1C2B-45A6-B11D-102CB7AC984B}" destId="{67D67F61-5B69-408A-9403-4FD4E4463A3D}" srcOrd="3" destOrd="0" presId="urn:microsoft.com/office/officeart/2005/8/layout/vList2"/>
-  </dgm:cxnLst>
-  <dgm:bg/>
-  <dgm:whole/>
-  <dgm:extLst>
-    <a:ext uri="http://schemas.microsoft.com/office/drawing/2008/diagram">
-      <dsp:dataModelExt xmlns:dsp="http://schemas.microsoft.com/office/drawing/2008/diagram" relId="rId6" minVer="http://schemas.openxmlformats.org/drawingml/2006/diagram"/>
-    </a:ext>
-  </dgm:extLst>
-</dgm:dataModel>
-</file>
-
-<file path=ppt/diagrams/data11.xml><?xml version="1.0" encoding="utf-8"?>
-<dgm:dataModel xmlns:dgm="http://schemas.openxmlformats.org/drawingml/2006/diagram" xmlns:a="http://schemas.openxmlformats.org/drawingml/2006/main">
-  <dgm:ptLst>
-    <dgm:pt modelId="{480BFB1A-5604-4D44-9784-3B4A05BAD4FE}" type="doc">
-      <dgm:prSet loTypeId="urn:microsoft.com/office/officeart/2005/8/layout/vList2" loCatId="list" qsTypeId="urn:microsoft.com/office/officeart/2005/8/quickstyle/simple1" qsCatId="simple" csTypeId="urn:microsoft.com/office/officeart/2005/8/colors/accent1_2" csCatId="accent1" phldr="1"/>
-      <dgm:spPr/>
-      <dgm:t>
-        <a:bodyPr/>
-        <a:lstStyle/>
-        <a:p>
-          <a:endParaRPr lang="fr-FR"/>
-        </a:p>
-      </dgm:t>
-    </dgm:pt>
     <dgm:pt modelId="{DAD38523-39F9-4682-8303-C61D773B77E9}">
       <dgm:prSet/>
       <dgm:spPr/>
@@ -11990,7 +11694,15 @@
           </a:pPr>
           <a:r>
             <a:rPr lang="en-US" b="0" i="0" dirty="0"/>
-            <a:t>Write a good cover letter when applying to an </a:t>
+            <a:t>Write a good cover letter and include your portfolio website linked to </a:t>
+          </a:r>
+          <a:r>
+            <a:rPr lang="en-US" b="0" i="0" dirty="0" err="1"/>
+            <a:t>upwork</a:t>
+          </a:r>
+          <a:r>
+            <a:rPr lang="en-US" b="0" i="0" dirty="0"/>
+            <a:t>, when applying to an </a:t>
           </a:r>
           <a:r>
             <a:rPr lang="en-US" b="0" i="0" dirty="0" err="1"/>
@@ -12195,7 +11907,7 @@
 </dgm:dataModel>
 </file>
 
-<file path=ppt/diagrams/data12.xml><?xml version="1.0" encoding="utf-8"?>
+<file path=ppt/diagrams/data11.xml><?xml version="1.0" encoding="utf-8"?>
 <dgm:dataModel xmlns:dgm="http://schemas.openxmlformats.org/drawingml/2006/diagram" xmlns:a="http://schemas.openxmlformats.org/drawingml/2006/main">
   <dgm:ptLst>
     <dgm:pt modelId="{480BFB1A-5604-4D44-9784-3B4A05BAD4FE}" type="doc">
@@ -12281,7 +11993,7 @@
 </dgm:dataModel>
 </file>
 
-<file path=ppt/diagrams/data13.xml><?xml version="1.0" encoding="utf-8"?>
+<file path=ppt/diagrams/data12.xml><?xml version="1.0" encoding="utf-8"?>
 <dgm:dataModel xmlns:dgm="http://schemas.openxmlformats.org/drawingml/2006/diagram" xmlns:a="http://schemas.openxmlformats.org/drawingml/2006/main">
   <dgm:ptLst>
     <dgm:pt modelId="{480BFB1A-5604-4D44-9784-3B4A05BAD4FE}" type="doc">
@@ -12367,7 +12079,7 @@
 </dgm:dataModel>
 </file>
 
-<file path=ppt/diagrams/data14.xml><?xml version="1.0" encoding="utf-8"?>
+<file path=ppt/diagrams/data13.xml><?xml version="1.0" encoding="utf-8"?>
 <dgm:dataModel xmlns:dgm="http://schemas.openxmlformats.org/drawingml/2006/diagram" xmlns:a="http://schemas.openxmlformats.org/drawingml/2006/main">
   <dgm:ptLst>
     <dgm:pt modelId="{480BFB1A-5604-4D44-9784-3B4A05BAD4FE}" type="doc">
@@ -12453,7 +12165,7 @@
 </dgm:dataModel>
 </file>
 
-<file path=ppt/diagrams/data15.xml><?xml version="1.0" encoding="utf-8"?>
+<file path=ppt/diagrams/data14.xml><?xml version="1.0" encoding="utf-8"?>
 <dgm:dataModel xmlns:dgm="http://schemas.openxmlformats.org/drawingml/2006/diagram" xmlns:a="http://schemas.openxmlformats.org/drawingml/2006/main">
   <dgm:ptLst>
     <dgm:pt modelId="{480BFB1A-5604-4D44-9784-3B4A05BAD4FE}" type="doc">
@@ -12479,6 +12191,392 @@
   </dgm:ptLst>
   <dgm:cxnLst>
     <dgm:cxn modelId="{CF8C74B1-D478-4888-A784-E86E72EE08FC}" type="presOf" srcId="{480BFB1A-5604-4D44-9784-3B4A05BAD4FE}" destId="{CE27D942-1C2B-45A6-B11D-102CB7AC984B}" srcOrd="0" destOrd="0" presId="urn:microsoft.com/office/officeart/2005/8/layout/vList2"/>
+  </dgm:cxnLst>
+  <dgm:bg/>
+  <dgm:whole/>
+  <dgm:extLst>
+    <a:ext uri="http://schemas.microsoft.com/office/drawing/2008/diagram">
+      <dsp:dataModelExt xmlns:dsp="http://schemas.microsoft.com/office/drawing/2008/diagram" relId="rId6" minVer="http://schemas.openxmlformats.org/drawingml/2006/diagram"/>
+    </a:ext>
+  </dgm:extLst>
+</dgm:dataModel>
+</file>
+
+<file path=ppt/diagrams/data15.xml><?xml version="1.0" encoding="utf-8"?>
+<dgm:dataModel xmlns:dgm="http://schemas.openxmlformats.org/drawingml/2006/diagram" xmlns:a="http://schemas.openxmlformats.org/drawingml/2006/main">
+  <dgm:ptLst>
+    <dgm:pt modelId="{480BFB1A-5604-4D44-9784-3B4A05BAD4FE}" type="doc">
+      <dgm:prSet loTypeId="urn:microsoft.com/office/officeart/2005/8/layout/vList2" loCatId="list" qsTypeId="urn:microsoft.com/office/officeart/2005/8/quickstyle/simple1" qsCatId="simple" csTypeId="urn:microsoft.com/office/officeart/2005/8/colors/accent1_2" csCatId="accent1" phldr="1"/>
+      <dgm:spPr/>
+      <dgm:t>
+        <a:bodyPr/>
+        <a:lstStyle/>
+        <a:p>
+          <a:endParaRPr lang="fr-FR"/>
+        </a:p>
+      </dgm:t>
+    </dgm:pt>
+    <dgm:pt modelId="{F30A3316-C30B-47AF-BB0B-6C745B973691}">
+      <dgm:prSet/>
+      <dgm:spPr/>
+      <dgm:t>
+        <a:bodyPr/>
+        <a:lstStyle/>
+        <a:p>
+          <a:r>
+            <a:rPr lang="en-GB" dirty="0"/>
+            <a:t>Clients that has not been verified</a:t>
+          </a:r>
+          <a:endParaRPr lang="fr-FR" dirty="0"/>
+        </a:p>
+      </dgm:t>
+    </dgm:pt>
+    <dgm:pt modelId="{E4BE0B48-C68F-4795-8C45-B6714360A753}" type="parTrans" cxnId="{5D7D0EE3-2724-4DDE-8BC8-99221274AE56}">
+      <dgm:prSet/>
+      <dgm:spPr/>
+      <dgm:t>
+        <a:bodyPr/>
+        <a:lstStyle/>
+        <a:p>
+          <a:endParaRPr lang="fr-FR"/>
+        </a:p>
+      </dgm:t>
+    </dgm:pt>
+    <dgm:pt modelId="{87756461-AA6D-42BA-969F-BCD51FD30335}" type="sibTrans" cxnId="{5D7D0EE3-2724-4DDE-8BC8-99221274AE56}">
+      <dgm:prSet/>
+      <dgm:spPr/>
+      <dgm:t>
+        <a:bodyPr/>
+        <a:lstStyle/>
+        <a:p>
+          <a:endParaRPr lang="fr-FR"/>
+        </a:p>
+      </dgm:t>
+    </dgm:pt>
+    <dgm:pt modelId="{4EC9593F-E3FB-41EF-A876-1F30A1FAEC80}">
+      <dgm:prSet/>
+      <dgm:spPr/>
+      <dgm:t>
+        <a:bodyPr/>
+        <a:lstStyle/>
+        <a:p>
+          <a:r>
+            <a:rPr lang="en-GB" dirty="0"/>
+            <a:t>Clients with bad reviews on Upwork</a:t>
+          </a:r>
+          <a:endParaRPr lang="fr-FR" dirty="0"/>
+        </a:p>
+      </dgm:t>
+    </dgm:pt>
+    <dgm:pt modelId="{BCFA126D-783D-45A2-BC83-8C3369A59ED1}" type="parTrans" cxnId="{A12415B4-278A-4D0D-B317-6BBA553B1D5D}">
+      <dgm:prSet/>
+      <dgm:spPr/>
+      <dgm:t>
+        <a:bodyPr/>
+        <a:lstStyle/>
+        <a:p>
+          <a:endParaRPr lang="fr-FR"/>
+        </a:p>
+      </dgm:t>
+    </dgm:pt>
+    <dgm:pt modelId="{7C32DD53-055F-4221-872D-624299631C55}" type="sibTrans" cxnId="{A12415B4-278A-4D0D-B317-6BBA553B1D5D}">
+      <dgm:prSet/>
+      <dgm:spPr/>
+      <dgm:t>
+        <a:bodyPr/>
+        <a:lstStyle/>
+        <a:p>
+          <a:endParaRPr lang="fr-FR"/>
+        </a:p>
+      </dgm:t>
+    </dgm:pt>
+    <dgm:pt modelId="{D447C6FE-8C5A-428C-9700-91BF835ABD0E}">
+      <dgm:prSet/>
+      <dgm:spPr/>
+      <dgm:t>
+        <a:bodyPr/>
+        <a:lstStyle/>
+        <a:p>
+          <a:r>
+            <a:rPr lang="en-GB" dirty="0"/>
+            <a:t>Clients with unrealistic expectations</a:t>
+          </a:r>
+          <a:endParaRPr lang="fr-FR" dirty="0"/>
+        </a:p>
+      </dgm:t>
+    </dgm:pt>
+    <dgm:pt modelId="{0E02E522-DEA8-4DC3-9BCE-2180570BBF82}" type="parTrans" cxnId="{BAFC1679-966A-433F-8838-C5CB98D377DE}">
+      <dgm:prSet/>
+      <dgm:spPr/>
+      <dgm:t>
+        <a:bodyPr/>
+        <a:lstStyle/>
+        <a:p>
+          <a:endParaRPr lang="fr-FR"/>
+        </a:p>
+      </dgm:t>
+    </dgm:pt>
+    <dgm:pt modelId="{26682195-0C7D-4EDC-87E1-94BC4CAB11E6}" type="sibTrans" cxnId="{BAFC1679-966A-433F-8838-C5CB98D377DE}">
+      <dgm:prSet/>
+      <dgm:spPr/>
+      <dgm:t>
+        <a:bodyPr/>
+        <a:lstStyle/>
+        <a:p>
+          <a:endParaRPr lang="fr-FR"/>
+        </a:p>
+      </dgm:t>
+    </dgm:pt>
+    <dgm:pt modelId="{65BF8F6A-4499-4B4D-B98C-4BDD51C2EF09}">
+      <dgm:prSet/>
+      <dgm:spPr/>
+      <dgm:t>
+        <a:bodyPr/>
+        <a:lstStyle/>
+        <a:p>
+          <a:r>
+            <a:rPr lang="en-GB" dirty="0"/>
+            <a:t>Jobs where the client has no activity</a:t>
+          </a:r>
+          <a:endParaRPr lang="fr-FR" dirty="0"/>
+        </a:p>
+      </dgm:t>
+    </dgm:pt>
+    <dgm:pt modelId="{F0423864-53F3-46A9-BEC8-28C91B2AE6E1}" type="parTrans" cxnId="{19095DCB-D50F-45C8-9A6C-A7BD4DA4852E}">
+      <dgm:prSet/>
+      <dgm:spPr/>
+      <dgm:t>
+        <a:bodyPr/>
+        <a:lstStyle/>
+        <a:p>
+          <a:endParaRPr lang="fr-FR"/>
+        </a:p>
+      </dgm:t>
+    </dgm:pt>
+    <dgm:pt modelId="{83DCB838-5506-450A-B0BC-C0E2A1563633}" type="sibTrans" cxnId="{19095DCB-D50F-45C8-9A6C-A7BD4DA4852E}">
+      <dgm:prSet/>
+      <dgm:spPr/>
+      <dgm:t>
+        <a:bodyPr/>
+        <a:lstStyle/>
+        <a:p>
+          <a:endParaRPr lang="fr-FR"/>
+        </a:p>
+      </dgm:t>
+    </dgm:pt>
+    <dgm:pt modelId="{D599C40B-DF5B-450C-A29A-C4F1F21CE48D}">
+      <dgm:prSet/>
+      <dgm:spPr/>
+      <dgm:t>
+        <a:bodyPr/>
+        <a:lstStyle/>
+        <a:p>
+          <a:r>
+            <a:rPr lang="en-GB" dirty="0"/>
+            <a:t> on the posting for 1+ week</a:t>
+          </a:r>
+          <a:endParaRPr lang="fr-FR" dirty="0"/>
+        </a:p>
+      </dgm:t>
+    </dgm:pt>
+    <dgm:pt modelId="{553428AE-C731-497C-9665-23BDCFD9BB7F}" type="parTrans" cxnId="{BC45515D-7A17-4FD4-8FB2-DCA2712461D6}">
+      <dgm:prSet/>
+      <dgm:spPr/>
+      <dgm:t>
+        <a:bodyPr/>
+        <a:lstStyle/>
+        <a:p>
+          <a:endParaRPr lang="fr-FR"/>
+        </a:p>
+      </dgm:t>
+    </dgm:pt>
+    <dgm:pt modelId="{ECEE46BC-4056-46BE-B9E7-DCD849132B35}" type="sibTrans" cxnId="{BC45515D-7A17-4FD4-8FB2-DCA2712461D6}">
+      <dgm:prSet/>
+      <dgm:spPr/>
+      <dgm:t>
+        <a:bodyPr/>
+        <a:lstStyle/>
+        <a:p>
+          <a:endParaRPr lang="fr-FR"/>
+        </a:p>
+      </dgm:t>
+    </dgm:pt>
+    <dgm:pt modelId="{F840BB52-662C-415D-8509-5BAFC18846DD}">
+      <dgm:prSet/>
+      <dgm:spPr/>
+      <dgm:t>
+        <a:bodyPr/>
+        <a:lstStyle/>
+        <a:p>
+          <a:r>
+            <a:rPr lang="en-GB"/>
+            <a:t>for </a:t>
+          </a:r>
+          <a:r>
+            <a:rPr lang="en-GB" dirty="0"/>
+            <a:t>budget to work ratio</a:t>
+          </a:r>
+          <a:endParaRPr lang="fr-FR" dirty="0"/>
+        </a:p>
+      </dgm:t>
+    </dgm:pt>
+    <dgm:pt modelId="{E83CDBA8-38FD-40BC-8F7F-DB253B24463A}" type="parTrans" cxnId="{E7C7D1DF-070D-441A-9284-76DCE962AD8A}">
+      <dgm:prSet/>
+      <dgm:spPr/>
+      <dgm:t>
+        <a:bodyPr/>
+        <a:lstStyle/>
+        <a:p>
+          <a:endParaRPr lang="fr-FR"/>
+        </a:p>
+      </dgm:t>
+    </dgm:pt>
+    <dgm:pt modelId="{2468AA50-BAA4-412D-976F-E86F6C3A6C15}" type="sibTrans" cxnId="{E7C7D1DF-070D-441A-9284-76DCE962AD8A}">
+      <dgm:prSet/>
+      <dgm:spPr/>
+      <dgm:t>
+        <a:bodyPr/>
+        <a:lstStyle/>
+        <a:p>
+          <a:endParaRPr lang="fr-FR"/>
+        </a:p>
+      </dgm:t>
+    </dgm:pt>
+    <dgm:pt modelId="{CE16E362-0775-4612-8996-C1AF56F2BD7F}">
+      <dgm:prSet/>
+      <dgm:spPr/>
+      <dgm:t>
+        <a:bodyPr/>
+        <a:lstStyle/>
+        <a:p>
+          <a:r>
+            <a:rPr lang="en-GB" dirty="0"/>
+            <a:t>for payment/ID</a:t>
+          </a:r>
+          <a:endParaRPr lang="fr-FR" dirty="0"/>
+        </a:p>
+      </dgm:t>
+    </dgm:pt>
+    <dgm:pt modelId="{5A7D4868-0851-42F6-AE05-4D9648F927AC}" type="parTrans" cxnId="{FCA50C6C-F7DA-4415-BD77-C8EE11FC03D7}">
+      <dgm:prSet/>
+      <dgm:spPr/>
+      <dgm:t>
+        <a:bodyPr/>
+        <a:lstStyle/>
+        <a:p>
+          <a:endParaRPr lang="fr-FR"/>
+        </a:p>
+      </dgm:t>
+    </dgm:pt>
+    <dgm:pt modelId="{DC7AD0E7-F671-4D21-B51C-390EFB5FC9FD}" type="sibTrans" cxnId="{FCA50C6C-F7DA-4415-BD77-C8EE11FC03D7}">
+      <dgm:prSet/>
+      <dgm:spPr/>
+      <dgm:t>
+        <a:bodyPr/>
+        <a:lstStyle/>
+        <a:p>
+          <a:endParaRPr lang="fr-FR"/>
+        </a:p>
+      </dgm:t>
+    </dgm:pt>
+    <dgm:pt modelId="{CE27D942-1C2B-45A6-B11D-102CB7AC984B}" type="pres">
+      <dgm:prSet presAssocID="{480BFB1A-5604-4D44-9784-3B4A05BAD4FE}" presName="linear" presStyleCnt="0">
+        <dgm:presLayoutVars>
+          <dgm:animLvl val="lvl"/>
+          <dgm:resizeHandles val="exact"/>
+        </dgm:presLayoutVars>
+      </dgm:prSet>
+      <dgm:spPr/>
+    </dgm:pt>
+    <dgm:pt modelId="{C2A0F9C4-C43D-45F6-AB30-88050FBCA7CE}" type="pres">
+      <dgm:prSet presAssocID="{F30A3316-C30B-47AF-BB0B-6C745B973691}" presName="parentText" presStyleLbl="node1" presStyleIdx="0" presStyleCnt="4">
+        <dgm:presLayoutVars>
+          <dgm:chMax val="0"/>
+          <dgm:bulletEnabled val="1"/>
+        </dgm:presLayoutVars>
+      </dgm:prSet>
+      <dgm:spPr/>
+    </dgm:pt>
+    <dgm:pt modelId="{033E218B-E6C6-4533-9B58-F13C0EA03185}" type="pres">
+      <dgm:prSet presAssocID="{F30A3316-C30B-47AF-BB0B-6C745B973691}" presName="childText" presStyleLbl="revTx" presStyleIdx="0" presStyleCnt="3">
+        <dgm:presLayoutVars>
+          <dgm:bulletEnabled val="1"/>
+        </dgm:presLayoutVars>
+      </dgm:prSet>
+      <dgm:spPr/>
+    </dgm:pt>
+    <dgm:pt modelId="{C41F41BF-5FEB-40D8-B17C-5C0007C2BD4A}" type="pres">
+      <dgm:prSet presAssocID="{4EC9593F-E3FB-41EF-A876-1F30A1FAEC80}" presName="parentText" presStyleLbl="node1" presStyleIdx="1" presStyleCnt="4">
+        <dgm:presLayoutVars>
+          <dgm:chMax val="0"/>
+          <dgm:bulletEnabled val="1"/>
+        </dgm:presLayoutVars>
+      </dgm:prSet>
+      <dgm:spPr/>
+    </dgm:pt>
+    <dgm:pt modelId="{CFAD8029-A735-4DA3-9185-629CCA2DB568}" type="pres">
+      <dgm:prSet presAssocID="{7C32DD53-055F-4221-872D-624299631C55}" presName="spacer" presStyleCnt="0"/>
+      <dgm:spPr/>
+    </dgm:pt>
+    <dgm:pt modelId="{6353C555-0CAE-4DBB-B206-6E91E3240F37}" type="pres">
+      <dgm:prSet presAssocID="{D447C6FE-8C5A-428C-9700-91BF835ABD0E}" presName="parentText" presStyleLbl="node1" presStyleIdx="2" presStyleCnt="4">
+        <dgm:presLayoutVars>
+          <dgm:chMax val="0"/>
+          <dgm:bulletEnabled val="1"/>
+        </dgm:presLayoutVars>
+      </dgm:prSet>
+      <dgm:spPr/>
+    </dgm:pt>
+    <dgm:pt modelId="{7FF74AE6-0561-4B83-AE82-5C0153F61877}" type="pres">
+      <dgm:prSet presAssocID="{D447C6FE-8C5A-428C-9700-91BF835ABD0E}" presName="childText" presStyleLbl="revTx" presStyleIdx="1" presStyleCnt="3">
+        <dgm:presLayoutVars>
+          <dgm:bulletEnabled val="1"/>
+        </dgm:presLayoutVars>
+      </dgm:prSet>
+      <dgm:spPr/>
+    </dgm:pt>
+    <dgm:pt modelId="{CBB52A29-2E0B-45A1-A5E7-E3894D0AD932}" type="pres">
+      <dgm:prSet presAssocID="{65BF8F6A-4499-4B4D-B98C-4BDD51C2EF09}" presName="parentText" presStyleLbl="node1" presStyleIdx="3" presStyleCnt="4">
+        <dgm:presLayoutVars>
+          <dgm:chMax val="0"/>
+          <dgm:bulletEnabled val="1"/>
+        </dgm:presLayoutVars>
+      </dgm:prSet>
+      <dgm:spPr/>
+    </dgm:pt>
+    <dgm:pt modelId="{25C0FC2C-512F-4411-8CE4-569413B412C9}" type="pres">
+      <dgm:prSet presAssocID="{65BF8F6A-4499-4B4D-B98C-4BDD51C2EF09}" presName="childText" presStyleLbl="revTx" presStyleIdx="2" presStyleCnt="3">
+        <dgm:presLayoutVars>
+          <dgm:bulletEnabled val="1"/>
+        </dgm:presLayoutVars>
+      </dgm:prSet>
+      <dgm:spPr/>
+    </dgm:pt>
+  </dgm:ptLst>
+  <dgm:cxnLst>
+    <dgm:cxn modelId="{302CDE5B-D1BA-44A4-ADB9-1DF940AEC0E0}" type="presOf" srcId="{D447C6FE-8C5A-428C-9700-91BF835ABD0E}" destId="{6353C555-0CAE-4DBB-B206-6E91E3240F37}" srcOrd="0" destOrd="0" presId="urn:microsoft.com/office/officeart/2005/8/layout/vList2"/>
+    <dgm:cxn modelId="{BC45515D-7A17-4FD4-8FB2-DCA2712461D6}" srcId="{65BF8F6A-4499-4B4D-B98C-4BDD51C2EF09}" destId="{D599C40B-DF5B-450C-A29A-C4F1F21CE48D}" srcOrd="0" destOrd="0" parTransId="{553428AE-C731-497C-9665-23BDCFD9BB7F}" sibTransId="{ECEE46BC-4056-46BE-B9E7-DCD849132B35}"/>
+    <dgm:cxn modelId="{0A1F7043-D70A-458F-96DE-F0411C287DC4}" type="presOf" srcId="{4EC9593F-E3FB-41EF-A876-1F30A1FAEC80}" destId="{C41F41BF-5FEB-40D8-B17C-5C0007C2BD4A}" srcOrd="0" destOrd="0" presId="urn:microsoft.com/office/officeart/2005/8/layout/vList2"/>
+    <dgm:cxn modelId="{417E3466-5E53-48B9-9F4D-474C829B76D7}" type="presOf" srcId="{65BF8F6A-4499-4B4D-B98C-4BDD51C2EF09}" destId="{CBB52A29-2E0B-45A1-A5E7-E3894D0AD932}" srcOrd="0" destOrd="0" presId="urn:microsoft.com/office/officeart/2005/8/layout/vList2"/>
+    <dgm:cxn modelId="{50EE346A-740D-4BEA-BCF1-249C0D6BBD37}" type="presOf" srcId="{F840BB52-662C-415D-8509-5BAFC18846DD}" destId="{7FF74AE6-0561-4B83-AE82-5C0153F61877}" srcOrd="0" destOrd="0" presId="urn:microsoft.com/office/officeart/2005/8/layout/vList2"/>
+    <dgm:cxn modelId="{FCA50C6C-F7DA-4415-BD77-C8EE11FC03D7}" srcId="{F30A3316-C30B-47AF-BB0B-6C745B973691}" destId="{CE16E362-0775-4612-8996-C1AF56F2BD7F}" srcOrd="0" destOrd="0" parTransId="{5A7D4868-0851-42F6-AE05-4D9648F927AC}" sibTransId="{DC7AD0E7-F671-4D21-B51C-390EFB5FC9FD}"/>
+    <dgm:cxn modelId="{4E4CB64F-2691-4184-8974-49AFC7BD99AE}" type="presOf" srcId="{D599C40B-DF5B-450C-A29A-C4F1F21CE48D}" destId="{25C0FC2C-512F-4411-8CE4-569413B412C9}" srcOrd="0" destOrd="0" presId="urn:microsoft.com/office/officeart/2005/8/layout/vList2"/>
+    <dgm:cxn modelId="{BAFC1679-966A-433F-8838-C5CB98D377DE}" srcId="{480BFB1A-5604-4D44-9784-3B4A05BAD4FE}" destId="{D447C6FE-8C5A-428C-9700-91BF835ABD0E}" srcOrd="2" destOrd="0" parTransId="{0E02E522-DEA8-4DC3-9BCE-2180570BBF82}" sibTransId="{26682195-0C7D-4EDC-87E1-94BC4CAB11E6}"/>
+    <dgm:cxn modelId="{AFA81990-6181-44B3-98B5-C59678FEFFE8}" type="presOf" srcId="{F30A3316-C30B-47AF-BB0B-6C745B973691}" destId="{C2A0F9C4-C43D-45F6-AB30-88050FBCA7CE}" srcOrd="0" destOrd="0" presId="urn:microsoft.com/office/officeart/2005/8/layout/vList2"/>
+    <dgm:cxn modelId="{CF8C74B1-D478-4888-A784-E86E72EE08FC}" type="presOf" srcId="{480BFB1A-5604-4D44-9784-3B4A05BAD4FE}" destId="{CE27D942-1C2B-45A6-B11D-102CB7AC984B}" srcOrd="0" destOrd="0" presId="urn:microsoft.com/office/officeart/2005/8/layout/vList2"/>
+    <dgm:cxn modelId="{A12415B4-278A-4D0D-B317-6BBA553B1D5D}" srcId="{480BFB1A-5604-4D44-9784-3B4A05BAD4FE}" destId="{4EC9593F-E3FB-41EF-A876-1F30A1FAEC80}" srcOrd="1" destOrd="0" parTransId="{BCFA126D-783D-45A2-BC83-8C3369A59ED1}" sibTransId="{7C32DD53-055F-4221-872D-624299631C55}"/>
+    <dgm:cxn modelId="{19095DCB-D50F-45C8-9A6C-A7BD4DA4852E}" srcId="{480BFB1A-5604-4D44-9784-3B4A05BAD4FE}" destId="{65BF8F6A-4499-4B4D-B98C-4BDD51C2EF09}" srcOrd="3" destOrd="0" parTransId="{F0423864-53F3-46A9-BEC8-28C91B2AE6E1}" sibTransId="{83DCB838-5506-450A-B0BC-C0E2A1563633}"/>
+    <dgm:cxn modelId="{1190B5D7-60C7-4EE1-9154-23CC70B14348}" type="presOf" srcId="{CE16E362-0775-4612-8996-C1AF56F2BD7F}" destId="{033E218B-E6C6-4533-9B58-F13C0EA03185}" srcOrd="0" destOrd="0" presId="urn:microsoft.com/office/officeart/2005/8/layout/vList2"/>
+    <dgm:cxn modelId="{E7C7D1DF-070D-441A-9284-76DCE962AD8A}" srcId="{D447C6FE-8C5A-428C-9700-91BF835ABD0E}" destId="{F840BB52-662C-415D-8509-5BAFC18846DD}" srcOrd="0" destOrd="0" parTransId="{E83CDBA8-38FD-40BC-8F7F-DB253B24463A}" sibTransId="{2468AA50-BAA4-412D-976F-E86F6C3A6C15}"/>
+    <dgm:cxn modelId="{5D7D0EE3-2724-4DDE-8BC8-99221274AE56}" srcId="{480BFB1A-5604-4D44-9784-3B4A05BAD4FE}" destId="{F30A3316-C30B-47AF-BB0B-6C745B973691}" srcOrd="0" destOrd="0" parTransId="{E4BE0B48-C68F-4795-8C45-B6714360A753}" sibTransId="{87756461-AA6D-42BA-969F-BCD51FD30335}"/>
+    <dgm:cxn modelId="{B2171FA7-8884-4290-A899-34451B7B4B35}" type="presParOf" srcId="{CE27D942-1C2B-45A6-B11D-102CB7AC984B}" destId="{C2A0F9C4-C43D-45F6-AB30-88050FBCA7CE}" srcOrd="0" destOrd="0" presId="urn:microsoft.com/office/officeart/2005/8/layout/vList2"/>
+    <dgm:cxn modelId="{2CACB50D-A2DE-4639-8237-659B4BAA4C58}" type="presParOf" srcId="{CE27D942-1C2B-45A6-B11D-102CB7AC984B}" destId="{033E218B-E6C6-4533-9B58-F13C0EA03185}" srcOrd="1" destOrd="0" presId="urn:microsoft.com/office/officeart/2005/8/layout/vList2"/>
+    <dgm:cxn modelId="{17EE1A9F-B7D1-4EAC-BBFD-DD2AEFA6139F}" type="presParOf" srcId="{CE27D942-1C2B-45A6-B11D-102CB7AC984B}" destId="{C41F41BF-5FEB-40D8-B17C-5C0007C2BD4A}" srcOrd="2" destOrd="0" presId="urn:microsoft.com/office/officeart/2005/8/layout/vList2"/>
+    <dgm:cxn modelId="{D004945F-5C7A-4A0A-A17E-88CBF76D48D4}" type="presParOf" srcId="{CE27D942-1C2B-45A6-B11D-102CB7AC984B}" destId="{CFAD8029-A735-4DA3-9185-629CCA2DB568}" srcOrd="3" destOrd="0" presId="urn:microsoft.com/office/officeart/2005/8/layout/vList2"/>
+    <dgm:cxn modelId="{A5F8F8A6-BBB8-41AD-B3E3-895010DBCB59}" type="presParOf" srcId="{CE27D942-1C2B-45A6-B11D-102CB7AC984B}" destId="{6353C555-0CAE-4DBB-B206-6E91E3240F37}" srcOrd="4" destOrd="0" presId="urn:microsoft.com/office/officeart/2005/8/layout/vList2"/>
+    <dgm:cxn modelId="{3024C4F3-D2DD-458D-93DD-21D6B93CD98D}" type="presParOf" srcId="{CE27D942-1C2B-45A6-B11D-102CB7AC984B}" destId="{7FF74AE6-0561-4B83-AE82-5C0153F61877}" srcOrd="5" destOrd="0" presId="urn:microsoft.com/office/officeart/2005/8/layout/vList2"/>
+    <dgm:cxn modelId="{7330CFCC-6ACB-4904-A308-AD366EB4390B}" type="presParOf" srcId="{CE27D942-1C2B-45A6-B11D-102CB7AC984B}" destId="{CBB52A29-2E0B-45A1-A5E7-E3894D0AD932}" srcOrd="6" destOrd="0" presId="urn:microsoft.com/office/officeart/2005/8/layout/vList2"/>
+    <dgm:cxn modelId="{1149C941-67F5-4AD1-A3E6-652E580E27BD}" type="presParOf" srcId="{CE27D942-1C2B-45A6-B11D-102CB7AC984B}" destId="{25C0FC2C-512F-4411-8CE4-569413B412C9}" srcOrd="7" destOrd="0" presId="urn:microsoft.com/office/officeart/2005/8/layout/vList2"/>
   </dgm:cxnLst>
   <dgm:bg/>
   <dgm:whole/>
@@ -16092,334 +16190,7 @@
         <a:p>
           <a:r>
             <a:rPr lang="en-GB" dirty="0"/>
-            <a:t>You receive 50 connect tokens upon registration with Upwork </a:t>
-          </a:r>
-          <a:endParaRPr lang="fr-FR" dirty="0"/>
-        </a:p>
-      </dgm:t>
-    </dgm:pt>
-    <dgm:pt modelId="{9CC99665-AB75-4746-9F60-3DBC4CC8BD8E}" type="parTrans" cxnId="{257588C6-8287-44AF-AE3F-5772AA8050FF}">
-      <dgm:prSet/>
-      <dgm:spPr/>
-      <dgm:t>
-        <a:bodyPr/>
-        <a:lstStyle/>
-        <a:p>
-          <a:endParaRPr lang="fr-FR"/>
-        </a:p>
-      </dgm:t>
-    </dgm:pt>
-    <dgm:pt modelId="{9907A63D-D4BF-4272-806B-ACBB8F3A9F1B}" type="sibTrans" cxnId="{257588C6-8287-44AF-AE3F-5772AA8050FF}">
-      <dgm:prSet/>
-      <dgm:spPr/>
-      <dgm:t>
-        <a:bodyPr/>
-        <a:lstStyle/>
-        <a:p>
-          <a:endParaRPr lang="fr-FR"/>
-        </a:p>
-      </dgm:t>
-    </dgm:pt>
-    <dgm:pt modelId="{32443C85-D778-4BA2-90AF-9931DCDE9282}">
-      <dgm:prSet/>
-      <dgm:spPr/>
-      <dgm:t>
-        <a:bodyPr/>
-        <a:lstStyle/>
-        <a:p>
-          <a:r>
-            <a:rPr lang="en-GB" dirty="0"/>
-            <a:t>Used for bidding on projects – projects require 8 tokens per bid on average</a:t>
-          </a:r>
-          <a:endParaRPr lang="fr-FR" dirty="0"/>
-        </a:p>
-      </dgm:t>
-    </dgm:pt>
-    <dgm:pt modelId="{3B9E61EA-7908-445C-BC73-CE00236F27DF}" type="parTrans" cxnId="{E0BA2988-8640-4D4E-BB10-81E580D6CFCF}">
-      <dgm:prSet/>
-      <dgm:spPr/>
-      <dgm:t>
-        <a:bodyPr/>
-        <a:lstStyle/>
-        <a:p>
-          <a:endParaRPr lang="fr-FR"/>
-        </a:p>
-      </dgm:t>
-    </dgm:pt>
-    <dgm:pt modelId="{936DB43F-5B08-415D-BA64-826EFFBAEF87}" type="sibTrans" cxnId="{E0BA2988-8640-4D4E-BB10-81E580D6CFCF}">
-      <dgm:prSet/>
-      <dgm:spPr/>
-      <dgm:t>
-        <a:bodyPr/>
-        <a:lstStyle/>
-        <a:p>
-          <a:endParaRPr lang="fr-FR"/>
-        </a:p>
-      </dgm:t>
-    </dgm:pt>
-    <dgm:pt modelId="{6C578799-8991-498D-925F-E47DDF063108}">
-      <dgm:prSet/>
-      <dgm:spPr/>
-      <dgm:t>
-        <a:bodyPr/>
-        <a:lstStyle/>
-        <a:p>
-          <a:r>
-            <a:rPr lang="en-GB" dirty="0"/>
-            <a:t>Can bid on 6 projects in first month with free tokens</a:t>
-          </a:r>
-          <a:endParaRPr lang="fr-FR" dirty="0"/>
-        </a:p>
-      </dgm:t>
-    </dgm:pt>
-    <dgm:pt modelId="{9840B956-8C97-4C87-B033-AE6A4D8F0AA0}" type="parTrans" cxnId="{FFF0859A-0295-42F5-91EC-86984B3886FA}">
-      <dgm:prSet/>
-      <dgm:spPr/>
-      <dgm:t>
-        <a:bodyPr/>
-        <a:lstStyle/>
-        <a:p>
-          <a:endParaRPr lang="fr-FR"/>
-        </a:p>
-      </dgm:t>
-    </dgm:pt>
-    <dgm:pt modelId="{6A67B63E-F92D-444C-9F97-A9CB39BC0DFD}" type="sibTrans" cxnId="{FFF0859A-0295-42F5-91EC-86984B3886FA}">
-      <dgm:prSet/>
-      <dgm:spPr/>
-      <dgm:t>
-        <a:bodyPr/>
-        <a:lstStyle/>
-        <a:p>
-          <a:endParaRPr lang="fr-FR"/>
-        </a:p>
-      </dgm:t>
-    </dgm:pt>
-    <dgm:pt modelId="{C185A160-6CA8-4363-B7BA-1BF3B03419D9}">
-      <dgm:prSet/>
-      <dgm:spPr/>
-      <dgm:t>
-        <a:bodyPr/>
-        <a:lstStyle/>
-        <a:p>
-          <a:r>
-            <a:rPr lang="en-GB" dirty="0"/>
-            <a:t>10 Connect token = Rs 66 </a:t>
-          </a:r>
-          <a:endParaRPr lang="fr-FR" dirty="0"/>
-        </a:p>
-      </dgm:t>
-    </dgm:pt>
-    <dgm:pt modelId="{8F5F0CAD-5723-4121-B4CA-AE03C7AE9EA4}" type="parTrans" cxnId="{D347AFA4-39D1-43A4-B7F1-45BE9A35D628}">
-      <dgm:prSet/>
-      <dgm:spPr/>
-      <dgm:t>
-        <a:bodyPr/>
-        <a:lstStyle/>
-        <a:p>
-          <a:endParaRPr lang="fr-FR"/>
-        </a:p>
-      </dgm:t>
-    </dgm:pt>
-    <dgm:pt modelId="{83B1AD18-7A19-4F42-977F-8E869B635C0B}" type="sibTrans" cxnId="{D347AFA4-39D1-43A4-B7F1-45BE9A35D628}">
-      <dgm:prSet/>
-      <dgm:spPr/>
-      <dgm:t>
-        <a:bodyPr/>
-        <a:lstStyle/>
-        <a:p>
-          <a:endParaRPr lang="fr-FR"/>
-        </a:p>
-      </dgm:t>
-    </dgm:pt>
-    <dgm:pt modelId="{F9E2A5B0-9DB4-4944-B485-C76225CF1A71}">
-      <dgm:prSet/>
-      <dgm:spPr/>
-      <dgm:t>
-        <a:bodyPr/>
-        <a:lstStyle/>
-        <a:p>
-          <a:r>
-            <a:rPr lang="en-GB" dirty="0"/>
-            <a:t>1 bid = Rs 66</a:t>
-          </a:r>
-          <a:endParaRPr lang="fr-FR" dirty="0"/>
-        </a:p>
-      </dgm:t>
-    </dgm:pt>
-    <dgm:pt modelId="{D3F3C35A-7862-429F-8E90-22295038D670}" type="parTrans" cxnId="{40EF8B84-CBA2-48AD-A6B7-CBB4204F71F8}">
-      <dgm:prSet/>
-      <dgm:spPr/>
-      <dgm:t>
-        <a:bodyPr/>
-        <a:lstStyle/>
-        <a:p>
-          <a:endParaRPr lang="fr-FR"/>
-        </a:p>
-      </dgm:t>
-    </dgm:pt>
-    <dgm:pt modelId="{E823099F-D8A8-4681-83A0-583BB6841E2F}" type="sibTrans" cxnId="{40EF8B84-CBA2-48AD-A6B7-CBB4204F71F8}">
-      <dgm:prSet/>
-      <dgm:spPr/>
-      <dgm:t>
-        <a:bodyPr/>
-        <a:lstStyle/>
-        <a:p>
-          <a:endParaRPr lang="fr-FR"/>
-        </a:p>
-      </dgm:t>
-    </dgm:pt>
-    <dgm:pt modelId="{E746380D-CDED-410D-9270-665B8D1602CC}">
-      <dgm:prSet/>
-      <dgm:spPr/>
-      <dgm:t>
-        <a:bodyPr/>
-        <a:lstStyle/>
-        <a:p>
-          <a:r>
-            <a:rPr lang="en-GB" dirty="0"/>
-            <a:t>Connect tokens last 1 year</a:t>
-          </a:r>
-          <a:endParaRPr lang="fr-FR" dirty="0"/>
-        </a:p>
-      </dgm:t>
-    </dgm:pt>
-    <dgm:pt modelId="{0EE3BF53-370C-4E01-B33E-669E214F69D9}" type="parTrans" cxnId="{4D19CEC9-F11F-42D6-81FA-B06BFC85BAC8}">
-      <dgm:prSet/>
-      <dgm:spPr/>
-      <dgm:t>
-        <a:bodyPr/>
-        <a:lstStyle/>
-        <a:p>
-          <a:endParaRPr lang="fr-FR"/>
-        </a:p>
-      </dgm:t>
-    </dgm:pt>
-    <dgm:pt modelId="{043352A2-3B3F-443F-B16A-01169A65EFB0}" type="sibTrans" cxnId="{4D19CEC9-F11F-42D6-81FA-B06BFC85BAC8}">
-      <dgm:prSet/>
-      <dgm:spPr/>
-      <dgm:t>
-        <a:bodyPr/>
-        <a:lstStyle/>
-        <a:p>
-          <a:endParaRPr lang="fr-FR"/>
-        </a:p>
-      </dgm:t>
-    </dgm:pt>
-    <dgm:pt modelId="{CE27D942-1C2B-45A6-B11D-102CB7AC984B}" type="pres">
-      <dgm:prSet presAssocID="{480BFB1A-5604-4D44-9784-3B4A05BAD4FE}" presName="linear" presStyleCnt="0">
-        <dgm:presLayoutVars>
-          <dgm:animLvl val="lvl"/>
-          <dgm:resizeHandles val="exact"/>
-        </dgm:presLayoutVars>
-      </dgm:prSet>
-      <dgm:spPr/>
-    </dgm:pt>
-    <dgm:pt modelId="{97801DC3-E45E-4407-8380-1A527E95FBFB}" type="pres">
-      <dgm:prSet presAssocID="{3F698109-40CA-46C6-B5E2-421899D776D1}" presName="parentText" presStyleLbl="node1" presStyleIdx="0" presStyleCnt="3">
-        <dgm:presLayoutVars>
-          <dgm:chMax val="0"/>
-          <dgm:bulletEnabled val="1"/>
-        </dgm:presLayoutVars>
-      </dgm:prSet>
-      <dgm:spPr/>
-    </dgm:pt>
-    <dgm:pt modelId="{24D76D80-A5A0-458C-81D5-C6551B28A914}" type="pres">
-      <dgm:prSet presAssocID="{3F698109-40CA-46C6-B5E2-421899D776D1}" presName="childText" presStyleLbl="revTx" presStyleIdx="0" presStyleCnt="2">
-        <dgm:presLayoutVars>
-          <dgm:bulletEnabled val="1"/>
-        </dgm:presLayoutVars>
-      </dgm:prSet>
-      <dgm:spPr/>
-    </dgm:pt>
-    <dgm:pt modelId="{B9E5B0A1-339E-4F78-A82D-50EC62F48454}" type="pres">
-      <dgm:prSet presAssocID="{C185A160-6CA8-4363-B7BA-1BF3B03419D9}" presName="parentText" presStyleLbl="node1" presStyleIdx="1" presStyleCnt="3">
-        <dgm:presLayoutVars>
-          <dgm:chMax val="0"/>
-          <dgm:bulletEnabled val="1"/>
-        </dgm:presLayoutVars>
-      </dgm:prSet>
-      <dgm:spPr/>
-    </dgm:pt>
-    <dgm:pt modelId="{FDA67E1B-BCA9-4192-8BB7-4CC2CA504109}" type="pres">
-      <dgm:prSet presAssocID="{C185A160-6CA8-4363-B7BA-1BF3B03419D9}" presName="childText" presStyleLbl="revTx" presStyleIdx="1" presStyleCnt="2">
-        <dgm:presLayoutVars>
-          <dgm:bulletEnabled val="1"/>
-        </dgm:presLayoutVars>
-      </dgm:prSet>
-      <dgm:spPr/>
-    </dgm:pt>
-    <dgm:pt modelId="{07F4A808-2C8B-4C54-8E7F-3EEBEB0823F5}" type="pres">
-      <dgm:prSet presAssocID="{E746380D-CDED-410D-9270-665B8D1602CC}" presName="parentText" presStyleLbl="node1" presStyleIdx="2" presStyleCnt="3">
-        <dgm:presLayoutVars>
-          <dgm:chMax val="0"/>
-          <dgm:bulletEnabled val="1"/>
-        </dgm:presLayoutVars>
-      </dgm:prSet>
-      <dgm:spPr/>
-    </dgm:pt>
-  </dgm:ptLst>
-  <dgm:cxnLst>
-    <dgm:cxn modelId="{27846803-00DA-48FC-9A12-BBCA8B4206E6}" type="presOf" srcId="{6C578799-8991-498D-925F-E47DDF063108}" destId="{24D76D80-A5A0-458C-81D5-C6551B28A914}" srcOrd="0" destOrd="1" presId="urn:microsoft.com/office/officeart/2005/8/layout/vList2"/>
-    <dgm:cxn modelId="{531BAD64-FCBF-4EBA-94AC-365F05301CE3}" type="presOf" srcId="{3F698109-40CA-46C6-B5E2-421899D776D1}" destId="{97801DC3-E45E-4407-8380-1A527E95FBFB}" srcOrd="0" destOrd="0" presId="urn:microsoft.com/office/officeart/2005/8/layout/vList2"/>
-    <dgm:cxn modelId="{4363836E-4093-4E9F-B971-815EB15DD21B}" type="presOf" srcId="{C185A160-6CA8-4363-B7BA-1BF3B03419D9}" destId="{B9E5B0A1-339E-4F78-A82D-50EC62F48454}" srcOrd="0" destOrd="0" presId="urn:microsoft.com/office/officeart/2005/8/layout/vList2"/>
-    <dgm:cxn modelId="{40EF8B84-CBA2-48AD-A6B7-CBB4204F71F8}" srcId="{C185A160-6CA8-4363-B7BA-1BF3B03419D9}" destId="{F9E2A5B0-9DB4-4944-B485-C76225CF1A71}" srcOrd="0" destOrd="0" parTransId="{D3F3C35A-7862-429F-8E90-22295038D670}" sibTransId="{E823099F-D8A8-4681-83A0-583BB6841E2F}"/>
-    <dgm:cxn modelId="{E0BA2988-8640-4D4E-BB10-81E580D6CFCF}" srcId="{3F698109-40CA-46C6-B5E2-421899D776D1}" destId="{32443C85-D778-4BA2-90AF-9931DCDE9282}" srcOrd="0" destOrd="0" parTransId="{3B9E61EA-7908-445C-BC73-CE00236F27DF}" sibTransId="{936DB43F-5B08-415D-BA64-826EFFBAEF87}"/>
-    <dgm:cxn modelId="{FFF0859A-0295-42F5-91EC-86984B3886FA}" srcId="{32443C85-D778-4BA2-90AF-9931DCDE9282}" destId="{6C578799-8991-498D-925F-E47DDF063108}" srcOrd="0" destOrd="0" parTransId="{9840B956-8C97-4C87-B033-AE6A4D8F0AA0}" sibTransId="{6A67B63E-F92D-444C-9F97-A9CB39BC0DFD}"/>
-    <dgm:cxn modelId="{D347AFA4-39D1-43A4-B7F1-45BE9A35D628}" srcId="{480BFB1A-5604-4D44-9784-3B4A05BAD4FE}" destId="{C185A160-6CA8-4363-B7BA-1BF3B03419D9}" srcOrd="1" destOrd="0" parTransId="{8F5F0CAD-5723-4121-B4CA-AE03C7AE9EA4}" sibTransId="{83B1AD18-7A19-4F42-977F-8E869B635C0B}"/>
-    <dgm:cxn modelId="{EB46E5A9-C6C2-4C2F-93E7-767F5404F777}" type="presOf" srcId="{F9E2A5B0-9DB4-4944-B485-C76225CF1A71}" destId="{FDA67E1B-BCA9-4192-8BB7-4CC2CA504109}" srcOrd="0" destOrd="0" presId="urn:microsoft.com/office/officeart/2005/8/layout/vList2"/>
-    <dgm:cxn modelId="{CF8C74B1-D478-4888-A784-E86E72EE08FC}" type="presOf" srcId="{480BFB1A-5604-4D44-9784-3B4A05BAD4FE}" destId="{CE27D942-1C2B-45A6-B11D-102CB7AC984B}" srcOrd="0" destOrd="0" presId="urn:microsoft.com/office/officeart/2005/8/layout/vList2"/>
-    <dgm:cxn modelId="{F7B018BA-EF26-4583-8830-728AF4ECB468}" type="presOf" srcId="{32443C85-D778-4BA2-90AF-9931DCDE9282}" destId="{24D76D80-A5A0-458C-81D5-C6551B28A914}" srcOrd="0" destOrd="0" presId="urn:microsoft.com/office/officeart/2005/8/layout/vList2"/>
-    <dgm:cxn modelId="{257588C6-8287-44AF-AE3F-5772AA8050FF}" srcId="{480BFB1A-5604-4D44-9784-3B4A05BAD4FE}" destId="{3F698109-40CA-46C6-B5E2-421899D776D1}" srcOrd="0" destOrd="0" parTransId="{9CC99665-AB75-4746-9F60-3DBC4CC8BD8E}" sibTransId="{9907A63D-D4BF-4272-806B-ACBB8F3A9F1B}"/>
-    <dgm:cxn modelId="{4D19CEC9-F11F-42D6-81FA-B06BFC85BAC8}" srcId="{480BFB1A-5604-4D44-9784-3B4A05BAD4FE}" destId="{E746380D-CDED-410D-9270-665B8D1602CC}" srcOrd="2" destOrd="0" parTransId="{0EE3BF53-370C-4E01-B33E-669E214F69D9}" sibTransId="{043352A2-3B3F-443F-B16A-01169A65EFB0}"/>
-    <dgm:cxn modelId="{F893E0EB-4B0C-4FAF-BDB0-E96EFB6D83D8}" type="presOf" srcId="{E746380D-CDED-410D-9270-665B8D1602CC}" destId="{07F4A808-2C8B-4C54-8E7F-3EEBEB0823F5}" srcOrd="0" destOrd="0" presId="urn:microsoft.com/office/officeart/2005/8/layout/vList2"/>
-    <dgm:cxn modelId="{F8F2C54C-9720-4D5E-9390-B940B915414B}" type="presParOf" srcId="{CE27D942-1C2B-45A6-B11D-102CB7AC984B}" destId="{97801DC3-E45E-4407-8380-1A527E95FBFB}" srcOrd="0" destOrd="0" presId="urn:microsoft.com/office/officeart/2005/8/layout/vList2"/>
-    <dgm:cxn modelId="{ECAD6365-C19D-4BF6-8356-BB94FA36C638}" type="presParOf" srcId="{CE27D942-1C2B-45A6-B11D-102CB7AC984B}" destId="{24D76D80-A5A0-458C-81D5-C6551B28A914}" srcOrd="1" destOrd="0" presId="urn:microsoft.com/office/officeart/2005/8/layout/vList2"/>
-    <dgm:cxn modelId="{953FEBC2-2487-4A82-AA5B-04F024712D95}" type="presParOf" srcId="{CE27D942-1C2B-45A6-B11D-102CB7AC984B}" destId="{B9E5B0A1-339E-4F78-A82D-50EC62F48454}" srcOrd="2" destOrd="0" presId="urn:microsoft.com/office/officeart/2005/8/layout/vList2"/>
-    <dgm:cxn modelId="{4C923EB8-028A-44BD-A23C-FC037352AA11}" type="presParOf" srcId="{CE27D942-1C2B-45A6-B11D-102CB7AC984B}" destId="{FDA67E1B-BCA9-4192-8BB7-4CC2CA504109}" srcOrd="3" destOrd="0" presId="urn:microsoft.com/office/officeart/2005/8/layout/vList2"/>
-    <dgm:cxn modelId="{BC4A7D41-15BD-413D-B8B9-191764199390}" type="presParOf" srcId="{CE27D942-1C2B-45A6-B11D-102CB7AC984B}" destId="{07F4A808-2C8B-4C54-8E7F-3EEBEB0823F5}" srcOrd="4" destOrd="0" presId="urn:microsoft.com/office/officeart/2005/8/layout/vList2"/>
-  </dgm:cxnLst>
-  <dgm:bg/>
-  <dgm:whole/>
-  <dgm:extLst>
-    <a:ext uri="http://schemas.microsoft.com/office/drawing/2008/diagram">
-      <dsp:dataModelExt xmlns:dsp="http://schemas.microsoft.com/office/drawing/2008/diagram" relId="rId6" minVer="http://schemas.openxmlformats.org/drawingml/2006/diagram"/>
-    </a:ext>
-  </dgm:extLst>
-</dgm:dataModel>
-</file>
-
-<file path=ppt/diagrams/data9.xml><?xml version="1.0" encoding="utf-8"?>
-<dgm:dataModel xmlns:dgm="http://schemas.openxmlformats.org/drawingml/2006/diagram" xmlns:a="http://schemas.openxmlformats.org/drawingml/2006/main">
-  <dgm:ptLst>
-    <dgm:pt modelId="{480BFB1A-5604-4D44-9784-3B4A05BAD4FE}" type="doc">
-      <dgm:prSet loTypeId="urn:microsoft.com/office/officeart/2005/8/layout/vList2" loCatId="list" qsTypeId="urn:microsoft.com/office/officeart/2005/8/quickstyle/simple1" qsCatId="simple" csTypeId="urn:microsoft.com/office/officeart/2005/8/colors/accent1_2" csCatId="accent1" phldr="1"/>
-      <dgm:spPr/>
-      <dgm:t>
-        <a:bodyPr/>
-        <a:lstStyle/>
-        <a:p>
-          <a:endParaRPr lang="fr-FR"/>
-        </a:p>
-      </dgm:t>
-    </dgm:pt>
-    <dgm:pt modelId="{3F698109-40CA-46C6-B5E2-421899D776D1}">
-      <dgm:prSet/>
-      <dgm:spPr/>
-      <dgm:t>
-        <a:bodyPr/>
-        <a:lstStyle/>
-        <a:p>
-          <a:r>
-            <a:rPr lang="en-GB" dirty="0"/>
-            <a:t>Your </a:t>
-          </a:r>
-          <a:r>
-            <a:rPr lang="en-GB" dirty="0" err="1"/>
-            <a:t>upwork</a:t>
-          </a:r>
-          <a:r>
-            <a:rPr lang="en-GB" dirty="0"/>
-            <a:t> profile skills and title need to match your bid</a:t>
+            <a:t>Your Upwork profile skills and title need to match your bid</a:t>
           </a:r>
           <a:endParaRPr lang="fr-FR" dirty="0"/>
         </a:p>
@@ -16558,6 +16329,80 @@
         </a:p>
       </dgm:t>
     </dgm:pt>
+    <dgm:pt modelId="{094AA3F0-4484-4E3C-8AE3-9D1BF2A39382}">
+      <dgm:prSet/>
+      <dgm:spPr/>
+      <dgm:t>
+        <a:bodyPr/>
+        <a:lstStyle/>
+        <a:p>
+          <a:r>
+            <a:rPr lang="en-GB" dirty="0"/>
+            <a:t>Add a profile video based on your CV</a:t>
+          </a:r>
+          <a:endParaRPr lang="fr-FR" dirty="0"/>
+        </a:p>
+      </dgm:t>
+    </dgm:pt>
+    <dgm:pt modelId="{0D5B5D64-BE30-4052-9ABC-5EE9110B14D2}" type="parTrans" cxnId="{E09AA9D6-E426-41D8-BBE7-3C163817EFEA}">
+      <dgm:prSet/>
+      <dgm:spPr/>
+      <dgm:t>
+        <a:bodyPr/>
+        <a:lstStyle/>
+        <a:p>
+          <a:endParaRPr lang="fr-FR"/>
+        </a:p>
+      </dgm:t>
+    </dgm:pt>
+    <dgm:pt modelId="{9471EC01-F4B6-4B30-B61F-0EB4DD36525E}" type="sibTrans" cxnId="{E09AA9D6-E426-41D8-BBE7-3C163817EFEA}">
+      <dgm:prSet/>
+      <dgm:spPr/>
+      <dgm:t>
+        <a:bodyPr/>
+        <a:lstStyle/>
+        <a:p>
+          <a:endParaRPr lang="fr-FR"/>
+        </a:p>
+      </dgm:t>
+    </dgm:pt>
+    <dgm:pt modelId="{4F7054E3-F5D4-4AE3-B6D2-4E95DF06A63C}">
+      <dgm:prSet/>
+      <dgm:spPr/>
+      <dgm:t>
+        <a:bodyPr/>
+        <a:lstStyle/>
+        <a:p>
+          <a:r>
+            <a:rPr lang="en-GB" dirty="0"/>
+            <a:t>Be ID verified</a:t>
+          </a:r>
+          <a:endParaRPr lang="fr-FR" dirty="0"/>
+        </a:p>
+      </dgm:t>
+    </dgm:pt>
+    <dgm:pt modelId="{1F2E9468-728A-4F90-8512-C03FDF89EFA4}" type="parTrans" cxnId="{DD1666A1-5B44-43DA-9335-F1477D9A6D39}">
+      <dgm:prSet/>
+      <dgm:spPr/>
+      <dgm:t>
+        <a:bodyPr/>
+        <a:lstStyle/>
+        <a:p>
+          <a:endParaRPr lang="fr-FR"/>
+        </a:p>
+      </dgm:t>
+    </dgm:pt>
+    <dgm:pt modelId="{C96143E0-1A43-41B8-B520-1A17AF68BE89}" type="sibTrans" cxnId="{DD1666A1-5B44-43DA-9335-F1477D9A6D39}">
+      <dgm:prSet/>
+      <dgm:spPr/>
+      <dgm:t>
+        <a:bodyPr/>
+        <a:lstStyle/>
+        <a:p>
+          <a:endParaRPr lang="fr-FR"/>
+        </a:p>
+      </dgm:t>
+    </dgm:pt>
     <dgm:pt modelId="{CE27D942-1C2B-45A6-B11D-102CB7AC984B}" type="pres">
       <dgm:prSet presAssocID="{480BFB1A-5604-4D44-9784-3B4A05BAD4FE}" presName="linear" presStyleCnt="0">
         <dgm:presLayoutVars>
@@ -16568,7 +16413,7 @@
       <dgm:spPr/>
     </dgm:pt>
     <dgm:pt modelId="{97801DC3-E45E-4407-8380-1A527E95FBFB}" type="pres">
-      <dgm:prSet presAssocID="{3F698109-40CA-46C6-B5E2-421899D776D1}" presName="parentText" presStyleLbl="node1" presStyleIdx="0" presStyleCnt="3">
+      <dgm:prSet presAssocID="{3F698109-40CA-46C6-B5E2-421899D776D1}" presName="parentText" presStyleLbl="node1" presStyleIdx="0" presStyleCnt="5">
         <dgm:presLayoutVars>
           <dgm:chMax val="0"/>
           <dgm:bulletEnabled val="1"/>
@@ -16585,7 +16430,7 @@
       <dgm:spPr/>
     </dgm:pt>
     <dgm:pt modelId="{8DAB8565-8E6D-4A5B-9379-7729D0A5812E}" type="pres">
-      <dgm:prSet presAssocID="{148D1234-1FD8-4B1D-8A34-7E20435D2439}" presName="parentText" presStyleLbl="node1" presStyleIdx="1" presStyleCnt="3">
+      <dgm:prSet presAssocID="{148D1234-1FD8-4B1D-8A34-7E20435D2439}" presName="parentText" presStyleLbl="node1" presStyleIdx="1" presStyleCnt="5">
         <dgm:presLayoutVars>
           <dgm:chMax val="0"/>
           <dgm:bulletEnabled val="1"/>
@@ -16598,7 +16443,33 @@
       <dgm:spPr/>
     </dgm:pt>
     <dgm:pt modelId="{554DF69B-60AF-44C3-A0C6-DC70B57CF0EF}" type="pres">
-      <dgm:prSet presAssocID="{6AC950A3-82F5-460D-A534-E08AEDE387FE}" presName="parentText" presStyleLbl="node1" presStyleIdx="2" presStyleCnt="3">
+      <dgm:prSet presAssocID="{6AC950A3-82F5-460D-A534-E08AEDE387FE}" presName="parentText" presStyleLbl="node1" presStyleIdx="2" presStyleCnt="5">
+        <dgm:presLayoutVars>
+          <dgm:chMax val="0"/>
+          <dgm:bulletEnabled val="1"/>
+        </dgm:presLayoutVars>
+      </dgm:prSet>
+      <dgm:spPr/>
+    </dgm:pt>
+    <dgm:pt modelId="{836BDA39-A917-4960-865A-31C259B26934}" type="pres">
+      <dgm:prSet presAssocID="{24A87C45-A692-4344-AEED-E62FE8BFC698}" presName="spacer" presStyleCnt="0"/>
+      <dgm:spPr/>
+    </dgm:pt>
+    <dgm:pt modelId="{221B786C-59EC-4569-9511-7A4C9AE7E17C}" type="pres">
+      <dgm:prSet presAssocID="{094AA3F0-4484-4E3C-8AE3-9D1BF2A39382}" presName="parentText" presStyleLbl="node1" presStyleIdx="3" presStyleCnt="5">
+        <dgm:presLayoutVars>
+          <dgm:chMax val="0"/>
+          <dgm:bulletEnabled val="1"/>
+        </dgm:presLayoutVars>
+      </dgm:prSet>
+      <dgm:spPr/>
+    </dgm:pt>
+    <dgm:pt modelId="{2C19EBB7-2F28-48CF-AE1F-FE70963A3BC9}" type="pres">
+      <dgm:prSet presAssocID="{9471EC01-F4B6-4B30-B61F-0EB4DD36525E}" presName="spacer" presStyleCnt="0"/>
+      <dgm:spPr/>
+    </dgm:pt>
+    <dgm:pt modelId="{A7BD2DFC-DC29-4E9F-82A8-69D1B55150C9}" type="pres">
+      <dgm:prSet presAssocID="{4F7054E3-F5D4-4AE3-B6D2-4E95DF06A63C}" presName="parentText" presStyleLbl="node1" presStyleIdx="4" presStyleCnt="5">
         <dgm:presLayoutVars>
           <dgm:chMax val="0"/>
           <dgm:bulletEnabled val="1"/>
@@ -16612,16 +16483,302 @@
     <dgm:cxn modelId="{61CEAF33-2D42-4011-8E62-2BBD711A9439}" srcId="{480BFB1A-5604-4D44-9784-3B4A05BAD4FE}" destId="{6AC950A3-82F5-460D-A534-E08AEDE387FE}" srcOrd="2" destOrd="0" parTransId="{6CFC10DB-C16B-4836-88AD-A12ECD401D2D}" sibTransId="{24A87C45-A692-4344-AEED-E62FE8BFC698}"/>
     <dgm:cxn modelId="{531BAD64-FCBF-4EBA-94AC-365F05301CE3}" type="presOf" srcId="{3F698109-40CA-46C6-B5E2-421899D776D1}" destId="{97801DC3-E45E-4407-8380-1A527E95FBFB}" srcOrd="0" destOrd="0" presId="urn:microsoft.com/office/officeart/2005/8/layout/vList2"/>
     <dgm:cxn modelId="{FD1B3071-6B16-4143-9C6A-E34B76709D73}" type="presOf" srcId="{6AC950A3-82F5-460D-A534-E08AEDE387FE}" destId="{554DF69B-60AF-44C3-A0C6-DC70B57CF0EF}" srcOrd="0" destOrd="0" presId="urn:microsoft.com/office/officeart/2005/8/layout/vList2"/>
+    <dgm:cxn modelId="{DD1666A1-5B44-43DA-9335-F1477D9A6D39}" srcId="{480BFB1A-5604-4D44-9784-3B4A05BAD4FE}" destId="{4F7054E3-F5D4-4AE3-B6D2-4E95DF06A63C}" srcOrd="4" destOrd="0" parTransId="{1F2E9468-728A-4F90-8512-C03FDF89EFA4}" sibTransId="{C96143E0-1A43-41B8-B520-1A17AF68BE89}"/>
     <dgm:cxn modelId="{CF8C74B1-D478-4888-A784-E86E72EE08FC}" type="presOf" srcId="{480BFB1A-5604-4D44-9784-3B4A05BAD4FE}" destId="{CE27D942-1C2B-45A6-B11D-102CB7AC984B}" srcOrd="0" destOrd="0" presId="urn:microsoft.com/office/officeart/2005/8/layout/vList2"/>
     <dgm:cxn modelId="{6D7507B8-3481-42ED-8020-4DB2D08A68C9}" type="presOf" srcId="{148D1234-1FD8-4B1D-8A34-7E20435D2439}" destId="{8DAB8565-8E6D-4A5B-9379-7729D0A5812E}" srcOrd="0" destOrd="0" presId="urn:microsoft.com/office/officeart/2005/8/layout/vList2"/>
     <dgm:cxn modelId="{B8D232BA-4D06-4F33-BECF-96BEAB8117C5}" srcId="{480BFB1A-5604-4D44-9784-3B4A05BAD4FE}" destId="{148D1234-1FD8-4B1D-8A34-7E20435D2439}" srcOrd="1" destOrd="0" parTransId="{9F4B7FA4-BE1F-4258-831A-CFFBB296901B}" sibTransId="{E9BC27D4-79FC-4C39-B18F-CEC6FE53EDBC}"/>
     <dgm:cxn modelId="{257588C6-8287-44AF-AE3F-5772AA8050FF}" srcId="{480BFB1A-5604-4D44-9784-3B4A05BAD4FE}" destId="{3F698109-40CA-46C6-B5E2-421899D776D1}" srcOrd="0" destOrd="0" parTransId="{9CC99665-AB75-4746-9F60-3DBC4CC8BD8E}" sibTransId="{9907A63D-D4BF-4272-806B-ACBB8F3A9F1B}"/>
+    <dgm:cxn modelId="{E09AA9D6-E426-41D8-BBE7-3C163817EFEA}" srcId="{480BFB1A-5604-4D44-9784-3B4A05BAD4FE}" destId="{094AA3F0-4484-4E3C-8AE3-9D1BF2A39382}" srcOrd="3" destOrd="0" parTransId="{0D5B5D64-BE30-4052-9ABC-5EE9110B14D2}" sibTransId="{9471EC01-F4B6-4B30-B61F-0EB4DD36525E}"/>
+    <dgm:cxn modelId="{E1EDE2F9-8EE1-49BB-A28A-96095D8E1543}" type="presOf" srcId="{4F7054E3-F5D4-4AE3-B6D2-4E95DF06A63C}" destId="{A7BD2DFC-DC29-4E9F-82A8-69D1B55150C9}" srcOrd="0" destOrd="0" presId="urn:microsoft.com/office/officeart/2005/8/layout/vList2"/>
+    <dgm:cxn modelId="{6AFDDAFA-30ED-4491-868F-8CD057EEDCE5}" type="presOf" srcId="{094AA3F0-4484-4E3C-8AE3-9D1BF2A39382}" destId="{221B786C-59EC-4569-9511-7A4C9AE7E17C}" srcOrd="0" destOrd="0" presId="urn:microsoft.com/office/officeart/2005/8/layout/vList2"/>
     <dgm:cxn modelId="{B1CB0CFF-2A0A-4521-B20B-9720E273D4E3}" srcId="{3F698109-40CA-46C6-B5E2-421899D776D1}" destId="{5D44EA7E-3FF9-4BD5-8D40-2849F897D76E}" srcOrd="0" destOrd="0" parTransId="{BABB72EA-CC2C-4E25-B9D7-273A79D68896}" sibTransId="{8D1D28C8-3AB9-4246-882D-218CF9C29124}"/>
     <dgm:cxn modelId="{F8F2C54C-9720-4D5E-9390-B940B915414B}" type="presParOf" srcId="{CE27D942-1C2B-45A6-B11D-102CB7AC984B}" destId="{97801DC3-E45E-4407-8380-1A527E95FBFB}" srcOrd="0" destOrd="0" presId="urn:microsoft.com/office/officeart/2005/8/layout/vList2"/>
     <dgm:cxn modelId="{61764301-2299-4B63-A76F-DFDEC927B2AF}" type="presParOf" srcId="{CE27D942-1C2B-45A6-B11D-102CB7AC984B}" destId="{5A366BCC-1A09-4AA5-9CEC-CA867D80E834}" srcOrd="1" destOrd="0" presId="urn:microsoft.com/office/officeart/2005/8/layout/vList2"/>
     <dgm:cxn modelId="{38633CB8-F81B-431C-8DEA-BEAC13318096}" type="presParOf" srcId="{CE27D942-1C2B-45A6-B11D-102CB7AC984B}" destId="{8DAB8565-8E6D-4A5B-9379-7729D0A5812E}" srcOrd="2" destOrd="0" presId="urn:microsoft.com/office/officeart/2005/8/layout/vList2"/>
     <dgm:cxn modelId="{D4BA5E37-E642-42D6-BE0A-B3D6535EDF00}" type="presParOf" srcId="{CE27D942-1C2B-45A6-B11D-102CB7AC984B}" destId="{B4599D6C-59D7-4BF1-BE24-984BEA978957}" srcOrd="3" destOrd="0" presId="urn:microsoft.com/office/officeart/2005/8/layout/vList2"/>
     <dgm:cxn modelId="{BE8C50C7-E87E-4FEB-8BEC-35625AF54885}" type="presParOf" srcId="{CE27D942-1C2B-45A6-B11D-102CB7AC984B}" destId="{554DF69B-60AF-44C3-A0C6-DC70B57CF0EF}" srcOrd="4" destOrd="0" presId="urn:microsoft.com/office/officeart/2005/8/layout/vList2"/>
+    <dgm:cxn modelId="{F831BA5E-4994-41F9-B65F-56932E7B8064}" type="presParOf" srcId="{CE27D942-1C2B-45A6-B11D-102CB7AC984B}" destId="{836BDA39-A917-4960-865A-31C259B26934}" srcOrd="5" destOrd="0" presId="urn:microsoft.com/office/officeart/2005/8/layout/vList2"/>
+    <dgm:cxn modelId="{22E331CE-C764-4909-B9FE-EF4AC8293049}" type="presParOf" srcId="{CE27D942-1C2B-45A6-B11D-102CB7AC984B}" destId="{221B786C-59EC-4569-9511-7A4C9AE7E17C}" srcOrd="6" destOrd="0" presId="urn:microsoft.com/office/officeart/2005/8/layout/vList2"/>
+    <dgm:cxn modelId="{A1AF4F90-F100-4E1A-9DD8-BDB680AC11EB}" type="presParOf" srcId="{CE27D942-1C2B-45A6-B11D-102CB7AC984B}" destId="{2C19EBB7-2F28-48CF-AE1F-FE70963A3BC9}" srcOrd="7" destOrd="0" presId="urn:microsoft.com/office/officeart/2005/8/layout/vList2"/>
+    <dgm:cxn modelId="{0AD43732-CD42-423A-B3DB-83F0DD518B71}" type="presParOf" srcId="{CE27D942-1C2B-45A6-B11D-102CB7AC984B}" destId="{A7BD2DFC-DC29-4E9F-82A8-69D1B55150C9}" srcOrd="8" destOrd="0" presId="urn:microsoft.com/office/officeart/2005/8/layout/vList2"/>
+  </dgm:cxnLst>
+  <dgm:bg/>
+  <dgm:whole/>
+  <dgm:extLst>
+    <a:ext uri="http://schemas.microsoft.com/office/drawing/2008/diagram">
+      <dsp:dataModelExt xmlns:dsp="http://schemas.microsoft.com/office/drawing/2008/diagram" relId="rId6" minVer="http://schemas.openxmlformats.org/drawingml/2006/diagram"/>
+    </a:ext>
+  </dgm:extLst>
+</dgm:dataModel>
+</file>
+
+<file path=ppt/diagrams/data9.xml><?xml version="1.0" encoding="utf-8"?>
+<dgm:dataModel xmlns:dgm="http://schemas.openxmlformats.org/drawingml/2006/diagram" xmlns:a="http://schemas.openxmlformats.org/drawingml/2006/main">
+  <dgm:ptLst>
+    <dgm:pt modelId="{480BFB1A-5604-4D44-9784-3B4A05BAD4FE}" type="doc">
+      <dgm:prSet loTypeId="urn:microsoft.com/office/officeart/2005/8/layout/vList2" loCatId="list" qsTypeId="urn:microsoft.com/office/officeart/2005/8/quickstyle/simple1" qsCatId="simple" csTypeId="urn:microsoft.com/office/officeart/2005/8/colors/accent1_2" csCatId="accent1" phldr="1"/>
+      <dgm:spPr/>
+      <dgm:t>
+        <a:bodyPr/>
+        <a:lstStyle/>
+        <a:p>
+          <a:endParaRPr lang="fr-FR"/>
+        </a:p>
+      </dgm:t>
+    </dgm:pt>
+    <dgm:pt modelId="{3F698109-40CA-46C6-B5E2-421899D776D1}">
+      <dgm:prSet/>
+      <dgm:spPr/>
+      <dgm:t>
+        <a:bodyPr/>
+        <a:lstStyle/>
+        <a:p>
+          <a:r>
+            <a:rPr lang="en-GB" dirty="0"/>
+            <a:t>Add non-</a:t>
+          </a:r>
+          <a:r>
+            <a:rPr lang="en-GB" dirty="0" err="1"/>
+            <a:t>upwork</a:t>
+          </a:r>
+          <a:r>
+            <a:rPr lang="en-GB" dirty="0"/>
+            <a:t> testimonials on Upwork, </a:t>
+          </a:r>
+          <a:endParaRPr lang="fr-FR" dirty="0"/>
+        </a:p>
+      </dgm:t>
+    </dgm:pt>
+    <dgm:pt modelId="{9CC99665-AB75-4746-9F60-3DBC4CC8BD8E}" type="parTrans" cxnId="{257588C6-8287-44AF-AE3F-5772AA8050FF}">
+      <dgm:prSet/>
+      <dgm:spPr/>
+      <dgm:t>
+        <a:bodyPr/>
+        <a:lstStyle/>
+        <a:p>
+          <a:endParaRPr lang="fr-FR"/>
+        </a:p>
+      </dgm:t>
+    </dgm:pt>
+    <dgm:pt modelId="{9907A63D-D4BF-4272-806B-ACBB8F3A9F1B}" type="sibTrans" cxnId="{257588C6-8287-44AF-AE3F-5772AA8050FF}">
+      <dgm:prSet/>
+      <dgm:spPr/>
+      <dgm:t>
+        <a:bodyPr/>
+        <a:lstStyle/>
+        <a:p>
+          <a:endParaRPr lang="fr-FR"/>
+        </a:p>
+      </dgm:t>
+    </dgm:pt>
+    <dgm:pt modelId="{F15270DC-9E21-4B5E-A327-3A1C7523EF4E}">
+      <dgm:prSet/>
+      <dgm:spPr/>
+      <dgm:t>
+        <a:bodyPr/>
+        <a:lstStyle/>
+        <a:p>
+          <a:r>
+            <a:rPr lang="en-GB" dirty="0"/>
+            <a:t>send testimonials requests from Upwork to your client’s email</a:t>
+          </a:r>
+          <a:endParaRPr lang="fr-FR" dirty="0"/>
+        </a:p>
+      </dgm:t>
+    </dgm:pt>
+    <dgm:pt modelId="{F438102D-6D39-43DF-BA5C-3ACB83493CBE}" type="parTrans" cxnId="{1D64F934-60ED-4C54-81E6-5DC63F6B1268}">
+      <dgm:prSet/>
+      <dgm:spPr/>
+      <dgm:t>
+        <a:bodyPr/>
+        <a:lstStyle/>
+        <a:p>
+          <a:endParaRPr lang="fr-FR"/>
+        </a:p>
+      </dgm:t>
+    </dgm:pt>
+    <dgm:pt modelId="{E28331ED-4283-4039-865F-6BAEE1E6DD4B}" type="sibTrans" cxnId="{1D64F934-60ED-4C54-81E6-5DC63F6B1268}">
+      <dgm:prSet/>
+      <dgm:spPr/>
+      <dgm:t>
+        <a:bodyPr/>
+        <a:lstStyle/>
+        <a:p>
+          <a:endParaRPr lang="fr-FR"/>
+        </a:p>
+      </dgm:t>
+    </dgm:pt>
+    <dgm:pt modelId="{DD7A2E85-C472-4CC1-8F1D-AF734EB62E5A}">
+      <dgm:prSet/>
+      <dgm:spPr/>
+      <dgm:t>
+        <a:bodyPr/>
+        <a:lstStyle/>
+        <a:p>
+          <a:r>
+            <a:rPr lang="en-GB" dirty="0"/>
+            <a:t>Everyday, search jobs on Upwork which</a:t>
+          </a:r>
+          <a:endParaRPr lang="fr-FR" dirty="0"/>
+        </a:p>
+      </dgm:t>
+    </dgm:pt>
+    <dgm:pt modelId="{3576DA04-A7BF-4924-B036-9857993341E4}" type="parTrans" cxnId="{CAE69D1E-221A-4E9C-84D9-ED5B202C0BDD}">
+      <dgm:prSet/>
+      <dgm:spPr/>
+      <dgm:t>
+        <a:bodyPr/>
+        <a:lstStyle/>
+        <a:p>
+          <a:endParaRPr lang="fr-FR"/>
+        </a:p>
+      </dgm:t>
+    </dgm:pt>
+    <dgm:pt modelId="{C3215D7B-CAE3-4119-B6DE-8C8A439E35CA}" type="sibTrans" cxnId="{CAE69D1E-221A-4E9C-84D9-ED5B202C0BDD}">
+      <dgm:prSet/>
+      <dgm:spPr/>
+      <dgm:t>
+        <a:bodyPr/>
+        <a:lstStyle/>
+        <a:p>
+          <a:endParaRPr lang="fr-FR"/>
+        </a:p>
+      </dgm:t>
+    </dgm:pt>
+    <dgm:pt modelId="{88842233-C53F-4768-BFFC-E35157B0F42A}">
+      <dgm:prSet/>
+      <dgm:spPr/>
+      <dgm:t>
+        <a:bodyPr/>
+        <a:lstStyle/>
+        <a:p>
+          <a:r>
+            <a:rPr lang="en-GB" dirty="0"/>
+            <a:t>Filter by fewest bids and apply to them </a:t>
+          </a:r>
+          <a:endParaRPr lang="fr-FR" dirty="0"/>
+        </a:p>
+      </dgm:t>
+    </dgm:pt>
+    <dgm:pt modelId="{87901879-1F11-4595-A7E3-13624173ADB9}" type="parTrans" cxnId="{89D51418-5E8D-4024-ABEB-700D162259DD}">
+      <dgm:prSet/>
+      <dgm:spPr/>
+      <dgm:t>
+        <a:bodyPr/>
+        <a:lstStyle/>
+        <a:p>
+          <a:endParaRPr lang="fr-FR"/>
+        </a:p>
+      </dgm:t>
+    </dgm:pt>
+    <dgm:pt modelId="{8C561558-FA7E-4DDC-A60E-14282E18D1D0}" type="sibTrans" cxnId="{89D51418-5E8D-4024-ABEB-700D162259DD}">
+      <dgm:prSet/>
+      <dgm:spPr/>
+      <dgm:t>
+        <a:bodyPr/>
+        <a:lstStyle/>
+        <a:p>
+          <a:endParaRPr lang="fr-FR"/>
+        </a:p>
+      </dgm:t>
+    </dgm:pt>
+    <dgm:pt modelId="{BD138ACA-92D1-404A-B4A6-00297587043E}">
+      <dgm:prSet/>
+      <dgm:spPr/>
+      <dgm:t>
+        <a:bodyPr/>
+        <a:lstStyle/>
+        <a:p>
+          <a:r>
+            <a:rPr lang="en-GB" dirty="0"/>
+            <a:t>perfectly match your skillset, </a:t>
+          </a:r>
+          <a:endParaRPr lang="fr-FR" dirty="0"/>
+        </a:p>
+      </dgm:t>
+    </dgm:pt>
+    <dgm:pt modelId="{5B9E0F68-E0A5-418D-9B29-6FC8FA241F89}" type="parTrans" cxnId="{79309CDF-3027-4D55-9D00-E3B91E636B6A}">
+      <dgm:prSet/>
+      <dgm:spPr/>
+      <dgm:t>
+        <a:bodyPr/>
+        <a:lstStyle/>
+        <a:p>
+          <a:endParaRPr lang="fr-FR"/>
+        </a:p>
+      </dgm:t>
+    </dgm:pt>
+    <dgm:pt modelId="{75CCDCFA-CB6A-407A-B510-2C4B175A11E3}" type="sibTrans" cxnId="{79309CDF-3027-4D55-9D00-E3B91E636B6A}">
+      <dgm:prSet/>
+      <dgm:spPr/>
+      <dgm:t>
+        <a:bodyPr/>
+        <a:lstStyle/>
+        <a:p>
+          <a:endParaRPr lang="fr-FR"/>
+        </a:p>
+      </dgm:t>
+    </dgm:pt>
+    <dgm:pt modelId="{CE27D942-1C2B-45A6-B11D-102CB7AC984B}" type="pres">
+      <dgm:prSet presAssocID="{480BFB1A-5604-4D44-9784-3B4A05BAD4FE}" presName="linear" presStyleCnt="0">
+        <dgm:presLayoutVars>
+          <dgm:animLvl val="lvl"/>
+          <dgm:resizeHandles val="exact"/>
+        </dgm:presLayoutVars>
+      </dgm:prSet>
+      <dgm:spPr/>
+    </dgm:pt>
+    <dgm:pt modelId="{97801DC3-E45E-4407-8380-1A527E95FBFB}" type="pres">
+      <dgm:prSet presAssocID="{3F698109-40CA-46C6-B5E2-421899D776D1}" presName="parentText" presStyleLbl="node1" presStyleIdx="0" presStyleCnt="2">
+        <dgm:presLayoutVars>
+          <dgm:chMax val="0"/>
+          <dgm:bulletEnabled val="1"/>
+        </dgm:presLayoutVars>
+      </dgm:prSet>
+      <dgm:spPr/>
+    </dgm:pt>
+    <dgm:pt modelId="{8E49EAAA-F4AF-4D2E-B4D9-FA1C396EFEEE}" type="pres">
+      <dgm:prSet presAssocID="{3F698109-40CA-46C6-B5E2-421899D776D1}" presName="childText" presStyleLbl="revTx" presStyleIdx="0" presStyleCnt="2">
+        <dgm:presLayoutVars>
+          <dgm:bulletEnabled val="1"/>
+        </dgm:presLayoutVars>
+      </dgm:prSet>
+      <dgm:spPr/>
+    </dgm:pt>
+    <dgm:pt modelId="{E3CC0B01-4BF6-4423-AC3F-2D540B485E5E}" type="pres">
+      <dgm:prSet presAssocID="{DD7A2E85-C472-4CC1-8F1D-AF734EB62E5A}" presName="parentText" presStyleLbl="node1" presStyleIdx="1" presStyleCnt="2">
+        <dgm:presLayoutVars>
+          <dgm:chMax val="0"/>
+          <dgm:bulletEnabled val="1"/>
+        </dgm:presLayoutVars>
+      </dgm:prSet>
+      <dgm:spPr/>
+    </dgm:pt>
+    <dgm:pt modelId="{67D67F61-5B69-408A-9403-4FD4E4463A3D}" type="pres">
+      <dgm:prSet presAssocID="{DD7A2E85-C472-4CC1-8F1D-AF734EB62E5A}" presName="childText" presStyleLbl="revTx" presStyleIdx="1" presStyleCnt="2">
+        <dgm:presLayoutVars>
+          <dgm:bulletEnabled val="1"/>
+        </dgm:presLayoutVars>
+      </dgm:prSet>
+      <dgm:spPr/>
+    </dgm:pt>
+  </dgm:ptLst>
+  <dgm:cxnLst>
+    <dgm:cxn modelId="{124A2C0B-ED76-4FA1-B192-57F450DEE1EE}" type="presOf" srcId="{F15270DC-9E21-4B5E-A327-3A1C7523EF4E}" destId="{8E49EAAA-F4AF-4D2E-B4D9-FA1C396EFEEE}" srcOrd="0" destOrd="0" presId="urn:microsoft.com/office/officeart/2005/8/layout/vList2"/>
+    <dgm:cxn modelId="{89D51418-5E8D-4024-ABEB-700D162259DD}" srcId="{DD7A2E85-C472-4CC1-8F1D-AF734EB62E5A}" destId="{88842233-C53F-4768-BFFC-E35157B0F42A}" srcOrd="1" destOrd="0" parTransId="{87901879-1F11-4595-A7E3-13624173ADB9}" sibTransId="{8C561558-FA7E-4DDC-A60E-14282E18D1D0}"/>
+    <dgm:cxn modelId="{CAE69D1E-221A-4E9C-84D9-ED5B202C0BDD}" srcId="{480BFB1A-5604-4D44-9784-3B4A05BAD4FE}" destId="{DD7A2E85-C472-4CC1-8F1D-AF734EB62E5A}" srcOrd="1" destOrd="0" parTransId="{3576DA04-A7BF-4924-B036-9857993341E4}" sibTransId="{C3215D7B-CAE3-4119-B6DE-8C8A439E35CA}"/>
+    <dgm:cxn modelId="{1D64F934-60ED-4C54-81E6-5DC63F6B1268}" srcId="{3F698109-40CA-46C6-B5E2-421899D776D1}" destId="{F15270DC-9E21-4B5E-A327-3A1C7523EF4E}" srcOrd="0" destOrd="0" parTransId="{F438102D-6D39-43DF-BA5C-3ACB83493CBE}" sibTransId="{E28331ED-4283-4039-865F-6BAEE1E6DD4B}"/>
+    <dgm:cxn modelId="{531BAD64-FCBF-4EBA-94AC-365F05301CE3}" type="presOf" srcId="{3F698109-40CA-46C6-B5E2-421899D776D1}" destId="{97801DC3-E45E-4407-8380-1A527E95FBFB}" srcOrd="0" destOrd="0" presId="urn:microsoft.com/office/officeart/2005/8/layout/vList2"/>
+    <dgm:cxn modelId="{B6B490A0-A351-4809-9F8F-0C51275B584B}" type="presOf" srcId="{DD7A2E85-C472-4CC1-8F1D-AF734EB62E5A}" destId="{E3CC0B01-4BF6-4423-AC3F-2D540B485E5E}" srcOrd="0" destOrd="0" presId="urn:microsoft.com/office/officeart/2005/8/layout/vList2"/>
+    <dgm:cxn modelId="{780DABAB-0F23-4A2B-A39C-E004653187FD}" type="presOf" srcId="{BD138ACA-92D1-404A-B4A6-00297587043E}" destId="{67D67F61-5B69-408A-9403-4FD4E4463A3D}" srcOrd="0" destOrd="0" presId="urn:microsoft.com/office/officeart/2005/8/layout/vList2"/>
+    <dgm:cxn modelId="{CF8C74B1-D478-4888-A784-E86E72EE08FC}" type="presOf" srcId="{480BFB1A-5604-4D44-9784-3B4A05BAD4FE}" destId="{CE27D942-1C2B-45A6-B11D-102CB7AC984B}" srcOrd="0" destOrd="0" presId="urn:microsoft.com/office/officeart/2005/8/layout/vList2"/>
+    <dgm:cxn modelId="{257588C6-8287-44AF-AE3F-5772AA8050FF}" srcId="{480BFB1A-5604-4D44-9784-3B4A05BAD4FE}" destId="{3F698109-40CA-46C6-B5E2-421899D776D1}" srcOrd="0" destOrd="0" parTransId="{9CC99665-AB75-4746-9F60-3DBC4CC8BD8E}" sibTransId="{9907A63D-D4BF-4272-806B-ACBB8F3A9F1B}"/>
+    <dgm:cxn modelId="{79309CDF-3027-4D55-9D00-E3B91E636B6A}" srcId="{DD7A2E85-C472-4CC1-8F1D-AF734EB62E5A}" destId="{BD138ACA-92D1-404A-B4A6-00297587043E}" srcOrd="0" destOrd="0" parTransId="{5B9E0F68-E0A5-418D-9B29-6FC8FA241F89}" sibTransId="{75CCDCFA-CB6A-407A-B510-2C4B175A11E3}"/>
+    <dgm:cxn modelId="{86B7C0FE-B676-463E-BAB4-3E97195FC3D6}" type="presOf" srcId="{88842233-C53F-4768-BFFC-E35157B0F42A}" destId="{67D67F61-5B69-408A-9403-4FD4E4463A3D}" srcOrd="0" destOrd="1" presId="urn:microsoft.com/office/officeart/2005/8/layout/vList2"/>
+    <dgm:cxn modelId="{F8F2C54C-9720-4D5E-9390-B940B915414B}" type="presParOf" srcId="{CE27D942-1C2B-45A6-B11D-102CB7AC984B}" destId="{97801DC3-E45E-4407-8380-1A527E95FBFB}" srcOrd="0" destOrd="0" presId="urn:microsoft.com/office/officeart/2005/8/layout/vList2"/>
+    <dgm:cxn modelId="{1FF33D2B-E096-4EB4-9640-4A4BCAF55C7E}" type="presParOf" srcId="{CE27D942-1C2B-45A6-B11D-102CB7AC984B}" destId="{8E49EAAA-F4AF-4D2E-B4D9-FA1C396EFEEE}" srcOrd="1" destOrd="0" presId="urn:microsoft.com/office/officeart/2005/8/layout/vList2"/>
+    <dgm:cxn modelId="{7DEC1780-DDF4-4692-AE2E-47635D0F7C5A}" type="presParOf" srcId="{CE27D942-1C2B-45A6-B11D-102CB7AC984B}" destId="{E3CC0B01-4BF6-4423-AC3F-2D540B485E5E}" srcOrd="2" destOrd="0" presId="urn:microsoft.com/office/officeart/2005/8/layout/vList2"/>
+    <dgm:cxn modelId="{35A2F50B-25AA-45BA-9100-4ED2CB47EDED}" type="presParOf" srcId="{CE27D942-1C2B-45A6-B11D-102CB7AC984B}" destId="{67D67F61-5B69-408A-9403-4FD4E4463A3D}" srcOrd="3" destOrd="0" presId="urn:microsoft.com/office/officeart/2005/8/layout/vList2"/>
   </dgm:cxnLst>
   <dgm:bg/>
   <dgm:whole/>
@@ -16811,15 +16968,15 @@
       <dsp:cNvGrpSpPr/>
     </dsp:nvGrpSpPr>
     <dsp:grpSpPr/>
-    <dsp:sp modelId="{97801DC3-E45E-4407-8380-1A527E95FBFB}">
+    <dsp:sp modelId="{0E4BB1EE-9BDE-48F1-8998-FC253E03B9DF}">
       <dsp:nvSpPr>
         <dsp:cNvPr id="0" name=""/>
         <dsp:cNvSpPr/>
       </dsp:nvSpPr>
       <dsp:spPr>
         <a:xfrm>
-          <a:off x="0" y="0"/>
-          <a:ext cx="10058399" cy="1055340"/>
+          <a:off x="0" y="42894"/>
+          <a:ext cx="10058399" cy="873953"/>
         </a:xfrm>
         <a:prstGeom prst="roundRect">
           <a:avLst/>
@@ -16860,12 +17017,12 @@
         </a:fontRef>
       </dsp:style>
       <dsp:txBody>
-        <a:bodyPr spcFirstLastPara="0" vert="horz" wrap="square" lIns="167640" tIns="167640" rIns="167640" bIns="167640" numCol="1" spcCol="1270" anchor="ctr" anchorCtr="0">
+        <a:bodyPr spcFirstLastPara="0" vert="horz" wrap="square" lIns="83820" tIns="83820" rIns="83820" bIns="83820" numCol="1" spcCol="1270" anchor="ctr" anchorCtr="0">
           <a:noAutofit/>
         </a:bodyPr>
         <a:lstStyle/>
         <a:p>
-          <a:pPr marL="0" lvl="0" indent="0" algn="l" defTabSz="1955800">
+          <a:pPr marL="0" lvl="0" indent="0" algn="l" defTabSz="977900">
             <a:lnSpc>
               <a:spcPct val="90000"/>
             </a:lnSpc>
@@ -16875,37 +17032,29 @@
             <a:spcAft>
               <a:spcPct val="35000"/>
             </a:spcAft>
+            <a:buFont typeface="+mj-lt"/>
             <a:buNone/>
           </a:pPr>
           <a:r>
-            <a:rPr lang="en-GB" sz="4400" kern="1200" dirty="0"/>
-            <a:t>Add non-</a:t>
+            <a:rPr lang="en-US" sz="2200" b="0" i="0" kern="1200" dirty="0"/>
+            <a:t>When you start, you need to get into projects with fewest bidders</a:t>
           </a:r>
-          <a:r>
-            <a:rPr lang="en-GB" sz="4400" kern="1200" dirty="0" err="1"/>
-            <a:t>upwork</a:t>
-          </a:r>
-          <a:r>
-            <a:rPr lang="en-GB" sz="4400" kern="1200" dirty="0"/>
-            <a:t> testimonials on Upwork, </a:t>
-          </a:r>
-          <a:endParaRPr lang="fr-FR" sz="4400" kern="1200" dirty="0"/>
         </a:p>
       </dsp:txBody>
       <dsp:txXfrm>
-        <a:off x="51517" y="51517"/>
-        <a:ext cx="9955365" cy="952306"/>
+        <a:off x="42663" y="85557"/>
+        <a:ext cx="9973073" cy="788627"/>
       </dsp:txXfrm>
     </dsp:sp>
-    <dsp:sp modelId="{8E49EAAA-F4AF-4D2E-B4D9-FA1C396EFEEE}">
+    <dsp:sp modelId="{21DC1E53-8627-46BD-A9D2-20626C753BA1}">
       <dsp:nvSpPr>
         <dsp:cNvPr id="0" name=""/>
         <dsp:cNvSpPr/>
       </dsp:nvSpPr>
       <dsp:spPr>
         <a:xfrm>
-          <a:off x="0" y="1055340"/>
-          <a:ext cx="10058399" cy="728640"/>
+          <a:off x="0" y="916848"/>
+          <a:ext cx="10058399" cy="888030"/>
         </a:xfrm>
         <a:prstGeom prst="rect">
           <a:avLst/>
@@ -16929,12 +17078,12 @@
         <a:fontRef idx="minor"/>
       </dsp:style>
       <dsp:txBody>
-        <a:bodyPr spcFirstLastPara="0" vert="horz" wrap="square" lIns="319354" tIns="55880" rIns="312928" bIns="55880" numCol="1" spcCol="1270" anchor="t" anchorCtr="0">
+        <a:bodyPr spcFirstLastPara="0" vert="horz" wrap="square" lIns="319354" tIns="27940" rIns="156464" bIns="27940" numCol="1" spcCol="1270" anchor="t" anchorCtr="0">
           <a:noAutofit/>
         </a:bodyPr>
         <a:lstStyle/>
         <a:p>
-          <a:pPr marL="285750" lvl="1" indent="-285750" algn="l" defTabSz="1511300">
+          <a:pPr marL="171450" lvl="1" indent="-171450" algn="l" defTabSz="755650">
             <a:lnSpc>
               <a:spcPct val="90000"/>
             </a:lnSpc>
@@ -16944,33 +17093,67 @@
             <a:spcAft>
               <a:spcPct val="20000"/>
             </a:spcAft>
-            <a:buChar char="•"/>
+            <a:buFont typeface="+mj-lt"/>
+            <a:buAutoNum type="arabicPeriod"/>
           </a:pPr>
           <a:r>
-            <a:rPr lang="en-GB" sz="3400" kern="1200" dirty="0"/>
-            <a:t>send testimonials requests from </a:t>
+            <a:rPr lang="en-US" sz="1700" b="0" i="0" kern="1200" dirty="0"/>
+            <a:t>to build your portfolio</a:t>
           </a:r>
+        </a:p>
+        <a:p>
+          <a:pPr marL="171450" lvl="1" indent="-171450" algn="l" defTabSz="755650">
+            <a:lnSpc>
+              <a:spcPct val="90000"/>
+            </a:lnSpc>
+            <a:spcBef>
+              <a:spcPct val="0"/>
+            </a:spcBef>
+            <a:spcAft>
+              <a:spcPct val="20000"/>
+            </a:spcAft>
+            <a:buFont typeface="+mj-lt"/>
+            <a:buAutoNum type="arabicPeriod"/>
+          </a:pPr>
           <a:r>
-            <a:rPr lang="en-GB" sz="3400" kern="1200" dirty="0" err="1"/>
-            <a:t>upwork</a:t>
+            <a:rPr lang="en-US" sz="1700" b="0" i="0" kern="1200" dirty="0"/>
+            <a:t>to get familiar with working freelance</a:t>
           </a:r>
-          <a:endParaRPr lang="fr-FR" sz="3400" kern="1200" dirty="0"/>
+        </a:p>
+        <a:p>
+          <a:pPr marL="171450" lvl="1" indent="-171450" algn="l" defTabSz="755650">
+            <a:lnSpc>
+              <a:spcPct val="90000"/>
+            </a:lnSpc>
+            <a:spcBef>
+              <a:spcPct val="0"/>
+            </a:spcBef>
+            <a:spcAft>
+              <a:spcPct val="20000"/>
+            </a:spcAft>
+            <a:buFont typeface="+mj-lt"/>
+            <a:buAutoNum type="arabicPeriod"/>
+          </a:pPr>
+          <a:r>
+            <a:rPr lang="en-US" sz="1700" b="0" i="0" kern="1200" dirty="0"/>
+            <a:t>to have good ratings on your Upwork profile.</a:t>
+          </a:r>
         </a:p>
       </dsp:txBody>
       <dsp:txXfrm>
-        <a:off x="0" y="1055340"/>
-        <a:ext cx="10058399" cy="728640"/>
+        <a:off x="0" y="916848"/>
+        <a:ext cx="10058399" cy="888030"/>
       </dsp:txXfrm>
     </dsp:sp>
-    <dsp:sp modelId="{E3CC0B01-4BF6-4423-AC3F-2D540B485E5E}">
+    <dsp:sp modelId="{FB817134-EC13-4AB3-BF54-15128E4D9565}">
       <dsp:nvSpPr>
         <dsp:cNvPr id="0" name=""/>
         <dsp:cNvSpPr/>
       </dsp:nvSpPr>
       <dsp:spPr>
         <a:xfrm>
-          <a:off x="0" y="1783980"/>
-          <a:ext cx="10058399" cy="1055340"/>
+          <a:off x="0" y="1804878"/>
+          <a:ext cx="10058399" cy="873953"/>
         </a:xfrm>
         <a:prstGeom prst="roundRect">
           <a:avLst/>
@@ -17011,12 +17194,12 @@
         </a:fontRef>
       </dsp:style>
       <dsp:txBody>
-        <a:bodyPr spcFirstLastPara="0" vert="horz" wrap="square" lIns="167640" tIns="167640" rIns="167640" bIns="167640" numCol="1" spcCol="1270" anchor="ctr" anchorCtr="0">
+        <a:bodyPr spcFirstLastPara="0" vert="horz" wrap="square" lIns="83820" tIns="83820" rIns="83820" bIns="83820" numCol="1" spcCol="1270" anchor="ctr" anchorCtr="0">
           <a:noAutofit/>
         </a:bodyPr>
         <a:lstStyle/>
         <a:p>
-          <a:pPr marL="0" lvl="0" indent="0" algn="l" defTabSz="1955800">
+          <a:pPr marL="0" lvl="0" indent="0" algn="l" defTabSz="977900">
             <a:lnSpc>
               <a:spcPct val="90000"/>
             </a:lnSpc>
@@ -17026,137 +17209,45 @@
             <a:spcAft>
               <a:spcPct val="35000"/>
             </a:spcAft>
+            <a:buFont typeface="+mj-lt"/>
             <a:buNone/>
           </a:pPr>
           <a:r>
-            <a:rPr lang="en-GB" sz="4400" kern="1200" dirty="0"/>
-            <a:t>Everyday, search jobs on </a:t>
+            <a:rPr lang="en-US" sz="2200" b="0" i="0" kern="1200" dirty="0"/>
+            <a:t>Write a good cover letter and include your portfolio website linked to </a:t>
           </a:r>
           <a:r>
-            <a:rPr lang="en-GB" sz="4400" kern="1200" dirty="0" err="1"/>
+            <a:rPr lang="en-US" sz="2200" b="0" i="0" kern="1200" dirty="0" err="1"/>
             <a:t>upwork</a:t>
           </a:r>
           <a:r>
-            <a:rPr lang="en-GB" sz="4400" kern="1200" dirty="0"/>
-            <a:t> which</a:t>
+            <a:rPr lang="en-US" sz="2200" b="0" i="0" kern="1200" dirty="0"/>
+            <a:t>, when applying to an </a:t>
           </a:r>
-          <a:endParaRPr lang="fr-FR" sz="4400" kern="1200" dirty="0"/>
+          <a:r>
+            <a:rPr lang="en-US" sz="2200" b="0" i="0" kern="1200" dirty="0" err="1"/>
+            <a:t>upwork</a:t>
+          </a:r>
+          <a:r>
+            <a:rPr lang="en-US" sz="2200" b="0" i="0" kern="1200" dirty="0"/>
+            <a:t> job</a:t>
+          </a:r>
         </a:p>
       </dsp:txBody>
       <dsp:txXfrm>
-        <a:off x="51517" y="1835497"/>
-        <a:ext cx="9955365" cy="952306"/>
+        <a:off x="42663" y="1847541"/>
+        <a:ext cx="9973073" cy="788627"/>
       </dsp:txXfrm>
     </dsp:sp>
-    <dsp:sp modelId="{67D67F61-5B69-408A-9403-4FD4E4463A3D}">
+    <dsp:sp modelId="{F6BE18D1-FAB7-4898-BC78-749229F1A022}">
       <dsp:nvSpPr>
         <dsp:cNvPr id="0" name=""/>
         <dsp:cNvSpPr/>
       </dsp:nvSpPr>
       <dsp:spPr>
         <a:xfrm>
-          <a:off x="0" y="2839320"/>
-          <a:ext cx="10058399" cy="1184040"/>
-        </a:xfrm>
-        <a:prstGeom prst="rect">
-          <a:avLst/>
-        </a:prstGeom>
-        <a:noFill/>
-        <a:ln>
-          <a:noFill/>
-        </a:ln>
-        <a:effectLst/>
-      </dsp:spPr>
-      <dsp:style>
-        <a:lnRef idx="0">
-          <a:scrgbClr r="0" g="0" b="0"/>
-        </a:lnRef>
-        <a:fillRef idx="0">
-          <a:scrgbClr r="0" g="0" b="0"/>
-        </a:fillRef>
-        <a:effectRef idx="0">
-          <a:scrgbClr r="0" g="0" b="0"/>
-        </a:effectRef>
-        <a:fontRef idx="minor"/>
-      </dsp:style>
-      <dsp:txBody>
-        <a:bodyPr spcFirstLastPara="0" vert="horz" wrap="square" lIns="319354" tIns="55880" rIns="312928" bIns="55880" numCol="1" spcCol="1270" anchor="t" anchorCtr="0">
-          <a:noAutofit/>
-        </a:bodyPr>
-        <a:lstStyle/>
-        <a:p>
-          <a:pPr marL="285750" lvl="1" indent="-285750" algn="l" defTabSz="1511300">
-            <a:lnSpc>
-              <a:spcPct val="90000"/>
-            </a:lnSpc>
-            <a:spcBef>
-              <a:spcPct val="0"/>
-            </a:spcBef>
-            <a:spcAft>
-              <a:spcPct val="20000"/>
-            </a:spcAft>
-            <a:buChar char="•"/>
-          </a:pPr>
-          <a:r>
-            <a:rPr lang="en-GB" sz="3400" kern="1200"/>
-            <a:t>perfectly </a:t>
-          </a:r>
-          <a:r>
-            <a:rPr lang="en-GB" sz="3400" kern="1200" dirty="0"/>
-            <a:t>match your skillset, </a:t>
-          </a:r>
-          <a:endParaRPr lang="fr-FR" sz="3400" kern="1200" dirty="0"/>
-        </a:p>
-        <a:p>
-          <a:pPr marL="285750" lvl="1" indent="-285750" algn="l" defTabSz="1511300">
-            <a:lnSpc>
-              <a:spcPct val="90000"/>
-            </a:lnSpc>
-            <a:spcBef>
-              <a:spcPct val="0"/>
-            </a:spcBef>
-            <a:spcAft>
-              <a:spcPct val="20000"/>
-            </a:spcAft>
-            <a:buChar char="•"/>
-          </a:pPr>
-          <a:r>
-            <a:rPr lang="en-GB" sz="3400" kern="1200"/>
-            <a:t>fewest </a:t>
-          </a:r>
-          <a:r>
-            <a:rPr lang="en-GB" sz="3400" kern="1200" dirty="0"/>
-            <a:t>bids and apply to them </a:t>
-          </a:r>
-          <a:endParaRPr lang="fr-FR" sz="3400" kern="1200" dirty="0"/>
-        </a:p>
-      </dsp:txBody>
-      <dsp:txXfrm>
-        <a:off x="0" y="2839320"/>
-        <a:ext cx="10058399" cy="1184040"/>
-      </dsp:txXfrm>
-    </dsp:sp>
-  </dsp:spTree>
-</dsp:drawing>
-</file>
-
-<file path=ppt/diagrams/drawing11.xml><?xml version="1.0" encoding="utf-8"?>
-<dsp:drawing xmlns:dgm="http://schemas.openxmlformats.org/drawingml/2006/diagram" xmlns:dsp="http://schemas.microsoft.com/office/drawing/2008/diagram" xmlns:a="http://schemas.openxmlformats.org/drawingml/2006/main">
-  <dsp:spTree>
-    <dsp:nvGrpSpPr>
-      <dsp:cNvPr id="0" name=""/>
-      <dsp:cNvGrpSpPr/>
-    </dsp:nvGrpSpPr>
-    <dsp:grpSpPr/>
-    <dsp:sp modelId="{0E4BB1EE-9BDE-48F1-8998-FC253E03B9DF}">
-      <dsp:nvSpPr>
-        <dsp:cNvPr id="0" name=""/>
-        <dsp:cNvSpPr/>
-      </dsp:nvSpPr>
-      <dsp:spPr>
-        <a:xfrm>
-          <a:off x="0" y="351742"/>
-          <a:ext cx="10058399" cy="599625"/>
+          <a:off x="0" y="2742191"/>
+          <a:ext cx="10058399" cy="873953"/>
         </a:xfrm>
         <a:prstGeom prst="roundRect">
           <a:avLst/>
@@ -17197,12 +17288,12 @@
         </a:fontRef>
       </dsp:style>
       <dsp:txBody>
-        <a:bodyPr spcFirstLastPara="0" vert="horz" wrap="square" lIns="95250" tIns="95250" rIns="95250" bIns="95250" numCol="1" spcCol="1270" anchor="ctr" anchorCtr="0">
+        <a:bodyPr spcFirstLastPara="0" vert="horz" wrap="square" lIns="83820" tIns="83820" rIns="83820" bIns="83820" numCol="1" spcCol="1270" anchor="ctr" anchorCtr="0">
           <a:noAutofit/>
         </a:bodyPr>
         <a:lstStyle/>
         <a:p>
-          <a:pPr marL="0" lvl="0" indent="0" algn="l" defTabSz="1111250">
+          <a:pPr marL="0" lvl="0" indent="0" algn="l" defTabSz="977900">
             <a:lnSpc>
               <a:spcPct val="90000"/>
             </a:lnSpc>
@@ -17216,25 +17307,25 @@
             <a:buNone/>
           </a:pPr>
           <a:r>
-            <a:rPr lang="en-US" sz="2500" b="0" i="0" kern="1200" dirty="0"/>
-            <a:t>When you start, you need to get into projects with fewest bidders</a:t>
+            <a:rPr lang="en-US" sz="2200" b="0" i="0" kern="1200" dirty="0"/>
+            <a:t>Once you get selected and finally talk to the client, screen your employer to</a:t>
           </a:r>
         </a:p>
       </dsp:txBody>
       <dsp:txXfrm>
-        <a:off x="29271" y="381013"/>
-        <a:ext cx="9999857" cy="541083"/>
+        <a:off x="42663" y="2784854"/>
+        <a:ext cx="9973073" cy="788627"/>
       </dsp:txXfrm>
     </dsp:sp>
-    <dsp:sp modelId="{21DC1E53-8627-46BD-A9D2-20626C753BA1}">
+    <dsp:sp modelId="{7F99C806-C6EE-406C-9D16-1E997BD1A388}">
       <dsp:nvSpPr>
         <dsp:cNvPr id="0" name=""/>
         <dsp:cNvSpPr/>
       </dsp:nvSpPr>
       <dsp:spPr>
         <a:xfrm>
-          <a:off x="0" y="951367"/>
-          <a:ext cx="10058399" cy="1035000"/>
+          <a:off x="0" y="3616145"/>
+          <a:ext cx="10058399" cy="364320"/>
         </a:xfrm>
         <a:prstGeom prst="rect">
           <a:avLst/>
@@ -17258,12 +17349,12 @@
         <a:fontRef idx="minor"/>
       </dsp:style>
       <dsp:txBody>
-        <a:bodyPr spcFirstLastPara="0" vert="horz" wrap="square" lIns="319354" tIns="31750" rIns="177800" bIns="31750" numCol="1" spcCol="1270" anchor="t" anchorCtr="0">
+        <a:bodyPr spcFirstLastPara="0" vert="horz" wrap="square" lIns="319354" tIns="27940" rIns="156464" bIns="27940" numCol="1" spcCol="1270" anchor="t" anchorCtr="0">
           <a:noAutofit/>
         </a:bodyPr>
         <a:lstStyle/>
         <a:p>
-          <a:pPr marL="228600" lvl="1" indent="-228600" algn="l" defTabSz="889000">
+          <a:pPr marL="171450" lvl="1" indent="-171450" algn="l" defTabSz="755650">
             <a:lnSpc>
               <a:spcPct val="90000"/>
             </a:lnSpc>
@@ -17277,284 +17368,21 @@
             <a:buAutoNum type="arabicPeriod"/>
           </a:pPr>
           <a:r>
-            <a:rPr lang="en-US" sz="2000" b="0" i="0" kern="1200" dirty="0"/>
-            <a:t>to build your portfolio</a:t>
-          </a:r>
-        </a:p>
-        <a:p>
-          <a:pPr marL="228600" lvl="1" indent="-228600" algn="l" defTabSz="889000">
-            <a:lnSpc>
-              <a:spcPct val="90000"/>
-            </a:lnSpc>
-            <a:spcBef>
-              <a:spcPct val="0"/>
-            </a:spcBef>
-            <a:spcAft>
-              <a:spcPct val="20000"/>
-            </a:spcAft>
-            <a:buFont typeface="+mj-lt"/>
-            <a:buAutoNum type="arabicPeriod"/>
-          </a:pPr>
-          <a:r>
-            <a:rPr lang="en-US" sz="2000" b="0" i="0" kern="1200" dirty="0"/>
-            <a:t>to get familiar with working freelance</a:t>
-          </a:r>
-        </a:p>
-        <a:p>
-          <a:pPr marL="228600" lvl="1" indent="-228600" algn="l" defTabSz="889000">
-            <a:lnSpc>
-              <a:spcPct val="90000"/>
-            </a:lnSpc>
-            <a:spcBef>
-              <a:spcPct val="0"/>
-            </a:spcBef>
-            <a:spcAft>
-              <a:spcPct val="20000"/>
-            </a:spcAft>
-            <a:buFont typeface="+mj-lt"/>
-            <a:buAutoNum type="arabicPeriod"/>
-          </a:pPr>
-          <a:r>
-            <a:rPr lang="en-US" sz="2000" b="0" i="0" kern="1200" dirty="0"/>
-            <a:t>to have good ratings on your Upwork profile.</a:t>
-          </a:r>
-        </a:p>
-      </dsp:txBody>
-      <dsp:txXfrm>
-        <a:off x="0" y="951367"/>
-        <a:ext cx="10058399" cy="1035000"/>
-      </dsp:txXfrm>
-    </dsp:sp>
-    <dsp:sp modelId="{FB817134-EC13-4AB3-BF54-15128E4D9565}">
-      <dsp:nvSpPr>
-        <dsp:cNvPr id="0" name=""/>
-        <dsp:cNvSpPr/>
-      </dsp:nvSpPr>
-      <dsp:spPr>
-        <a:xfrm>
-          <a:off x="0" y="1986367"/>
-          <a:ext cx="10058399" cy="599625"/>
-        </a:xfrm>
-        <a:prstGeom prst="roundRect">
-          <a:avLst/>
-        </a:prstGeom>
-        <a:solidFill>
-          <a:schemeClr val="accent1">
-            <a:hueOff val="0"/>
-            <a:satOff val="0"/>
-            <a:lumOff val="0"/>
-            <a:alphaOff val="0"/>
-          </a:schemeClr>
-        </a:solidFill>
-        <a:ln w="15875" cap="flat" cmpd="sng" algn="ctr">
-          <a:solidFill>
-            <a:schemeClr val="lt1">
-              <a:hueOff val="0"/>
-              <a:satOff val="0"/>
-              <a:lumOff val="0"/>
-              <a:alphaOff val="0"/>
-            </a:schemeClr>
-          </a:solidFill>
-          <a:prstDash val="solid"/>
-        </a:ln>
-        <a:effectLst/>
-      </dsp:spPr>
-      <dsp:style>
-        <a:lnRef idx="2">
-          <a:scrgbClr r="0" g="0" b="0"/>
-        </a:lnRef>
-        <a:fillRef idx="1">
-          <a:scrgbClr r="0" g="0" b="0"/>
-        </a:fillRef>
-        <a:effectRef idx="0">
-          <a:scrgbClr r="0" g="0" b="0"/>
-        </a:effectRef>
-        <a:fontRef idx="minor">
-          <a:schemeClr val="lt1"/>
-        </a:fontRef>
-      </dsp:style>
-      <dsp:txBody>
-        <a:bodyPr spcFirstLastPara="0" vert="horz" wrap="square" lIns="95250" tIns="95250" rIns="95250" bIns="95250" numCol="1" spcCol="1270" anchor="ctr" anchorCtr="0">
-          <a:noAutofit/>
-        </a:bodyPr>
-        <a:lstStyle/>
-        <a:p>
-          <a:pPr marL="0" lvl="0" indent="0" algn="l" defTabSz="1111250">
-            <a:lnSpc>
-              <a:spcPct val="90000"/>
-            </a:lnSpc>
-            <a:spcBef>
-              <a:spcPct val="0"/>
-            </a:spcBef>
-            <a:spcAft>
-              <a:spcPct val="35000"/>
-            </a:spcAft>
-            <a:buFont typeface="+mj-lt"/>
-            <a:buNone/>
-          </a:pPr>
-          <a:r>
-            <a:rPr lang="en-US" sz="2500" b="0" i="0" kern="1200" dirty="0"/>
-            <a:t>Write a good cover letter when applying to an </a:t>
-          </a:r>
-          <a:r>
-            <a:rPr lang="en-US" sz="2500" b="0" i="0" kern="1200" dirty="0" err="1"/>
-            <a:t>upwork</a:t>
-          </a:r>
-          <a:r>
-            <a:rPr lang="en-US" sz="2500" b="0" i="0" kern="1200" dirty="0"/>
-            <a:t> job</a:t>
-          </a:r>
-        </a:p>
-      </dsp:txBody>
-      <dsp:txXfrm>
-        <a:off x="29271" y="2015638"/>
-        <a:ext cx="9999857" cy="541083"/>
-      </dsp:txXfrm>
-    </dsp:sp>
-    <dsp:sp modelId="{F6BE18D1-FAB7-4898-BC78-749229F1A022}">
-      <dsp:nvSpPr>
-        <dsp:cNvPr id="0" name=""/>
-        <dsp:cNvSpPr/>
-      </dsp:nvSpPr>
-      <dsp:spPr>
-        <a:xfrm>
-          <a:off x="0" y="2657992"/>
-          <a:ext cx="10058399" cy="599625"/>
-        </a:xfrm>
-        <a:prstGeom prst="roundRect">
-          <a:avLst/>
-        </a:prstGeom>
-        <a:solidFill>
-          <a:schemeClr val="accent1">
-            <a:hueOff val="0"/>
-            <a:satOff val="0"/>
-            <a:lumOff val="0"/>
-            <a:alphaOff val="0"/>
-          </a:schemeClr>
-        </a:solidFill>
-        <a:ln w="15875" cap="flat" cmpd="sng" algn="ctr">
-          <a:solidFill>
-            <a:schemeClr val="lt1">
-              <a:hueOff val="0"/>
-              <a:satOff val="0"/>
-              <a:lumOff val="0"/>
-              <a:alphaOff val="0"/>
-            </a:schemeClr>
-          </a:solidFill>
-          <a:prstDash val="solid"/>
-        </a:ln>
-        <a:effectLst/>
-      </dsp:spPr>
-      <dsp:style>
-        <a:lnRef idx="2">
-          <a:scrgbClr r="0" g="0" b="0"/>
-        </a:lnRef>
-        <a:fillRef idx="1">
-          <a:scrgbClr r="0" g="0" b="0"/>
-        </a:fillRef>
-        <a:effectRef idx="0">
-          <a:scrgbClr r="0" g="0" b="0"/>
-        </a:effectRef>
-        <a:fontRef idx="minor">
-          <a:schemeClr val="lt1"/>
-        </a:fontRef>
-      </dsp:style>
-      <dsp:txBody>
-        <a:bodyPr spcFirstLastPara="0" vert="horz" wrap="square" lIns="95250" tIns="95250" rIns="95250" bIns="95250" numCol="1" spcCol="1270" anchor="ctr" anchorCtr="0">
-          <a:noAutofit/>
-        </a:bodyPr>
-        <a:lstStyle/>
-        <a:p>
-          <a:pPr marL="0" lvl="0" indent="0" algn="l" defTabSz="1111250">
-            <a:lnSpc>
-              <a:spcPct val="90000"/>
-            </a:lnSpc>
-            <a:spcBef>
-              <a:spcPct val="0"/>
-            </a:spcBef>
-            <a:spcAft>
-              <a:spcPct val="35000"/>
-            </a:spcAft>
-            <a:buFont typeface="+mj-lt"/>
-            <a:buNone/>
-          </a:pPr>
-          <a:r>
-            <a:rPr lang="en-US" sz="2500" b="0" i="0" kern="1200" dirty="0"/>
-            <a:t>Once you get selected and finally talk to the client, screen your employer to</a:t>
-          </a:r>
-        </a:p>
-      </dsp:txBody>
-      <dsp:txXfrm>
-        <a:off x="29271" y="2687263"/>
-        <a:ext cx="9999857" cy="541083"/>
-      </dsp:txXfrm>
-    </dsp:sp>
-    <dsp:sp modelId="{7F99C806-C6EE-406C-9D16-1E997BD1A388}">
-      <dsp:nvSpPr>
-        <dsp:cNvPr id="0" name=""/>
-        <dsp:cNvSpPr/>
-      </dsp:nvSpPr>
-      <dsp:spPr>
-        <a:xfrm>
-          <a:off x="0" y="3257617"/>
-          <a:ext cx="10058399" cy="414000"/>
-        </a:xfrm>
-        <a:prstGeom prst="rect">
-          <a:avLst/>
-        </a:prstGeom>
-        <a:noFill/>
-        <a:ln>
-          <a:noFill/>
-        </a:ln>
-        <a:effectLst/>
-      </dsp:spPr>
-      <dsp:style>
-        <a:lnRef idx="0">
-          <a:scrgbClr r="0" g="0" b="0"/>
-        </a:lnRef>
-        <a:fillRef idx="0">
-          <a:scrgbClr r="0" g="0" b="0"/>
-        </a:fillRef>
-        <a:effectRef idx="0">
-          <a:scrgbClr r="0" g="0" b="0"/>
-        </a:effectRef>
-        <a:fontRef idx="minor"/>
-      </dsp:style>
-      <dsp:txBody>
-        <a:bodyPr spcFirstLastPara="0" vert="horz" wrap="square" lIns="319354" tIns="31750" rIns="177800" bIns="31750" numCol="1" spcCol="1270" anchor="t" anchorCtr="0">
-          <a:noAutofit/>
-        </a:bodyPr>
-        <a:lstStyle/>
-        <a:p>
-          <a:pPr marL="228600" lvl="1" indent="-228600" algn="l" defTabSz="889000">
-            <a:lnSpc>
-              <a:spcPct val="90000"/>
-            </a:lnSpc>
-            <a:spcBef>
-              <a:spcPct val="0"/>
-            </a:spcBef>
-            <a:spcAft>
-              <a:spcPct val="20000"/>
-            </a:spcAft>
-            <a:buFont typeface="+mj-lt"/>
-            <a:buAutoNum type="arabicPeriod"/>
-          </a:pPr>
-          <a:r>
-            <a:rPr lang="en-US" sz="2000" b="0" i="0" kern="1200" dirty="0"/>
+            <a:rPr lang="en-US" sz="1700" b="0" i="0" kern="1200" dirty="0"/>
             <a:t>see if you can work with them</a:t>
           </a:r>
         </a:p>
       </dsp:txBody>
       <dsp:txXfrm>
-        <a:off x="0" y="3257617"/>
-        <a:ext cx="10058399" cy="414000"/>
+        <a:off x="0" y="3616145"/>
+        <a:ext cx="10058399" cy="364320"/>
       </dsp:txXfrm>
     </dsp:sp>
   </dsp:spTree>
 </dsp:drawing>
 </file>
 
-<file path=ppt/diagrams/drawing12.xml><?xml version="1.0" encoding="utf-8"?>
+<file path=ppt/diagrams/drawing11.xml><?xml version="1.0" encoding="utf-8"?>
 <dsp:drawing xmlns:dgm="http://schemas.openxmlformats.org/drawingml/2006/diagram" xmlns:dsp="http://schemas.microsoft.com/office/drawing/2008/diagram" xmlns:a="http://schemas.openxmlformats.org/drawingml/2006/main">
   <dsp:spTree>
     <dsp:nvGrpSpPr>
@@ -17644,7 +17472,7 @@
 </dsp:drawing>
 </file>
 
-<file path=ppt/diagrams/drawing13.xml><?xml version="1.0" encoding="utf-8"?>
+<file path=ppt/diagrams/drawing12.xml><?xml version="1.0" encoding="utf-8"?>
 <dsp:drawing xmlns:dgm="http://schemas.openxmlformats.org/drawingml/2006/diagram" xmlns:dsp="http://schemas.microsoft.com/office/drawing/2008/diagram" xmlns:a="http://schemas.openxmlformats.org/drawingml/2006/main">
   <dsp:spTree>
     <dsp:nvGrpSpPr>
@@ -17734,7 +17562,7 @@
 </dsp:drawing>
 </file>
 
-<file path=ppt/diagrams/drawing14.xml><?xml version="1.0" encoding="utf-8"?>
+<file path=ppt/diagrams/drawing13.xml><?xml version="1.0" encoding="utf-8"?>
 <dsp:drawing xmlns:dgm="http://schemas.openxmlformats.org/drawingml/2006/diagram" xmlns:dsp="http://schemas.microsoft.com/office/drawing/2008/diagram" xmlns:a="http://schemas.openxmlformats.org/drawingml/2006/main">
   <dsp:spTree>
     <dsp:nvGrpSpPr>
@@ -17824,6 +17652,18 @@
 </dsp:drawing>
 </file>
 
+<file path=ppt/diagrams/drawing14.xml><?xml version="1.0" encoding="utf-8"?>
+<dsp:drawing xmlns:dgm="http://schemas.openxmlformats.org/drawingml/2006/diagram" xmlns:dsp="http://schemas.microsoft.com/office/drawing/2008/diagram" xmlns:a="http://schemas.openxmlformats.org/drawingml/2006/main">
+  <dsp:spTree>
+    <dsp:nvGrpSpPr>
+      <dsp:cNvPr id="0" name=""/>
+      <dsp:cNvGrpSpPr/>
+    </dsp:nvGrpSpPr>
+    <dsp:grpSpPr/>
+  </dsp:spTree>
+</dsp:drawing>
+</file>
+
 <file path=ppt/diagrams/drawing15.xml><?xml version="1.0" encoding="utf-8"?>
 <dsp:drawing xmlns:dgm="http://schemas.openxmlformats.org/drawingml/2006/diagram" xmlns:dsp="http://schemas.microsoft.com/office/drawing/2008/diagram" xmlns:a="http://schemas.openxmlformats.org/drawingml/2006/main">
   <dsp:spTree>
@@ -17832,6 +17672,505 @@
       <dsp:cNvGrpSpPr/>
     </dsp:nvGrpSpPr>
     <dsp:grpSpPr/>
+    <dsp:sp modelId="{C2A0F9C4-C43D-45F6-AB30-88050FBCA7CE}">
+      <dsp:nvSpPr>
+        <dsp:cNvPr id="0" name=""/>
+        <dsp:cNvSpPr/>
+      </dsp:nvSpPr>
+      <dsp:spPr>
+        <a:xfrm>
+          <a:off x="0" y="6930"/>
+          <a:ext cx="10058399" cy="647595"/>
+        </a:xfrm>
+        <a:prstGeom prst="roundRect">
+          <a:avLst/>
+        </a:prstGeom>
+        <a:solidFill>
+          <a:schemeClr val="accent1">
+            <a:hueOff val="0"/>
+            <a:satOff val="0"/>
+            <a:lumOff val="0"/>
+            <a:alphaOff val="0"/>
+          </a:schemeClr>
+        </a:solidFill>
+        <a:ln w="15875" cap="flat" cmpd="sng" algn="ctr">
+          <a:solidFill>
+            <a:schemeClr val="lt1">
+              <a:hueOff val="0"/>
+              <a:satOff val="0"/>
+              <a:lumOff val="0"/>
+              <a:alphaOff val="0"/>
+            </a:schemeClr>
+          </a:solidFill>
+          <a:prstDash val="solid"/>
+        </a:ln>
+        <a:effectLst/>
+      </dsp:spPr>
+      <dsp:style>
+        <a:lnRef idx="2">
+          <a:scrgbClr r="0" g="0" b="0"/>
+        </a:lnRef>
+        <a:fillRef idx="1">
+          <a:scrgbClr r="0" g="0" b="0"/>
+        </a:fillRef>
+        <a:effectRef idx="0">
+          <a:scrgbClr r="0" g="0" b="0"/>
+        </a:effectRef>
+        <a:fontRef idx="minor">
+          <a:schemeClr val="lt1"/>
+        </a:fontRef>
+      </dsp:style>
+      <dsp:txBody>
+        <a:bodyPr spcFirstLastPara="0" vert="horz" wrap="square" lIns="102870" tIns="102870" rIns="102870" bIns="102870" numCol="1" spcCol="1270" anchor="ctr" anchorCtr="0">
+          <a:noAutofit/>
+        </a:bodyPr>
+        <a:lstStyle/>
+        <a:p>
+          <a:pPr marL="0" lvl="0" indent="0" algn="l" defTabSz="1200150">
+            <a:lnSpc>
+              <a:spcPct val="90000"/>
+            </a:lnSpc>
+            <a:spcBef>
+              <a:spcPct val="0"/>
+            </a:spcBef>
+            <a:spcAft>
+              <a:spcPct val="35000"/>
+            </a:spcAft>
+            <a:buNone/>
+          </a:pPr>
+          <a:r>
+            <a:rPr lang="en-GB" sz="2700" kern="1200" dirty="0"/>
+            <a:t>Clients that has not been verified</a:t>
+          </a:r>
+          <a:endParaRPr lang="fr-FR" sz="2700" kern="1200" dirty="0"/>
+        </a:p>
+      </dsp:txBody>
+      <dsp:txXfrm>
+        <a:off x="31613" y="38543"/>
+        <a:ext cx="9995173" cy="584369"/>
+      </dsp:txXfrm>
+    </dsp:sp>
+    <dsp:sp modelId="{033E218B-E6C6-4533-9B58-F13C0EA03185}">
+      <dsp:nvSpPr>
+        <dsp:cNvPr id="0" name=""/>
+        <dsp:cNvSpPr/>
+      </dsp:nvSpPr>
+      <dsp:spPr>
+        <a:xfrm>
+          <a:off x="0" y="654525"/>
+          <a:ext cx="10058399" cy="447120"/>
+        </a:xfrm>
+        <a:prstGeom prst="rect">
+          <a:avLst/>
+        </a:prstGeom>
+        <a:noFill/>
+        <a:ln>
+          <a:noFill/>
+        </a:ln>
+        <a:effectLst/>
+      </dsp:spPr>
+      <dsp:style>
+        <a:lnRef idx="0">
+          <a:scrgbClr r="0" g="0" b="0"/>
+        </a:lnRef>
+        <a:fillRef idx="0">
+          <a:scrgbClr r="0" g="0" b="0"/>
+        </a:fillRef>
+        <a:effectRef idx="0">
+          <a:scrgbClr r="0" g="0" b="0"/>
+        </a:effectRef>
+        <a:fontRef idx="minor"/>
+      </dsp:style>
+      <dsp:txBody>
+        <a:bodyPr spcFirstLastPara="0" vert="horz" wrap="square" lIns="319354" tIns="34290" rIns="192024" bIns="34290" numCol="1" spcCol="1270" anchor="t" anchorCtr="0">
+          <a:noAutofit/>
+        </a:bodyPr>
+        <a:lstStyle/>
+        <a:p>
+          <a:pPr marL="228600" lvl="1" indent="-228600" algn="l" defTabSz="933450">
+            <a:lnSpc>
+              <a:spcPct val="90000"/>
+            </a:lnSpc>
+            <a:spcBef>
+              <a:spcPct val="0"/>
+            </a:spcBef>
+            <a:spcAft>
+              <a:spcPct val="20000"/>
+            </a:spcAft>
+            <a:buChar char="•"/>
+          </a:pPr>
+          <a:r>
+            <a:rPr lang="en-GB" sz="2100" kern="1200" dirty="0"/>
+            <a:t>for payment/ID</a:t>
+          </a:r>
+          <a:endParaRPr lang="fr-FR" sz="2100" kern="1200" dirty="0"/>
+        </a:p>
+      </dsp:txBody>
+      <dsp:txXfrm>
+        <a:off x="0" y="654525"/>
+        <a:ext cx="10058399" cy="447120"/>
+      </dsp:txXfrm>
+    </dsp:sp>
+    <dsp:sp modelId="{C41F41BF-5FEB-40D8-B17C-5C0007C2BD4A}">
+      <dsp:nvSpPr>
+        <dsp:cNvPr id="0" name=""/>
+        <dsp:cNvSpPr/>
+      </dsp:nvSpPr>
+      <dsp:spPr>
+        <a:xfrm>
+          <a:off x="0" y="1101645"/>
+          <a:ext cx="10058399" cy="647595"/>
+        </a:xfrm>
+        <a:prstGeom prst="roundRect">
+          <a:avLst/>
+        </a:prstGeom>
+        <a:solidFill>
+          <a:schemeClr val="accent1">
+            <a:hueOff val="0"/>
+            <a:satOff val="0"/>
+            <a:lumOff val="0"/>
+            <a:alphaOff val="0"/>
+          </a:schemeClr>
+        </a:solidFill>
+        <a:ln w="15875" cap="flat" cmpd="sng" algn="ctr">
+          <a:solidFill>
+            <a:schemeClr val="lt1">
+              <a:hueOff val="0"/>
+              <a:satOff val="0"/>
+              <a:lumOff val="0"/>
+              <a:alphaOff val="0"/>
+            </a:schemeClr>
+          </a:solidFill>
+          <a:prstDash val="solid"/>
+        </a:ln>
+        <a:effectLst/>
+      </dsp:spPr>
+      <dsp:style>
+        <a:lnRef idx="2">
+          <a:scrgbClr r="0" g="0" b="0"/>
+        </a:lnRef>
+        <a:fillRef idx="1">
+          <a:scrgbClr r="0" g="0" b="0"/>
+        </a:fillRef>
+        <a:effectRef idx="0">
+          <a:scrgbClr r="0" g="0" b="0"/>
+        </a:effectRef>
+        <a:fontRef idx="minor">
+          <a:schemeClr val="lt1"/>
+        </a:fontRef>
+      </dsp:style>
+      <dsp:txBody>
+        <a:bodyPr spcFirstLastPara="0" vert="horz" wrap="square" lIns="102870" tIns="102870" rIns="102870" bIns="102870" numCol="1" spcCol="1270" anchor="ctr" anchorCtr="0">
+          <a:noAutofit/>
+        </a:bodyPr>
+        <a:lstStyle/>
+        <a:p>
+          <a:pPr marL="0" lvl="0" indent="0" algn="l" defTabSz="1200150">
+            <a:lnSpc>
+              <a:spcPct val="90000"/>
+            </a:lnSpc>
+            <a:spcBef>
+              <a:spcPct val="0"/>
+            </a:spcBef>
+            <a:spcAft>
+              <a:spcPct val="35000"/>
+            </a:spcAft>
+            <a:buNone/>
+          </a:pPr>
+          <a:r>
+            <a:rPr lang="en-GB" sz="2700" kern="1200" dirty="0"/>
+            <a:t>Clients with bad reviews on Upwork</a:t>
+          </a:r>
+          <a:endParaRPr lang="fr-FR" sz="2700" kern="1200" dirty="0"/>
+        </a:p>
+      </dsp:txBody>
+      <dsp:txXfrm>
+        <a:off x="31613" y="1133258"/>
+        <a:ext cx="9995173" cy="584369"/>
+      </dsp:txXfrm>
+    </dsp:sp>
+    <dsp:sp modelId="{6353C555-0CAE-4DBB-B206-6E91E3240F37}">
+      <dsp:nvSpPr>
+        <dsp:cNvPr id="0" name=""/>
+        <dsp:cNvSpPr/>
+      </dsp:nvSpPr>
+      <dsp:spPr>
+        <a:xfrm>
+          <a:off x="0" y="1827000"/>
+          <a:ext cx="10058399" cy="647595"/>
+        </a:xfrm>
+        <a:prstGeom prst="roundRect">
+          <a:avLst/>
+        </a:prstGeom>
+        <a:solidFill>
+          <a:schemeClr val="accent1">
+            <a:hueOff val="0"/>
+            <a:satOff val="0"/>
+            <a:lumOff val="0"/>
+            <a:alphaOff val="0"/>
+          </a:schemeClr>
+        </a:solidFill>
+        <a:ln w="15875" cap="flat" cmpd="sng" algn="ctr">
+          <a:solidFill>
+            <a:schemeClr val="lt1">
+              <a:hueOff val="0"/>
+              <a:satOff val="0"/>
+              <a:lumOff val="0"/>
+              <a:alphaOff val="0"/>
+            </a:schemeClr>
+          </a:solidFill>
+          <a:prstDash val="solid"/>
+        </a:ln>
+        <a:effectLst/>
+      </dsp:spPr>
+      <dsp:style>
+        <a:lnRef idx="2">
+          <a:scrgbClr r="0" g="0" b="0"/>
+        </a:lnRef>
+        <a:fillRef idx="1">
+          <a:scrgbClr r="0" g="0" b="0"/>
+        </a:fillRef>
+        <a:effectRef idx="0">
+          <a:scrgbClr r="0" g="0" b="0"/>
+        </a:effectRef>
+        <a:fontRef idx="minor">
+          <a:schemeClr val="lt1"/>
+        </a:fontRef>
+      </dsp:style>
+      <dsp:txBody>
+        <a:bodyPr spcFirstLastPara="0" vert="horz" wrap="square" lIns="102870" tIns="102870" rIns="102870" bIns="102870" numCol="1" spcCol="1270" anchor="ctr" anchorCtr="0">
+          <a:noAutofit/>
+        </a:bodyPr>
+        <a:lstStyle/>
+        <a:p>
+          <a:pPr marL="0" lvl="0" indent="0" algn="l" defTabSz="1200150">
+            <a:lnSpc>
+              <a:spcPct val="90000"/>
+            </a:lnSpc>
+            <a:spcBef>
+              <a:spcPct val="0"/>
+            </a:spcBef>
+            <a:spcAft>
+              <a:spcPct val="35000"/>
+            </a:spcAft>
+            <a:buNone/>
+          </a:pPr>
+          <a:r>
+            <a:rPr lang="en-GB" sz="2700" kern="1200" dirty="0"/>
+            <a:t>Clients with unrealistic expectations</a:t>
+          </a:r>
+          <a:endParaRPr lang="fr-FR" sz="2700" kern="1200" dirty="0"/>
+        </a:p>
+      </dsp:txBody>
+      <dsp:txXfrm>
+        <a:off x="31613" y="1858613"/>
+        <a:ext cx="9995173" cy="584369"/>
+      </dsp:txXfrm>
+    </dsp:sp>
+    <dsp:sp modelId="{7FF74AE6-0561-4B83-AE82-5C0153F61877}">
+      <dsp:nvSpPr>
+        <dsp:cNvPr id="0" name=""/>
+        <dsp:cNvSpPr/>
+      </dsp:nvSpPr>
+      <dsp:spPr>
+        <a:xfrm>
+          <a:off x="0" y="2474595"/>
+          <a:ext cx="10058399" cy="447120"/>
+        </a:xfrm>
+        <a:prstGeom prst="rect">
+          <a:avLst/>
+        </a:prstGeom>
+        <a:noFill/>
+        <a:ln>
+          <a:noFill/>
+        </a:ln>
+        <a:effectLst/>
+      </dsp:spPr>
+      <dsp:style>
+        <a:lnRef idx="0">
+          <a:scrgbClr r="0" g="0" b="0"/>
+        </a:lnRef>
+        <a:fillRef idx="0">
+          <a:scrgbClr r="0" g="0" b="0"/>
+        </a:fillRef>
+        <a:effectRef idx="0">
+          <a:scrgbClr r="0" g="0" b="0"/>
+        </a:effectRef>
+        <a:fontRef idx="minor"/>
+      </dsp:style>
+      <dsp:txBody>
+        <a:bodyPr spcFirstLastPara="0" vert="horz" wrap="square" lIns="319354" tIns="34290" rIns="192024" bIns="34290" numCol="1" spcCol="1270" anchor="t" anchorCtr="0">
+          <a:noAutofit/>
+        </a:bodyPr>
+        <a:lstStyle/>
+        <a:p>
+          <a:pPr marL="228600" lvl="1" indent="-228600" algn="l" defTabSz="933450">
+            <a:lnSpc>
+              <a:spcPct val="90000"/>
+            </a:lnSpc>
+            <a:spcBef>
+              <a:spcPct val="0"/>
+            </a:spcBef>
+            <a:spcAft>
+              <a:spcPct val="20000"/>
+            </a:spcAft>
+            <a:buChar char="•"/>
+          </a:pPr>
+          <a:r>
+            <a:rPr lang="en-GB" sz="2100" kern="1200"/>
+            <a:t>for </a:t>
+          </a:r>
+          <a:r>
+            <a:rPr lang="en-GB" sz="2100" kern="1200" dirty="0"/>
+            <a:t>budget to work ratio</a:t>
+          </a:r>
+          <a:endParaRPr lang="fr-FR" sz="2100" kern="1200" dirty="0"/>
+        </a:p>
+      </dsp:txBody>
+      <dsp:txXfrm>
+        <a:off x="0" y="2474595"/>
+        <a:ext cx="10058399" cy="447120"/>
+      </dsp:txXfrm>
+    </dsp:sp>
+    <dsp:sp modelId="{CBB52A29-2E0B-45A1-A5E7-E3894D0AD932}">
+      <dsp:nvSpPr>
+        <dsp:cNvPr id="0" name=""/>
+        <dsp:cNvSpPr/>
+      </dsp:nvSpPr>
+      <dsp:spPr>
+        <a:xfrm>
+          <a:off x="0" y="2921715"/>
+          <a:ext cx="10058399" cy="647595"/>
+        </a:xfrm>
+        <a:prstGeom prst="roundRect">
+          <a:avLst/>
+        </a:prstGeom>
+        <a:solidFill>
+          <a:schemeClr val="accent1">
+            <a:hueOff val="0"/>
+            <a:satOff val="0"/>
+            <a:lumOff val="0"/>
+            <a:alphaOff val="0"/>
+          </a:schemeClr>
+        </a:solidFill>
+        <a:ln w="15875" cap="flat" cmpd="sng" algn="ctr">
+          <a:solidFill>
+            <a:schemeClr val="lt1">
+              <a:hueOff val="0"/>
+              <a:satOff val="0"/>
+              <a:lumOff val="0"/>
+              <a:alphaOff val="0"/>
+            </a:schemeClr>
+          </a:solidFill>
+          <a:prstDash val="solid"/>
+        </a:ln>
+        <a:effectLst/>
+      </dsp:spPr>
+      <dsp:style>
+        <a:lnRef idx="2">
+          <a:scrgbClr r="0" g="0" b="0"/>
+        </a:lnRef>
+        <a:fillRef idx="1">
+          <a:scrgbClr r="0" g="0" b="0"/>
+        </a:fillRef>
+        <a:effectRef idx="0">
+          <a:scrgbClr r="0" g="0" b="0"/>
+        </a:effectRef>
+        <a:fontRef idx="minor">
+          <a:schemeClr val="lt1"/>
+        </a:fontRef>
+      </dsp:style>
+      <dsp:txBody>
+        <a:bodyPr spcFirstLastPara="0" vert="horz" wrap="square" lIns="102870" tIns="102870" rIns="102870" bIns="102870" numCol="1" spcCol="1270" anchor="ctr" anchorCtr="0">
+          <a:noAutofit/>
+        </a:bodyPr>
+        <a:lstStyle/>
+        <a:p>
+          <a:pPr marL="0" lvl="0" indent="0" algn="l" defTabSz="1200150">
+            <a:lnSpc>
+              <a:spcPct val="90000"/>
+            </a:lnSpc>
+            <a:spcBef>
+              <a:spcPct val="0"/>
+            </a:spcBef>
+            <a:spcAft>
+              <a:spcPct val="35000"/>
+            </a:spcAft>
+            <a:buNone/>
+          </a:pPr>
+          <a:r>
+            <a:rPr lang="en-GB" sz="2700" kern="1200" dirty="0"/>
+            <a:t>Jobs where the client has no activity</a:t>
+          </a:r>
+          <a:endParaRPr lang="fr-FR" sz="2700" kern="1200" dirty="0"/>
+        </a:p>
+      </dsp:txBody>
+      <dsp:txXfrm>
+        <a:off x="31613" y="2953328"/>
+        <a:ext cx="9995173" cy="584369"/>
+      </dsp:txXfrm>
+    </dsp:sp>
+    <dsp:sp modelId="{25C0FC2C-512F-4411-8CE4-569413B412C9}">
+      <dsp:nvSpPr>
+        <dsp:cNvPr id="0" name=""/>
+        <dsp:cNvSpPr/>
+      </dsp:nvSpPr>
+      <dsp:spPr>
+        <a:xfrm>
+          <a:off x="0" y="3569310"/>
+          <a:ext cx="10058399" cy="447120"/>
+        </a:xfrm>
+        <a:prstGeom prst="rect">
+          <a:avLst/>
+        </a:prstGeom>
+        <a:noFill/>
+        <a:ln>
+          <a:noFill/>
+        </a:ln>
+        <a:effectLst/>
+      </dsp:spPr>
+      <dsp:style>
+        <a:lnRef idx="0">
+          <a:scrgbClr r="0" g="0" b="0"/>
+        </a:lnRef>
+        <a:fillRef idx="0">
+          <a:scrgbClr r="0" g="0" b="0"/>
+        </a:fillRef>
+        <a:effectRef idx="0">
+          <a:scrgbClr r="0" g="0" b="0"/>
+        </a:effectRef>
+        <a:fontRef idx="minor"/>
+      </dsp:style>
+      <dsp:txBody>
+        <a:bodyPr spcFirstLastPara="0" vert="horz" wrap="square" lIns="319354" tIns="34290" rIns="192024" bIns="34290" numCol="1" spcCol="1270" anchor="t" anchorCtr="0">
+          <a:noAutofit/>
+        </a:bodyPr>
+        <a:lstStyle/>
+        <a:p>
+          <a:pPr marL="228600" lvl="1" indent="-228600" algn="l" defTabSz="933450">
+            <a:lnSpc>
+              <a:spcPct val="90000"/>
+            </a:lnSpc>
+            <a:spcBef>
+              <a:spcPct val="0"/>
+            </a:spcBef>
+            <a:spcAft>
+              <a:spcPct val="20000"/>
+            </a:spcAft>
+            <a:buChar char="•"/>
+          </a:pPr>
+          <a:r>
+            <a:rPr lang="en-GB" sz="2100" kern="1200" dirty="0"/>
+            <a:t> on the posting for 1+ week</a:t>
+          </a:r>
+          <a:endParaRPr lang="fr-FR" sz="2100" kern="1200" dirty="0"/>
+        </a:p>
+      </dsp:txBody>
+      <dsp:txXfrm>
+        <a:off x="0" y="3569310"/>
+        <a:ext cx="10058399" cy="447120"/>
+      </dsp:txXfrm>
+    </dsp:sp>
   </dsp:spTree>
 </dsp:drawing>
 </file>
@@ -22885,8 +23224,8 @@
       </dsp:nvSpPr>
       <dsp:spPr>
         <a:xfrm>
-          <a:off x="0" y="288067"/>
-          <a:ext cx="10058399" cy="719549"/>
+          <a:off x="0" y="52492"/>
+          <a:ext cx="10058399" cy="647595"/>
         </a:xfrm>
         <a:prstGeom prst="roundRect">
           <a:avLst/>
@@ -22927,12 +23266,12 @@
         </a:fontRef>
       </dsp:style>
       <dsp:txBody>
-        <a:bodyPr spcFirstLastPara="0" vert="horz" wrap="square" lIns="114300" tIns="114300" rIns="114300" bIns="114300" numCol="1" spcCol="1270" anchor="ctr" anchorCtr="0">
+        <a:bodyPr spcFirstLastPara="0" vert="horz" wrap="square" lIns="102870" tIns="102870" rIns="102870" bIns="102870" numCol="1" spcCol="1270" anchor="ctr" anchorCtr="0">
           <a:noAutofit/>
         </a:bodyPr>
         <a:lstStyle/>
         <a:p>
-          <a:pPr marL="0" lvl="0" indent="0" algn="l" defTabSz="1333500">
+          <a:pPr marL="0" lvl="0" indent="0" algn="l" defTabSz="1200150">
             <a:lnSpc>
               <a:spcPct val="90000"/>
             </a:lnSpc>
@@ -22945,26 +23284,26 @@
             <a:buNone/>
           </a:pPr>
           <a:r>
-            <a:rPr lang="en-GB" sz="3000" kern="1200" dirty="0"/>
-            <a:t>You receive 50 connect tokens upon registration with Upwork </a:t>
+            <a:rPr lang="en-GB" sz="2700" kern="1200" dirty="0"/>
+            <a:t>Your Upwork profile skills and title need to match your bid</a:t>
           </a:r>
-          <a:endParaRPr lang="fr-FR" sz="3000" kern="1200" dirty="0"/>
+          <a:endParaRPr lang="fr-FR" sz="2700" kern="1200" dirty="0"/>
         </a:p>
       </dsp:txBody>
       <dsp:txXfrm>
-        <a:off x="35125" y="323192"/>
-        <a:ext cx="9988149" cy="649299"/>
+        <a:off x="31613" y="84105"/>
+        <a:ext cx="9995173" cy="584369"/>
       </dsp:txXfrm>
     </dsp:sp>
-    <dsp:sp modelId="{24D76D80-A5A0-458C-81D5-C6551B28A914}">
+    <dsp:sp modelId="{5A366BCC-1A09-4AA5-9CEC-CA867D80E834}">
       <dsp:nvSpPr>
         <dsp:cNvPr id="0" name=""/>
         <dsp:cNvSpPr/>
       </dsp:nvSpPr>
       <dsp:spPr>
         <a:xfrm>
-          <a:off x="0" y="1007617"/>
-          <a:ext cx="10058399" cy="791774"/>
+          <a:off x="0" y="700087"/>
+          <a:ext cx="10058399" cy="447120"/>
         </a:xfrm>
         <a:prstGeom prst="rect">
           <a:avLst/>
@@ -22988,12 +23327,12 @@
         <a:fontRef idx="minor"/>
       </dsp:style>
       <dsp:txBody>
-        <a:bodyPr spcFirstLastPara="0" vert="horz" wrap="square" lIns="319354" tIns="38100" rIns="213360" bIns="38100" numCol="1" spcCol="1270" anchor="t" anchorCtr="0">
+        <a:bodyPr spcFirstLastPara="0" vert="horz" wrap="square" lIns="319354" tIns="34290" rIns="192024" bIns="34290" numCol="1" spcCol="1270" anchor="t" anchorCtr="0">
           <a:noAutofit/>
         </a:bodyPr>
         <a:lstStyle/>
         <a:p>
-          <a:pPr marL="228600" lvl="1" indent="-228600" algn="l" defTabSz="1022350">
+          <a:pPr marL="228600" lvl="1" indent="-228600" algn="l" defTabSz="933450">
             <a:lnSpc>
               <a:spcPct val="90000"/>
             </a:lnSpc>
@@ -23006,45 +23345,26 @@
             <a:buChar char="•"/>
           </a:pPr>
           <a:r>
-            <a:rPr lang="en-GB" sz="2300" kern="1200" dirty="0"/>
-            <a:t>Used for bidding on projects – projects require 8 tokens per bid on average</a:t>
+            <a:rPr lang="en-GB" sz="2100" kern="1200" dirty="0"/>
+            <a:t>so keep updating your profile with every bid </a:t>
           </a:r>
-          <a:endParaRPr lang="fr-FR" sz="2300" kern="1200" dirty="0"/>
-        </a:p>
-        <a:p>
-          <a:pPr marL="457200" lvl="2" indent="-228600" algn="l" defTabSz="1022350">
-            <a:lnSpc>
-              <a:spcPct val="90000"/>
-            </a:lnSpc>
-            <a:spcBef>
-              <a:spcPct val="0"/>
-            </a:spcBef>
-            <a:spcAft>
-              <a:spcPct val="20000"/>
-            </a:spcAft>
-            <a:buChar char="•"/>
-          </a:pPr>
-          <a:r>
-            <a:rPr lang="en-GB" sz="2300" kern="1200" dirty="0"/>
-            <a:t>Can bid on 6 projects in first month with free tokens</a:t>
-          </a:r>
-          <a:endParaRPr lang="fr-FR" sz="2300" kern="1200" dirty="0"/>
+          <a:endParaRPr lang="fr-FR" sz="2100" kern="1200" dirty="0"/>
         </a:p>
       </dsp:txBody>
       <dsp:txXfrm>
-        <a:off x="0" y="1007617"/>
-        <a:ext cx="10058399" cy="791774"/>
+        <a:off x="0" y="700087"/>
+        <a:ext cx="10058399" cy="447120"/>
       </dsp:txXfrm>
     </dsp:sp>
-    <dsp:sp modelId="{B9E5B0A1-339E-4F78-A82D-50EC62F48454}">
+    <dsp:sp modelId="{8DAB8565-8E6D-4A5B-9379-7729D0A5812E}">
       <dsp:nvSpPr>
         <dsp:cNvPr id="0" name=""/>
         <dsp:cNvSpPr/>
       </dsp:nvSpPr>
       <dsp:spPr>
         <a:xfrm>
-          <a:off x="0" y="1799392"/>
-          <a:ext cx="10058399" cy="719549"/>
+          <a:off x="0" y="1147207"/>
+          <a:ext cx="10058399" cy="647595"/>
         </a:xfrm>
         <a:prstGeom prst="roundRect">
           <a:avLst/>
@@ -23085,12 +23405,12 @@
         </a:fontRef>
       </dsp:style>
       <dsp:txBody>
-        <a:bodyPr spcFirstLastPara="0" vert="horz" wrap="square" lIns="114300" tIns="114300" rIns="114300" bIns="114300" numCol="1" spcCol="1270" anchor="ctr" anchorCtr="0">
+        <a:bodyPr spcFirstLastPara="0" vert="horz" wrap="square" lIns="102870" tIns="102870" rIns="102870" bIns="102870" numCol="1" spcCol="1270" anchor="ctr" anchorCtr="0">
           <a:noAutofit/>
         </a:bodyPr>
         <a:lstStyle/>
         <a:p>
-          <a:pPr marL="0" lvl="0" indent="0" algn="l" defTabSz="1333500">
+          <a:pPr marL="0" lvl="0" indent="0" algn="l" defTabSz="1200150">
             <a:lnSpc>
               <a:spcPct val="90000"/>
             </a:lnSpc>
@@ -23103,87 +23423,26 @@
             <a:buNone/>
           </a:pPr>
           <a:r>
-            <a:rPr lang="en-GB" sz="3000" kern="1200" dirty="0"/>
-            <a:t>10 Connect token = Rs 66 </a:t>
+            <a:rPr lang="en-GB" sz="2700" kern="1200" dirty="0"/>
+            <a:t>Set Profile visibility as Public</a:t>
           </a:r>
-          <a:endParaRPr lang="fr-FR" sz="3000" kern="1200" dirty="0"/>
+          <a:endParaRPr lang="fr-FR" sz="2700" kern="1200" dirty="0"/>
         </a:p>
       </dsp:txBody>
       <dsp:txXfrm>
-        <a:off x="35125" y="1834517"/>
-        <a:ext cx="9988149" cy="649299"/>
+        <a:off x="31613" y="1178820"/>
+        <a:ext cx="9995173" cy="584369"/>
       </dsp:txXfrm>
     </dsp:sp>
-    <dsp:sp modelId="{FDA67E1B-BCA9-4192-8BB7-4CC2CA504109}">
+    <dsp:sp modelId="{554DF69B-60AF-44C3-A0C6-DC70B57CF0EF}">
       <dsp:nvSpPr>
         <dsp:cNvPr id="0" name=""/>
         <dsp:cNvSpPr/>
       </dsp:nvSpPr>
       <dsp:spPr>
         <a:xfrm>
-          <a:off x="0" y="2518942"/>
-          <a:ext cx="10058399" cy="496800"/>
-        </a:xfrm>
-        <a:prstGeom prst="rect">
-          <a:avLst/>
-        </a:prstGeom>
-        <a:noFill/>
-        <a:ln>
-          <a:noFill/>
-        </a:ln>
-        <a:effectLst/>
-      </dsp:spPr>
-      <dsp:style>
-        <a:lnRef idx="0">
-          <a:scrgbClr r="0" g="0" b="0"/>
-        </a:lnRef>
-        <a:fillRef idx="0">
-          <a:scrgbClr r="0" g="0" b="0"/>
-        </a:fillRef>
-        <a:effectRef idx="0">
-          <a:scrgbClr r="0" g="0" b="0"/>
-        </a:effectRef>
-        <a:fontRef idx="minor"/>
-      </dsp:style>
-      <dsp:txBody>
-        <a:bodyPr spcFirstLastPara="0" vert="horz" wrap="square" lIns="319354" tIns="38100" rIns="213360" bIns="38100" numCol="1" spcCol="1270" anchor="t" anchorCtr="0">
-          <a:noAutofit/>
-        </a:bodyPr>
-        <a:lstStyle/>
-        <a:p>
-          <a:pPr marL="228600" lvl="1" indent="-228600" algn="l" defTabSz="1022350">
-            <a:lnSpc>
-              <a:spcPct val="90000"/>
-            </a:lnSpc>
-            <a:spcBef>
-              <a:spcPct val="0"/>
-            </a:spcBef>
-            <a:spcAft>
-              <a:spcPct val="20000"/>
-            </a:spcAft>
-            <a:buChar char="•"/>
-          </a:pPr>
-          <a:r>
-            <a:rPr lang="en-GB" sz="2300" kern="1200" dirty="0"/>
-            <a:t>1 bid = Rs 66</a:t>
-          </a:r>
-          <a:endParaRPr lang="fr-FR" sz="2300" kern="1200" dirty="0"/>
-        </a:p>
-      </dsp:txBody>
-      <dsp:txXfrm>
-        <a:off x="0" y="2518942"/>
-        <a:ext cx="10058399" cy="496800"/>
-      </dsp:txXfrm>
-    </dsp:sp>
-    <dsp:sp modelId="{07F4A808-2C8B-4C54-8E7F-3EEBEB0823F5}">
-      <dsp:nvSpPr>
-        <dsp:cNvPr id="0" name=""/>
-        <dsp:cNvSpPr/>
-      </dsp:nvSpPr>
-      <dsp:spPr>
-        <a:xfrm>
-          <a:off x="0" y="3015742"/>
-          <a:ext cx="10058399" cy="719549"/>
+          <a:off x="0" y="1872562"/>
+          <a:ext cx="10058399" cy="647595"/>
         </a:xfrm>
         <a:prstGeom prst="roundRect">
           <a:avLst/>
@@ -23224,12 +23483,12 @@
         </a:fontRef>
       </dsp:style>
       <dsp:txBody>
-        <a:bodyPr spcFirstLastPara="0" vert="horz" wrap="square" lIns="114300" tIns="114300" rIns="114300" bIns="114300" numCol="1" spcCol="1270" anchor="ctr" anchorCtr="0">
+        <a:bodyPr spcFirstLastPara="0" vert="horz" wrap="square" lIns="102870" tIns="102870" rIns="102870" bIns="102870" numCol="1" spcCol="1270" anchor="ctr" anchorCtr="0">
           <a:noAutofit/>
         </a:bodyPr>
         <a:lstStyle/>
         <a:p>
-          <a:pPr marL="0" lvl="0" indent="0" algn="l" defTabSz="1333500">
+          <a:pPr marL="0" lvl="0" indent="0" algn="l" defTabSz="1200150">
             <a:lnSpc>
               <a:spcPct val="90000"/>
             </a:lnSpc>
@@ -23242,38 +23501,26 @@
             <a:buNone/>
           </a:pPr>
           <a:r>
-            <a:rPr lang="en-GB" sz="3000" kern="1200" dirty="0"/>
-            <a:t>Connect tokens last 1 year</a:t>
+            <a:rPr lang="en-GB" sz="2700" kern="1200" dirty="0"/>
+            <a:t>Turn on availability on minimum connects/week</a:t>
           </a:r>
-          <a:endParaRPr lang="fr-FR" sz="3000" kern="1200" dirty="0"/>
+          <a:endParaRPr lang="fr-FR" sz="2700" kern="1200" dirty="0"/>
         </a:p>
       </dsp:txBody>
       <dsp:txXfrm>
-        <a:off x="35125" y="3050867"/>
-        <a:ext cx="9988149" cy="649299"/>
+        <a:off x="31613" y="1904175"/>
+        <a:ext cx="9995173" cy="584369"/>
       </dsp:txXfrm>
     </dsp:sp>
-  </dsp:spTree>
-</dsp:drawing>
-</file>
-
-<file path=ppt/diagrams/drawing9.xml><?xml version="1.0" encoding="utf-8"?>
-<dsp:drawing xmlns:dgm="http://schemas.openxmlformats.org/drawingml/2006/diagram" xmlns:dsp="http://schemas.microsoft.com/office/drawing/2008/diagram" xmlns:a="http://schemas.openxmlformats.org/drawingml/2006/main">
-  <dsp:spTree>
-    <dsp:nvGrpSpPr>
-      <dsp:cNvPr id="0" name=""/>
-      <dsp:cNvGrpSpPr/>
-    </dsp:nvGrpSpPr>
-    <dsp:grpSpPr/>
-    <dsp:sp modelId="{97801DC3-E45E-4407-8380-1A527E95FBFB}">
+    <dsp:sp modelId="{221B786C-59EC-4569-9511-7A4C9AE7E17C}">
       <dsp:nvSpPr>
         <dsp:cNvPr id="0" name=""/>
         <dsp:cNvSpPr/>
       </dsp:nvSpPr>
       <dsp:spPr>
         <a:xfrm>
-          <a:off x="0" y="549359"/>
-          <a:ext cx="10058399" cy="767520"/>
+          <a:off x="0" y="2597917"/>
+          <a:ext cx="10058399" cy="647595"/>
         </a:xfrm>
         <a:prstGeom prst="roundRect">
           <a:avLst/>
@@ -23314,12 +23561,12 @@
         </a:fontRef>
       </dsp:style>
       <dsp:txBody>
-        <a:bodyPr spcFirstLastPara="0" vert="horz" wrap="square" lIns="121920" tIns="121920" rIns="121920" bIns="121920" numCol="1" spcCol="1270" anchor="ctr" anchorCtr="0">
+        <a:bodyPr spcFirstLastPara="0" vert="horz" wrap="square" lIns="102870" tIns="102870" rIns="102870" bIns="102870" numCol="1" spcCol="1270" anchor="ctr" anchorCtr="0">
           <a:noAutofit/>
         </a:bodyPr>
         <a:lstStyle/>
         <a:p>
-          <a:pPr marL="0" lvl="0" indent="0" algn="l" defTabSz="1422400">
+          <a:pPr marL="0" lvl="0" indent="0" algn="l" defTabSz="1200150">
             <a:lnSpc>
               <a:spcPct val="90000"/>
             </a:lnSpc>
@@ -23332,95 +23579,26 @@
             <a:buNone/>
           </a:pPr>
           <a:r>
-            <a:rPr lang="en-GB" sz="3200" kern="1200" dirty="0"/>
-            <a:t>Your </a:t>
+            <a:rPr lang="en-GB" sz="2700" kern="1200" dirty="0"/>
+            <a:t>Add a profile video based on your CV</a:t>
           </a:r>
-          <a:r>
-            <a:rPr lang="en-GB" sz="3200" kern="1200" dirty="0" err="1"/>
-            <a:t>upwork</a:t>
-          </a:r>
-          <a:r>
-            <a:rPr lang="en-GB" sz="3200" kern="1200" dirty="0"/>
-            <a:t> profile skills and title need to match your bid</a:t>
-          </a:r>
-          <a:endParaRPr lang="fr-FR" sz="3200" kern="1200" dirty="0"/>
+          <a:endParaRPr lang="fr-FR" sz="2700" kern="1200" dirty="0"/>
         </a:p>
       </dsp:txBody>
       <dsp:txXfrm>
-        <a:off x="37467" y="586826"/>
-        <a:ext cx="9983465" cy="692586"/>
+        <a:off x="31613" y="2629530"/>
+        <a:ext cx="9995173" cy="584369"/>
       </dsp:txXfrm>
     </dsp:sp>
-    <dsp:sp modelId="{5A366BCC-1A09-4AA5-9CEC-CA867D80E834}">
+    <dsp:sp modelId="{A7BD2DFC-DC29-4E9F-82A8-69D1B55150C9}">
       <dsp:nvSpPr>
         <dsp:cNvPr id="0" name=""/>
         <dsp:cNvSpPr/>
       </dsp:nvSpPr>
       <dsp:spPr>
         <a:xfrm>
-          <a:off x="0" y="1316880"/>
-          <a:ext cx="10058399" cy="529920"/>
-        </a:xfrm>
-        <a:prstGeom prst="rect">
-          <a:avLst/>
-        </a:prstGeom>
-        <a:noFill/>
-        <a:ln>
-          <a:noFill/>
-        </a:ln>
-        <a:effectLst/>
-      </dsp:spPr>
-      <dsp:style>
-        <a:lnRef idx="0">
-          <a:scrgbClr r="0" g="0" b="0"/>
-        </a:lnRef>
-        <a:fillRef idx="0">
-          <a:scrgbClr r="0" g="0" b="0"/>
-        </a:fillRef>
-        <a:effectRef idx="0">
-          <a:scrgbClr r="0" g="0" b="0"/>
-        </a:effectRef>
-        <a:fontRef idx="minor"/>
-      </dsp:style>
-      <dsp:txBody>
-        <a:bodyPr spcFirstLastPara="0" vert="horz" wrap="square" lIns="319354" tIns="40640" rIns="227584" bIns="40640" numCol="1" spcCol="1270" anchor="t" anchorCtr="0">
-          <a:noAutofit/>
-        </a:bodyPr>
-        <a:lstStyle/>
-        <a:p>
-          <a:pPr marL="228600" lvl="1" indent="-228600" algn="l" defTabSz="1111250">
-            <a:lnSpc>
-              <a:spcPct val="90000"/>
-            </a:lnSpc>
-            <a:spcBef>
-              <a:spcPct val="0"/>
-            </a:spcBef>
-            <a:spcAft>
-              <a:spcPct val="20000"/>
-            </a:spcAft>
-            <a:buChar char="•"/>
-          </a:pPr>
-          <a:r>
-            <a:rPr lang="en-GB" sz="2500" kern="1200" dirty="0"/>
-            <a:t>so keep updating your profile with every bid </a:t>
-          </a:r>
-          <a:endParaRPr lang="fr-FR" sz="2500" kern="1200" dirty="0"/>
-        </a:p>
-      </dsp:txBody>
-      <dsp:txXfrm>
-        <a:off x="0" y="1316880"/>
-        <a:ext cx="10058399" cy="529920"/>
-      </dsp:txXfrm>
-    </dsp:sp>
-    <dsp:sp modelId="{8DAB8565-8E6D-4A5B-9379-7729D0A5812E}">
-      <dsp:nvSpPr>
-        <dsp:cNvPr id="0" name=""/>
-        <dsp:cNvSpPr/>
-      </dsp:nvSpPr>
-      <dsp:spPr>
-        <a:xfrm>
-          <a:off x="0" y="1846800"/>
-          <a:ext cx="10058399" cy="767520"/>
+          <a:off x="0" y="3323272"/>
+          <a:ext cx="10058399" cy="647595"/>
         </a:xfrm>
         <a:prstGeom prst="roundRect">
           <a:avLst/>
@@ -23461,12 +23639,12 @@
         </a:fontRef>
       </dsp:style>
       <dsp:txBody>
-        <a:bodyPr spcFirstLastPara="0" vert="horz" wrap="square" lIns="121920" tIns="121920" rIns="121920" bIns="121920" numCol="1" spcCol="1270" anchor="ctr" anchorCtr="0">
+        <a:bodyPr spcFirstLastPara="0" vert="horz" wrap="square" lIns="102870" tIns="102870" rIns="102870" bIns="102870" numCol="1" spcCol="1270" anchor="ctr" anchorCtr="0">
           <a:noAutofit/>
         </a:bodyPr>
         <a:lstStyle/>
         <a:p>
-          <a:pPr marL="0" lvl="0" indent="0" algn="l" defTabSz="1422400">
+          <a:pPr marL="0" lvl="0" indent="0" algn="l" defTabSz="1200150">
             <a:lnSpc>
               <a:spcPct val="90000"/>
             </a:lnSpc>
@@ -23479,26 +23657,38 @@
             <a:buNone/>
           </a:pPr>
           <a:r>
-            <a:rPr lang="en-GB" sz="3200" kern="1200" dirty="0"/>
-            <a:t>Set Profile visibility as Public</a:t>
+            <a:rPr lang="en-GB" sz="2700" kern="1200" dirty="0"/>
+            <a:t>Be ID verified</a:t>
           </a:r>
-          <a:endParaRPr lang="fr-FR" sz="3200" kern="1200" dirty="0"/>
+          <a:endParaRPr lang="fr-FR" sz="2700" kern="1200" dirty="0"/>
         </a:p>
       </dsp:txBody>
       <dsp:txXfrm>
-        <a:off x="37467" y="1884267"/>
-        <a:ext cx="9983465" cy="692586"/>
+        <a:off x="31613" y="3354885"/>
+        <a:ext cx="9995173" cy="584369"/>
       </dsp:txXfrm>
     </dsp:sp>
-    <dsp:sp modelId="{554DF69B-60AF-44C3-A0C6-DC70B57CF0EF}">
+  </dsp:spTree>
+</dsp:drawing>
+</file>
+
+<file path=ppt/diagrams/drawing9.xml><?xml version="1.0" encoding="utf-8"?>
+<dsp:drawing xmlns:dgm="http://schemas.openxmlformats.org/drawingml/2006/diagram" xmlns:dsp="http://schemas.microsoft.com/office/drawing/2008/diagram" xmlns:a="http://schemas.openxmlformats.org/drawingml/2006/main">
+  <dsp:spTree>
+    <dsp:nvGrpSpPr>
+      <dsp:cNvPr id="0" name=""/>
+      <dsp:cNvGrpSpPr/>
+    </dsp:nvGrpSpPr>
+    <dsp:grpSpPr/>
+    <dsp:sp modelId="{97801DC3-E45E-4407-8380-1A527E95FBFB}">
       <dsp:nvSpPr>
         <dsp:cNvPr id="0" name=""/>
         <dsp:cNvSpPr/>
       </dsp:nvSpPr>
       <dsp:spPr>
         <a:xfrm>
-          <a:off x="0" y="2706480"/>
-          <a:ext cx="10058399" cy="767520"/>
+          <a:off x="0" y="27629"/>
+          <a:ext cx="10058399" cy="959400"/>
         </a:xfrm>
         <a:prstGeom prst="roundRect">
           <a:avLst/>
@@ -23539,12 +23729,12 @@
         </a:fontRef>
       </dsp:style>
       <dsp:txBody>
-        <a:bodyPr spcFirstLastPara="0" vert="horz" wrap="square" lIns="121920" tIns="121920" rIns="121920" bIns="121920" numCol="1" spcCol="1270" anchor="ctr" anchorCtr="0">
+        <a:bodyPr spcFirstLastPara="0" vert="horz" wrap="square" lIns="152400" tIns="152400" rIns="152400" bIns="152400" numCol="1" spcCol="1270" anchor="ctr" anchorCtr="0">
           <a:noAutofit/>
         </a:bodyPr>
         <a:lstStyle/>
         <a:p>
-          <a:pPr marL="0" lvl="0" indent="0" algn="l" defTabSz="1422400">
+          <a:pPr marL="0" lvl="0" indent="0" algn="l" defTabSz="1778000">
             <a:lnSpc>
               <a:spcPct val="90000"/>
             </a:lnSpc>
@@ -23557,15 +23747,242 @@
             <a:buNone/>
           </a:pPr>
           <a:r>
-            <a:rPr lang="en-GB" sz="3200" kern="1200" dirty="0"/>
-            <a:t>Turn on availability on minimum connects/week</a:t>
+            <a:rPr lang="en-GB" sz="4000" kern="1200" dirty="0"/>
+            <a:t>Add non-</a:t>
           </a:r>
-          <a:endParaRPr lang="fr-FR" sz="3200" kern="1200" dirty="0"/>
+          <a:r>
+            <a:rPr lang="en-GB" sz="4000" kern="1200" dirty="0" err="1"/>
+            <a:t>upwork</a:t>
+          </a:r>
+          <a:r>
+            <a:rPr lang="en-GB" sz="4000" kern="1200" dirty="0"/>
+            <a:t> testimonials on Upwork, </a:t>
+          </a:r>
+          <a:endParaRPr lang="fr-FR" sz="4000" kern="1200" dirty="0"/>
         </a:p>
       </dsp:txBody>
       <dsp:txXfrm>
-        <a:off x="37467" y="2743947"/>
-        <a:ext cx="9983465" cy="692586"/>
+        <a:off x="46834" y="74463"/>
+        <a:ext cx="9964731" cy="865732"/>
+      </dsp:txXfrm>
+    </dsp:sp>
+    <dsp:sp modelId="{8E49EAAA-F4AF-4D2E-B4D9-FA1C396EFEEE}">
+      <dsp:nvSpPr>
+        <dsp:cNvPr id="0" name=""/>
+        <dsp:cNvSpPr/>
+      </dsp:nvSpPr>
+      <dsp:spPr>
+        <a:xfrm>
+          <a:off x="0" y="987029"/>
+          <a:ext cx="10058399" cy="972900"/>
+        </a:xfrm>
+        <a:prstGeom prst="rect">
+          <a:avLst/>
+        </a:prstGeom>
+        <a:noFill/>
+        <a:ln>
+          <a:noFill/>
+        </a:ln>
+        <a:effectLst/>
+      </dsp:spPr>
+      <dsp:style>
+        <a:lnRef idx="0">
+          <a:scrgbClr r="0" g="0" b="0"/>
+        </a:lnRef>
+        <a:fillRef idx="0">
+          <a:scrgbClr r="0" g="0" b="0"/>
+        </a:fillRef>
+        <a:effectRef idx="0">
+          <a:scrgbClr r="0" g="0" b="0"/>
+        </a:effectRef>
+        <a:fontRef idx="minor"/>
+      </dsp:style>
+      <dsp:txBody>
+        <a:bodyPr spcFirstLastPara="0" vert="horz" wrap="square" lIns="319354" tIns="50800" rIns="284480" bIns="50800" numCol="1" spcCol="1270" anchor="t" anchorCtr="0">
+          <a:noAutofit/>
+        </a:bodyPr>
+        <a:lstStyle/>
+        <a:p>
+          <a:pPr marL="285750" lvl="1" indent="-285750" algn="l" defTabSz="1377950">
+            <a:lnSpc>
+              <a:spcPct val="90000"/>
+            </a:lnSpc>
+            <a:spcBef>
+              <a:spcPct val="0"/>
+            </a:spcBef>
+            <a:spcAft>
+              <a:spcPct val="20000"/>
+            </a:spcAft>
+            <a:buChar char="•"/>
+          </a:pPr>
+          <a:r>
+            <a:rPr lang="en-GB" sz="3100" kern="1200" dirty="0"/>
+            <a:t>send testimonials requests from Upwork to your client’s email</a:t>
+          </a:r>
+          <a:endParaRPr lang="fr-FR" sz="3100" kern="1200" dirty="0"/>
+        </a:p>
+      </dsp:txBody>
+      <dsp:txXfrm>
+        <a:off x="0" y="987029"/>
+        <a:ext cx="10058399" cy="972900"/>
+      </dsp:txXfrm>
+    </dsp:sp>
+    <dsp:sp modelId="{E3CC0B01-4BF6-4423-AC3F-2D540B485E5E}">
+      <dsp:nvSpPr>
+        <dsp:cNvPr id="0" name=""/>
+        <dsp:cNvSpPr/>
+      </dsp:nvSpPr>
+      <dsp:spPr>
+        <a:xfrm>
+          <a:off x="0" y="1959930"/>
+          <a:ext cx="10058399" cy="959400"/>
+        </a:xfrm>
+        <a:prstGeom prst="roundRect">
+          <a:avLst/>
+        </a:prstGeom>
+        <a:solidFill>
+          <a:schemeClr val="accent1">
+            <a:hueOff val="0"/>
+            <a:satOff val="0"/>
+            <a:lumOff val="0"/>
+            <a:alphaOff val="0"/>
+          </a:schemeClr>
+        </a:solidFill>
+        <a:ln w="15875" cap="flat" cmpd="sng" algn="ctr">
+          <a:solidFill>
+            <a:schemeClr val="lt1">
+              <a:hueOff val="0"/>
+              <a:satOff val="0"/>
+              <a:lumOff val="0"/>
+              <a:alphaOff val="0"/>
+            </a:schemeClr>
+          </a:solidFill>
+          <a:prstDash val="solid"/>
+        </a:ln>
+        <a:effectLst/>
+      </dsp:spPr>
+      <dsp:style>
+        <a:lnRef idx="2">
+          <a:scrgbClr r="0" g="0" b="0"/>
+        </a:lnRef>
+        <a:fillRef idx="1">
+          <a:scrgbClr r="0" g="0" b="0"/>
+        </a:fillRef>
+        <a:effectRef idx="0">
+          <a:scrgbClr r="0" g="0" b="0"/>
+        </a:effectRef>
+        <a:fontRef idx="minor">
+          <a:schemeClr val="lt1"/>
+        </a:fontRef>
+      </dsp:style>
+      <dsp:txBody>
+        <a:bodyPr spcFirstLastPara="0" vert="horz" wrap="square" lIns="152400" tIns="152400" rIns="152400" bIns="152400" numCol="1" spcCol="1270" anchor="ctr" anchorCtr="0">
+          <a:noAutofit/>
+        </a:bodyPr>
+        <a:lstStyle/>
+        <a:p>
+          <a:pPr marL="0" lvl="0" indent="0" algn="l" defTabSz="1778000">
+            <a:lnSpc>
+              <a:spcPct val="90000"/>
+            </a:lnSpc>
+            <a:spcBef>
+              <a:spcPct val="0"/>
+            </a:spcBef>
+            <a:spcAft>
+              <a:spcPct val="35000"/>
+            </a:spcAft>
+            <a:buNone/>
+          </a:pPr>
+          <a:r>
+            <a:rPr lang="en-GB" sz="4000" kern="1200" dirty="0"/>
+            <a:t>Everyday, search jobs on Upwork which</a:t>
+          </a:r>
+          <a:endParaRPr lang="fr-FR" sz="4000" kern="1200" dirty="0"/>
+        </a:p>
+      </dsp:txBody>
+      <dsp:txXfrm>
+        <a:off x="46834" y="2006764"/>
+        <a:ext cx="9964731" cy="865732"/>
+      </dsp:txXfrm>
+    </dsp:sp>
+    <dsp:sp modelId="{67D67F61-5B69-408A-9403-4FD4E4463A3D}">
+      <dsp:nvSpPr>
+        <dsp:cNvPr id="0" name=""/>
+        <dsp:cNvSpPr/>
+      </dsp:nvSpPr>
+      <dsp:spPr>
+        <a:xfrm>
+          <a:off x="0" y="2919330"/>
+          <a:ext cx="10058399" cy="1076400"/>
+        </a:xfrm>
+        <a:prstGeom prst="rect">
+          <a:avLst/>
+        </a:prstGeom>
+        <a:noFill/>
+        <a:ln>
+          <a:noFill/>
+        </a:ln>
+        <a:effectLst/>
+      </dsp:spPr>
+      <dsp:style>
+        <a:lnRef idx="0">
+          <a:scrgbClr r="0" g="0" b="0"/>
+        </a:lnRef>
+        <a:fillRef idx="0">
+          <a:scrgbClr r="0" g="0" b="0"/>
+        </a:fillRef>
+        <a:effectRef idx="0">
+          <a:scrgbClr r="0" g="0" b="0"/>
+        </a:effectRef>
+        <a:fontRef idx="minor"/>
+      </dsp:style>
+      <dsp:txBody>
+        <a:bodyPr spcFirstLastPara="0" vert="horz" wrap="square" lIns="319354" tIns="50800" rIns="284480" bIns="50800" numCol="1" spcCol="1270" anchor="t" anchorCtr="0">
+          <a:noAutofit/>
+        </a:bodyPr>
+        <a:lstStyle/>
+        <a:p>
+          <a:pPr marL="285750" lvl="1" indent="-285750" algn="l" defTabSz="1377950">
+            <a:lnSpc>
+              <a:spcPct val="90000"/>
+            </a:lnSpc>
+            <a:spcBef>
+              <a:spcPct val="0"/>
+            </a:spcBef>
+            <a:spcAft>
+              <a:spcPct val="20000"/>
+            </a:spcAft>
+            <a:buChar char="•"/>
+          </a:pPr>
+          <a:r>
+            <a:rPr lang="en-GB" sz="3100" kern="1200" dirty="0"/>
+            <a:t>perfectly match your skillset, </a:t>
+          </a:r>
+          <a:endParaRPr lang="fr-FR" sz="3100" kern="1200" dirty="0"/>
+        </a:p>
+        <a:p>
+          <a:pPr marL="285750" lvl="1" indent="-285750" algn="l" defTabSz="1377950">
+            <a:lnSpc>
+              <a:spcPct val="90000"/>
+            </a:lnSpc>
+            <a:spcBef>
+              <a:spcPct val="0"/>
+            </a:spcBef>
+            <a:spcAft>
+              <a:spcPct val="20000"/>
+            </a:spcAft>
+            <a:buChar char="•"/>
+          </a:pPr>
+          <a:r>
+            <a:rPr lang="en-GB" sz="3100" kern="1200" dirty="0"/>
+            <a:t>Filter by fewest bids and apply to them </a:t>
+          </a:r>
+          <a:endParaRPr lang="fr-FR" sz="3100" kern="1200" dirty="0"/>
+        </a:p>
+      </dsp:txBody>
+      <dsp:txXfrm>
+        <a:off x="0" y="2919330"/>
+        <a:ext cx="10058399" cy="1076400"/>
       </dsp:txXfrm>
     </dsp:sp>
   </dsp:spTree>
@@ -45832,7 +46249,7 @@
           <a:p>
             <a:r>
               <a:rPr lang="en-GB" dirty="0"/>
-              <a:t>Foundation session  </a:t>
+              <a:t>Freelancing on Upwork session  </a:t>
             </a:r>
           </a:p>
         </p:txBody>
@@ -45936,201 +46353,6 @@
             </a:r>
             <a:r>
               <a:rPr lang="fr-FR" dirty="0"/>
-              <a:t> Tips</a:t>
-            </a:r>
-          </a:p>
-        </p:txBody>
-      </p:sp>
-      <p:graphicFrame>
-        <p:nvGraphicFramePr>
-          <p:cNvPr id="7" name="Content Placeholder 6">
-            <a:extLst>
-              <a:ext uri="{FF2B5EF4-FFF2-40B4-BE49-F238E27FC236}">
-                <a16:creationId xmlns:a16="http://schemas.microsoft.com/office/drawing/2014/main" id="{E11E0253-42B1-467D-851C-8D1ED8B716E7}"/>
-              </a:ext>
-            </a:extLst>
-          </p:cNvPr>
-          <p:cNvGraphicFramePr>
-            <a:graphicFrameLocks noGrp="1"/>
-          </p:cNvGraphicFramePr>
-          <p:nvPr>
-            <p:ph idx="1"/>
-            <p:extLst>
-              <p:ext uri="{D42A27DB-BD31-4B8C-83A1-F6EECF244321}">
-                <p14:modId xmlns:p14="http://schemas.microsoft.com/office/powerpoint/2010/main" val="1012098919"/>
-              </p:ext>
-            </p:extLst>
-          </p:nvPr>
-        </p:nvGraphicFramePr>
-        <p:xfrm>
-          <a:off x="1097280" y="1845734"/>
-          <a:ext cx="10058400" cy="4023360"/>
-        </p:xfrm>
-        <a:graphic>
-          <a:graphicData uri="http://schemas.openxmlformats.org/drawingml/2006/diagram">
-            <dgm:relIds xmlns:dgm="http://schemas.openxmlformats.org/drawingml/2006/diagram" xmlns:r="http://schemas.openxmlformats.org/officeDocument/2006/relationships" r:dm="rId2" r:lo="rId3" r:qs="rId4" r:cs="rId5"/>
-          </a:graphicData>
-        </a:graphic>
-      </p:graphicFrame>
-      <p:sp>
-        <p:nvSpPr>
-          <p:cNvPr id="8" name="TextBox 7">
-            <a:extLst>
-              <a:ext uri="{FF2B5EF4-FFF2-40B4-BE49-F238E27FC236}">
-                <a16:creationId xmlns:a16="http://schemas.microsoft.com/office/drawing/2014/main" id="{4AF17F59-F6B8-4BA7-8A20-7D6DC6990005}"/>
-              </a:ext>
-            </a:extLst>
-          </p:cNvPr>
-          <p:cNvSpPr txBox="1"/>
-          <p:nvPr/>
-        </p:nvSpPr>
-        <p:spPr>
-          <a:xfrm>
-            <a:off x="1097280" y="6409081"/>
-            <a:ext cx="7115542" cy="369332"/>
-          </a:xfrm>
-          <a:prstGeom prst="rect">
-            <a:avLst/>
-          </a:prstGeom>
-          <a:noFill/>
-        </p:spPr>
-        <p:txBody>
-          <a:bodyPr wrap="square">
-            <a:spAutoFit/>
-          </a:bodyPr>
-          <a:lstStyle/>
-          <a:p>
-            <a:r>
-              <a:rPr lang="en-GB" dirty="0">
-                <a:solidFill>
-                  <a:schemeClr val="accent1">
-                    <a:lumMod val="50000"/>
-                  </a:schemeClr>
-                </a:solidFill>
-              </a:rPr>
-              <a:t>Freelance Sessions </a:t>
-            </a:r>
-            <a:endParaRPr lang="fr-FR" dirty="0"/>
-          </a:p>
-        </p:txBody>
-      </p:sp>
-      <p:pic>
-        <p:nvPicPr>
-          <p:cNvPr id="4" name="Picture 3">
-            <a:extLst>
-              <a:ext uri="{FF2B5EF4-FFF2-40B4-BE49-F238E27FC236}">
-                <a16:creationId xmlns:a16="http://schemas.microsoft.com/office/drawing/2014/main" id="{17053123-1C5C-4997-B65B-BF2CB3DDCB84}"/>
-              </a:ext>
-            </a:extLst>
-          </p:cNvPr>
-          <p:cNvPicPr>
-            <a:picLocks noChangeAspect="1"/>
-          </p:cNvPicPr>
-          <p:nvPr/>
-        </p:nvPicPr>
-        <p:blipFill>
-          <a:blip r:embed="rId7"/>
-          <a:stretch>
-            <a:fillRect/>
-          </a:stretch>
-        </p:blipFill>
-        <p:spPr>
-          <a:xfrm>
-            <a:off x="7513984" y="3023192"/>
-            <a:ext cx="4333460" cy="1394011"/>
-          </a:xfrm>
-          <a:prstGeom prst="rect">
-            <a:avLst/>
-          </a:prstGeom>
-        </p:spPr>
-      </p:pic>
-      <p:pic>
-        <p:nvPicPr>
-          <p:cNvPr id="6" name="Picture 5">
-            <a:extLst>
-              <a:ext uri="{FF2B5EF4-FFF2-40B4-BE49-F238E27FC236}">
-                <a16:creationId xmlns:a16="http://schemas.microsoft.com/office/drawing/2014/main" id="{EEC8A19C-2868-4FEC-A401-4D3F99859EB6}"/>
-              </a:ext>
-            </a:extLst>
-          </p:cNvPr>
-          <p:cNvPicPr>
-            <a:picLocks noChangeAspect="1"/>
-          </p:cNvPicPr>
-          <p:nvPr/>
-        </p:nvPicPr>
-        <p:blipFill>
-          <a:blip r:embed="rId8"/>
-          <a:stretch>
-            <a:fillRect/>
-          </a:stretch>
-        </p:blipFill>
-        <p:spPr>
-          <a:xfrm>
-            <a:off x="8212821" y="5088835"/>
-            <a:ext cx="3365191" cy="1712934"/>
-          </a:xfrm>
-          <a:prstGeom prst="rect">
-            <a:avLst/>
-          </a:prstGeom>
-        </p:spPr>
-      </p:pic>
-    </p:spTree>
-    <p:extLst>
-      <p:ext uri="{BB962C8B-B14F-4D97-AF65-F5344CB8AC3E}">
-        <p14:creationId xmlns:p14="http://schemas.microsoft.com/office/powerpoint/2010/main" val="2462782834"/>
-      </p:ext>
-    </p:extLst>
-  </p:cSld>
-  <p:clrMapOvr>
-    <a:masterClrMapping/>
-  </p:clrMapOvr>
-</p:sld>
-</file>
-
-<file path=ppt/slides/slide11.xml><?xml version="1.0" encoding="utf-8"?>
-<p:sld xmlns:a="http://schemas.openxmlformats.org/drawingml/2006/main" xmlns:r="http://schemas.openxmlformats.org/officeDocument/2006/relationships" xmlns:p="http://schemas.openxmlformats.org/presentationml/2006/main">
-  <p:cSld>
-    <p:spTree>
-      <p:nvGrpSpPr>
-        <p:cNvPr id="1" name=""/>
-        <p:cNvGrpSpPr/>
-        <p:nvPr/>
-      </p:nvGrpSpPr>
-      <p:grpSpPr>
-        <a:xfrm>
-          <a:off x="0" y="0"/>
-          <a:ext cx="0" cy="0"/>
-          <a:chOff x="0" y="0"/>
-          <a:chExt cx="0" cy="0"/>
-        </a:xfrm>
-      </p:grpSpPr>
-      <p:sp>
-        <p:nvSpPr>
-          <p:cNvPr id="2" name="Title 1">
-            <a:extLst>
-              <a:ext uri="{FF2B5EF4-FFF2-40B4-BE49-F238E27FC236}">
-                <a16:creationId xmlns:a16="http://schemas.microsoft.com/office/drawing/2014/main" id="{10A6E79C-7337-425C-AD7E-D6AD9FF66A06}"/>
-              </a:ext>
-            </a:extLst>
-          </p:cNvPr>
-          <p:cNvSpPr>
-            <a:spLocks noGrp="1"/>
-          </p:cNvSpPr>
-          <p:nvPr>
-            <p:ph type="title"/>
-          </p:nvPr>
-        </p:nvSpPr>
-        <p:spPr/>
-        <p:txBody>
-          <a:bodyPr/>
-          <a:lstStyle/>
-          <a:p>
-            <a:r>
-              <a:rPr lang="fr-FR" dirty="0" err="1"/>
-              <a:t>Upwork</a:t>
-            </a:r>
-            <a:r>
-              <a:rPr lang="fr-FR" dirty="0"/>
               <a:t> Tips  </a:t>
             </a:r>
           </a:p>
@@ -46152,7 +46374,7 @@
             <p:ph idx="1"/>
             <p:extLst>
               <p:ext uri="{D42A27DB-BD31-4B8C-83A1-F6EECF244321}">
-                <p14:modId xmlns:p14="http://schemas.microsoft.com/office/powerpoint/2010/main" val="2135196924"/>
+                <p14:modId xmlns:p14="http://schemas.microsoft.com/office/powerpoint/2010/main" val="1462065"/>
               </p:ext>
             </p:extLst>
           </p:nvPr>
@@ -46222,7 +46444,7 @@
 </p:sld>
 </file>
 
-<file path=ppt/slides/slide12.xml><?xml version="1.0" encoding="utf-8"?>
+<file path=ppt/slides/slide11.xml><?xml version="1.0" encoding="utf-8"?>
 <p:sld xmlns:a="http://schemas.openxmlformats.org/drawingml/2006/main" xmlns:r="http://schemas.openxmlformats.org/officeDocument/2006/relationships" xmlns:p="http://schemas.openxmlformats.org/presentationml/2006/main">
   <p:cSld>
     <p:spTree>
@@ -46287,7 +46509,7 @@
             <p:ph idx="1"/>
             <p:extLst>
               <p:ext uri="{D42A27DB-BD31-4B8C-83A1-F6EECF244321}">
-                <p14:modId xmlns:p14="http://schemas.microsoft.com/office/powerpoint/2010/main" val="624307387"/>
+                <p14:modId xmlns:p14="http://schemas.microsoft.com/office/powerpoint/2010/main" val="446759428"/>
               </p:ext>
             </p:extLst>
           </p:nvPr>
@@ -46357,7 +46579,7 @@
 </p:sld>
 </file>
 
-<file path=ppt/slides/slide13.xml><?xml version="1.0" encoding="utf-8"?>
+<file path=ppt/slides/slide12.xml><?xml version="1.0" encoding="utf-8"?>
 <p:sld xmlns:a="http://schemas.openxmlformats.org/drawingml/2006/main" xmlns:r="http://schemas.openxmlformats.org/officeDocument/2006/relationships" xmlns:p="http://schemas.openxmlformats.org/presentationml/2006/main">
   <p:cSld>
     <p:spTree>
@@ -46534,7 +46756,7 @@
 </p:sld>
 </file>
 
-<file path=ppt/slides/slide14.xml><?xml version="1.0" encoding="utf-8"?>
+<file path=ppt/slides/slide13.xml><?xml version="1.0" encoding="utf-8"?>
 <p:sld xmlns:a="http://schemas.openxmlformats.org/drawingml/2006/main" xmlns:r="http://schemas.openxmlformats.org/officeDocument/2006/relationships" xmlns:p="http://schemas.openxmlformats.org/presentationml/2006/main">
   <p:cSld>
     <p:spTree>
@@ -46711,7 +46933,7 @@
 </p:sld>
 </file>
 
-<file path=ppt/slides/slide15.xml><?xml version="1.0" encoding="utf-8"?>
+<file path=ppt/slides/slide14.xml><?xml version="1.0" encoding="utf-8"?>
 <p:sld xmlns:a="http://schemas.openxmlformats.org/drawingml/2006/main" xmlns:r="http://schemas.openxmlformats.org/officeDocument/2006/relationships" xmlns:p="http://schemas.openxmlformats.org/presentationml/2006/main">
   <p:cSld>
     <p:spTree>
@@ -46888,7 +47110,7 @@
 </p:sld>
 </file>
 
-<file path=ppt/slides/slide16.xml><?xml version="1.0" encoding="utf-8"?>
+<file path=ppt/slides/slide15.xml><?xml version="1.0" encoding="utf-8"?>
 <p:sld xmlns:a="http://schemas.openxmlformats.org/drawingml/2006/main" xmlns:r="http://schemas.openxmlformats.org/officeDocument/2006/relationships" xmlns:p="http://schemas.openxmlformats.org/presentationml/2006/main">
   <p:cSld>
     <p:spTree>
@@ -47099,6 +47321,4324 @@
     <p:extLst>
       <p:ext uri="{BB962C8B-B14F-4D97-AF65-F5344CB8AC3E}">
         <p14:creationId xmlns:p14="http://schemas.microsoft.com/office/powerpoint/2010/main" val="141852252"/>
+      </p:ext>
+    </p:extLst>
+  </p:cSld>
+  <p:clrMapOvr>
+    <a:masterClrMapping/>
+  </p:clrMapOvr>
+</p:sld>
+</file>
+
+<file path=ppt/slides/slide16.xml><?xml version="1.0" encoding="utf-8"?>
+<p:sld xmlns:a="http://schemas.openxmlformats.org/drawingml/2006/main" xmlns:r="http://schemas.openxmlformats.org/officeDocument/2006/relationships" xmlns:p="http://schemas.openxmlformats.org/presentationml/2006/main">
+  <p:cSld>
+    <p:spTree>
+      <p:nvGrpSpPr>
+        <p:cNvPr id="1" name=""/>
+        <p:cNvGrpSpPr/>
+        <p:nvPr/>
+      </p:nvGrpSpPr>
+      <p:grpSpPr>
+        <a:xfrm>
+          <a:off x="0" y="0"/>
+          <a:ext cx="0" cy="0"/>
+          <a:chOff x="0" y="0"/>
+          <a:chExt cx="0" cy="0"/>
+        </a:xfrm>
+      </p:grpSpPr>
+      <p:sp>
+        <p:nvSpPr>
+          <p:cNvPr id="2" name="Title 1">
+            <a:extLst>
+              <a:ext uri="{FF2B5EF4-FFF2-40B4-BE49-F238E27FC236}">
+                <a16:creationId xmlns:a16="http://schemas.microsoft.com/office/drawing/2014/main" id="{10A6E79C-7337-425C-AD7E-D6AD9FF66A06}"/>
+              </a:ext>
+            </a:extLst>
+          </p:cNvPr>
+          <p:cNvSpPr>
+            <a:spLocks noGrp="1"/>
+          </p:cNvSpPr>
+          <p:nvPr>
+            <p:ph type="title"/>
+          </p:nvPr>
+        </p:nvSpPr>
+        <p:spPr>
+          <a:xfrm>
+            <a:off x="1097280" y="211036"/>
+            <a:ext cx="10058400" cy="1450757"/>
+          </a:xfrm>
+        </p:spPr>
+        <p:txBody>
+          <a:bodyPr/>
+          <a:lstStyle/>
+          <a:p>
+            <a:r>
+              <a:rPr lang="fr-FR" dirty="0" err="1"/>
+              <a:t>Upwork</a:t>
+            </a:r>
+            <a:r>
+              <a:rPr lang="fr-FR" dirty="0"/>
+              <a:t> jobs to </a:t>
+            </a:r>
+            <a:r>
+              <a:rPr lang="fr-FR" dirty="0" err="1"/>
+              <a:t>avoid</a:t>
+            </a:r>
+            <a:r>
+              <a:rPr lang="fr-FR" dirty="0"/>
+              <a:t>:</a:t>
+            </a:r>
+          </a:p>
+        </p:txBody>
+      </p:sp>
+      <p:graphicFrame>
+        <p:nvGraphicFramePr>
+          <p:cNvPr id="7" name="Content Placeholder 6">
+            <a:extLst>
+              <a:ext uri="{FF2B5EF4-FFF2-40B4-BE49-F238E27FC236}">
+                <a16:creationId xmlns:a16="http://schemas.microsoft.com/office/drawing/2014/main" id="{E11E0253-42B1-467D-851C-8D1ED8B716E7}"/>
+              </a:ext>
+            </a:extLst>
+          </p:cNvPr>
+          <p:cNvGraphicFramePr>
+            <a:graphicFrameLocks noGrp="1"/>
+          </p:cNvGraphicFramePr>
+          <p:nvPr>
+            <p:ph idx="1"/>
+            <p:extLst>
+              <p:ext uri="{D42A27DB-BD31-4B8C-83A1-F6EECF244321}">
+                <p14:modId xmlns:p14="http://schemas.microsoft.com/office/powerpoint/2010/main" val="3777726552"/>
+              </p:ext>
+            </p:extLst>
+          </p:nvPr>
+        </p:nvGraphicFramePr>
+        <p:xfrm>
+          <a:off x="1097280" y="1845734"/>
+          <a:ext cx="10058400" cy="4023360"/>
+        </p:xfrm>
+        <a:graphic>
+          <a:graphicData uri="http://schemas.openxmlformats.org/drawingml/2006/diagram">
+            <dgm:relIds xmlns:dgm="http://schemas.openxmlformats.org/drawingml/2006/diagram" xmlns:r="http://schemas.openxmlformats.org/officeDocument/2006/relationships" r:dm="rId2" r:lo="rId3" r:qs="rId4" r:cs="rId5"/>
+          </a:graphicData>
+        </a:graphic>
+      </p:graphicFrame>
+      <p:sp>
+        <p:nvSpPr>
+          <p:cNvPr id="8" name="TextBox 7">
+            <a:extLst>
+              <a:ext uri="{FF2B5EF4-FFF2-40B4-BE49-F238E27FC236}">
+                <a16:creationId xmlns:a16="http://schemas.microsoft.com/office/drawing/2014/main" id="{4AF17F59-F6B8-4BA7-8A20-7D6DC6990005}"/>
+              </a:ext>
+            </a:extLst>
+          </p:cNvPr>
+          <p:cNvSpPr txBox="1"/>
+          <p:nvPr/>
+        </p:nvSpPr>
+        <p:spPr>
+          <a:xfrm>
+            <a:off x="1097280" y="6409081"/>
+            <a:ext cx="7115542" cy="369332"/>
+          </a:xfrm>
+          <a:prstGeom prst="rect">
+            <a:avLst/>
+          </a:prstGeom>
+          <a:noFill/>
+        </p:spPr>
+        <p:txBody>
+          <a:bodyPr wrap="square">
+            <a:spAutoFit/>
+          </a:bodyPr>
+          <a:lstStyle/>
+          <a:p>
+            <a:r>
+              <a:rPr lang="en-GB" dirty="0">
+                <a:solidFill>
+                  <a:schemeClr val="accent1">
+                    <a:lumMod val="50000"/>
+                  </a:schemeClr>
+                </a:solidFill>
+              </a:rPr>
+              <a:t>Freelance Sessions </a:t>
+            </a:r>
+            <a:endParaRPr lang="fr-FR" dirty="0"/>
+          </a:p>
+        </p:txBody>
+      </p:sp>
+      <p:sp>
+        <p:nvSpPr>
+          <p:cNvPr id="9" name="TextBox 8">
+            <a:extLst>
+              <a:ext uri="{FF2B5EF4-FFF2-40B4-BE49-F238E27FC236}">
+                <a16:creationId xmlns:a16="http://schemas.microsoft.com/office/drawing/2014/main" id="{3C5610C4-718D-40B5-B1F9-6D84F4AD494F}"/>
+              </a:ext>
+            </a:extLst>
+          </p:cNvPr>
+          <p:cNvSpPr txBox="1"/>
+          <p:nvPr/>
+        </p:nvSpPr>
+        <p:spPr>
+          <a:xfrm>
+            <a:off x="4962727" y="5545928"/>
+            <a:ext cx="6500190" cy="646331"/>
+          </a:xfrm>
+          <a:prstGeom prst="rect">
+            <a:avLst/>
+          </a:prstGeom>
+          <a:noFill/>
+        </p:spPr>
+        <p:txBody>
+          <a:bodyPr wrap="square">
+            <a:spAutoFit/>
+          </a:bodyPr>
+          <a:lstStyle/>
+          <a:p>
+            <a:r>
+              <a:rPr lang="en-US" dirty="0">
+                <a:hlinkClick r:id="rId7">
+                  <a:extLst>
+                    <a:ext uri="{A12FA001-AC4F-418D-AE19-62706E023703}">
+                      <ahyp:hlinkClr xmlns:ahyp="http://schemas.microsoft.com/office/drawing/2018/hyperlinkcolor" val="tx"/>
+                    </a:ext>
+                  </a:extLst>
+                </a:hlinkClick>
+              </a:rPr>
+              <a:t>How to Get Your First Job on Upwork (FAST!) Step by Step Tutorial for Beginners 2023 - YouTube</a:t>
+            </a:r>
+            <a:endParaRPr lang="fr-FR" dirty="0"/>
+          </a:p>
+        </p:txBody>
+      </p:sp>
+    </p:spTree>
+    <p:extLst>
+      <p:ext uri="{BB962C8B-B14F-4D97-AF65-F5344CB8AC3E}">
+        <p14:creationId xmlns:p14="http://schemas.microsoft.com/office/powerpoint/2010/main" val="2883339230"/>
+      </p:ext>
+    </p:extLst>
+  </p:cSld>
+  <p:clrMapOvr>
+    <a:masterClrMapping/>
+  </p:clrMapOvr>
+</p:sld>
+</file>
+
+<file path=ppt/slides/slide17.xml><?xml version="1.0" encoding="utf-8"?>
+<p:sld xmlns:a="http://schemas.openxmlformats.org/drawingml/2006/main" xmlns:r="http://schemas.openxmlformats.org/officeDocument/2006/relationships" xmlns:p="http://schemas.openxmlformats.org/presentationml/2006/main">
+  <p:cSld>
+    <p:spTree>
+      <p:nvGrpSpPr>
+        <p:cNvPr id="1" name=""/>
+        <p:cNvGrpSpPr/>
+        <p:nvPr/>
+      </p:nvGrpSpPr>
+      <p:grpSpPr>
+        <a:xfrm>
+          <a:off x="0" y="0"/>
+          <a:ext cx="0" cy="0"/>
+          <a:chOff x="0" y="0"/>
+          <a:chExt cx="0" cy="0"/>
+        </a:xfrm>
+      </p:grpSpPr>
+      <p:sp>
+        <p:nvSpPr>
+          <p:cNvPr id="2" name="Title 1">
+            <a:extLst>
+              <a:ext uri="{FF2B5EF4-FFF2-40B4-BE49-F238E27FC236}">
+                <a16:creationId xmlns:a16="http://schemas.microsoft.com/office/drawing/2014/main" id="{10A6E79C-7337-425C-AD7E-D6AD9FF66A06}"/>
+              </a:ext>
+            </a:extLst>
+          </p:cNvPr>
+          <p:cNvSpPr>
+            <a:spLocks noGrp="1"/>
+          </p:cNvSpPr>
+          <p:nvPr>
+            <p:ph type="title"/>
+          </p:nvPr>
+        </p:nvSpPr>
+        <p:spPr>
+          <a:xfrm>
+            <a:off x="1097280" y="211036"/>
+            <a:ext cx="10058400" cy="1450757"/>
+          </a:xfrm>
+        </p:spPr>
+        <p:txBody>
+          <a:bodyPr/>
+          <a:lstStyle/>
+          <a:p>
+            <a:r>
+              <a:rPr lang="fr-FR" dirty="0" err="1"/>
+              <a:t>Upwork</a:t>
+            </a:r>
+            <a:r>
+              <a:rPr lang="fr-FR" dirty="0"/>
+              <a:t> Cover </a:t>
+            </a:r>
+            <a:r>
+              <a:rPr lang="fr-FR" dirty="0" err="1"/>
+              <a:t>letter</a:t>
+            </a:r>
+            <a:r>
+              <a:rPr lang="fr-FR" dirty="0"/>
+              <a:t> </a:t>
+            </a:r>
+            <a:r>
+              <a:rPr lang="fr-FR" dirty="0" err="1"/>
+              <a:t>template</a:t>
+            </a:r>
+            <a:r>
+              <a:rPr lang="fr-FR" dirty="0"/>
+              <a:t> </a:t>
+            </a:r>
+            <a:r>
+              <a:rPr lang="fr-FR" dirty="0" err="1"/>
+              <a:t>with</a:t>
+            </a:r>
+            <a:r>
+              <a:rPr lang="fr-FR" dirty="0"/>
+              <a:t> Action Item</a:t>
+            </a:r>
+          </a:p>
+        </p:txBody>
+      </p:sp>
+      <p:sp>
+        <p:nvSpPr>
+          <p:cNvPr id="8" name="TextBox 7">
+            <a:extLst>
+              <a:ext uri="{FF2B5EF4-FFF2-40B4-BE49-F238E27FC236}">
+                <a16:creationId xmlns:a16="http://schemas.microsoft.com/office/drawing/2014/main" id="{4AF17F59-F6B8-4BA7-8A20-7D6DC6990005}"/>
+              </a:ext>
+            </a:extLst>
+          </p:cNvPr>
+          <p:cNvSpPr txBox="1"/>
+          <p:nvPr/>
+        </p:nvSpPr>
+        <p:spPr>
+          <a:xfrm>
+            <a:off x="1097280" y="6409081"/>
+            <a:ext cx="7115542" cy="369332"/>
+          </a:xfrm>
+          <a:prstGeom prst="rect">
+            <a:avLst/>
+          </a:prstGeom>
+          <a:noFill/>
+        </p:spPr>
+        <p:txBody>
+          <a:bodyPr wrap="square">
+            <a:spAutoFit/>
+          </a:bodyPr>
+          <a:lstStyle/>
+          <a:p>
+            <a:r>
+              <a:rPr lang="en-GB" dirty="0">
+                <a:solidFill>
+                  <a:schemeClr val="accent1">
+                    <a:lumMod val="50000"/>
+                  </a:schemeClr>
+                </a:solidFill>
+              </a:rPr>
+              <a:t>Freelance Sessions </a:t>
+            </a:r>
+            <a:endParaRPr lang="fr-FR" dirty="0"/>
+          </a:p>
+        </p:txBody>
+      </p:sp>
+      <p:sp>
+        <p:nvSpPr>
+          <p:cNvPr id="6" name="TextBox 5">
+            <a:extLst>
+              <a:ext uri="{FF2B5EF4-FFF2-40B4-BE49-F238E27FC236}">
+                <a16:creationId xmlns:a16="http://schemas.microsoft.com/office/drawing/2014/main" id="{4D008299-F5D8-4AEE-A92F-F2672BD24422}"/>
+              </a:ext>
+            </a:extLst>
+          </p:cNvPr>
+          <p:cNvSpPr txBox="1"/>
+          <p:nvPr/>
+        </p:nvSpPr>
+        <p:spPr>
+          <a:xfrm>
+            <a:off x="6904382" y="6409081"/>
+            <a:ext cx="6096000" cy="369332"/>
+          </a:xfrm>
+          <a:prstGeom prst="rect">
+            <a:avLst/>
+          </a:prstGeom>
+          <a:noFill/>
+        </p:spPr>
+        <p:txBody>
+          <a:bodyPr wrap="square">
+            <a:spAutoFit/>
+          </a:bodyPr>
+          <a:lstStyle/>
+          <a:p>
+            <a:r>
+              <a:rPr lang="en-US" dirty="0">
+                <a:solidFill>
+                  <a:schemeClr val="accent1">
+                    <a:lumMod val="50000"/>
+                  </a:schemeClr>
+                </a:solidFill>
+                <a:hlinkClick r:id="rId2">
+                  <a:extLst>
+                    <a:ext uri="{A12FA001-AC4F-418D-AE19-62706E023703}">
+                      <ahyp:hlinkClr xmlns:ahyp="http://schemas.microsoft.com/office/drawing/2018/hyperlinkcolor" val="tx"/>
+                    </a:ext>
+                  </a:extLst>
+                </a:hlinkClick>
+              </a:rPr>
+              <a:t>Upwork Cover Letter Template (</a:t>
+            </a:r>
+            <a:r>
+              <a:rPr lang="en-US" dirty="0" err="1">
+                <a:solidFill>
+                  <a:schemeClr val="accent1">
+                    <a:lumMod val="50000"/>
+                  </a:schemeClr>
+                </a:solidFill>
+                <a:hlinkClick r:id="rId2">
+                  <a:extLst>
+                    <a:ext uri="{A12FA001-AC4F-418D-AE19-62706E023703}">
+                      <ahyp:hlinkClr xmlns:ahyp="http://schemas.microsoft.com/office/drawing/2018/hyperlinkcolor" val="tx"/>
+                    </a:ext>
+                  </a:extLst>
+                </a:hlinkClick>
+              </a:rPr>
+              <a:t>notion.site</a:t>
+            </a:r>
+            <a:r>
+              <a:rPr lang="en-US" dirty="0">
+                <a:solidFill>
+                  <a:schemeClr val="accent1">
+                    <a:lumMod val="50000"/>
+                  </a:schemeClr>
+                </a:solidFill>
+                <a:hlinkClick r:id="rId2">
+                  <a:extLst>
+                    <a:ext uri="{A12FA001-AC4F-418D-AE19-62706E023703}">
+                      <ahyp:hlinkClr xmlns:ahyp="http://schemas.microsoft.com/office/drawing/2018/hyperlinkcolor" val="tx"/>
+                    </a:ext>
+                  </a:extLst>
+                </a:hlinkClick>
+              </a:rPr>
+              <a:t>)</a:t>
+            </a:r>
+            <a:endParaRPr lang="fr-FR" dirty="0">
+              <a:solidFill>
+                <a:schemeClr val="accent1">
+                  <a:lumMod val="50000"/>
+                </a:schemeClr>
+              </a:solidFill>
+            </a:endParaRPr>
+          </a:p>
+        </p:txBody>
+      </p:sp>
+      <p:sp>
+        <p:nvSpPr>
+          <p:cNvPr id="9" name="Content Placeholder 8">
+            <a:extLst>
+              <a:ext uri="{FF2B5EF4-FFF2-40B4-BE49-F238E27FC236}">
+                <a16:creationId xmlns:a16="http://schemas.microsoft.com/office/drawing/2014/main" id="{BCB480BA-F4B0-48EC-9693-5BD69B67B931}"/>
+              </a:ext>
+            </a:extLst>
+          </p:cNvPr>
+          <p:cNvSpPr>
+            <a:spLocks noGrp="1"/>
+          </p:cNvSpPr>
+          <p:nvPr>
+            <p:ph idx="1"/>
+          </p:nvPr>
+        </p:nvSpPr>
+        <p:spPr/>
+        <p:txBody>
+          <a:bodyPr>
+            <a:normAutofit fontScale="70000" lnSpcReduction="20000"/>
+          </a:bodyPr>
+          <a:lstStyle/>
+          <a:p>
+            <a:pPr marL="0" marR="0" lvl="0" indent="0" algn="l" defTabSz="914400" rtl="0" eaLnBrk="0" fontAlgn="base" latinLnBrk="0" hangingPunct="0">
+              <a:lnSpc>
+                <a:spcPct val="100000"/>
+              </a:lnSpc>
+              <a:spcBef>
+                <a:spcPct val="0"/>
+              </a:spcBef>
+              <a:spcAft>
+                <a:spcPct val="0"/>
+              </a:spcAft>
+              <a:buClrTx/>
+              <a:buSzTx/>
+              <a:buFontTx/>
+              <a:buNone/>
+              <a:tabLst/>
+            </a:pPr>
+            <a:r>
+              <a:rPr kumimoji="0" lang="fr-FR" altLang="fr-FR" sz="2000" b="1" i="0" u="none" strike="noStrike" cap="none" normalizeH="0" baseline="0" dirty="0">
+                <a:ln>
+                  <a:noFill/>
+                </a:ln>
+                <a:solidFill>
+                  <a:schemeClr val="tx1"/>
+                </a:solidFill>
+                <a:effectLst/>
+                <a:latin typeface="Arial" panose="020B0604020202020204" pitchFamily="34" charset="0"/>
+              </a:rPr>
+              <a:t>— Cover </a:t>
+            </a:r>
+            <a:r>
+              <a:rPr kumimoji="0" lang="fr-FR" altLang="fr-FR" sz="2000" b="1" i="0" u="none" strike="noStrike" cap="none" normalizeH="0" baseline="0" dirty="0" err="1">
+                <a:ln>
+                  <a:noFill/>
+                </a:ln>
+                <a:solidFill>
+                  <a:schemeClr val="tx1"/>
+                </a:solidFill>
+                <a:effectLst/>
+                <a:latin typeface="Arial" panose="020B0604020202020204" pitchFamily="34" charset="0"/>
+              </a:rPr>
+              <a:t>Letter</a:t>
+            </a:r>
+            <a:r>
+              <a:rPr kumimoji="0" lang="fr-FR" altLang="fr-FR" sz="2000" b="1" i="0" u="none" strike="noStrike" cap="none" normalizeH="0" baseline="0" dirty="0">
+                <a:ln>
+                  <a:noFill/>
+                </a:ln>
+                <a:solidFill>
+                  <a:schemeClr val="tx1"/>
+                </a:solidFill>
+                <a:effectLst/>
+                <a:latin typeface="Arial" panose="020B0604020202020204" pitchFamily="34" charset="0"/>
+              </a:rPr>
+              <a:t> Introduction —</a:t>
+            </a:r>
+            <a:r>
+              <a:rPr kumimoji="0" lang="fr-FR" altLang="fr-FR" sz="2000" b="0" i="0" u="none" strike="noStrike" cap="none" normalizeH="0" baseline="0" dirty="0">
+                <a:ln>
+                  <a:noFill/>
+                </a:ln>
+                <a:solidFill>
+                  <a:schemeClr val="tx1"/>
+                </a:solidFill>
+                <a:effectLst/>
+                <a:latin typeface="Arial" panose="020B0604020202020204" pitchFamily="34" charset="0"/>
+              </a:rPr>
+              <a:t> Hi [insert </a:t>
+            </a:r>
+            <a:r>
+              <a:rPr kumimoji="0" lang="fr-FR" altLang="fr-FR" sz="2000" b="0" i="0" u="none" strike="noStrike" cap="none" normalizeH="0" baseline="0" dirty="0" err="1">
+                <a:ln>
+                  <a:noFill/>
+                </a:ln>
+                <a:solidFill>
+                  <a:schemeClr val="tx1"/>
+                </a:solidFill>
+                <a:effectLst/>
+                <a:latin typeface="Arial" panose="020B0604020202020204" pitchFamily="34" charset="0"/>
+              </a:rPr>
+              <a:t>name</a:t>
+            </a:r>
+            <a:r>
+              <a:rPr kumimoji="0" lang="fr-FR" altLang="fr-FR" sz="2000" b="0" i="0" u="none" strike="noStrike" cap="none" normalizeH="0" baseline="0" dirty="0">
+                <a:ln>
+                  <a:noFill/>
+                </a:ln>
+                <a:solidFill>
+                  <a:schemeClr val="tx1"/>
+                </a:solidFill>
+                <a:effectLst/>
+                <a:latin typeface="Arial" panose="020B0604020202020204" pitchFamily="34" charset="0"/>
+              </a:rPr>
+              <a:t> of client]!</a:t>
+            </a:r>
+          </a:p>
+          <a:p>
+            <a:pPr marL="0" marR="0" lvl="0" indent="0" algn="l" defTabSz="914400" rtl="0" eaLnBrk="0" fontAlgn="base" latinLnBrk="0" hangingPunct="0">
+              <a:lnSpc>
+                <a:spcPct val="100000"/>
+              </a:lnSpc>
+              <a:spcBef>
+                <a:spcPct val="0"/>
+              </a:spcBef>
+              <a:spcAft>
+                <a:spcPct val="0"/>
+              </a:spcAft>
+              <a:buClrTx/>
+              <a:buSzTx/>
+              <a:buFontTx/>
+              <a:buNone/>
+              <a:tabLst/>
+            </a:pPr>
+            <a:r>
+              <a:rPr kumimoji="0" lang="fr-FR" altLang="fr-FR" sz="2000" b="0" i="0" u="none" strike="noStrike" cap="none" normalizeH="0" baseline="0" dirty="0" err="1">
+                <a:ln>
+                  <a:noFill/>
+                </a:ln>
+                <a:solidFill>
+                  <a:schemeClr val="tx1"/>
+                </a:solidFill>
+                <a:effectLst/>
+                <a:latin typeface="Arial" panose="020B0604020202020204" pitchFamily="34" charset="0"/>
+              </a:rPr>
+              <a:t>Thank</a:t>
+            </a:r>
+            <a:r>
+              <a:rPr kumimoji="0" lang="fr-FR" altLang="fr-FR" sz="2000" b="0" i="0" u="none" strike="noStrike" cap="none" normalizeH="0" baseline="0" dirty="0">
+                <a:ln>
+                  <a:noFill/>
+                </a:ln>
+                <a:solidFill>
+                  <a:schemeClr val="tx1"/>
+                </a:solidFill>
+                <a:effectLst/>
+                <a:latin typeface="Arial" panose="020B0604020202020204" pitchFamily="34" charset="0"/>
+              </a:rPr>
+              <a:t> </a:t>
+            </a:r>
+            <a:r>
+              <a:rPr kumimoji="0" lang="fr-FR" altLang="fr-FR" sz="2000" b="0" i="0" u="none" strike="noStrike" cap="none" normalizeH="0" baseline="0" dirty="0" err="1">
+                <a:ln>
+                  <a:noFill/>
+                </a:ln>
+                <a:solidFill>
+                  <a:schemeClr val="tx1"/>
+                </a:solidFill>
+                <a:effectLst/>
+                <a:latin typeface="Arial" panose="020B0604020202020204" pitchFamily="34" charset="0"/>
+              </a:rPr>
+              <a:t>you</a:t>
+            </a:r>
+            <a:r>
+              <a:rPr kumimoji="0" lang="fr-FR" altLang="fr-FR" sz="2000" b="0" i="0" u="none" strike="noStrike" cap="none" normalizeH="0" baseline="0" dirty="0">
+                <a:ln>
+                  <a:noFill/>
+                </a:ln>
+                <a:solidFill>
+                  <a:schemeClr val="tx1"/>
+                </a:solidFill>
+                <a:effectLst/>
+                <a:latin typeface="Arial" panose="020B0604020202020204" pitchFamily="34" charset="0"/>
+              </a:rPr>
+              <a:t> </a:t>
+            </a:r>
+            <a:r>
+              <a:rPr kumimoji="0" lang="fr-FR" altLang="fr-FR" sz="2000" b="0" i="0" u="none" strike="noStrike" cap="none" normalizeH="0" baseline="0" dirty="0" err="1">
+                <a:ln>
+                  <a:noFill/>
+                </a:ln>
+                <a:solidFill>
+                  <a:schemeClr val="tx1"/>
+                </a:solidFill>
+                <a:effectLst/>
+                <a:latin typeface="Arial" panose="020B0604020202020204" pitchFamily="34" charset="0"/>
+              </a:rPr>
+              <a:t>so</a:t>
+            </a:r>
+            <a:r>
+              <a:rPr kumimoji="0" lang="fr-FR" altLang="fr-FR" sz="2000" b="0" i="0" u="none" strike="noStrike" cap="none" normalizeH="0" baseline="0" dirty="0">
+                <a:ln>
+                  <a:noFill/>
+                </a:ln>
+                <a:solidFill>
+                  <a:schemeClr val="tx1"/>
+                </a:solidFill>
+                <a:effectLst/>
+                <a:latin typeface="Arial" panose="020B0604020202020204" pitchFamily="34" charset="0"/>
+              </a:rPr>
+              <a:t> </a:t>
+            </a:r>
+            <a:r>
+              <a:rPr kumimoji="0" lang="fr-FR" altLang="fr-FR" sz="2000" b="0" i="0" u="none" strike="noStrike" cap="none" normalizeH="0" baseline="0" dirty="0" err="1">
+                <a:ln>
+                  <a:noFill/>
+                </a:ln>
+                <a:solidFill>
+                  <a:schemeClr val="tx1"/>
+                </a:solidFill>
+                <a:effectLst/>
+                <a:latin typeface="Arial" panose="020B0604020202020204" pitchFamily="34" charset="0"/>
+              </a:rPr>
+              <a:t>much</a:t>
+            </a:r>
+            <a:r>
+              <a:rPr kumimoji="0" lang="fr-FR" altLang="fr-FR" sz="2000" b="0" i="0" u="none" strike="noStrike" cap="none" normalizeH="0" baseline="0" dirty="0">
+                <a:ln>
+                  <a:noFill/>
+                </a:ln>
+                <a:solidFill>
+                  <a:schemeClr val="tx1"/>
+                </a:solidFill>
+                <a:effectLst/>
+                <a:latin typeface="Arial" panose="020B0604020202020204" pitchFamily="34" charset="0"/>
+              </a:rPr>
+              <a:t> for </a:t>
+            </a:r>
+            <a:r>
+              <a:rPr kumimoji="0" lang="fr-FR" altLang="fr-FR" sz="2000" b="0" i="0" u="none" strike="noStrike" cap="none" normalizeH="0" baseline="0" dirty="0" err="1">
+                <a:ln>
+                  <a:noFill/>
+                </a:ln>
+                <a:solidFill>
+                  <a:schemeClr val="tx1"/>
+                </a:solidFill>
+                <a:effectLst/>
+                <a:latin typeface="Arial" panose="020B0604020202020204" pitchFamily="34" charset="0"/>
+              </a:rPr>
+              <a:t>providing</a:t>
+            </a:r>
+            <a:r>
+              <a:rPr kumimoji="0" lang="fr-FR" altLang="fr-FR" sz="2000" b="0" i="0" u="none" strike="noStrike" cap="none" normalizeH="0" baseline="0" dirty="0">
+                <a:ln>
+                  <a:noFill/>
+                </a:ln>
+                <a:solidFill>
+                  <a:schemeClr val="tx1"/>
+                </a:solidFill>
+                <a:effectLst/>
+                <a:latin typeface="Arial" panose="020B0604020202020204" pitchFamily="34" charset="0"/>
+              </a:rPr>
+              <a:t> </a:t>
+            </a:r>
+            <a:r>
+              <a:rPr kumimoji="0" lang="fr-FR" altLang="fr-FR" sz="2000" b="0" i="0" u="none" strike="noStrike" cap="none" normalizeH="0" baseline="0" dirty="0" err="1">
+                <a:ln>
+                  <a:noFill/>
+                </a:ln>
+                <a:solidFill>
+                  <a:schemeClr val="tx1"/>
+                </a:solidFill>
+                <a:effectLst/>
+                <a:latin typeface="Arial" panose="020B0604020202020204" pitchFamily="34" charset="0"/>
+              </a:rPr>
+              <a:t>detailed</a:t>
+            </a:r>
+            <a:r>
+              <a:rPr kumimoji="0" lang="fr-FR" altLang="fr-FR" sz="2000" b="0" i="0" u="none" strike="noStrike" cap="none" normalizeH="0" baseline="0" dirty="0">
+                <a:ln>
+                  <a:noFill/>
+                </a:ln>
+                <a:solidFill>
+                  <a:schemeClr val="tx1"/>
+                </a:solidFill>
+                <a:effectLst/>
+                <a:latin typeface="Arial" panose="020B0604020202020204" pitchFamily="34" charset="0"/>
+              </a:rPr>
+              <a:t> information about </a:t>
+            </a:r>
+            <a:r>
+              <a:rPr kumimoji="0" lang="fr-FR" altLang="fr-FR" sz="2000" b="0" i="0" u="none" strike="noStrike" cap="none" normalizeH="0" baseline="0" dirty="0" err="1">
+                <a:ln>
+                  <a:noFill/>
+                </a:ln>
+                <a:solidFill>
+                  <a:schemeClr val="tx1"/>
+                </a:solidFill>
+                <a:effectLst/>
+                <a:latin typeface="Arial" panose="020B0604020202020204" pitchFamily="34" charset="0"/>
+              </a:rPr>
+              <a:t>your</a:t>
+            </a:r>
+            <a:r>
+              <a:rPr kumimoji="0" lang="fr-FR" altLang="fr-FR" sz="2000" b="0" i="0" u="none" strike="noStrike" cap="none" normalizeH="0" baseline="0" dirty="0">
+                <a:ln>
+                  <a:noFill/>
+                </a:ln>
+                <a:solidFill>
+                  <a:schemeClr val="tx1"/>
+                </a:solidFill>
+                <a:effectLst/>
+                <a:latin typeface="Arial" panose="020B0604020202020204" pitchFamily="34" charset="0"/>
+              </a:rPr>
+              <a:t> job. It </a:t>
+            </a:r>
+            <a:r>
+              <a:rPr kumimoji="0" lang="fr-FR" altLang="fr-FR" sz="2000" b="0" i="0" u="none" strike="noStrike" cap="none" normalizeH="0" baseline="0" dirty="0" err="1">
+                <a:ln>
+                  <a:noFill/>
+                </a:ln>
+                <a:solidFill>
+                  <a:schemeClr val="tx1"/>
+                </a:solidFill>
+                <a:effectLst/>
+                <a:latin typeface="Arial" panose="020B0604020202020204" pitchFamily="34" charset="0"/>
+              </a:rPr>
+              <a:t>instantly</a:t>
+            </a:r>
+            <a:r>
+              <a:rPr kumimoji="0" lang="fr-FR" altLang="fr-FR" sz="2000" b="0" i="0" u="none" strike="noStrike" cap="none" normalizeH="0" baseline="0" dirty="0">
+                <a:ln>
+                  <a:noFill/>
+                </a:ln>
+                <a:solidFill>
+                  <a:schemeClr val="tx1"/>
+                </a:solidFill>
+                <a:effectLst/>
+                <a:latin typeface="Arial" panose="020B0604020202020204" pitchFamily="34" charset="0"/>
+              </a:rPr>
+              <a:t> </a:t>
+            </a:r>
+            <a:r>
+              <a:rPr kumimoji="0" lang="fr-FR" altLang="fr-FR" sz="2000" b="0" i="0" u="none" strike="noStrike" cap="none" normalizeH="0" baseline="0" dirty="0" err="1">
+                <a:ln>
+                  <a:noFill/>
+                </a:ln>
+                <a:solidFill>
+                  <a:schemeClr val="tx1"/>
+                </a:solidFill>
+                <a:effectLst/>
+                <a:latin typeface="Arial" panose="020B0604020202020204" pitchFamily="34" charset="0"/>
+              </a:rPr>
+              <a:t>grabbed</a:t>
+            </a:r>
+            <a:r>
+              <a:rPr kumimoji="0" lang="fr-FR" altLang="fr-FR" sz="2000" b="0" i="0" u="none" strike="noStrike" cap="none" normalizeH="0" baseline="0" dirty="0">
+                <a:ln>
+                  <a:noFill/>
+                </a:ln>
+                <a:solidFill>
+                  <a:schemeClr val="tx1"/>
+                </a:solidFill>
+                <a:effectLst/>
+                <a:latin typeface="Arial" panose="020B0604020202020204" pitchFamily="34" charset="0"/>
+              </a:rPr>
+              <a:t> </a:t>
+            </a:r>
+            <a:r>
+              <a:rPr kumimoji="0" lang="fr-FR" altLang="fr-FR" sz="2000" b="0" i="0" u="none" strike="noStrike" cap="none" normalizeH="0" baseline="0" dirty="0" err="1">
+                <a:ln>
+                  <a:noFill/>
+                </a:ln>
+                <a:solidFill>
+                  <a:schemeClr val="tx1"/>
+                </a:solidFill>
+                <a:effectLst/>
+                <a:latin typeface="Arial" panose="020B0604020202020204" pitchFamily="34" charset="0"/>
+              </a:rPr>
+              <a:t>my</a:t>
+            </a:r>
+            <a:r>
+              <a:rPr kumimoji="0" lang="fr-FR" altLang="fr-FR" sz="2000" b="0" i="0" u="none" strike="noStrike" cap="none" normalizeH="0" baseline="0" dirty="0">
+                <a:ln>
+                  <a:noFill/>
+                </a:ln>
+                <a:solidFill>
+                  <a:schemeClr val="tx1"/>
+                </a:solidFill>
+                <a:effectLst/>
+                <a:latin typeface="Arial" panose="020B0604020202020204" pitchFamily="34" charset="0"/>
+              </a:rPr>
+              <a:t> attention and </a:t>
+            </a:r>
+            <a:r>
+              <a:rPr kumimoji="0" lang="fr-FR" altLang="fr-FR" sz="2000" b="0" i="0" u="none" strike="noStrike" cap="none" normalizeH="0" baseline="0" dirty="0" err="1">
+                <a:ln>
+                  <a:noFill/>
+                </a:ln>
+                <a:solidFill>
+                  <a:schemeClr val="tx1"/>
+                </a:solidFill>
+                <a:effectLst/>
+                <a:latin typeface="Arial" panose="020B0604020202020204" pitchFamily="34" charset="0"/>
+              </a:rPr>
+              <a:t>aligns</a:t>
+            </a:r>
+            <a:r>
+              <a:rPr kumimoji="0" lang="fr-FR" altLang="fr-FR" sz="2000" b="0" i="0" u="none" strike="noStrike" cap="none" normalizeH="0" baseline="0" dirty="0">
+                <a:ln>
+                  <a:noFill/>
+                </a:ln>
+                <a:solidFill>
+                  <a:schemeClr val="tx1"/>
+                </a:solidFill>
+                <a:effectLst/>
+                <a:latin typeface="Arial" panose="020B0604020202020204" pitchFamily="34" charset="0"/>
+              </a:rPr>
+              <a:t> </a:t>
+            </a:r>
+            <a:r>
+              <a:rPr kumimoji="0" lang="fr-FR" altLang="fr-FR" sz="2000" b="0" i="0" u="none" strike="noStrike" cap="none" normalizeH="0" baseline="0" dirty="0" err="1">
+                <a:ln>
+                  <a:noFill/>
+                </a:ln>
+                <a:solidFill>
+                  <a:schemeClr val="tx1"/>
+                </a:solidFill>
+                <a:effectLst/>
+                <a:latin typeface="Arial" panose="020B0604020202020204" pitchFamily="34" charset="0"/>
+              </a:rPr>
+              <a:t>perfectly</a:t>
+            </a:r>
+            <a:r>
+              <a:rPr kumimoji="0" lang="fr-FR" altLang="fr-FR" sz="2000" b="0" i="0" u="none" strike="noStrike" cap="none" normalizeH="0" baseline="0" dirty="0">
+                <a:ln>
+                  <a:noFill/>
+                </a:ln>
+                <a:solidFill>
+                  <a:schemeClr val="tx1"/>
+                </a:solidFill>
+                <a:effectLst/>
+                <a:latin typeface="Arial" panose="020B0604020202020204" pitchFamily="34" charset="0"/>
+              </a:rPr>
+              <a:t> </a:t>
+            </a:r>
+            <a:r>
+              <a:rPr kumimoji="0" lang="fr-FR" altLang="fr-FR" sz="2000" b="0" i="0" u="none" strike="noStrike" cap="none" normalizeH="0" baseline="0" dirty="0" err="1">
+                <a:ln>
+                  <a:noFill/>
+                </a:ln>
+                <a:solidFill>
+                  <a:schemeClr val="tx1"/>
+                </a:solidFill>
+                <a:effectLst/>
+                <a:latin typeface="Arial" panose="020B0604020202020204" pitchFamily="34" charset="0"/>
+              </a:rPr>
+              <a:t>with</a:t>
+            </a:r>
+            <a:r>
+              <a:rPr kumimoji="0" lang="fr-FR" altLang="fr-FR" sz="2000" b="0" i="0" u="none" strike="noStrike" cap="none" normalizeH="0" baseline="0" dirty="0">
+                <a:ln>
+                  <a:noFill/>
+                </a:ln>
+                <a:solidFill>
+                  <a:schemeClr val="tx1"/>
+                </a:solidFill>
+                <a:effectLst/>
+                <a:latin typeface="Arial" panose="020B0604020202020204" pitchFamily="34" charset="0"/>
+              </a:rPr>
+              <a:t> </a:t>
+            </a:r>
+            <a:r>
+              <a:rPr kumimoji="0" lang="fr-FR" altLang="fr-FR" sz="2000" b="0" i="0" u="none" strike="noStrike" cap="none" normalizeH="0" baseline="0" dirty="0" err="1">
+                <a:ln>
+                  <a:noFill/>
+                </a:ln>
+                <a:solidFill>
+                  <a:schemeClr val="tx1"/>
+                </a:solidFill>
+                <a:effectLst/>
+                <a:latin typeface="Arial" panose="020B0604020202020204" pitchFamily="34" charset="0"/>
+              </a:rPr>
+              <a:t>my</a:t>
+            </a:r>
+            <a:r>
+              <a:rPr kumimoji="0" lang="fr-FR" altLang="fr-FR" sz="2000" b="0" i="0" u="none" strike="noStrike" cap="none" normalizeH="0" baseline="0" dirty="0">
+                <a:ln>
+                  <a:noFill/>
+                </a:ln>
+                <a:solidFill>
+                  <a:schemeClr val="tx1"/>
+                </a:solidFill>
+                <a:effectLst/>
+                <a:latin typeface="Arial" panose="020B0604020202020204" pitchFamily="34" charset="0"/>
+              </a:rPr>
+              <a:t> </a:t>
+            </a:r>
+            <a:r>
+              <a:rPr kumimoji="0" lang="fr-FR" altLang="fr-FR" sz="2000" b="0" i="0" u="none" strike="noStrike" cap="none" normalizeH="0" baseline="0" dirty="0" err="1">
+                <a:ln>
+                  <a:noFill/>
+                </a:ln>
+                <a:solidFill>
+                  <a:schemeClr val="tx1"/>
+                </a:solidFill>
+                <a:effectLst/>
+                <a:latin typeface="Arial" panose="020B0604020202020204" pitchFamily="34" charset="0"/>
+              </a:rPr>
+              <a:t>experience</a:t>
+            </a:r>
+            <a:r>
+              <a:rPr kumimoji="0" lang="fr-FR" altLang="fr-FR" sz="2000" b="0" i="0" u="none" strike="noStrike" cap="none" normalizeH="0" baseline="0" dirty="0">
+                <a:ln>
+                  <a:noFill/>
+                </a:ln>
+                <a:solidFill>
+                  <a:schemeClr val="tx1"/>
+                </a:solidFill>
+                <a:effectLst/>
+                <a:latin typeface="Arial" panose="020B0604020202020204" pitchFamily="34" charset="0"/>
+              </a:rPr>
+              <a:t> as a [insert </a:t>
+            </a:r>
+            <a:r>
+              <a:rPr kumimoji="0" lang="fr-FR" altLang="fr-FR" sz="2000" b="0" i="0" u="none" strike="noStrike" cap="none" normalizeH="0" baseline="0" dirty="0" err="1">
+                <a:ln>
+                  <a:noFill/>
+                </a:ln>
+                <a:solidFill>
+                  <a:schemeClr val="tx1"/>
+                </a:solidFill>
+                <a:effectLst/>
+                <a:latin typeface="Arial" panose="020B0604020202020204" pitchFamily="34" charset="0"/>
+              </a:rPr>
+              <a:t>your</a:t>
+            </a:r>
+            <a:r>
+              <a:rPr kumimoji="0" lang="fr-FR" altLang="fr-FR" sz="2000" b="0" i="0" u="none" strike="noStrike" cap="none" normalizeH="0" baseline="0" dirty="0">
+                <a:ln>
+                  <a:noFill/>
+                </a:ln>
+                <a:solidFill>
+                  <a:schemeClr val="tx1"/>
+                </a:solidFill>
+                <a:effectLst/>
+                <a:latin typeface="Arial" panose="020B0604020202020204" pitchFamily="34" charset="0"/>
+              </a:rPr>
+              <a:t> job </a:t>
+            </a:r>
+            <a:r>
+              <a:rPr kumimoji="0" lang="fr-FR" altLang="fr-FR" sz="2000" b="0" i="0" u="none" strike="noStrike" cap="none" normalizeH="0" baseline="0" dirty="0" err="1">
+                <a:ln>
+                  <a:noFill/>
+                </a:ln>
+                <a:solidFill>
+                  <a:schemeClr val="tx1"/>
+                </a:solidFill>
+                <a:effectLst/>
+                <a:latin typeface="Arial" panose="020B0604020202020204" pitchFamily="34" charset="0"/>
+              </a:rPr>
+              <a:t>title</a:t>
+            </a:r>
+            <a:r>
+              <a:rPr kumimoji="0" lang="fr-FR" altLang="fr-FR" sz="2000" b="0" i="0" u="none" strike="noStrike" cap="none" normalizeH="0" baseline="0" dirty="0">
+                <a:ln>
+                  <a:noFill/>
+                </a:ln>
+                <a:solidFill>
+                  <a:schemeClr val="tx1"/>
+                </a:solidFill>
+                <a:effectLst/>
+                <a:latin typeface="Arial" panose="020B0604020202020204" pitchFamily="34" charset="0"/>
+              </a:rPr>
+              <a:t>].</a:t>
+            </a:r>
+          </a:p>
+          <a:p>
+            <a:pPr marL="0" marR="0" lvl="0" indent="0" algn="l" defTabSz="914400" rtl="0" eaLnBrk="0" fontAlgn="base" latinLnBrk="0" hangingPunct="0">
+              <a:lnSpc>
+                <a:spcPct val="100000"/>
+              </a:lnSpc>
+              <a:spcBef>
+                <a:spcPct val="0"/>
+              </a:spcBef>
+              <a:spcAft>
+                <a:spcPct val="0"/>
+              </a:spcAft>
+              <a:buClrTx/>
+              <a:buSzTx/>
+              <a:buFontTx/>
+              <a:buNone/>
+              <a:tabLst/>
+            </a:pPr>
+            <a:r>
+              <a:rPr kumimoji="0" lang="fr-FR" altLang="fr-FR" sz="2000" b="1" i="0" u="none" strike="noStrike" cap="none" normalizeH="0" baseline="0" dirty="0">
+                <a:ln>
+                  <a:noFill/>
+                </a:ln>
+                <a:solidFill>
+                  <a:schemeClr val="tx1"/>
+                </a:solidFill>
+                <a:effectLst/>
+                <a:latin typeface="Arial" panose="020B0604020202020204" pitchFamily="34" charset="0"/>
+              </a:rPr>
+              <a:t>— </a:t>
+            </a:r>
+            <a:r>
+              <a:rPr kumimoji="0" lang="fr-FR" altLang="fr-FR" sz="2000" b="1" i="0" u="none" strike="noStrike" cap="none" normalizeH="0" baseline="0" dirty="0" err="1">
+                <a:ln>
+                  <a:noFill/>
+                </a:ln>
+                <a:solidFill>
+                  <a:schemeClr val="tx1"/>
+                </a:solidFill>
+                <a:effectLst/>
+                <a:latin typeface="Arial" panose="020B0604020202020204" pitchFamily="34" charset="0"/>
+              </a:rPr>
+              <a:t>Provide</a:t>
+            </a:r>
+            <a:r>
+              <a:rPr kumimoji="0" lang="fr-FR" altLang="fr-FR" sz="2000" b="1" i="0" u="none" strike="noStrike" cap="none" normalizeH="0" baseline="0" dirty="0">
+                <a:ln>
+                  <a:noFill/>
+                </a:ln>
+                <a:solidFill>
+                  <a:schemeClr val="tx1"/>
+                </a:solidFill>
+                <a:effectLst/>
+                <a:latin typeface="Arial" panose="020B0604020202020204" pitchFamily="34" charset="0"/>
+              </a:rPr>
+              <a:t> an </a:t>
+            </a:r>
+            <a:r>
+              <a:rPr kumimoji="0" lang="fr-FR" altLang="fr-FR" sz="2000" b="1" i="0" u="none" strike="noStrike" cap="none" normalizeH="0" baseline="0" dirty="0" err="1">
+                <a:ln>
+                  <a:noFill/>
+                </a:ln>
+                <a:solidFill>
+                  <a:schemeClr val="tx1"/>
+                </a:solidFill>
+                <a:effectLst/>
+                <a:latin typeface="Arial" panose="020B0604020202020204" pitchFamily="34" charset="0"/>
+              </a:rPr>
+              <a:t>example</a:t>
+            </a:r>
+            <a:r>
+              <a:rPr kumimoji="0" lang="fr-FR" altLang="fr-FR" sz="2000" b="1" i="0" u="none" strike="noStrike" cap="none" normalizeH="0" baseline="0" dirty="0">
+                <a:ln>
+                  <a:noFill/>
+                </a:ln>
+                <a:solidFill>
+                  <a:schemeClr val="tx1"/>
+                </a:solidFill>
+                <a:effectLst/>
+                <a:latin typeface="Arial" panose="020B0604020202020204" pitchFamily="34" charset="0"/>
+              </a:rPr>
+              <a:t> of </a:t>
+            </a:r>
+            <a:r>
+              <a:rPr kumimoji="0" lang="fr-FR" altLang="fr-FR" sz="2000" b="1" i="0" u="none" strike="noStrike" cap="none" normalizeH="0" baseline="0" dirty="0" err="1">
+                <a:ln>
+                  <a:noFill/>
+                </a:ln>
+                <a:solidFill>
+                  <a:schemeClr val="tx1"/>
+                </a:solidFill>
+                <a:effectLst/>
+                <a:latin typeface="Arial" panose="020B0604020202020204" pitchFamily="34" charset="0"/>
+              </a:rPr>
+              <a:t>your</a:t>
+            </a:r>
+            <a:r>
+              <a:rPr kumimoji="0" lang="fr-FR" altLang="fr-FR" sz="2000" b="1" i="0" u="none" strike="noStrike" cap="none" normalizeH="0" baseline="0" dirty="0">
+                <a:ln>
+                  <a:noFill/>
+                </a:ln>
+                <a:solidFill>
+                  <a:schemeClr val="tx1"/>
+                </a:solidFill>
+                <a:effectLst/>
+                <a:latin typeface="Arial" panose="020B0604020202020204" pitchFamily="34" charset="0"/>
+              </a:rPr>
+              <a:t> </a:t>
+            </a:r>
+            <a:r>
+              <a:rPr kumimoji="0" lang="fr-FR" altLang="fr-FR" sz="2000" b="1" i="0" u="none" strike="noStrike" cap="none" normalizeH="0" baseline="0" dirty="0" err="1">
+                <a:ln>
+                  <a:noFill/>
+                </a:ln>
+                <a:solidFill>
+                  <a:schemeClr val="tx1"/>
+                </a:solidFill>
+                <a:effectLst/>
+                <a:latin typeface="Arial" panose="020B0604020202020204" pitchFamily="34" charset="0"/>
+              </a:rPr>
+              <a:t>work</a:t>
+            </a:r>
+            <a:r>
+              <a:rPr kumimoji="0" lang="fr-FR" altLang="fr-FR" sz="2000" b="1" i="0" u="none" strike="noStrike" cap="none" normalizeH="0" baseline="0" dirty="0">
+                <a:ln>
+                  <a:noFill/>
+                </a:ln>
+                <a:solidFill>
+                  <a:schemeClr val="tx1"/>
+                </a:solidFill>
+                <a:effectLst/>
+                <a:latin typeface="Arial" panose="020B0604020202020204" pitchFamily="34" charset="0"/>
+              </a:rPr>
+              <a:t> —</a:t>
+            </a:r>
+            <a:endParaRPr kumimoji="0" lang="fr-FR" altLang="fr-FR" sz="2000" b="0" i="0" u="none" strike="noStrike" cap="none" normalizeH="0" baseline="0" dirty="0">
+              <a:ln>
+                <a:noFill/>
+              </a:ln>
+              <a:solidFill>
+                <a:schemeClr val="tx1"/>
+              </a:solidFill>
+              <a:effectLst/>
+              <a:latin typeface="Arial" panose="020B0604020202020204" pitchFamily="34" charset="0"/>
+            </a:endParaRPr>
+          </a:p>
+          <a:p>
+            <a:pPr marL="0" marR="0" lvl="0" indent="0" algn="l" defTabSz="914400" rtl="0" eaLnBrk="0" fontAlgn="base" latinLnBrk="0" hangingPunct="0">
+              <a:lnSpc>
+                <a:spcPct val="100000"/>
+              </a:lnSpc>
+              <a:spcBef>
+                <a:spcPct val="0"/>
+              </a:spcBef>
+              <a:spcAft>
+                <a:spcPct val="0"/>
+              </a:spcAft>
+              <a:buClrTx/>
+              <a:buSzTx/>
+              <a:buFontTx/>
+              <a:buNone/>
+              <a:tabLst/>
+            </a:pPr>
+            <a:r>
+              <a:rPr kumimoji="0" lang="fr-FR" altLang="fr-FR" sz="2000" b="0" i="0" u="none" strike="noStrike" cap="none" normalizeH="0" baseline="0" dirty="0">
+                <a:ln>
+                  <a:noFill/>
+                </a:ln>
+                <a:solidFill>
+                  <a:schemeClr val="tx1"/>
+                </a:solidFill>
+                <a:effectLst/>
+                <a:latin typeface="Arial" panose="020B0604020202020204" pitchFamily="34" charset="0"/>
+              </a:rPr>
+              <a:t>As </a:t>
+            </a:r>
+            <a:r>
+              <a:rPr kumimoji="0" lang="fr-FR" altLang="fr-FR" sz="2000" b="0" i="0" u="none" strike="noStrike" cap="none" normalizeH="0" baseline="0" dirty="0" err="1">
+                <a:ln>
+                  <a:noFill/>
+                </a:ln>
+                <a:solidFill>
+                  <a:schemeClr val="tx1"/>
+                </a:solidFill>
+                <a:effectLst/>
+                <a:latin typeface="Arial" panose="020B0604020202020204" pitchFamily="34" charset="0"/>
+              </a:rPr>
+              <a:t>you</a:t>
+            </a:r>
+            <a:r>
+              <a:rPr kumimoji="0" lang="fr-FR" altLang="fr-FR" sz="2000" b="0" i="0" u="none" strike="noStrike" cap="none" normalizeH="0" baseline="0" dirty="0">
+                <a:ln>
+                  <a:noFill/>
+                </a:ln>
+                <a:solidFill>
+                  <a:schemeClr val="tx1"/>
+                </a:solidFill>
+                <a:effectLst/>
+                <a:latin typeface="Arial" panose="020B0604020202020204" pitchFamily="34" charset="0"/>
+              </a:rPr>
+              <a:t> can </a:t>
+            </a:r>
+            <a:r>
+              <a:rPr kumimoji="0" lang="fr-FR" altLang="fr-FR" sz="2000" b="0" i="0" u="none" strike="noStrike" cap="none" normalizeH="0" baseline="0" dirty="0" err="1">
+                <a:ln>
+                  <a:noFill/>
+                </a:ln>
+                <a:solidFill>
+                  <a:schemeClr val="tx1"/>
+                </a:solidFill>
+                <a:effectLst/>
+                <a:latin typeface="Arial" panose="020B0604020202020204" pitchFamily="34" charset="0"/>
+              </a:rPr>
+              <a:t>view</a:t>
+            </a:r>
+            <a:r>
+              <a:rPr kumimoji="0" lang="fr-FR" altLang="fr-FR" sz="2000" b="0" i="0" u="none" strike="noStrike" cap="none" normalizeH="0" baseline="0" dirty="0">
+                <a:ln>
+                  <a:noFill/>
+                </a:ln>
+                <a:solidFill>
+                  <a:schemeClr val="tx1"/>
+                </a:solidFill>
+                <a:effectLst/>
+                <a:latin typeface="Arial" panose="020B0604020202020204" pitchFamily="34" charset="0"/>
+              </a:rPr>
+              <a:t> on </a:t>
+            </a:r>
+            <a:r>
+              <a:rPr kumimoji="0" lang="fr-FR" altLang="fr-FR" sz="2000" b="0" i="0" u="none" strike="noStrike" cap="none" normalizeH="0" baseline="0" dirty="0" err="1">
+                <a:ln>
+                  <a:noFill/>
+                </a:ln>
+                <a:solidFill>
+                  <a:schemeClr val="tx1"/>
+                </a:solidFill>
+                <a:effectLst/>
+                <a:latin typeface="Arial" panose="020B0604020202020204" pitchFamily="34" charset="0"/>
+              </a:rPr>
+              <a:t>my</a:t>
+            </a:r>
+            <a:r>
+              <a:rPr kumimoji="0" lang="fr-FR" altLang="fr-FR" sz="2000" b="0" i="0" u="none" strike="noStrike" cap="none" normalizeH="0" baseline="0" dirty="0">
+                <a:ln>
+                  <a:noFill/>
+                </a:ln>
+                <a:solidFill>
+                  <a:schemeClr val="tx1"/>
+                </a:solidFill>
+                <a:effectLst/>
+                <a:latin typeface="Arial" panose="020B0604020202020204" pitchFamily="34" charset="0"/>
+              </a:rPr>
+              <a:t> </a:t>
+            </a:r>
+            <a:r>
+              <a:rPr kumimoji="0" lang="fr-FR" altLang="fr-FR" sz="2000" b="0" i="0" u="none" strike="noStrike" cap="none" normalizeH="0" baseline="0" dirty="0" err="1">
+                <a:ln>
+                  <a:noFill/>
+                </a:ln>
+                <a:solidFill>
+                  <a:schemeClr val="tx1"/>
+                </a:solidFill>
+                <a:effectLst/>
+                <a:latin typeface="Arial" panose="020B0604020202020204" pitchFamily="34" charset="0"/>
+              </a:rPr>
+              <a:t>Upwork</a:t>
+            </a:r>
+            <a:r>
+              <a:rPr kumimoji="0" lang="fr-FR" altLang="fr-FR" sz="2000" b="0" i="0" u="none" strike="noStrike" cap="none" normalizeH="0" baseline="0" dirty="0">
+                <a:ln>
+                  <a:noFill/>
+                </a:ln>
+                <a:solidFill>
+                  <a:schemeClr val="tx1"/>
+                </a:solidFill>
+                <a:effectLst/>
+                <a:latin typeface="Arial" panose="020B0604020202020204" pitchFamily="34" charset="0"/>
+              </a:rPr>
+              <a:t> profile, </a:t>
+            </a:r>
+            <a:r>
+              <a:rPr kumimoji="0" lang="fr-FR" altLang="fr-FR" sz="2000" b="0" i="0" u="none" strike="noStrike" cap="none" normalizeH="0" baseline="0" dirty="0" err="1">
+                <a:ln>
+                  <a:noFill/>
+                </a:ln>
+                <a:solidFill>
+                  <a:schemeClr val="tx1"/>
+                </a:solidFill>
+                <a:effectLst/>
+                <a:latin typeface="Arial" panose="020B0604020202020204" pitchFamily="34" charset="0"/>
+              </a:rPr>
+              <a:t>I’ve</a:t>
+            </a:r>
+            <a:r>
+              <a:rPr kumimoji="0" lang="fr-FR" altLang="fr-FR" sz="2000" b="0" i="0" u="none" strike="noStrike" cap="none" normalizeH="0" baseline="0" dirty="0">
+                <a:ln>
+                  <a:noFill/>
+                </a:ln>
+                <a:solidFill>
+                  <a:schemeClr val="tx1"/>
+                </a:solidFill>
+                <a:effectLst/>
+                <a:latin typeface="Arial" panose="020B0604020202020204" pitchFamily="34" charset="0"/>
+              </a:rPr>
+              <a:t> </a:t>
+            </a:r>
+            <a:r>
+              <a:rPr kumimoji="0" lang="fr-FR" altLang="fr-FR" sz="2000" b="0" i="0" u="none" strike="noStrike" cap="none" normalizeH="0" baseline="0" dirty="0" err="1">
+                <a:ln>
+                  <a:noFill/>
+                </a:ln>
+                <a:solidFill>
+                  <a:schemeClr val="tx1"/>
+                </a:solidFill>
+                <a:effectLst/>
+                <a:latin typeface="Arial" panose="020B0604020202020204" pitchFamily="34" charset="0"/>
+              </a:rPr>
+              <a:t>completed</a:t>
+            </a:r>
+            <a:r>
+              <a:rPr kumimoji="0" lang="fr-FR" altLang="fr-FR" sz="2000" b="0" i="0" u="none" strike="noStrike" cap="none" normalizeH="0" baseline="0" dirty="0">
+                <a:ln>
+                  <a:noFill/>
+                </a:ln>
+                <a:solidFill>
+                  <a:schemeClr val="tx1"/>
+                </a:solidFill>
+                <a:effectLst/>
+                <a:latin typeface="Arial" panose="020B0604020202020204" pitchFamily="34" charset="0"/>
+              </a:rPr>
+              <a:t> </a:t>
+            </a:r>
+            <a:r>
+              <a:rPr kumimoji="0" lang="fr-FR" altLang="fr-FR" sz="2000" b="0" i="0" u="none" strike="noStrike" cap="none" normalizeH="0" baseline="0" dirty="0" err="1">
+                <a:ln>
+                  <a:noFill/>
+                </a:ln>
+                <a:solidFill>
+                  <a:schemeClr val="tx1"/>
+                </a:solidFill>
+                <a:effectLst/>
+                <a:latin typeface="Arial" panose="020B0604020202020204" pitchFamily="34" charset="0"/>
+              </a:rPr>
+              <a:t>numerous</a:t>
+            </a:r>
+            <a:r>
+              <a:rPr kumimoji="0" lang="fr-FR" altLang="fr-FR" sz="2000" b="0" i="0" u="none" strike="noStrike" cap="none" normalizeH="0" baseline="0" dirty="0">
+                <a:ln>
+                  <a:noFill/>
+                </a:ln>
+                <a:solidFill>
+                  <a:schemeClr val="tx1"/>
+                </a:solidFill>
+                <a:effectLst/>
+                <a:latin typeface="Arial" panose="020B0604020202020204" pitchFamily="34" charset="0"/>
+              </a:rPr>
+              <a:t> [insert job </a:t>
+            </a:r>
+            <a:r>
+              <a:rPr kumimoji="0" lang="fr-FR" altLang="fr-FR" sz="2000" b="0" i="0" u="none" strike="noStrike" cap="none" normalizeH="0" baseline="0" dirty="0" err="1">
+                <a:ln>
+                  <a:noFill/>
+                </a:ln>
+                <a:solidFill>
+                  <a:schemeClr val="tx1"/>
+                </a:solidFill>
+                <a:effectLst/>
+                <a:latin typeface="Arial" panose="020B0604020202020204" pitchFamily="34" charset="0"/>
+              </a:rPr>
+              <a:t>title</a:t>
+            </a:r>
+            <a:r>
+              <a:rPr kumimoji="0" lang="fr-FR" altLang="fr-FR" sz="2000" b="0" i="0" u="none" strike="noStrike" cap="none" normalizeH="0" baseline="0" dirty="0">
+                <a:ln>
+                  <a:noFill/>
+                </a:ln>
+                <a:solidFill>
+                  <a:schemeClr val="tx1"/>
+                </a:solidFill>
+                <a:effectLst/>
+                <a:latin typeface="Arial" panose="020B0604020202020204" pitchFamily="34" charset="0"/>
+              </a:rPr>
+              <a:t>] jobs </a:t>
+            </a:r>
+            <a:r>
+              <a:rPr kumimoji="0" lang="fr-FR" altLang="fr-FR" sz="2000" b="0" i="0" u="none" strike="noStrike" cap="none" normalizeH="0" baseline="0" dirty="0" err="1">
+                <a:ln>
+                  <a:noFill/>
+                </a:ln>
+                <a:solidFill>
+                  <a:schemeClr val="tx1"/>
+                </a:solidFill>
+                <a:effectLst/>
+                <a:latin typeface="Arial" panose="020B0604020202020204" pitchFamily="34" charset="0"/>
+              </a:rPr>
+              <a:t>with</a:t>
+            </a:r>
+            <a:r>
+              <a:rPr kumimoji="0" lang="fr-FR" altLang="fr-FR" sz="2000" b="0" i="0" u="none" strike="noStrike" cap="none" normalizeH="0" baseline="0" dirty="0">
+                <a:ln>
+                  <a:noFill/>
+                </a:ln>
+                <a:solidFill>
+                  <a:schemeClr val="tx1"/>
+                </a:solidFill>
+                <a:effectLst/>
+                <a:latin typeface="Arial" panose="020B0604020202020204" pitchFamily="34" charset="0"/>
+              </a:rPr>
+              <a:t> 5-star </a:t>
+            </a:r>
+            <a:r>
+              <a:rPr kumimoji="0" lang="fr-FR" altLang="fr-FR" sz="2000" b="0" i="0" u="none" strike="noStrike" cap="none" normalizeH="0" baseline="0" dirty="0" err="1">
+                <a:ln>
+                  <a:noFill/>
+                </a:ln>
+                <a:solidFill>
+                  <a:schemeClr val="tx1"/>
+                </a:solidFill>
+                <a:effectLst/>
+                <a:latin typeface="Arial" panose="020B0604020202020204" pitchFamily="34" charset="0"/>
+              </a:rPr>
+              <a:t>reviews</a:t>
+            </a:r>
+            <a:r>
+              <a:rPr kumimoji="0" lang="fr-FR" altLang="fr-FR" sz="2000" b="0" i="0" u="none" strike="noStrike" cap="none" normalizeH="0" baseline="0" dirty="0">
+                <a:ln>
+                  <a:noFill/>
+                </a:ln>
+                <a:solidFill>
+                  <a:schemeClr val="tx1"/>
+                </a:solidFill>
+                <a:effectLst/>
+                <a:latin typeface="Arial" panose="020B0604020202020204" pitchFamily="34" charset="0"/>
+              </a:rPr>
+              <a:t>, </a:t>
+            </a:r>
+            <a:r>
+              <a:rPr kumimoji="0" lang="fr-FR" altLang="fr-FR" sz="2000" b="0" i="0" u="none" strike="noStrike" cap="none" normalizeH="0" baseline="0" dirty="0" err="1">
+                <a:ln>
+                  <a:noFill/>
+                </a:ln>
+                <a:solidFill>
+                  <a:schemeClr val="tx1"/>
+                </a:solidFill>
+                <a:effectLst/>
+                <a:latin typeface="Arial" panose="020B0604020202020204" pitchFamily="34" charset="0"/>
+              </a:rPr>
+              <a:t>including</a:t>
+            </a:r>
+            <a:r>
+              <a:rPr kumimoji="0" lang="fr-FR" altLang="fr-FR" sz="2000" b="0" i="0" u="none" strike="noStrike" cap="none" normalizeH="0" baseline="0" dirty="0">
+                <a:ln>
+                  <a:noFill/>
+                </a:ln>
+                <a:solidFill>
+                  <a:schemeClr val="tx1"/>
+                </a:solidFill>
+                <a:effectLst/>
+                <a:latin typeface="Arial" panose="020B0604020202020204" pitchFamily="34" charset="0"/>
+              </a:rPr>
+              <a:t> </a:t>
+            </a:r>
+            <a:r>
+              <a:rPr kumimoji="0" lang="fr-FR" altLang="fr-FR" sz="2000" b="0" i="0" u="none" strike="noStrike" cap="none" normalizeH="0" baseline="0" dirty="0" err="1">
+                <a:ln>
+                  <a:noFill/>
+                </a:ln>
+                <a:solidFill>
+                  <a:schemeClr val="tx1"/>
+                </a:solidFill>
+                <a:effectLst/>
+                <a:latin typeface="Arial" panose="020B0604020202020204" pitchFamily="34" charset="0"/>
+              </a:rPr>
+              <a:t>overly</a:t>
+            </a:r>
+            <a:r>
+              <a:rPr kumimoji="0" lang="fr-FR" altLang="fr-FR" sz="2000" b="0" i="0" u="none" strike="noStrike" cap="none" normalizeH="0" baseline="0" dirty="0">
+                <a:ln>
+                  <a:noFill/>
+                </a:ln>
+                <a:solidFill>
+                  <a:schemeClr val="tx1"/>
+                </a:solidFill>
+                <a:effectLst/>
+                <a:latin typeface="Arial" panose="020B0604020202020204" pitchFamily="34" charset="0"/>
+              </a:rPr>
+              <a:t> positive client feedback. </a:t>
+            </a:r>
+            <a:r>
+              <a:rPr kumimoji="0" lang="fr-FR" altLang="fr-FR" sz="2000" b="0" i="0" u="none" strike="noStrike" cap="none" normalizeH="0" baseline="0" dirty="0" err="1">
+                <a:ln>
+                  <a:noFill/>
+                </a:ln>
+                <a:solidFill>
+                  <a:schemeClr val="tx1"/>
+                </a:solidFill>
+                <a:effectLst/>
+                <a:latin typeface="Arial" panose="020B0604020202020204" pitchFamily="34" charset="0"/>
+              </a:rPr>
+              <a:t>Two</a:t>
+            </a:r>
+            <a:r>
+              <a:rPr kumimoji="0" lang="fr-FR" altLang="fr-FR" sz="2000" b="0" i="0" u="none" strike="noStrike" cap="none" normalizeH="0" baseline="0" dirty="0">
+                <a:ln>
+                  <a:noFill/>
+                </a:ln>
+                <a:solidFill>
+                  <a:schemeClr val="tx1"/>
+                </a:solidFill>
+                <a:effectLst/>
+                <a:latin typeface="Arial" panose="020B0604020202020204" pitchFamily="34" charset="0"/>
+              </a:rPr>
+              <a:t> </a:t>
+            </a:r>
+            <a:r>
+              <a:rPr kumimoji="0" lang="fr-FR" altLang="fr-FR" sz="2000" b="0" i="0" u="none" strike="noStrike" cap="none" normalizeH="0" baseline="0" dirty="0" err="1">
+                <a:ln>
+                  <a:noFill/>
+                </a:ln>
+                <a:solidFill>
+                  <a:schemeClr val="tx1"/>
+                </a:solidFill>
+                <a:effectLst/>
+                <a:latin typeface="Arial" panose="020B0604020202020204" pitchFamily="34" charset="0"/>
+              </a:rPr>
+              <a:t>specific</a:t>
+            </a:r>
+            <a:r>
+              <a:rPr kumimoji="0" lang="fr-FR" altLang="fr-FR" sz="2000" b="0" i="0" u="none" strike="noStrike" cap="none" normalizeH="0" baseline="0" dirty="0">
+                <a:ln>
+                  <a:noFill/>
+                </a:ln>
+                <a:solidFill>
+                  <a:schemeClr val="tx1"/>
+                </a:solidFill>
+                <a:effectLst/>
+                <a:latin typeface="Arial" panose="020B0604020202020204" pitchFamily="34" charset="0"/>
+              </a:rPr>
+              <a:t> </a:t>
+            </a:r>
+            <a:r>
+              <a:rPr kumimoji="0" lang="fr-FR" altLang="fr-FR" sz="2000" b="0" i="0" u="none" strike="noStrike" cap="none" normalizeH="0" baseline="0" dirty="0" err="1">
+                <a:ln>
+                  <a:noFill/>
+                </a:ln>
+                <a:solidFill>
+                  <a:schemeClr val="tx1"/>
+                </a:solidFill>
+                <a:effectLst/>
+                <a:latin typeface="Arial" panose="020B0604020202020204" pitchFamily="34" charset="0"/>
+              </a:rPr>
+              <a:t>examples</a:t>
+            </a:r>
+            <a:r>
+              <a:rPr kumimoji="0" lang="fr-FR" altLang="fr-FR" sz="2000" b="0" i="0" u="none" strike="noStrike" cap="none" normalizeH="0" baseline="0" dirty="0">
+                <a:ln>
+                  <a:noFill/>
+                </a:ln>
+                <a:solidFill>
+                  <a:schemeClr val="tx1"/>
+                </a:solidFill>
+                <a:effectLst/>
+                <a:latin typeface="Arial" panose="020B0604020202020204" pitchFamily="34" charset="0"/>
+              </a:rPr>
+              <a:t> </a:t>
+            </a:r>
+            <a:r>
+              <a:rPr kumimoji="0" lang="fr-FR" altLang="fr-FR" sz="2000" b="0" i="0" u="none" strike="noStrike" cap="none" normalizeH="0" baseline="0" dirty="0" err="1">
+                <a:ln>
+                  <a:noFill/>
+                </a:ln>
+                <a:solidFill>
+                  <a:schemeClr val="tx1"/>
+                </a:solidFill>
+                <a:effectLst/>
+                <a:latin typeface="Arial" panose="020B0604020202020204" pitchFamily="34" charset="0"/>
+              </a:rPr>
+              <a:t>that</a:t>
+            </a:r>
+            <a:r>
+              <a:rPr kumimoji="0" lang="fr-FR" altLang="fr-FR" sz="2000" b="0" i="0" u="none" strike="noStrike" cap="none" normalizeH="0" baseline="0" dirty="0">
+                <a:ln>
+                  <a:noFill/>
+                </a:ln>
+                <a:solidFill>
+                  <a:schemeClr val="tx1"/>
+                </a:solidFill>
+                <a:effectLst/>
+                <a:latin typeface="Arial" panose="020B0604020202020204" pitchFamily="34" charset="0"/>
+              </a:rPr>
+              <a:t> showcase the </a:t>
+            </a:r>
+            <a:r>
+              <a:rPr kumimoji="0" lang="fr-FR" altLang="fr-FR" sz="2000" b="0" i="0" u="none" strike="noStrike" cap="none" normalizeH="0" baseline="0" dirty="0" err="1">
+                <a:ln>
+                  <a:noFill/>
+                </a:ln>
+                <a:solidFill>
+                  <a:schemeClr val="tx1"/>
+                </a:solidFill>
+                <a:effectLst/>
+                <a:latin typeface="Arial" panose="020B0604020202020204" pitchFamily="34" charset="0"/>
+              </a:rPr>
+              <a:t>quality</a:t>
+            </a:r>
+            <a:r>
+              <a:rPr kumimoji="0" lang="fr-FR" altLang="fr-FR" sz="2000" b="0" i="0" u="none" strike="noStrike" cap="none" normalizeH="0" baseline="0" dirty="0">
+                <a:ln>
+                  <a:noFill/>
+                </a:ln>
+                <a:solidFill>
+                  <a:schemeClr val="tx1"/>
+                </a:solidFill>
+                <a:effectLst/>
+                <a:latin typeface="Arial" panose="020B0604020202020204" pitchFamily="34" charset="0"/>
+              </a:rPr>
+              <a:t> of </a:t>
+            </a:r>
+            <a:r>
+              <a:rPr kumimoji="0" lang="fr-FR" altLang="fr-FR" sz="2000" b="0" i="0" u="none" strike="noStrike" cap="none" normalizeH="0" baseline="0" dirty="0" err="1">
+                <a:ln>
+                  <a:noFill/>
+                </a:ln>
+                <a:solidFill>
+                  <a:schemeClr val="tx1"/>
+                </a:solidFill>
+                <a:effectLst/>
+                <a:latin typeface="Arial" panose="020B0604020202020204" pitchFamily="34" charset="0"/>
+              </a:rPr>
+              <a:t>my</a:t>
+            </a:r>
+            <a:r>
+              <a:rPr kumimoji="0" lang="fr-FR" altLang="fr-FR" sz="2000" b="0" i="0" u="none" strike="noStrike" cap="none" normalizeH="0" baseline="0" dirty="0">
+                <a:ln>
+                  <a:noFill/>
+                </a:ln>
+                <a:solidFill>
+                  <a:schemeClr val="tx1"/>
+                </a:solidFill>
+                <a:effectLst/>
+                <a:latin typeface="Arial" panose="020B0604020202020204" pitchFamily="34" charset="0"/>
+              </a:rPr>
+              <a:t> </a:t>
+            </a:r>
+            <a:r>
+              <a:rPr kumimoji="0" lang="fr-FR" altLang="fr-FR" sz="2000" b="0" i="0" u="none" strike="noStrike" cap="none" normalizeH="0" baseline="0" dirty="0" err="1">
+                <a:ln>
+                  <a:noFill/>
+                </a:ln>
+                <a:solidFill>
+                  <a:schemeClr val="tx1"/>
+                </a:solidFill>
+                <a:effectLst/>
+                <a:latin typeface="Arial" panose="020B0604020202020204" pitchFamily="34" charset="0"/>
+              </a:rPr>
+              <a:t>work</a:t>
+            </a:r>
+            <a:r>
+              <a:rPr kumimoji="0" lang="fr-FR" altLang="fr-FR" sz="2000" b="0" i="0" u="none" strike="noStrike" cap="none" normalizeH="0" baseline="0" dirty="0">
+                <a:ln>
+                  <a:noFill/>
+                </a:ln>
+                <a:solidFill>
+                  <a:schemeClr val="tx1"/>
+                </a:solidFill>
+                <a:effectLst/>
+                <a:latin typeface="Arial" panose="020B0604020202020204" pitchFamily="34" charset="0"/>
+              </a:rPr>
+              <a:t> and relate </a:t>
+            </a:r>
+            <a:r>
+              <a:rPr kumimoji="0" lang="fr-FR" altLang="fr-FR" sz="2000" b="0" i="0" u="none" strike="noStrike" cap="none" normalizeH="0" baseline="0" dirty="0" err="1">
+                <a:ln>
+                  <a:noFill/>
+                </a:ln>
+                <a:solidFill>
+                  <a:schemeClr val="tx1"/>
+                </a:solidFill>
+                <a:effectLst/>
+                <a:latin typeface="Arial" panose="020B0604020202020204" pitchFamily="34" charset="0"/>
+              </a:rPr>
+              <a:t>directly</a:t>
+            </a:r>
+            <a:r>
+              <a:rPr kumimoji="0" lang="fr-FR" altLang="fr-FR" sz="2000" b="0" i="0" u="none" strike="noStrike" cap="none" normalizeH="0" baseline="0" dirty="0">
+                <a:ln>
+                  <a:noFill/>
+                </a:ln>
+                <a:solidFill>
+                  <a:schemeClr val="tx1"/>
+                </a:solidFill>
+                <a:effectLst/>
+                <a:latin typeface="Arial" panose="020B0604020202020204" pitchFamily="34" charset="0"/>
+              </a:rPr>
+              <a:t> to </a:t>
+            </a:r>
+            <a:r>
+              <a:rPr kumimoji="0" lang="fr-FR" altLang="fr-FR" sz="2000" b="0" i="0" u="none" strike="noStrike" cap="none" normalizeH="0" baseline="0" dirty="0" err="1">
+                <a:ln>
+                  <a:noFill/>
+                </a:ln>
+                <a:solidFill>
+                  <a:schemeClr val="tx1"/>
+                </a:solidFill>
+                <a:effectLst/>
+                <a:latin typeface="Arial" panose="020B0604020202020204" pitchFamily="34" charset="0"/>
+              </a:rPr>
+              <a:t>your</a:t>
+            </a:r>
+            <a:r>
+              <a:rPr kumimoji="0" lang="fr-FR" altLang="fr-FR" sz="2000" b="0" i="0" u="none" strike="noStrike" cap="none" normalizeH="0" baseline="0" dirty="0">
+                <a:ln>
+                  <a:noFill/>
+                </a:ln>
+                <a:solidFill>
+                  <a:schemeClr val="tx1"/>
+                </a:solidFill>
+                <a:effectLst/>
+                <a:latin typeface="Arial" panose="020B0604020202020204" pitchFamily="34" charset="0"/>
+              </a:rPr>
+              <a:t> job post are </a:t>
+            </a:r>
+            <a:r>
+              <a:rPr kumimoji="0" lang="fr-FR" altLang="fr-FR" sz="2000" b="0" i="0" u="none" strike="noStrike" cap="none" normalizeH="0" baseline="0" dirty="0" err="1">
+                <a:ln>
+                  <a:noFill/>
+                </a:ln>
+                <a:solidFill>
+                  <a:schemeClr val="tx1"/>
+                </a:solidFill>
+                <a:effectLst/>
+                <a:latin typeface="Arial" panose="020B0604020202020204" pitchFamily="34" charset="0"/>
+              </a:rPr>
+              <a:t>attached</a:t>
+            </a:r>
+            <a:r>
+              <a:rPr kumimoji="0" lang="fr-FR" altLang="fr-FR" sz="2000" b="0" i="0" u="none" strike="noStrike" cap="none" normalizeH="0" baseline="0" dirty="0">
+                <a:ln>
+                  <a:noFill/>
+                </a:ln>
+                <a:solidFill>
+                  <a:schemeClr val="tx1"/>
+                </a:solidFill>
+                <a:effectLst/>
+                <a:latin typeface="Arial" panose="020B0604020202020204" pitchFamily="34" charset="0"/>
+              </a:rPr>
+              <a:t> to </a:t>
+            </a:r>
+            <a:r>
+              <a:rPr kumimoji="0" lang="fr-FR" altLang="fr-FR" sz="2000" b="0" i="0" u="none" strike="noStrike" cap="none" normalizeH="0" baseline="0" dirty="0" err="1">
+                <a:ln>
+                  <a:noFill/>
+                </a:ln>
+                <a:solidFill>
+                  <a:schemeClr val="tx1"/>
+                </a:solidFill>
+                <a:effectLst/>
+                <a:latin typeface="Arial" panose="020B0604020202020204" pitchFamily="34" charset="0"/>
+              </a:rPr>
+              <a:t>this</a:t>
+            </a:r>
+            <a:r>
+              <a:rPr kumimoji="0" lang="fr-FR" altLang="fr-FR" sz="2000" b="0" i="0" u="none" strike="noStrike" cap="none" normalizeH="0" baseline="0" dirty="0">
+                <a:ln>
+                  <a:noFill/>
+                </a:ln>
+                <a:solidFill>
+                  <a:schemeClr val="tx1"/>
+                </a:solidFill>
+                <a:effectLst/>
+                <a:latin typeface="Arial" panose="020B0604020202020204" pitchFamily="34" charset="0"/>
+              </a:rPr>
+              <a:t> </a:t>
+            </a:r>
+            <a:r>
+              <a:rPr kumimoji="0" lang="fr-FR" altLang="fr-FR" sz="2000" b="0" i="0" u="none" strike="noStrike" cap="none" normalizeH="0" baseline="0" dirty="0" err="1">
+                <a:ln>
+                  <a:noFill/>
+                </a:ln>
+                <a:solidFill>
+                  <a:schemeClr val="tx1"/>
+                </a:solidFill>
+                <a:effectLst/>
+                <a:latin typeface="Arial" panose="020B0604020202020204" pitchFamily="34" charset="0"/>
+              </a:rPr>
+              <a:t>proposal</a:t>
+            </a:r>
+            <a:r>
+              <a:rPr kumimoji="0" lang="fr-FR" altLang="fr-FR" sz="2000" b="0" i="0" u="none" strike="noStrike" cap="none" normalizeH="0" baseline="0" dirty="0">
+                <a:ln>
+                  <a:noFill/>
+                </a:ln>
+                <a:solidFill>
+                  <a:schemeClr val="tx1"/>
+                </a:solidFill>
+                <a:effectLst/>
+                <a:latin typeface="Arial" panose="020B0604020202020204" pitchFamily="34" charset="0"/>
+              </a:rPr>
+              <a:t> for </a:t>
+            </a:r>
+            <a:r>
+              <a:rPr kumimoji="0" lang="fr-FR" altLang="fr-FR" sz="2000" b="0" i="0" u="none" strike="noStrike" cap="none" normalizeH="0" baseline="0" dirty="0" err="1">
+                <a:ln>
+                  <a:noFill/>
+                </a:ln>
+                <a:solidFill>
+                  <a:schemeClr val="tx1"/>
+                </a:solidFill>
+                <a:effectLst/>
+                <a:latin typeface="Arial" panose="020B0604020202020204" pitchFamily="34" charset="0"/>
+              </a:rPr>
+              <a:t>you</a:t>
+            </a:r>
+            <a:r>
+              <a:rPr kumimoji="0" lang="fr-FR" altLang="fr-FR" sz="2000" b="0" i="0" u="none" strike="noStrike" cap="none" normalizeH="0" baseline="0" dirty="0">
+                <a:ln>
+                  <a:noFill/>
+                </a:ln>
+                <a:solidFill>
+                  <a:schemeClr val="tx1"/>
+                </a:solidFill>
+                <a:effectLst/>
+                <a:latin typeface="Arial" panose="020B0604020202020204" pitchFamily="34" charset="0"/>
+              </a:rPr>
+              <a:t>.</a:t>
+            </a:r>
+          </a:p>
+          <a:p>
+            <a:pPr marL="0" marR="0" lvl="0" indent="0" algn="l" defTabSz="914400" rtl="0" eaLnBrk="0" fontAlgn="base" latinLnBrk="0" hangingPunct="0">
+              <a:lnSpc>
+                <a:spcPct val="100000"/>
+              </a:lnSpc>
+              <a:spcBef>
+                <a:spcPct val="0"/>
+              </a:spcBef>
+              <a:spcAft>
+                <a:spcPct val="0"/>
+              </a:spcAft>
+              <a:buClrTx/>
+              <a:buSzTx/>
+              <a:buFontTx/>
+              <a:buNone/>
+              <a:tabLst/>
+            </a:pPr>
+            <a:r>
+              <a:rPr kumimoji="0" lang="fr-FR" altLang="fr-FR" sz="2000" b="1" i="0" u="none" strike="noStrike" cap="none" normalizeH="0" baseline="0" dirty="0">
+                <a:ln>
+                  <a:noFill/>
+                </a:ln>
+                <a:solidFill>
+                  <a:schemeClr val="tx1"/>
+                </a:solidFill>
+                <a:effectLst/>
+                <a:latin typeface="Arial" panose="020B0604020202020204" pitchFamily="34" charset="0"/>
+              </a:rPr>
+              <a:t>— </a:t>
+            </a:r>
+            <a:r>
+              <a:rPr kumimoji="0" lang="fr-FR" altLang="fr-FR" sz="2000" b="1" i="0" u="none" strike="noStrike" cap="none" normalizeH="0" baseline="0" dirty="0" err="1">
+                <a:ln>
+                  <a:noFill/>
+                </a:ln>
+                <a:solidFill>
+                  <a:schemeClr val="tx1"/>
+                </a:solidFill>
+                <a:effectLst/>
+                <a:latin typeface="Arial" panose="020B0604020202020204" pitchFamily="34" charset="0"/>
+              </a:rPr>
+              <a:t>Prove</a:t>
+            </a:r>
+            <a:r>
+              <a:rPr kumimoji="0" lang="fr-FR" altLang="fr-FR" sz="2000" b="1" i="0" u="none" strike="noStrike" cap="none" normalizeH="0" baseline="0" dirty="0">
+                <a:ln>
+                  <a:noFill/>
+                </a:ln>
+                <a:solidFill>
+                  <a:schemeClr val="tx1"/>
+                </a:solidFill>
+                <a:effectLst/>
+                <a:latin typeface="Arial" panose="020B0604020202020204" pitchFamily="34" charset="0"/>
+              </a:rPr>
+              <a:t> </a:t>
+            </a:r>
+            <a:r>
+              <a:rPr kumimoji="0" lang="fr-FR" altLang="fr-FR" sz="2000" b="1" i="0" u="none" strike="noStrike" cap="none" normalizeH="0" baseline="0" dirty="0" err="1">
+                <a:ln>
+                  <a:noFill/>
+                </a:ln>
+                <a:solidFill>
+                  <a:schemeClr val="tx1"/>
+                </a:solidFill>
+                <a:effectLst/>
+                <a:latin typeface="Arial" panose="020B0604020202020204" pitchFamily="34" charset="0"/>
+              </a:rPr>
+              <a:t>your</a:t>
+            </a:r>
+            <a:r>
+              <a:rPr kumimoji="0" lang="fr-FR" altLang="fr-FR" sz="2000" b="1" i="0" u="none" strike="noStrike" cap="none" normalizeH="0" baseline="0" dirty="0">
+                <a:ln>
+                  <a:noFill/>
+                </a:ln>
+                <a:solidFill>
+                  <a:schemeClr val="tx1"/>
+                </a:solidFill>
+                <a:effectLst/>
+                <a:latin typeface="Arial" panose="020B0604020202020204" pitchFamily="34" charset="0"/>
+              </a:rPr>
+              <a:t> </a:t>
+            </a:r>
+            <a:r>
+              <a:rPr kumimoji="0" lang="fr-FR" altLang="fr-FR" sz="2000" b="1" i="0" u="none" strike="noStrike" cap="none" normalizeH="0" baseline="0" dirty="0" err="1">
+                <a:ln>
+                  <a:noFill/>
+                </a:ln>
+                <a:solidFill>
+                  <a:schemeClr val="tx1"/>
+                </a:solidFill>
+                <a:effectLst/>
+                <a:latin typeface="Arial" panose="020B0604020202020204" pitchFamily="34" charset="0"/>
+              </a:rPr>
+              <a:t>credibility</a:t>
+            </a:r>
+            <a:r>
+              <a:rPr kumimoji="0" lang="fr-FR" altLang="fr-FR" sz="2000" b="1" i="0" u="none" strike="noStrike" cap="none" normalizeH="0" baseline="0" dirty="0">
+                <a:ln>
+                  <a:noFill/>
+                </a:ln>
+                <a:solidFill>
+                  <a:schemeClr val="tx1"/>
+                </a:solidFill>
+                <a:effectLst/>
+                <a:latin typeface="Arial" panose="020B0604020202020204" pitchFamily="34" charset="0"/>
+              </a:rPr>
+              <a:t> —</a:t>
+            </a:r>
+            <a:r>
+              <a:rPr kumimoji="0" lang="fr-FR" altLang="fr-FR" sz="2000" b="0" i="0" u="none" strike="noStrike" cap="none" normalizeH="0" baseline="0" dirty="0">
+                <a:ln>
+                  <a:noFill/>
+                </a:ln>
+                <a:solidFill>
+                  <a:schemeClr val="tx1"/>
+                </a:solidFill>
+                <a:effectLst/>
+                <a:latin typeface="Arial" panose="020B0604020202020204" pitchFamily="34" charset="0"/>
+              </a:rPr>
+              <a:t> </a:t>
+            </a:r>
+            <a:r>
+              <a:rPr kumimoji="0" lang="fr-FR" altLang="fr-FR" sz="2000" b="0" i="0" u="none" strike="noStrike" cap="none" normalizeH="0" baseline="0" dirty="0" err="1">
+                <a:ln>
+                  <a:noFill/>
+                </a:ln>
+                <a:solidFill>
+                  <a:schemeClr val="tx1"/>
+                </a:solidFill>
+                <a:effectLst/>
+                <a:latin typeface="Arial" panose="020B0604020202020204" pitchFamily="34" charset="0"/>
+              </a:rPr>
+              <a:t>Here’s</a:t>
+            </a:r>
+            <a:r>
+              <a:rPr kumimoji="0" lang="fr-FR" altLang="fr-FR" sz="2000" b="0" i="0" u="none" strike="noStrike" cap="none" normalizeH="0" baseline="0" dirty="0">
+                <a:ln>
+                  <a:noFill/>
+                </a:ln>
+                <a:solidFill>
+                  <a:schemeClr val="tx1"/>
+                </a:solidFill>
+                <a:effectLst/>
+                <a:latin typeface="Arial" panose="020B0604020202020204" pitchFamily="34" charset="0"/>
+              </a:rPr>
+              <a:t> </a:t>
+            </a:r>
+            <a:r>
+              <a:rPr kumimoji="0" lang="fr-FR" altLang="fr-FR" sz="2000" b="0" i="0" u="none" strike="noStrike" cap="none" normalizeH="0" baseline="0" dirty="0" err="1">
+                <a:ln>
+                  <a:noFill/>
+                </a:ln>
+                <a:solidFill>
+                  <a:schemeClr val="tx1"/>
+                </a:solidFill>
+                <a:effectLst/>
+                <a:latin typeface="Arial" panose="020B0604020202020204" pitchFamily="34" charset="0"/>
+              </a:rPr>
+              <a:t>what</a:t>
+            </a:r>
+            <a:r>
+              <a:rPr kumimoji="0" lang="fr-FR" altLang="fr-FR" sz="2000" b="0" i="0" u="none" strike="noStrike" cap="none" normalizeH="0" baseline="0" dirty="0">
+                <a:ln>
+                  <a:noFill/>
+                </a:ln>
+                <a:solidFill>
+                  <a:schemeClr val="tx1"/>
+                </a:solidFill>
+                <a:effectLst/>
+                <a:latin typeface="Arial" panose="020B0604020202020204" pitchFamily="34" charset="0"/>
+              </a:rPr>
+              <a:t> </a:t>
+            </a:r>
+            <a:r>
+              <a:rPr kumimoji="0" lang="fr-FR" altLang="fr-FR" sz="2000" b="0" i="0" u="none" strike="noStrike" cap="none" normalizeH="0" baseline="0" dirty="0" err="1">
+                <a:ln>
+                  <a:noFill/>
+                </a:ln>
+                <a:solidFill>
+                  <a:schemeClr val="tx1"/>
+                </a:solidFill>
+                <a:effectLst/>
+                <a:latin typeface="Arial" panose="020B0604020202020204" pitchFamily="34" charset="0"/>
+              </a:rPr>
+              <a:t>you</a:t>
+            </a:r>
+            <a:r>
+              <a:rPr kumimoji="0" lang="fr-FR" altLang="fr-FR" sz="2000" b="0" i="0" u="none" strike="noStrike" cap="none" normalizeH="0" baseline="0" dirty="0">
+                <a:ln>
+                  <a:noFill/>
+                </a:ln>
+                <a:solidFill>
+                  <a:schemeClr val="tx1"/>
+                </a:solidFill>
+                <a:effectLst/>
+                <a:latin typeface="Arial" panose="020B0604020202020204" pitchFamily="34" charset="0"/>
+              </a:rPr>
+              <a:t> </a:t>
+            </a:r>
+            <a:r>
+              <a:rPr kumimoji="0" lang="fr-FR" altLang="fr-FR" sz="2000" b="0" i="0" u="none" strike="noStrike" cap="none" normalizeH="0" baseline="0" dirty="0" err="1">
+                <a:ln>
+                  <a:noFill/>
+                </a:ln>
+                <a:solidFill>
+                  <a:schemeClr val="tx1"/>
+                </a:solidFill>
+                <a:effectLst/>
+                <a:latin typeface="Arial" panose="020B0604020202020204" pitchFamily="34" charset="0"/>
+              </a:rPr>
+              <a:t>should</a:t>
+            </a:r>
+            <a:r>
+              <a:rPr kumimoji="0" lang="fr-FR" altLang="fr-FR" sz="2000" b="0" i="0" u="none" strike="noStrike" cap="none" normalizeH="0" baseline="0" dirty="0">
+                <a:ln>
+                  <a:noFill/>
+                </a:ln>
+                <a:solidFill>
+                  <a:schemeClr val="tx1"/>
+                </a:solidFill>
+                <a:effectLst/>
+                <a:latin typeface="Arial" panose="020B0604020202020204" pitchFamily="34" charset="0"/>
+              </a:rPr>
+              <a:t> know about me: [List </a:t>
+            </a:r>
+            <a:r>
+              <a:rPr kumimoji="0" lang="fr-FR" altLang="fr-FR" sz="2000" b="0" i="0" u="none" strike="noStrike" cap="none" normalizeH="0" baseline="0" dirty="0" err="1">
+                <a:ln>
+                  <a:noFill/>
+                </a:ln>
+                <a:solidFill>
+                  <a:schemeClr val="tx1"/>
+                </a:solidFill>
+                <a:effectLst/>
+                <a:latin typeface="Arial" panose="020B0604020202020204" pitchFamily="34" charset="0"/>
+              </a:rPr>
+              <a:t>your</a:t>
+            </a:r>
+            <a:r>
+              <a:rPr kumimoji="0" lang="fr-FR" altLang="fr-FR" sz="2000" b="0" i="0" u="none" strike="noStrike" cap="none" normalizeH="0" baseline="0" dirty="0">
+                <a:ln>
+                  <a:noFill/>
+                </a:ln>
+                <a:solidFill>
+                  <a:schemeClr val="tx1"/>
+                </a:solidFill>
+                <a:effectLst/>
+                <a:latin typeface="Arial" panose="020B0604020202020204" pitchFamily="34" charset="0"/>
+              </a:rPr>
+              <a:t> best </a:t>
+            </a:r>
+            <a:r>
+              <a:rPr kumimoji="0" lang="fr-FR" altLang="fr-FR" sz="2000" b="0" i="0" u="none" strike="noStrike" cap="none" normalizeH="0" baseline="0" dirty="0" err="1">
+                <a:ln>
+                  <a:noFill/>
+                </a:ln>
+                <a:solidFill>
+                  <a:schemeClr val="tx1"/>
+                </a:solidFill>
+                <a:effectLst/>
+                <a:latin typeface="Arial" panose="020B0604020202020204" pitchFamily="34" charset="0"/>
+              </a:rPr>
+              <a:t>accomplishments</a:t>
+            </a:r>
+            <a:r>
+              <a:rPr kumimoji="0" lang="fr-FR" altLang="fr-FR" sz="2000" b="0" i="0" u="none" strike="noStrike" cap="none" normalizeH="0" baseline="0" dirty="0">
+                <a:ln>
+                  <a:noFill/>
+                </a:ln>
+                <a:solidFill>
+                  <a:schemeClr val="tx1"/>
+                </a:solidFill>
+                <a:effectLst/>
+                <a:latin typeface="Arial" panose="020B0604020202020204" pitchFamily="34" charset="0"/>
+              </a:rPr>
+              <a:t>, qualifications, and </a:t>
+            </a:r>
+            <a:r>
+              <a:rPr kumimoji="0" lang="fr-FR" altLang="fr-FR" sz="2000" b="0" i="0" u="none" strike="noStrike" cap="none" normalizeH="0" baseline="0" dirty="0" err="1">
+                <a:ln>
+                  <a:noFill/>
+                </a:ln>
+                <a:solidFill>
+                  <a:schemeClr val="tx1"/>
+                </a:solidFill>
+                <a:effectLst/>
+                <a:latin typeface="Arial" panose="020B0604020202020204" pitchFamily="34" charset="0"/>
+              </a:rPr>
+              <a:t>anything</a:t>
+            </a:r>
+            <a:r>
+              <a:rPr kumimoji="0" lang="fr-FR" altLang="fr-FR" sz="2000" b="0" i="0" u="none" strike="noStrike" cap="none" normalizeH="0" baseline="0" dirty="0">
+                <a:ln>
+                  <a:noFill/>
+                </a:ln>
+                <a:solidFill>
+                  <a:schemeClr val="tx1"/>
+                </a:solidFill>
+                <a:effectLst/>
+                <a:latin typeface="Arial" panose="020B0604020202020204" pitchFamily="34" charset="0"/>
+              </a:rPr>
+              <a:t> </a:t>
+            </a:r>
+            <a:r>
+              <a:rPr kumimoji="0" lang="fr-FR" altLang="fr-FR" sz="2000" b="0" i="0" u="none" strike="noStrike" cap="none" normalizeH="0" baseline="0" dirty="0" err="1">
+                <a:ln>
+                  <a:noFill/>
+                </a:ln>
+                <a:solidFill>
+                  <a:schemeClr val="tx1"/>
+                </a:solidFill>
+                <a:effectLst/>
+                <a:latin typeface="Arial" panose="020B0604020202020204" pitchFamily="34" charset="0"/>
+              </a:rPr>
+              <a:t>that</a:t>
+            </a:r>
+            <a:r>
+              <a:rPr kumimoji="0" lang="fr-FR" altLang="fr-FR" sz="2000" b="0" i="0" u="none" strike="noStrike" cap="none" normalizeH="0" baseline="0" dirty="0">
+                <a:ln>
+                  <a:noFill/>
+                </a:ln>
+                <a:solidFill>
+                  <a:schemeClr val="tx1"/>
+                </a:solidFill>
+                <a:effectLst/>
+                <a:latin typeface="Arial" panose="020B0604020202020204" pitchFamily="34" charset="0"/>
+              </a:rPr>
+              <a:t> </a:t>
+            </a:r>
+            <a:r>
+              <a:rPr kumimoji="0" lang="fr-FR" altLang="fr-FR" sz="2000" b="0" i="0" u="none" strike="noStrike" cap="none" normalizeH="0" baseline="0" dirty="0" err="1">
+                <a:ln>
+                  <a:noFill/>
+                </a:ln>
+                <a:solidFill>
+                  <a:schemeClr val="tx1"/>
+                </a:solidFill>
+                <a:effectLst/>
+                <a:latin typeface="Arial" panose="020B0604020202020204" pitchFamily="34" charset="0"/>
+              </a:rPr>
+              <a:t>makes</a:t>
+            </a:r>
+            <a:r>
+              <a:rPr kumimoji="0" lang="fr-FR" altLang="fr-FR" sz="2000" b="0" i="0" u="none" strike="noStrike" cap="none" normalizeH="0" baseline="0" dirty="0">
+                <a:ln>
+                  <a:noFill/>
+                </a:ln>
+                <a:solidFill>
+                  <a:schemeClr val="tx1"/>
+                </a:solidFill>
+                <a:effectLst/>
+                <a:latin typeface="Arial" panose="020B0604020202020204" pitchFamily="34" charset="0"/>
+              </a:rPr>
+              <a:t> </a:t>
+            </a:r>
+            <a:r>
+              <a:rPr kumimoji="0" lang="fr-FR" altLang="fr-FR" sz="2000" b="0" i="0" u="none" strike="noStrike" cap="none" normalizeH="0" baseline="0" dirty="0" err="1">
+                <a:ln>
+                  <a:noFill/>
+                </a:ln>
+                <a:solidFill>
+                  <a:schemeClr val="tx1"/>
+                </a:solidFill>
+                <a:effectLst/>
+                <a:latin typeface="Arial" panose="020B0604020202020204" pitchFamily="34" charset="0"/>
+              </a:rPr>
+              <a:t>you</a:t>
+            </a:r>
+            <a:r>
+              <a:rPr kumimoji="0" lang="fr-FR" altLang="fr-FR" sz="2000" b="0" i="0" u="none" strike="noStrike" cap="none" normalizeH="0" baseline="0" dirty="0">
+                <a:ln>
+                  <a:noFill/>
+                </a:ln>
+                <a:solidFill>
+                  <a:schemeClr val="tx1"/>
+                </a:solidFill>
+                <a:effectLst/>
+                <a:latin typeface="Arial" panose="020B0604020202020204" pitchFamily="34" charset="0"/>
+              </a:rPr>
+              <a:t> stand out </a:t>
+            </a:r>
+            <a:r>
+              <a:rPr kumimoji="0" lang="fr-FR" altLang="fr-FR" sz="2000" b="0" i="0" u="none" strike="noStrike" cap="none" normalizeH="0" baseline="0" dirty="0" err="1">
+                <a:ln>
+                  <a:noFill/>
+                </a:ln>
+                <a:solidFill>
+                  <a:schemeClr val="tx1"/>
+                </a:solidFill>
+                <a:effectLst/>
+                <a:latin typeface="Arial" panose="020B0604020202020204" pitchFamily="34" charset="0"/>
+              </a:rPr>
+              <a:t>among</a:t>
+            </a:r>
+            <a:r>
+              <a:rPr kumimoji="0" lang="fr-FR" altLang="fr-FR" sz="2000" b="0" i="0" u="none" strike="noStrike" cap="none" normalizeH="0" baseline="0" dirty="0">
+                <a:ln>
+                  <a:noFill/>
+                </a:ln>
+                <a:solidFill>
+                  <a:schemeClr val="tx1"/>
+                </a:solidFill>
+                <a:effectLst/>
+                <a:latin typeface="Arial" panose="020B0604020202020204" pitchFamily="34" charset="0"/>
+              </a:rPr>
+              <a:t> the </a:t>
+            </a:r>
+            <a:r>
+              <a:rPr kumimoji="0" lang="fr-FR" altLang="fr-FR" sz="2000" b="0" i="0" u="none" strike="noStrike" cap="none" normalizeH="0" baseline="0" dirty="0" err="1">
+                <a:ln>
+                  <a:noFill/>
+                </a:ln>
+                <a:solidFill>
+                  <a:schemeClr val="tx1"/>
+                </a:solidFill>
+                <a:effectLst/>
+                <a:latin typeface="Arial" panose="020B0604020202020204" pitchFamily="34" charset="0"/>
+              </a:rPr>
+              <a:t>crowd</a:t>
+            </a:r>
+            <a:r>
+              <a:rPr kumimoji="0" lang="fr-FR" altLang="fr-FR" sz="2000" b="0" i="0" u="none" strike="noStrike" cap="none" normalizeH="0" baseline="0" dirty="0">
+                <a:ln>
+                  <a:noFill/>
+                </a:ln>
+                <a:solidFill>
+                  <a:schemeClr val="tx1"/>
+                </a:solidFill>
+                <a:effectLst/>
+                <a:latin typeface="Arial" panose="020B0604020202020204" pitchFamily="34" charset="0"/>
+              </a:rPr>
+              <a:t>]</a:t>
+            </a:r>
+          </a:p>
+          <a:p>
+            <a:pPr marL="0" marR="0" lvl="0" indent="0" algn="l" defTabSz="914400" rtl="0" eaLnBrk="0" fontAlgn="base" latinLnBrk="0" hangingPunct="0">
+              <a:lnSpc>
+                <a:spcPct val="100000"/>
+              </a:lnSpc>
+              <a:spcBef>
+                <a:spcPct val="0"/>
+              </a:spcBef>
+              <a:spcAft>
+                <a:spcPct val="0"/>
+              </a:spcAft>
+              <a:buClrTx/>
+              <a:buSzTx/>
+              <a:buFontTx/>
+              <a:buNone/>
+              <a:tabLst/>
+            </a:pPr>
+            <a:r>
+              <a:rPr kumimoji="0" lang="fr-FR" altLang="fr-FR" sz="2000" b="1" i="0" u="none" strike="noStrike" cap="none" normalizeH="0" baseline="0" dirty="0">
+                <a:ln>
+                  <a:noFill/>
+                </a:ln>
+                <a:solidFill>
+                  <a:schemeClr val="tx1"/>
+                </a:solidFill>
+                <a:effectLst/>
+                <a:latin typeface="Arial" panose="020B0604020202020204" pitchFamily="34" charset="0"/>
+              </a:rPr>
+              <a:t>— List </a:t>
+            </a:r>
+            <a:r>
+              <a:rPr kumimoji="0" lang="fr-FR" altLang="fr-FR" sz="2000" b="1" i="0" u="none" strike="noStrike" cap="none" normalizeH="0" baseline="0" dirty="0" err="1">
+                <a:ln>
+                  <a:noFill/>
+                </a:ln>
+                <a:solidFill>
+                  <a:schemeClr val="tx1"/>
+                </a:solidFill>
+                <a:effectLst/>
+                <a:latin typeface="Arial" panose="020B0604020202020204" pitchFamily="34" charset="0"/>
+              </a:rPr>
+              <a:t>what</a:t>
+            </a:r>
+            <a:r>
+              <a:rPr kumimoji="0" lang="fr-FR" altLang="fr-FR" sz="2000" b="1" i="0" u="none" strike="noStrike" cap="none" normalizeH="0" baseline="0" dirty="0">
+                <a:ln>
+                  <a:noFill/>
+                </a:ln>
+                <a:solidFill>
+                  <a:schemeClr val="tx1"/>
+                </a:solidFill>
+                <a:effectLst/>
+                <a:latin typeface="Arial" panose="020B0604020202020204" pitchFamily="34" charset="0"/>
+              </a:rPr>
+              <a:t> </a:t>
+            </a:r>
+            <a:r>
+              <a:rPr kumimoji="0" lang="fr-FR" altLang="fr-FR" sz="2000" b="1" i="0" u="none" strike="noStrike" cap="none" normalizeH="0" baseline="0" dirty="0" err="1">
+                <a:ln>
+                  <a:noFill/>
+                </a:ln>
+                <a:solidFill>
+                  <a:schemeClr val="tx1"/>
+                </a:solidFill>
+                <a:effectLst/>
+                <a:latin typeface="Arial" panose="020B0604020202020204" pitchFamily="34" charset="0"/>
+              </a:rPr>
+              <a:t>you</a:t>
+            </a:r>
+            <a:r>
+              <a:rPr kumimoji="0" lang="fr-FR" altLang="fr-FR" sz="2000" b="1" i="0" u="none" strike="noStrike" cap="none" normalizeH="0" baseline="0" dirty="0">
+                <a:ln>
+                  <a:noFill/>
+                </a:ln>
+                <a:solidFill>
+                  <a:schemeClr val="tx1"/>
+                </a:solidFill>
+                <a:effectLst/>
+                <a:latin typeface="Arial" panose="020B0604020202020204" pitchFamily="34" charset="0"/>
+              </a:rPr>
+              <a:t> can </a:t>
+            </a:r>
+            <a:r>
+              <a:rPr kumimoji="0" lang="fr-FR" altLang="fr-FR" sz="2000" b="1" i="0" u="none" strike="noStrike" cap="none" normalizeH="0" baseline="0" dirty="0" err="1">
+                <a:ln>
+                  <a:noFill/>
+                </a:ln>
+                <a:solidFill>
+                  <a:schemeClr val="tx1"/>
+                </a:solidFill>
+                <a:effectLst/>
+                <a:latin typeface="Arial" panose="020B0604020202020204" pitchFamily="34" charset="0"/>
+              </a:rPr>
+              <a:t>bring</a:t>
+            </a:r>
+            <a:r>
+              <a:rPr kumimoji="0" lang="fr-FR" altLang="fr-FR" sz="2000" b="1" i="0" u="none" strike="noStrike" cap="none" normalizeH="0" baseline="0" dirty="0">
+                <a:ln>
+                  <a:noFill/>
+                </a:ln>
+                <a:solidFill>
+                  <a:schemeClr val="tx1"/>
+                </a:solidFill>
+                <a:effectLst/>
+                <a:latin typeface="Arial" panose="020B0604020202020204" pitchFamily="34" charset="0"/>
+              </a:rPr>
+              <a:t> to the </a:t>
+            </a:r>
+            <a:r>
+              <a:rPr kumimoji="0" lang="fr-FR" altLang="fr-FR" sz="2000" b="1" i="0" u="none" strike="noStrike" cap="none" normalizeH="0" baseline="0" dirty="0" err="1">
+                <a:ln>
+                  <a:noFill/>
+                </a:ln>
+                <a:solidFill>
+                  <a:schemeClr val="tx1"/>
+                </a:solidFill>
+                <a:effectLst/>
+                <a:latin typeface="Arial" panose="020B0604020202020204" pitchFamily="34" charset="0"/>
+              </a:rPr>
+              <a:t>project</a:t>
+            </a:r>
+            <a:r>
+              <a:rPr kumimoji="0" lang="fr-FR" altLang="fr-FR" sz="2000" b="1" i="0" u="none" strike="noStrike" cap="none" normalizeH="0" baseline="0" dirty="0">
+                <a:ln>
+                  <a:noFill/>
+                </a:ln>
+                <a:solidFill>
+                  <a:schemeClr val="tx1"/>
+                </a:solidFill>
+                <a:effectLst/>
+                <a:latin typeface="Arial" panose="020B0604020202020204" pitchFamily="34" charset="0"/>
+              </a:rPr>
+              <a:t> —</a:t>
+            </a:r>
+            <a:r>
+              <a:rPr kumimoji="0" lang="fr-FR" altLang="fr-FR" sz="2000" b="0" i="0" u="none" strike="noStrike" cap="none" normalizeH="0" baseline="0" dirty="0">
+                <a:ln>
+                  <a:noFill/>
+                </a:ln>
+                <a:solidFill>
+                  <a:schemeClr val="tx1"/>
+                </a:solidFill>
+                <a:effectLst/>
+                <a:latin typeface="Arial" panose="020B0604020202020204" pitchFamily="34" charset="0"/>
+              </a:rPr>
+              <a:t> </a:t>
+            </a:r>
+            <a:r>
+              <a:rPr kumimoji="0" lang="fr-FR" altLang="fr-FR" sz="2000" b="0" i="0" u="none" strike="noStrike" cap="none" normalizeH="0" baseline="0" dirty="0" err="1">
+                <a:ln>
+                  <a:noFill/>
+                </a:ln>
+                <a:solidFill>
+                  <a:schemeClr val="tx1"/>
+                </a:solidFill>
+                <a:effectLst/>
+                <a:latin typeface="Arial" panose="020B0604020202020204" pitchFamily="34" charset="0"/>
+              </a:rPr>
+              <a:t>Here’s</a:t>
+            </a:r>
+            <a:r>
+              <a:rPr kumimoji="0" lang="fr-FR" altLang="fr-FR" sz="2000" b="0" i="0" u="none" strike="noStrike" cap="none" normalizeH="0" baseline="0" dirty="0">
+                <a:ln>
+                  <a:noFill/>
+                </a:ln>
+                <a:solidFill>
+                  <a:schemeClr val="tx1"/>
+                </a:solidFill>
+                <a:effectLst/>
+                <a:latin typeface="Arial" panose="020B0604020202020204" pitchFamily="34" charset="0"/>
+              </a:rPr>
+              <a:t> </a:t>
+            </a:r>
+            <a:r>
+              <a:rPr kumimoji="0" lang="fr-FR" altLang="fr-FR" sz="2000" b="0" i="0" u="none" strike="noStrike" cap="none" normalizeH="0" baseline="0" dirty="0" err="1">
+                <a:ln>
+                  <a:noFill/>
+                </a:ln>
+                <a:solidFill>
+                  <a:schemeClr val="tx1"/>
+                </a:solidFill>
+                <a:effectLst/>
+                <a:latin typeface="Arial" panose="020B0604020202020204" pitchFamily="34" charset="0"/>
+              </a:rPr>
+              <a:t>what</a:t>
+            </a:r>
+            <a:r>
+              <a:rPr kumimoji="0" lang="fr-FR" altLang="fr-FR" sz="2000" b="0" i="0" u="none" strike="noStrike" cap="none" normalizeH="0" baseline="0" dirty="0">
+                <a:ln>
+                  <a:noFill/>
+                </a:ln>
+                <a:solidFill>
+                  <a:schemeClr val="tx1"/>
+                </a:solidFill>
+                <a:effectLst/>
+                <a:latin typeface="Arial" panose="020B0604020202020204" pitchFamily="34" charset="0"/>
+              </a:rPr>
+              <a:t> I can </a:t>
+            </a:r>
+            <a:r>
+              <a:rPr kumimoji="0" lang="fr-FR" altLang="fr-FR" sz="2000" b="0" i="0" u="none" strike="noStrike" cap="none" normalizeH="0" baseline="0" dirty="0" err="1">
+                <a:ln>
+                  <a:noFill/>
+                </a:ln>
+                <a:solidFill>
+                  <a:schemeClr val="tx1"/>
+                </a:solidFill>
+                <a:effectLst/>
+                <a:latin typeface="Arial" panose="020B0604020202020204" pitchFamily="34" charset="0"/>
+              </a:rPr>
+              <a:t>bring</a:t>
+            </a:r>
+            <a:r>
+              <a:rPr kumimoji="0" lang="fr-FR" altLang="fr-FR" sz="2000" b="0" i="0" u="none" strike="noStrike" cap="none" normalizeH="0" baseline="0" dirty="0">
+                <a:ln>
+                  <a:noFill/>
+                </a:ln>
+                <a:solidFill>
+                  <a:schemeClr val="tx1"/>
+                </a:solidFill>
+                <a:effectLst/>
+                <a:latin typeface="Arial" panose="020B0604020202020204" pitchFamily="34" charset="0"/>
+              </a:rPr>
+              <a:t> to </a:t>
+            </a:r>
+            <a:r>
+              <a:rPr kumimoji="0" lang="fr-FR" altLang="fr-FR" sz="2000" b="0" i="0" u="none" strike="noStrike" cap="none" normalizeH="0" baseline="0" dirty="0" err="1">
+                <a:ln>
+                  <a:noFill/>
+                </a:ln>
+                <a:solidFill>
+                  <a:schemeClr val="tx1"/>
+                </a:solidFill>
+                <a:effectLst/>
+                <a:latin typeface="Arial" panose="020B0604020202020204" pitchFamily="34" charset="0"/>
+              </a:rPr>
+              <a:t>your</a:t>
+            </a:r>
+            <a:r>
+              <a:rPr kumimoji="0" lang="fr-FR" altLang="fr-FR" sz="2000" b="0" i="0" u="none" strike="noStrike" cap="none" normalizeH="0" baseline="0" dirty="0">
+                <a:ln>
+                  <a:noFill/>
+                </a:ln>
+                <a:solidFill>
+                  <a:schemeClr val="tx1"/>
+                </a:solidFill>
+                <a:effectLst/>
+                <a:latin typeface="Arial" panose="020B0604020202020204" pitchFamily="34" charset="0"/>
+              </a:rPr>
+              <a:t> </a:t>
+            </a:r>
+            <a:r>
+              <a:rPr kumimoji="0" lang="fr-FR" altLang="fr-FR" sz="2000" b="0" i="0" u="none" strike="noStrike" cap="none" normalizeH="0" baseline="0" dirty="0" err="1">
+                <a:ln>
+                  <a:noFill/>
+                </a:ln>
+                <a:solidFill>
+                  <a:schemeClr val="tx1"/>
+                </a:solidFill>
+                <a:effectLst/>
+                <a:latin typeface="Arial" panose="020B0604020202020204" pitchFamily="34" charset="0"/>
+              </a:rPr>
+              <a:t>project</a:t>
+            </a:r>
+            <a:r>
+              <a:rPr kumimoji="0" lang="fr-FR" altLang="fr-FR" sz="2000" b="0" i="0" u="none" strike="noStrike" cap="none" normalizeH="0" baseline="0" dirty="0">
+                <a:ln>
+                  <a:noFill/>
+                </a:ln>
+                <a:solidFill>
+                  <a:schemeClr val="tx1"/>
+                </a:solidFill>
+                <a:effectLst/>
+                <a:latin typeface="Arial" panose="020B0604020202020204" pitchFamily="34" charset="0"/>
+              </a:rPr>
+              <a:t>: [Read over the job description </a:t>
+            </a:r>
+            <a:r>
+              <a:rPr kumimoji="0" lang="fr-FR" altLang="fr-FR" sz="2000" b="0" i="0" u="none" strike="noStrike" cap="none" normalizeH="0" baseline="0" dirty="0" err="1">
+                <a:ln>
+                  <a:noFill/>
+                </a:ln>
+                <a:solidFill>
+                  <a:schemeClr val="tx1"/>
+                </a:solidFill>
+                <a:effectLst/>
+                <a:latin typeface="Arial" panose="020B0604020202020204" pitchFamily="34" charset="0"/>
+              </a:rPr>
+              <a:t>again</a:t>
+            </a:r>
+            <a:r>
+              <a:rPr kumimoji="0" lang="fr-FR" altLang="fr-FR" sz="2000" b="0" i="0" u="none" strike="noStrike" cap="none" normalizeH="0" baseline="0" dirty="0">
+                <a:ln>
+                  <a:noFill/>
+                </a:ln>
+                <a:solidFill>
+                  <a:schemeClr val="tx1"/>
+                </a:solidFill>
+                <a:effectLst/>
+                <a:latin typeface="Arial" panose="020B0604020202020204" pitchFamily="34" charset="0"/>
+              </a:rPr>
+              <a:t> and tell the client how </a:t>
+            </a:r>
+            <a:r>
+              <a:rPr kumimoji="0" lang="fr-FR" altLang="fr-FR" sz="2000" b="0" i="0" u="none" strike="noStrike" cap="none" normalizeH="0" baseline="0" dirty="0" err="1">
+                <a:ln>
+                  <a:noFill/>
+                </a:ln>
+                <a:solidFill>
+                  <a:schemeClr val="tx1"/>
+                </a:solidFill>
+                <a:effectLst/>
+                <a:latin typeface="Arial" panose="020B0604020202020204" pitchFamily="34" charset="0"/>
+              </a:rPr>
+              <a:t>you</a:t>
+            </a:r>
+            <a:r>
+              <a:rPr kumimoji="0" lang="fr-FR" altLang="fr-FR" sz="2000" b="0" i="0" u="none" strike="noStrike" cap="none" normalizeH="0" baseline="0" dirty="0">
+                <a:ln>
+                  <a:noFill/>
+                </a:ln>
+                <a:solidFill>
+                  <a:schemeClr val="tx1"/>
+                </a:solidFill>
+                <a:effectLst/>
+                <a:latin typeface="Arial" panose="020B0604020202020204" pitchFamily="34" charset="0"/>
+              </a:rPr>
+              <a:t> can </a:t>
+            </a:r>
+            <a:r>
+              <a:rPr kumimoji="0" lang="fr-FR" altLang="fr-FR" sz="2000" b="0" i="0" u="none" strike="noStrike" cap="none" normalizeH="0" baseline="0" dirty="0" err="1">
+                <a:ln>
+                  <a:noFill/>
+                </a:ln>
+                <a:solidFill>
+                  <a:schemeClr val="tx1"/>
+                </a:solidFill>
+                <a:effectLst/>
+                <a:latin typeface="Arial" panose="020B0604020202020204" pitchFamily="34" charset="0"/>
+              </a:rPr>
+              <a:t>benefit</a:t>
+            </a:r>
+            <a:r>
+              <a:rPr kumimoji="0" lang="fr-FR" altLang="fr-FR" sz="2000" b="0" i="0" u="none" strike="noStrike" cap="none" normalizeH="0" baseline="0" dirty="0">
+                <a:ln>
+                  <a:noFill/>
+                </a:ln>
+                <a:solidFill>
+                  <a:schemeClr val="tx1"/>
+                </a:solidFill>
+                <a:effectLst/>
+                <a:latin typeface="Arial" panose="020B0604020202020204" pitchFamily="34" charset="0"/>
+              </a:rPr>
+              <a:t> </a:t>
+            </a:r>
+            <a:r>
+              <a:rPr kumimoji="0" lang="fr-FR" altLang="fr-FR" sz="2000" b="0" i="0" u="none" strike="noStrike" cap="none" normalizeH="0" baseline="0" dirty="0" err="1">
+                <a:ln>
+                  <a:noFill/>
+                </a:ln>
+                <a:solidFill>
+                  <a:schemeClr val="tx1"/>
+                </a:solidFill>
+                <a:effectLst/>
+                <a:latin typeface="Arial" panose="020B0604020202020204" pitchFamily="34" charset="0"/>
+              </a:rPr>
+              <a:t>their</a:t>
+            </a:r>
+            <a:r>
+              <a:rPr kumimoji="0" lang="fr-FR" altLang="fr-FR" sz="2000" b="0" i="0" u="none" strike="noStrike" cap="none" normalizeH="0" baseline="0" dirty="0">
+                <a:ln>
+                  <a:noFill/>
+                </a:ln>
+                <a:solidFill>
+                  <a:schemeClr val="tx1"/>
+                </a:solidFill>
+                <a:effectLst/>
+                <a:latin typeface="Arial" panose="020B0604020202020204" pitchFamily="34" charset="0"/>
+              </a:rPr>
+              <a:t> </a:t>
+            </a:r>
+            <a:r>
+              <a:rPr kumimoji="0" lang="fr-FR" altLang="fr-FR" sz="2000" b="0" i="0" u="none" strike="noStrike" cap="none" normalizeH="0" baseline="0" dirty="0" err="1">
+                <a:ln>
+                  <a:noFill/>
+                </a:ln>
+                <a:solidFill>
+                  <a:schemeClr val="tx1"/>
+                </a:solidFill>
+                <a:effectLst/>
+                <a:latin typeface="Arial" panose="020B0604020202020204" pitchFamily="34" charset="0"/>
+              </a:rPr>
+              <a:t>project</a:t>
+            </a:r>
+            <a:r>
+              <a:rPr kumimoji="0" lang="fr-FR" altLang="fr-FR" sz="2000" b="0" i="0" u="none" strike="noStrike" cap="none" normalizeH="0" baseline="0" dirty="0">
+                <a:ln>
+                  <a:noFill/>
+                </a:ln>
+                <a:solidFill>
+                  <a:schemeClr val="tx1"/>
+                </a:solidFill>
+                <a:effectLst/>
+                <a:latin typeface="Arial" panose="020B0604020202020204" pitchFamily="34" charset="0"/>
+              </a:rPr>
+              <a:t>]</a:t>
+            </a:r>
+          </a:p>
+          <a:p>
+            <a:pPr marL="0" marR="0" lvl="0" indent="0" algn="l" defTabSz="914400" rtl="0" eaLnBrk="0" fontAlgn="base" latinLnBrk="0" hangingPunct="0">
+              <a:lnSpc>
+                <a:spcPct val="100000"/>
+              </a:lnSpc>
+              <a:spcBef>
+                <a:spcPct val="0"/>
+              </a:spcBef>
+              <a:spcAft>
+                <a:spcPct val="0"/>
+              </a:spcAft>
+              <a:buClrTx/>
+              <a:buSzTx/>
+              <a:buFontTx/>
+              <a:buNone/>
+              <a:tabLst/>
+            </a:pPr>
+            <a:r>
+              <a:rPr kumimoji="0" lang="fr-FR" altLang="fr-FR" sz="2000" b="1" i="0" u="none" strike="noStrike" cap="none" normalizeH="0" baseline="0" dirty="0">
+                <a:ln>
+                  <a:noFill/>
+                </a:ln>
+                <a:solidFill>
+                  <a:schemeClr val="tx1"/>
+                </a:solidFill>
+                <a:effectLst/>
+                <a:latin typeface="Arial" panose="020B0604020202020204" pitchFamily="34" charset="0"/>
+              </a:rPr>
+              <a:t>— </a:t>
+            </a:r>
+            <a:r>
+              <a:rPr kumimoji="0" lang="fr-FR" altLang="fr-FR" sz="2000" b="1" i="0" u="none" strike="noStrike" cap="none" normalizeH="0" baseline="0" dirty="0" err="1">
+                <a:ln>
+                  <a:noFill/>
+                </a:ln>
+                <a:solidFill>
+                  <a:schemeClr val="tx1"/>
+                </a:solidFill>
+                <a:effectLst/>
+                <a:latin typeface="Arial" panose="020B0604020202020204" pitchFamily="34" charset="0"/>
+              </a:rPr>
+              <a:t>Include</a:t>
+            </a:r>
+            <a:r>
+              <a:rPr kumimoji="0" lang="fr-FR" altLang="fr-FR" sz="2000" b="1" i="0" u="none" strike="noStrike" cap="none" normalizeH="0" baseline="0" dirty="0">
+                <a:ln>
+                  <a:noFill/>
+                </a:ln>
+                <a:solidFill>
+                  <a:schemeClr val="tx1"/>
+                </a:solidFill>
+                <a:effectLst/>
+                <a:latin typeface="Arial" panose="020B0604020202020204" pitchFamily="34" charset="0"/>
+              </a:rPr>
+              <a:t> a call to action —</a:t>
+            </a:r>
+            <a:endParaRPr kumimoji="0" lang="fr-FR" altLang="fr-FR" sz="2000" b="0" i="0" u="none" strike="noStrike" cap="none" normalizeH="0" baseline="0" dirty="0">
+              <a:ln>
+                <a:noFill/>
+              </a:ln>
+              <a:solidFill>
+                <a:schemeClr val="tx1"/>
+              </a:solidFill>
+              <a:effectLst/>
+              <a:latin typeface="Arial" panose="020B0604020202020204" pitchFamily="34" charset="0"/>
+            </a:endParaRPr>
+          </a:p>
+          <a:p>
+            <a:pPr marL="0" marR="0" lvl="0" indent="0" algn="l" defTabSz="914400" rtl="0" eaLnBrk="0" fontAlgn="base" latinLnBrk="0" hangingPunct="0">
+              <a:lnSpc>
+                <a:spcPct val="100000"/>
+              </a:lnSpc>
+              <a:spcBef>
+                <a:spcPct val="0"/>
+              </a:spcBef>
+              <a:spcAft>
+                <a:spcPct val="0"/>
+              </a:spcAft>
+              <a:buClrTx/>
+              <a:buSzTx/>
+              <a:buFontTx/>
+              <a:buNone/>
+              <a:tabLst/>
+            </a:pPr>
+            <a:r>
+              <a:rPr kumimoji="0" lang="fr-FR" altLang="fr-FR" sz="2000" b="0" i="0" u="none" strike="noStrike" cap="none" normalizeH="0" baseline="0" dirty="0" err="1">
+                <a:ln>
+                  <a:noFill/>
+                </a:ln>
+                <a:solidFill>
+                  <a:schemeClr val="tx1"/>
+                </a:solidFill>
+                <a:effectLst/>
+                <a:latin typeface="Arial" panose="020B0604020202020204" pitchFamily="34" charset="0"/>
+              </a:rPr>
+              <a:t>Let’s</a:t>
+            </a:r>
+            <a:r>
+              <a:rPr kumimoji="0" lang="fr-FR" altLang="fr-FR" sz="2000" b="0" i="0" u="none" strike="noStrike" cap="none" normalizeH="0" baseline="0" dirty="0">
+                <a:ln>
+                  <a:noFill/>
+                </a:ln>
+                <a:solidFill>
+                  <a:schemeClr val="tx1"/>
+                </a:solidFill>
+                <a:effectLst/>
+                <a:latin typeface="Arial" panose="020B0604020202020204" pitchFamily="34" charset="0"/>
+              </a:rPr>
+              <a:t> </a:t>
+            </a:r>
+            <a:r>
+              <a:rPr kumimoji="0" lang="fr-FR" altLang="fr-FR" sz="2000" b="0" i="0" u="none" strike="noStrike" cap="none" normalizeH="0" baseline="0" dirty="0" err="1">
+                <a:ln>
+                  <a:noFill/>
+                </a:ln>
+                <a:solidFill>
+                  <a:schemeClr val="tx1"/>
+                </a:solidFill>
+                <a:effectLst/>
+                <a:latin typeface="Arial" panose="020B0604020202020204" pitchFamily="34" charset="0"/>
+              </a:rPr>
+              <a:t>schedule</a:t>
+            </a:r>
+            <a:r>
+              <a:rPr kumimoji="0" lang="fr-FR" altLang="fr-FR" sz="2000" b="0" i="0" u="none" strike="noStrike" cap="none" normalizeH="0" baseline="0" dirty="0">
+                <a:ln>
+                  <a:noFill/>
+                </a:ln>
+                <a:solidFill>
+                  <a:schemeClr val="tx1"/>
+                </a:solidFill>
+                <a:effectLst/>
+                <a:latin typeface="Arial" panose="020B0604020202020204" pitchFamily="34" charset="0"/>
+              </a:rPr>
+              <a:t> a quick 10-minute introduction call </a:t>
+            </a:r>
+            <a:r>
+              <a:rPr kumimoji="0" lang="fr-FR" altLang="fr-FR" sz="2000" b="0" i="0" u="none" strike="noStrike" cap="none" normalizeH="0" baseline="0" dirty="0" err="1">
+                <a:ln>
+                  <a:noFill/>
+                </a:ln>
+                <a:solidFill>
+                  <a:schemeClr val="tx1"/>
+                </a:solidFill>
+                <a:effectLst/>
+                <a:latin typeface="Arial" panose="020B0604020202020204" pitchFamily="34" charset="0"/>
+              </a:rPr>
+              <a:t>so</a:t>
+            </a:r>
+            <a:r>
+              <a:rPr kumimoji="0" lang="fr-FR" altLang="fr-FR" sz="2000" b="0" i="0" u="none" strike="noStrike" cap="none" normalizeH="0" baseline="0" dirty="0">
+                <a:ln>
+                  <a:noFill/>
+                </a:ln>
+                <a:solidFill>
+                  <a:schemeClr val="tx1"/>
+                </a:solidFill>
+                <a:effectLst/>
+                <a:latin typeface="Arial" panose="020B0604020202020204" pitchFamily="34" charset="0"/>
+              </a:rPr>
+              <a:t> </a:t>
+            </a:r>
+            <a:r>
+              <a:rPr kumimoji="0" lang="fr-FR" altLang="fr-FR" sz="2000" b="0" i="0" u="none" strike="noStrike" cap="none" normalizeH="0" baseline="0" dirty="0" err="1">
+                <a:ln>
+                  <a:noFill/>
+                </a:ln>
+                <a:solidFill>
+                  <a:schemeClr val="tx1"/>
+                </a:solidFill>
+                <a:effectLst/>
+                <a:latin typeface="Arial" panose="020B0604020202020204" pitchFamily="34" charset="0"/>
+              </a:rPr>
+              <a:t>that</a:t>
+            </a:r>
+            <a:r>
+              <a:rPr kumimoji="0" lang="fr-FR" altLang="fr-FR" sz="2000" b="0" i="0" u="none" strike="noStrike" cap="none" normalizeH="0" baseline="0" dirty="0">
+                <a:ln>
+                  <a:noFill/>
+                </a:ln>
+                <a:solidFill>
+                  <a:schemeClr val="tx1"/>
+                </a:solidFill>
+                <a:effectLst/>
+                <a:latin typeface="Arial" panose="020B0604020202020204" pitchFamily="34" charset="0"/>
+              </a:rPr>
+              <a:t> </a:t>
+            </a:r>
+            <a:r>
+              <a:rPr kumimoji="0" lang="fr-FR" altLang="fr-FR" sz="2000" b="0" i="0" u="none" strike="noStrike" cap="none" normalizeH="0" baseline="0" dirty="0" err="1">
+                <a:ln>
+                  <a:noFill/>
+                </a:ln>
+                <a:solidFill>
+                  <a:schemeClr val="tx1"/>
+                </a:solidFill>
+                <a:effectLst/>
+                <a:latin typeface="Arial" panose="020B0604020202020204" pitchFamily="34" charset="0"/>
+              </a:rPr>
+              <a:t>we</a:t>
+            </a:r>
+            <a:r>
+              <a:rPr kumimoji="0" lang="fr-FR" altLang="fr-FR" sz="2000" b="0" i="0" u="none" strike="noStrike" cap="none" normalizeH="0" baseline="0" dirty="0">
+                <a:ln>
+                  <a:noFill/>
+                </a:ln>
+                <a:solidFill>
+                  <a:schemeClr val="tx1"/>
+                </a:solidFill>
+                <a:effectLst/>
+                <a:latin typeface="Arial" panose="020B0604020202020204" pitchFamily="34" charset="0"/>
+              </a:rPr>
+              <a:t> can </a:t>
+            </a:r>
+            <a:r>
+              <a:rPr kumimoji="0" lang="fr-FR" altLang="fr-FR" sz="2000" b="0" i="0" u="none" strike="noStrike" cap="none" normalizeH="0" baseline="0" dirty="0" err="1">
+                <a:ln>
+                  <a:noFill/>
+                </a:ln>
+                <a:solidFill>
+                  <a:schemeClr val="tx1"/>
+                </a:solidFill>
+                <a:effectLst/>
+                <a:latin typeface="Arial" panose="020B0604020202020204" pitchFamily="34" charset="0"/>
+              </a:rPr>
+              <a:t>discuss</a:t>
+            </a:r>
+            <a:r>
+              <a:rPr kumimoji="0" lang="fr-FR" altLang="fr-FR" sz="2000" b="0" i="0" u="none" strike="noStrike" cap="none" normalizeH="0" baseline="0" dirty="0">
+                <a:ln>
+                  <a:noFill/>
+                </a:ln>
+                <a:solidFill>
+                  <a:schemeClr val="tx1"/>
+                </a:solidFill>
+                <a:effectLst/>
+                <a:latin typeface="Arial" panose="020B0604020202020204" pitchFamily="34" charset="0"/>
+              </a:rPr>
+              <a:t> </a:t>
+            </a:r>
+            <a:r>
+              <a:rPr kumimoji="0" lang="fr-FR" altLang="fr-FR" sz="2000" b="0" i="0" u="none" strike="noStrike" cap="none" normalizeH="0" baseline="0" dirty="0" err="1">
+                <a:ln>
+                  <a:noFill/>
+                </a:ln>
+                <a:solidFill>
+                  <a:schemeClr val="tx1"/>
+                </a:solidFill>
+                <a:effectLst/>
+                <a:latin typeface="Arial" panose="020B0604020202020204" pitchFamily="34" charset="0"/>
+              </a:rPr>
+              <a:t>your</a:t>
+            </a:r>
+            <a:r>
+              <a:rPr kumimoji="0" lang="fr-FR" altLang="fr-FR" sz="2000" b="0" i="0" u="none" strike="noStrike" cap="none" normalizeH="0" baseline="0" dirty="0">
+                <a:ln>
+                  <a:noFill/>
+                </a:ln>
+                <a:solidFill>
+                  <a:schemeClr val="tx1"/>
+                </a:solidFill>
+                <a:effectLst/>
+                <a:latin typeface="Arial" panose="020B0604020202020204" pitchFamily="34" charset="0"/>
+              </a:rPr>
+              <a:t> </a:t>
+            </a:r>
+            <a:r>
+              <a:rPr kumimoji="0" lang="fr-FR" altLang="fr-FR" sz="2000" b="0" i="0" u="none" strike="noStrike" cap="none" normalizeH="0" baseline="0" dirty="0" err="1">
+                <a:ln>
+                  <a:noFill/>
+                </a:ln>
+                <a:solidFill>
+                  <a:schemeClr val="tx1"/>
+                </a:solidFill>
+                <a:effectLst/>
+                <a:latin typeface="Arial" panose="020B0604020202020204" pitchFamily="34" charset="0"/>
+              </a:rPr>
+              <a:t>project</a:t>
+            </a:r>
+            <a:r>
+              <a:rPr kumimoji="0" lang="fr-FR" altLang="fr-FR" sz="2000" b="0" i="0" u="none" strike="noStrike" cap="none" normalizeH="0" baseline="0" dirty="0">
+                <a:ln>
+                  <a:noFill/>
+                </a:ln>
+                <a:solidFill>
+                  <a:schemeClr val="tx1"/>
+                </a:solidFill>
+                <a:effectLst/>
+                <a:latin typeface="Arial" panose="020B0604020202020204" pitchFamily="34" charset="0"/>
+              </a:rPr>
+              <a:t> in more </a:t>
+            </a:r>
+            <a:r>
+              <a:rPr kumimoji="0" lang="fr-FR" altLang="fr-FR" sz="2000" b="0" i="0" u="none" strike="noStrike" cap="none" normalizeH="0" baseline="0" dirty="0" err="1">
+                <a:ln>
+                  <a:noFill/>
+                </a:ln>
+                <a:solidFill>
+                  <a:schemeClr val="tx1"/>
+                </a:solidFill>
+                <a:effectLst/>
+                <a:latin typeface="Arial" panose="020B0604020202020204" pitchFamily="34" charset="0"/>
+              </a:rPr>
+              <a:t>detail</a:t>
+            </a:r>
+            <a:r>
+              <a:rPr kumimoji="0" lang="fr-FR" altLang="fr-FR" sz="2000" b="0" i="0" u="none" strike="noStrike" cap="none" normalizeH="0" baseline="0" dirty="0">
+                <a:ln>
+                  <a:noFill/>
+                </a:ln>
+                <a:solidFill>
+                  <a:schemeClr val="tx1"/>
+                </a:solidFill>
+                <a:effectLst/>
+                <a:latin typeface="Arial" panose="020B0604020202020204" pitchFamily="34" charset="0"/>
+              </a:rPr>
+              <a:t> and </a:t>
+            </a:r>
+            <a:r>
+              <a:rPr kumimoji="0" lang="fr-FR" altLang="fr-FR" sz="2000" b="0" i="0" u="none" strike="noStrike" cap="none" normalizeH="0" baseline="0" dirty="0" err="1">
+                <a:ln>
+                  <a:noFill/>
+                </a:ln>
+                <a:solidFill>
+                  <a:schemeClr val="tx1"/>
+                </a:solidFill>
+                <a:effectLst/>
+                <a:latin typeface="Arial" panose="020B0604020202020204" pitchFamily="34" charset="0"/>
+              </a:rPr>
+              <a:t>ensure</a:t>
+            </a:r>
+            <a:r>
+              <a:rPr kumimoji="0" lang="fr-FR" altLang="fr-FR" sz="2000" b="0" i="0" u="none" strike="noStrike" cap="none" normalizeH="0" baseline="0" dirty="0">
+                <a:ln>
+                  <a:noFill/>
+                </a:ln>
+                <a:solidFill>
+                  <a:schemeClr val="tx1"/>
+                </a:solidFill>
+                <a:effectLst/>
+                <a:latin typeface="Arial" panose="020B0604020202020204" pitchFamily="34" charset="0"/>
+              </a:rPr>
+              <a:t> </a:t>
+            </a:r>
+            <a:r>
+              <a:rPr kumimoji="0" lang="fr-FR" altLang="fr-FR" sz="2000" b="0" i="0" u="none" strike="noStrike" cap="none" normalizeH="0" baseline="0" dirty="0" err="1">
+                <a:ln>
+                  <a:noFill/>
+                </a:ln>
+                <a:solidFill>
+                  <a:schemeClr val="tx1"/>
+                </a:solidFill>
+                <a:effectLst/>
+                <a:latin typeface="Arial" panose="020B0604020202020204" pitchFamily="34" charset="0"/>
+              </a:rPr>
+              <a:t>that</a:t>
+            </a:r>
+            <a:r>
+              <a:rPr kumimoji="0" lang="fr-FR" altLang="fr-FR" sz="2000" b="0" i="0" u="none" strike="noStrike" cap="none" normalizeH="0" baseline="0" dirty="0">
+                <a:ln>
+                  <a:noFill/>
+                </a:ln>
+                <a:solidFill>
+                  <a:schemeClr val="tx1"/>
+                </a:solidFill>
+                <a:effectLst/>
+                <a:latin typeface="Arial" panose="020B0604020202020204" pitchFamily="34" charset="0"/>
+              </a:rPr>
+              <a:t> I </a:t>
+            </a:r>
+            <a:r>
+              <a:rPr kumimoji="0" lang="fr-FR" altLang="fr-FR" sz="2000" b="0" i="0" u="none" strike="noStrike" cap="none" normalizeH="0" baseline="0" dirty="0" err="1">
+                <a:ln>
+                  <a:noFill/>
+                </a:ln>
+                <a:solidFill>
+                  <a:schemeClr val="tx1"/>
+                </a:solidFill>
+                <a:effectLst/>
+                <a:latin typeface="Arial" panose="020B0604020202020204" pitchFamily="34" charset="0"/>
+              </a:rPr>
+              <a:t>will</a:t>
+            </a:r>
+            <a:r>
+              <a:rPr kumimoji="0" lang="fr-FR" altLang="fr-FR" sz="2000" b="0" i="0" u="none" strike="noStrike" cap="none" normalizeH="0" baseline="0" dirty="0">
+                <a:ln>
+                  <a:noFill/>
+                </a:ln>
+                <a:solidFill>
+                  <a:schemeClr val="tx1"/>
+                </a:solidFill>
+                <a:effectLst/>
+                <a:latin typeface="Arial" panose="020B0604020202020204" pitchFamily="34" charset="0"/>
+              </a:rPr>
+              <a:t> </a:t>
+            </a:r>
+            <a:r>
+              <a:rPr kumimoji="0" lang="fr-FR" altLang="fr-FR" sz="2000" b="0" i="0" u="none" strike="noStrike" cap="none" normalizeH="0" baseline="0" dirty="0" err="1">
+                <a:ln>
+                  <a:noFill/>
+                </a:ln>
+                <a:solidFill>
+                  <a:schemeClr val="tx1"/>
+                </a:solidFill>
+                <a:effectLst/>
+                <a:latin typeface="Arial" panose="020B0604020202020204" pitchFamily="34" charset="0"/>
+              </a:rPr>
+              <a:t>be</a:t>
+            </a:r>
+            <a:r>
+              <a:rPr kumimoji="0" lang="fr-FR" altLang="fr-FR" sz="2000" b="0" i="0" u="none" strike="noStrike" cap="none" normalizeH="0" baseline="0" dirty="0">
+                <a:ln>
+                  <a:noFill/>
+                </a:ln>
+                <a:solidFill>
+                  <a:schemeClr val="tx1"/>
+                </a:solidFill>
+                <a:effectLst/>
+                <a:latin typeface="Arial" panose="020B0604020202020204" pitchFamily="34" charset="0"/>
+              </a:rPr>
+              <a:t> the </a:t>
+            </a:r>
+            <a:r>
+              <a:rPr kumimoji="0" lang="fr-FR" altLang="fr-FR" sz="2000" b="0" i="0" u="none" strike="noStrike" cap="none" normalizeH="0" baseline="0" dirty="0" err="1">
+                <a:ln>
+                  <a:noFill/>
+                </a:ln>
+                <a:solidFill>
+                  <a:schemeClr val="tx1"/>
+                </a:solidFill>
+                <a:effectLst/>
+                <a:latin typeface="Arial" panose="020B0604020202020204" pitchFamily="34" charset="0"/>
+              </a:rPr>
+              <a:t>perfect</a:t>
+            </a:r>
+            <a:r>
+              <a:rPr kumimoji="0" lang="fr-FR" altLang="fr-FR" sz="2000" b="0" i="0" u="none" strike="noStrike" cap="none" normalizeH="0" baseline="0" dirty="0">
+                <a:ln>
+                  <a:noFill/>
+                </a:ln>
+                <a:solidFill>
+                  <a:schemeClr val="tx1"/>
+                </a:solidFill>
+                <a:effectLst/>
+                <a:latin typeface="Arial" panose="020B0604020202020204" pitchFamily="34" charset="0"/>
+              </a:rPr>
+              <a:t> fit. I have </a:t>
+            </a:r>
+            <a:r>
+              <a:rPr kumimoji="0" lang="fr-FR" altLang="fr-FR" sz="2000" b="0" i="0" u="none" strike="noStrike" cap="none" normalizeH="0" baseline="0" dirty="0" err="1">
+                <a:ln>
+                  <a:noFill/>
+                </a:ln>
+                <a:solidFill>
+                  <a:schemeClr val="tx1"/>
+                </a:solidFill>
+                <a:effectLst/>
+                <a:latin typeface="Arial" panose="020B0604020202020204" pitchFamily="34" charset="0"/>
+              </a:rPr>
+              <a:t>tomorrow</a:t>
+            </a:r>
+            <a:r>
+              <a:rPr kumimoji="0" lang="fr-FR" altLang="fr-FR" sz="2000" b="0" i="0" u="none" strike="noStrike" cap="none" normalizeH="0" baseline="0" dirty="0">
+                <a:ln>
+                  <a:noFill/>
+                </a:ln>
+                <a:solidFill>
+                  <a:schemeClr val="tx1"/>
+                </a:solidFill>
+                <a:effectLst/>
+                <a:latin typeface="Arial" panose="020B0604020202020204" pitchFamily="34" charset="0"/>
+              </a:rPr>
+              <a:t> open </a:t>
+            </a:r>
+            <a:r>
+              <a:rPr kumimoji="0" lang="fr-FR" altLang="fr-FR" sz="2000" b="0" i="0" u="none" strike="noStrike" cap="none" normalizeH="0" baseline="0" dirty="0" err="1">
+                <a:ln>
+                  <a:noFill/>
+                </a:ln>
+                <a:solidFill>
+                  <a:schemeClr val="tx1"/>
+                </a:solidFill>
+                <a:effectLst/>
+                <a:latin typeface="Arial" panose="020B0604020202020204" pitchFamily="34" charset="0"/>
+              </a:rPr>
+              <a:t>from</a:t>
+            </a:r>
+            <a:r>
+              <a:rPr kumimoji="0" lang="fr-FR" altLang="fr-FR" sz="2000" b="0" i="0" u="none" strike="noStrike" cap="none" normalizeH="0" baseline="0" dirty="0">
+                <a:ln>
+                  <a:noFill/>
+                </a:ln>
+                <a:solidFill>
+                  <a:schemeClr val="tx1"/>
+                </a:solidFill>
+                <a:effectLst/>
+                <a:latin typeface="Arial" panose="020B0604020202020204" pitchFamily="34" charset="0"/>
+              </a:rPr>
+              <a:t> [insert </a:t>
+            </a:r>
+            <a:r>
+              <a:rPr kumimoji="0" lang="fr-FR" altLang="fr-FR" sz="2000" b="0" i="0" u="none" strike="noStrike" cap="none" normalizeH="0" baseline="0" dirty="0" err="1">
+                <a:ln>
+                  <a:noFill/>
+                </a:ln>
+                <a:solidFill>
+                  <a:schemeClr val="tx1"/>
+                </a:solidFill>
+                <a:effectLst/>
+                <a:latin typeface="Arial" panose="020B0604020202020204" pitchFamily="34" charset="0"/>
+              </a:rPr>
+              <a:t>available</a:t>
+            </a:r>
+            <a:r>
+              <a:rPr kumimoji="0" lang="fr-FR" altLang="fr-FR" sz="2000" b="0" i="0" u="none" strike="noStrike" cap="none" normalizeH="0" baseline="0" dirty="0">
+                <a:ln>
+                  <a:noFill/>
+                </a:ln>
+                <a:solidFill>
+                  <a:schemeClr val="tx1"/>
+                </a:solidFill>
+                <a:effectLst/>
+                <a:latin typeface="Arial" panose="020B0604020202020204" pitchFamily="34" charset="0"/>
+              </a:rPr>
+              <a:t> times].</a:t>
+            </a:r>
+          </a:p>
+          <a:p>
+            <a:pPr marL="0" marR="0" lvl="0" indent="0" algn="l" defTabSz="914400" rtl="0" eaLnBrk="0" fontAlgn="base" latinLnBrk="0" hangingPunct="0">
+              <a:lnSpc>
+                <a:spcPct val="100000"/>
+              </a:lnSpc>
+              <a:spcBef>
+                <a:spcPct val="0"/>
+              </a:spcBef>
+              <a:spcAft>
+                <a:spcPct val="0"/>
+              </a:spcAft>
+              <a:buClrTx/>
+              <a:buSzTx/>
+              <a:buFontTx/>
+              <a:buNone/>
+              <a:tabLst/>
+            </a:pPr>
+            <a:r>
+              <a:rPr kumimoji="0" lang="fr-FR" altLang="fr-FR" sz="2000" b="0" i="0" u="none" strike="noStrike" cap="none" normalizeH="0" baseline="0" dirty="0">
+                <a:ln>
+                  <a:noFill/>
+                </a:ln>
+                <a:solidFill>
+                  <a:schemeClr val="tx1"/>
+                </a:solidFill>
+                <a:effectLst/>
+                <a:latin typeface="Arial" panose="020B0604020202020204" pitchFamily="34" charset="0"/>
+              </a:rPr>
+              <a:t>If </a:t>
+            </a:r>
+            <a:r>
+              <a:rPr kumimoji="0" lang="fr-FR" altLang="fr-FR" sz="2000" b="0" i="0" u="none" strike="noStrike" cap="none" normalizeH="0" baseline="0" dirty="0" err="1">
+                <a:ln>
+                  <a:noFill/>
+                </a:ln>
+                <a:solidFill>
+                  <a:schemeClr val="tx1"/>
+                </a:solidFill>
+                <a:effectLst/>
+                <a:latin typeface="Arial" panose="020B0604020202020204" pitchFamily="34" charset="0"/>
+              </a:rPr>
+              <a:t>those</a:t>
+            </a:r>
+            <a:r>
+              <a:rPr kumimoji="0" lang="fr-FR" altLang="fr-FR" sz="2000" b="0" i="0" u="none" strike="noStrike" cap="none" normalizeH="0" baseline="0" dirty="0">
+                <a:ln>
+                  <a:noFill/>
+                </a:ln>
+                <a:solidFill>
+                  <a:schemeClr val="tx1"/>
+                </a:solidFill>
+                <a:effectLst/>
+                <a:latin typeface="Arial" panose="020B0604020202020204" pitchFamily="34" charset="0"/>
+              </a:rPr>
+              <a:t> times </a:t>
+            </a:r>
+            <a:r>
+              <a:rPr kumimoji="0" lang="fr-FR" altLang="fr-FR" sz="2000" b="0" i="0" u="none" strike="noStrike" cap="none" normalizeH="0" baseline="0" dirty="0" err="1">
+                <a:ln>
+                  <a:noFill/>
+                </a:ln>
+                <a:solidFill>
+                  <a:schemeClr val="tx1"/>
+                </a:solidFill>
+                <a:effectLst/>
+                <a:latin typeface="Arial" panose="020B0604020202020204" pitchFamily="34" charset="0"/>
+              </a:rPr>
+              <a:t>don’t</a:t>
+            </a:r>
+            <a:r>
+              <a:rPr kumimoji="0" lang="fr-FR" altLang="fr-FR" sz="2000" b="0" i="0" u="none" strike="noStrike" cap="none" normalizeH="0" baseline="0" dirty="0">
+                <a:ln>
+                  <a:noFill/>
+                </a:ln>
+                <a:solidFill>
+                  <a:schemeClr val="tx1"/>
+                </a:solidFill>
+                <a:effectLst/>
+                <a:latin typeface="Arial" panose="020B0604020202020204" pitchFamily="34" charset="0"/>
+              </a:rPr>
+              <a:t> </a:t>
+            </a:r>
+            <a:r>
+              <a:rPr kumimoji="0" lang="fr-FR" altLang="fr-FR" sz="2000" b="0" i="0" u="none" strike="noStrike" cap="none" normalizeH="0" baseline="0" dirty="0" err="1">
+                <a:ln>
+                  <a:noFill/>
+                </a:ln>
+                <a:solidFill>
+                  <a:schemeClr val="tx1"/>
+                </a:solidFill>
+                <a:effectLst/>
+                <a:latin typeface="Arial" panose="020B0604020202020204" pitchFamily="34" charset="0"/>
+              </a:rPr>
+              <a:t>work</a:t>
+            </a:r>
+            <a:r>
+              <a:rPr kumimoji="0" lang="fr-FR" altLang="fr-FR" sz="2000" b="0" i="0" u="none" strike="noStrike" cap="none" normalizeH="0" baseline="0" dirty="0">
+                <a:ln>
+                  <a:noFill/>
+                </a:ln>
+                <a:solidFill>
+                  <a:schemeClr val="tx1"/>
+                </a:solidFill>
+                <a:effectLst/>
+                <a:latin typeface="Arial" panose="020B0604020202020204" pitchFamily="34" charset="0"/>
+              </a:rPr>
+              <a:t> for </a:t>
+            </a:r>
+            <a:r>
+              <a:rPr kumimoji="0" lang="fr-FR" altLang="fr-FR" sz="2000" b="0" i="0" u="none" strike="noStrike" cap="none" normalizeH="0" baseline="0" dirty="0" err="1">
+                <a:ln>
+                  <a:noFill/>
+                </a:ln>
+                <a:solidFill>
+                  <a:schemeClr val="tx1"/>
+                </a:solidFill>
+                <a:effectLst/>
+                <a:latin typeface="Arial" panose="020B0604020202020204" pitchFamily="34" charset="0"/>
+              </a:rPr>
+              <a:t>you</a:t>
+            </a:r>
+            <a:r>
+              <a:rPr kumimoji="0" lang="fr-FR" altLang="fr-FR" sz="2000" b="0" i="0" u="none" strike="noStrike" cap="none" normalizeH="0" baseline="0" dirty="0">
+                <a:ln>
+                  <a:noFill/>
+                </a:ln>
+                <a:solidFill>
+                  <a:schemeClr val="tx1"/>
+                </a:solidFill>
+                <a:effectLst/>
+                <a:latin typeface="Arial" panose="020B0604020202020204" pitchFamily="34" charset="0"/>
+              </a:rPr>
+              <a:t>, </a:t>
+            </a:r>
+            <a:r>
+              <a:rPr kumimoji="0" lang="fr-FR" altLang="fr-FR" sz="2000" b="0" i="0" u="none" strike="noStrike" cap="none" normalizeH="0" baseline="0" dirty="0" err="1">
+                <a:ln>
+                  <a:noFill/>
+                </a:ln>
+                <a:solidFill>
+                  <a:schemeClr val="tx1"/>
+                </a:solidFill>
+                <a:effectLst/>
+                <a:latin typeface="Arial" panose="020B0604020202020204" pitchFamily="34" charset="0"/>
+              </a:rPr>
+              <a:t>just</a:t>
+            </a:r>
+            <a:r>
+              <a:rPr kumimoji="0" lang="fr-FR" altLang="fr-FR" sz="2000" b="0" i="0" u="none" strike="noStrike" cap="none" normalizeH="0" baseline="0" dirty="0">
+                <a:ln>
+                  <a:noFill/>
+                </a:ln>
+                <a:solidFill>
+                  <a:schemeClr val="tx1"/>
+                </a:solidFill>
+                <a:effectLst/>
+                <a:latin typeface="Arial" panose="020B0604020202020204" pitchFamily="34" charset="0"/>
+              </a:rPr>
+              <a:t> let me know </a:t>
+            </a:r>
+            <a:r>
+              <a:rPr kumimoji="0" lang="fr-FR" altLang="fr-FR" sz="2000" b="0" i="0" u="none" strike="noStrike" cap="none" normalizeH="0" baseline="0" dirty="0" err="1">
+                <a:ln>
+                  <a:noFill/>
+                </a:ln>
+                <a:solidFill>
+                  <a:schemeClr val="tx1"/>
+                </a:solidFill>
+                <a:effectLst/>
+                <a:latin typeface="Arial" panose="020B0604020202020204" pitchFamily="34" charset="0"/>
+              </a:rPr>
+              <a:t>what</a:t>
+            </a:r>
+            <a:r>
+              <a:rPr kumimoji="0" lang="fr-FR" altLang="fr-FR" sz="2000" b="0" i="0" u="none" strike="noStrike" cap="none" normalizeH="0" baseline="0" dirty="0">
+                <a:ln>
+                  <a:noFill/>
+                </a:ln>
+                <a:solidFill>
+                  <a:schemeClr val="tx1"/>
+                </a:solidFill>
+                <a:effectLst/>
+                <a:latin typeface="Arial" panose="020B0604020202020204" pitchFamily="34" charset="0"/>
+              </a:rPr>
+              <a:t> </a:t>
+            </a:r>
+            <a:r>
+              <a:rPr kumimoji="0" lang="fr-FR" altLang="fr-FR" sz="2000" b="0" i="0" u="none" strike="noStrike" cap="none" normalizeH="0" baseline="0" dirty="0" err="1">
+                <a:ln>
+                  <a:noFill/>
+                </a:ln>
+                <a:solidFill>
+                  <a:schemeClr val="tx1"/>
+                </a:solidFill>
+                <a:effectLst/>
+                <a:latin typeface="Arial" panose="020B0604020202020204" pitchFamily="34" charset="0"/>
+              </a:rPr>
+              <a:t>works</a:t>
+            </a:r>
+            <a:r>
+              <a:rPr kumimoji="0" lang="fr-FR" altLang="fr-FR" sz="2000" b="0" i="0" u="none" strike="noStrike" cap="none" normalizeH="0" baseline="0" dirty="0">
+                <a:ln>
+                  <a:noFill/>
+                </a:ln>
+                <a:solidFill>
+                  <a:schemeClr val="tx1"/>
+                </a:solidFill>
+                <a:effectLst/>
+                <a:latin typeface="Arial" panose="020B0604020202020204" pitchFamily="34" charset="0"/>
+              </a:rPr>
+              <a:t> best and I </a:t>
+            </a:r>
+            <a:r>
+              <a:rPr kumimoji="0" lang="fr-FR" altLang="fr-FR" sz="2000" b="0" i="0" u="none" strike="noStrike" cap="none" normalizeH="0" baseline="0" dirty="0" err="1">
+                <a:ln>
+                  <a:noFill/>
+                </a:ln>
+                <a:solidFill>
+                  <a:schemeClr val="tx1"/>
+                </a:solidFill>
+                <a:effectLst/>
+                <a:latin typeface="Arial" panose="020B0604020202020204" pitchFamily="34" charset="0"/>
+              </a:rPr>
+              <a:t>will</a:t>
+            </a:r>
+            <a:r>
+              <a:rPr kumimoji="0" lang="fr-FR" altLang="fr-FR" sz="2000" b="0" i="0" u="none" strike="noStrike" cap="none" normalizeH="0" baseline="0" dirty="0">
+                <a:ln>
+                  <a:noFill/>
+                </a:ln>
+                <a:solidFill>
+                  <a:schemeClr val="tx1"/>
+                </a:solidFill>
+                <a:effectLst/>
+                <a:latin typeface="Arial" panose="020B0604020202020204" pitchFamily="34" charset="0"/>
+              </a:rPr>
+              <a:t> do </a:t>
+            </a:r>
+            <a:r>
+              <a:rPr kumimoji="0" lang="fr-FR" altLang="fr-FR" sz="2000" b="0" i="0" u="none" strike="noStrike" cap="none" normalizeH="0" baseline="0" dirty="0" err="1">
+                <a:ln>
+                  <a:noFill/>
+                </a:ln>
+                <a:solidFill>
+                  <a:schemeClr val="tx1"/>
+                </a:solidFill>
+                <a:effectLst/>
+                <a:latin typeface="Arial" panose="020B0604020202020204" pitchFamily="34" charset="0"/>
+              </a:rPr>
+              <a:t>my</a:t>
+            </a:r>
+            <a:r>
+              <a:rPr kumimoji="0" lang="fr-FR" altLang="fr-FR" sz="2000" b="0" i="0" u="none" strike="noStrike" cap="none" normalizeH="0" baseline="0" dirty="0">
+                <a:ln>
+                  <a:noFill/>
+                </a:ln>
+                <a:solidFill>
+                  <a:schemeClr val="tx1"/>
+                </a:solidFill>
+                <a:effectLst/>
+                <a:latin typeface="Arial" panose="020B0604020202020204" pitchFamily="34" charset="0"/>
+              </a:rPr>
+              <a:t> best to alter </a:t>
+            </a:r>
+            <a:r>
+              <a:rPr kumimoji="0" lang="fr-FR" altLang="fr-FR" sz="2000" b="0" i="0" u="none" strike="noStrike" cap="none" normalizeH="0" baseline="0" dirty="0" err="1">
+                <a:ln>
+                  <a:noFill/>
+                </a:ln>
+                <a:solidFill>
+                  <a:schemeClr val="tx1"/>
+                </a:solidFill>
+                <a:effectLst/>
+                <a:latin typeface="Arial" panose="020B0604020202020204" pitchFamily="34" charset="0"/>
+              </a:rPr>
+              <a:t>my</a:t>
+            </a:r>
+            <a:r>
+              <a:rPr kumimoji="0" lang="fr-FR" altLang="fr-FR" sz="2000" b="0" i="0" u="none" strike="noStrike" cap="none" normalizeH="0" baseline="0" dirty="0">
+                <a:ln>
+                  <a:noFill/>
+                </a:ln>
+                <a:solidFill>
+                  <a:schemeClr val="tx1"/>
+                </a:solidFill>
+                <a:effectLst/>
+                <a:latin typeface="Arial" panose="020B0604020202020204" pitchFamily="34" charset="0"/>
+              </a:rPr>
+              <a:t> </a:t>
+            </a:r>
+            <a:r>
+              <a:rPr kumimoji="0" lang="fr-FR" altLang="fr-FR" sz="2000" b="0" i="0" u="none" strike="noStrike" cap="none" normalizeH="0" baseline="0" dirty="0" err="1">
+                <a:ln>
+                  <a:noFill/>
+                </a:ln>
+                <a:solidFill>
+                  <a:schemeClr val="tx1"/>
+                </a:solidFill>
+                <a:effectLst/>
+                <a:latin typeface="Arial" panose="020B0604020202020204" pitchFamily="34" charset="0"/>
+              </a:rPr>
+              <a:t>schedule</a:t>
+            </a:r>
+            <a:r>
+              <a:rPr kumimoji="0" lang="fr-FR" altLang="fr-FR" sz="2000" b="0" i="0" u="none" strike="noStrike" cap="none" normalizeH="0" baseline="0" dirty="0">
+                <a:ln>
+                  <a:noFill/>
+                </a:ln>
+                <a:solidFill>
+                  <a:schemeClr val="tx1"/>
+                </a:solidFill>
+                <a:effectLst/>
+                <a:latin typeface="Arial" panose="020B0604020202020204" pitchFamily="34" charset="0"/>
+              </a:rPr>
+              <a:t> </a:t>
+            </a:r>
+            <a:r>
+              <a:rPr kumimoji="0" lang="fr-FR" altLang="fr-FR" sz="2000" b="0" i="0" u="none" strike="noStrike" cap="none" normalizeH="0" baseline="0" dirty="0" err="1">
+                <a:ln>
+                  <a:noFill/>
+                </a:ln>
+                <a:solidFill>
+                  <a:schemeClr val="tx1"/>
+                </a:solidFill>
+                <a:effectLst/>
+                <a:latin typeface="Arial" panose="020B0604020202020204" pitchFamily="34" charset="0"/>
+              </a:rPr>
+              <a:t>around</a:t>
+            </a:r>
+            <a:r>
+              <a:rPr kumimoji="0" lang="fr-FR" altLang="fr-FR" sz="2000" b="0" i="0" u="none" strike="noStrike" cap="none" normalizeH="0" baseline="0" dirty="0">
+                <a:ln>
+                  <a:noFill/>
+                </a:ln>
+                <a:solidFill>
+                  <a:schemeClr val="tx1"/>
+                </a:solidFill>
+                <a:effectLst/>
+                <a:latin typeface="Arial" panose="020B0604020202020204" pitchFamily="34" charset="0"/>
+              </a:rPr>
+              <a:t> </a:t>
+            </a:r>
+            <a:r>
+              <a:rPr kumimoji="0" lang="fr-FR" altLang="fr-FR" sz="2000" b="0" i="0" u="none" strike="noStrike" cap="none" normalizeH="0" baseline="0" dirty="0" err="1">
+                <a:ln>
+                  <a:noFill/>
+                </a:ln>
+                <a:solidFill>
+                  <a:schemeClr val="tx1"/>
+                </a:solidFill>
+                <a:effectLst/>
+                <a:latin typeface="Arial" panose="020B0604020202020204" pitchFamily="34" charset="0"/>
+              </a:rPr>
+              <a:t>your</a:t>
+            </a:r>
+            <a:r>
+              <a:rPr kumimoji="0" lang="fr-FR" altLang="fr-FR" sz="2000" b="0" i="0" u="none" strike="noStrike" cap="none" normalizeH="0" baseline="0" dirty="0">
+                <a:ln>
+                  <a:noFill/>
+                </a:ln>
+                <a:solidFill>
+                  <a:schemeClr val="tx1"/>
+                </a:solidFill>
+                <a:effectLst/>
+                <a:latin typeface="Arial" panose="020B0604020202020204" pitchFamily="34" charset="0"/>
+              </a:rPr>
+              <a:t> </a:t>
+            </a:r>
+            <a:r>
+              <a:rPr kumimoji="0" lang="fr-FR" altLang="fr-FR" sz="2000" b="0" i="0" u="none" strike="noStrike" cap="none" normalizeH="0" baseline="0" dirty="0" err="1">
+                <a:ln>
+                  <a:noFill/>
+                </a:ln>
+                <a:solidFill>
+                  <a:schemeClr val="tx1"/>
+                </a:solidFill>
+                <a:effectLst/>
+                <a:latin typeface="Arial" panose="020B0604020202020204" pitchFamily="34" charset="0"/>
+              </a:rPr>
+              <a:t>availability</a:t>
+            </a:r>
+            <a:r>
+              <a:rPr kumimoji="0" lang="fr-FR" altLang="fr-FR" sz="2000" b="0" i="0" u="none" strike="noStrike" cap="none" normalizeH="0" baseline="0" dirty="0">
+                <a:ln>
+                  <a:noFill/>
+                </a:ln>
+                <a:solidFill>
+                  <a:schemeClr val="tx1"/>
+                </a:solidFill>
+                <a:effectLst/>
+                <a:latin typeface="Arial" panose="020B0604020202020204" pitchFamily="34" charset="0"/>
+              </a:rPr>
+              <a:t>.</a:t>
+            </a:r>
+          </a:p>
+          <a:p>
+            <a:pPr marL="0" marR="0" lvl="0" indent="0" algn="l" defTabSz="914400" rtl="0" eaLnBrk="0" fontAlgn="base" latinLnBrk="0" hangingPunct="0">
+              <a:lnSpc>
+                <a:spcPct val="100000"/>
+              </a:lnSpc>
+              <a:spcBef>
+                <a:spcPct val="0"/>
+              </a:spcBef>
+              <a:spcAft>
+                <a:spcPct val="0"/>
+              </a:spcAft>
+              <a:buClrTx/>
+              <a:buSzTx/>
+              <a:buFontTx/>
+              <a:buNone/>
+              <a:tabLst/>
+            </a:pPr>
+            <a:r>
+              <a:rPr kumimoji="0" lang="fr-FR" altLang="fr-FR" sz="2000" b="0" i="0" u="none" strike="noStrike" cap="none" normalizeH="0" baseline="0" dirty="0">
+                <a:ln>
+                  <a:noFill/>
+                </a:ln>
+                <a:solidFill>
+                  <a:schemeClr val="tx1"/>
+                </a:solidFill>
+                <a:effectLst/>
+                <a:latin typeface="Arial" panose="020B0604020202020204" pitchFamily="34" charset="0"/>
+              </a:rPr>
+              <a:t>Questions for the call:</a:t>
+            </a:r>
+          </a:p>
+          <a:p>
+            <a:pPr marL="0" marR="0" lvl="0" indent="0" algn="l" defTabSz="914400" rtl="0" eaLnBrk="0" fontAlgn="base" latinLnBrk="0" hangingPunct="0">
+              <a:lnSpc>
+                <a:spcPct val="100000"/>
+              </a:lnSpc>
+              <a:spcBef>
+                <a:spcPct val="0"/>
+              </a:spcBef>
+              <a:spcAft>
+                <a:spcPct val="0"/>
+              </a:spcAft>
+              <a:buClrTx/>
+              <a:buSzTx/>
+              <a:buFontTx/>
+              <a:buNone/>
+              <a:tabLst/>
+            </a:pPr>
+            <a:r>
+              <a:rPr kumimoji="0" lang="fr-FR" altLang="fr-FR" sz="2000" b="0" i="0" u="none" strike="noStrike" cap="none" normalizeH="0" baseline="0" dirty="0">
+                <a:ln>
+                  <a:noFill/>
+                </a:ln>
+                <a:solidFill>
+                  <a:schemeClr val="tx1"/>
+                </a:solidFill>
+                <a:effectLst/>
+                <a:latin typeface="Arial" panose="020B0604020202020204" pitchFamily="34" charset="0"/>
+              </a:rPr>
+              <a:t>[Insert question] [Insert question] [Insert question]</a:t>
+            </a:r>
+          </a:p>
+          <a:p>
+            <a:pPr marL="0" marR="0" lvl="0" indent="0" algn="l" defTabSz="914400" rtl="0" eaLnBrk="0" fontAlgn="base" latinLnBrk="0" hangingPunct="0">
+              <a:lnSpc>
+                <a:spcPct val="100000"/>
+              </a:lnSpc>
+              <a:spcBef>
+                <a:spcPct val="0"/>
+              </a:spcBef>
+              <a:spcAft>
+                <a:spcPct val="0"/>
+              </a:spcAft>
+              <a:buClrTx/>
+              <a:buSzTx/>
+              <a:buFontTx/>
+              <a:buNone/>
+              <a:tabLst/>
+            </a:pPr>
+            <a:r>
+              <a:rPr kumimoji="0" lang="fr-FR" altLang="fr-FR" sz="2000" b="1" i="0" u="none" strike="noStrike" cap="none" normalizeH="0" baseline="0" dirty="0">
+                <a:ln>
+                  <a:noFill/>
+                </a:ln>
+                <a:solidFill>
+                  <a:schemeClr val="tx1"/>
+                </a:solidFill>
+                <a:effectLst/>
+                <a:latin typeface="Arial" panose="020B0604020202020204" pitchFamily="34" charset="0"/>
+              </a:rPr>
+              <a:t>— </a:t>
+            </a:r>
+            <a:r>
+              <a:rPr kumimoji="0" lang="fr-FR" altLang="fr-FR" sz="2000" b="1" i="0" u="none" strike="noStrike" cap="none" normalizeH="0" baseline="0" dirty="0" err="1">
+                <a:ln>
+                  <a:noFill/>
+                </a:ln>
+                <a:solidFill>
+                  <a:schemeClr val="tx1"/>
+                </a:solidFill>
+                <a:effectLst/>
+                <a:latin typeface="Arial" panose="020B0604020202020204" pitchFamily="34" charset="0"/>
+              </a:rPr>
+              <a:t>Closing</a:t>
+            </a:r>
+            <a:r>
+              <a:rPr kumimoji="0" lang="fr-FR" altLang="fr-FR" sz="2000" b="1" i="0" u="none" strike="noStrike" cap="none" normalizeH="0" baseline="0" dirty="0">
+                <a:ln>
+                  <a:noFill/>
+                </a:ln>
+                <a:solidFill>
+                  <a:schemeClr val="tx1"/>
+                </a:solidFill>
+                <a:effectLst/>
+                <a:latin typeface="Arial" panose="020B0604020202020204" pitchFamily="34" charset="0"/>
+              </a:rPr>
+              <a:t> —</a:t>
+            </a:r>
+            <a:endParaRPr kumimoji="0" lang="fr-FR" altLang="fr-FR" sz="2000" b="0" i="0" u="none" strike="noStrike" cap="none" normalizeH="0" baseline="0" dirty="0">
+              <a:ln>
+                <a:noFill/>
+              </a:ln>
+              <a:solidFill>
+                <a:schemeClr val="tx1"/>
+              </a:solidFill>
+              <a:effectLst/>
+              <a:latin typeface="Arial" panose="020B0604020202020204" pitchFamily="34" charset="0"/>
+            </a:endParaRPr>
+          </a:p>
+          <a:p>
+            <a:pPr marL="0" marR="0" lvl="0" indent="0" algn="l" defTabSz="914400" rtl="0" eaLnBrk="0" fontAlgn="base" latinLnBrk="0" hangingPunct="0">
+              <a:lnSpc>
+                <a:spcPct val="100000"/>
+              </a:lnSpc>
+              <a:spcBef>
+                <a:spcPct val="0"/>
+              </a:spcBef>
+              <a:spcAft>
+                <a:spcPct val="0"/>
+              </a:spcAft>
+              <a:buClrTx/>
+              <a:buSzTx/>
+              <a:buFontTx/>
+              <a:buNone/>
+              <a:tabLst/>
+            </a:pPr>
+            <a:r>
+              <a:rPr kumimoji="0" lang="fr-FR" altLang="fr-FR" sz="2000" b="0" i="0" u="none" strike="noStrike" cap="none" normalizeH="0" baseline="0" dirty="0">
+                <a:ln>
+                  <a:noFill/>
+                </a:ln>
+                <a:solidFill>
+                  <a:schemeClr val="tx1"/>
+                </a:solidFill>
+                <a:effectLst/>
+                <a:latin typeface="Arial" panose="020B0604020202020204" pitchFamily="34" charset="0"/>
+              </a:rPr>
+              <a:t>Best Regards,</a:t>
+            </a:r>
+          </a:p>
+          <a:p>
+            <a:pPr marL="0" marR="0" lvl="0" indent="0" algn="l" defTabSz="914400" rtl="0" eaLnBrk="0" fontAlgn="base" latinLnBrk="0" hangingPunct="0">
+              <a:lnSpc>
+                <a:spcPct val="100000"/>
+              </a:lnSpc>
+              <a:spcBef>
+                <a:spcPct val="0"/>
+              </a:spcBef>
+              <a:spcAft>
+                <a:spcPct val="0"/>
+              </a:spcAft>
+              <a:buClrTx/>
+              <a:buSzTx/>
+              <a:buFontTx/>
+              <a:buNone/>
+              <a:tabLst/>
+            </a:pPr>
+            <a:r>
+              <a:rPr kumimoji="0" lang="fr-FR" altLang="fr-FR" sz="2000" b="0" i="0" u="none" strike="noStrike" cap="none" normalizeH="0" baseline="0" dirty="0">
+                <a:ln>
+                  <a:noFill/>
+                </a:ln>
+                <a:solidFill>
+                  <a:schemeClr val="tx1"/>
+                </a:solidFill>
+                <a:effectLst/>
+                <a:latin typeface="Arial" panose="020B0604020202020204" pitchFamily="34" charset="0"/>
+              </a:rPr>
+              <a:t>[</a:t>
+            </a:r>
+            <a:r>
+              <a:rPr kumimoji="0" lang="fr-FR" altLang="fr-FR" sz="2000" b="0" i="0" u="none" strike="noStrike" cap="none" normalizeH="0" baseline="0" dirty="0" err="1">
+                <a:ln>
+                  <a:noFill/>
+                </a:ln>
+                <a:solidFill>
+                  <a:schemeClr val="tx1"/>
+                </a:solidFill>
+                <a:effectLst/>
+                <a:latin typeface="Arial" panose="020B0604020202020204" pitchFamily="34" charset="0"/>
+              </a:rPr>
+              <a:t>Your</a:t>
+            </a:r>
+            <a:r>
+              <a:rPr kumimoji="0" lang="fr-FR" altLang="fr-FR" sz="2000" b="0" i="0" u="none" strike="noStrike" cap="none" normalizeH="0" baseline="0" dirty="0">
+                <a:ln>
+                  <a:noFill/>
+                </a:ln>
+                <a:solidFill>
+                  <a:schemeClr val="tx1"/>
+                </a:solidFill>
+                <a:effectLst/>
+                <a:latin typeface="Arial" panose="020B0604020202020204" pitchFamily="34" charset="0"/>
+              </a:rPr>
+              <a:t> Name]</a:t>
+            </a:r>
+          </a:p>
+          <a:p>
+            <a:endParaRPr lang="fr-FR" dirty="0"/>
+          </a:p>
+        </p:txBody>
+      </p:sp>
+      <p:sp>
+        <p:nvSpPr>
+          <p:cNvPr id="11" name="TextBox 10">
+            <a:extLst>
+              <a:ext uri="{FF2B5EF4-FFF2-40B4-BE49-F238E27FC236}">
+                <a16:creationId xmlns:a16="http://schemas.microsoft.com/office/drawing/2014/main" id="{DCB3F9FB-5F17-47D6-8B13-EA45EE484049}"/>
+              </a:ext>
+            </a:extLst>
+          </p:cNvPr>
+          <p:cNvSpPr txBox="1"/>
+          <p:nvPr/>
+        </p:nvSpPr>
+        <p:spPr>
+          <a:xfrm>
+            <a:off x="4962727" y="5545928"/>
+            <a:ext cx="6500190" cy="646331"/>
+          </a:xfrm>
+          <a:prstGeom prst="rect">
+            <a:avLst/>
+          </a:prstGeom>
+          <a:noFill/>
+        </p:spPr>
+        <p:txBody>
+          <a:bodyPr wrap="square">
+            <a:spAutoFit/>
+          </a:bodyPr>
+          <a:lstStyle/>
+          <a:p>
+            <a:r>
+              <a:rPr lang="en-US" dirty="0">
+                <a:hlinkClick r:id="rId3">
+                  <a:extLst>
+                    <a:ext uri="{A12FA001-AC4F-418D-AE19-62706E023703}">
+                      <ahyp:hlinkClr xmlns:ahyp="http://schemas.microsoft.com/office/drawing/2018/hyperlinkcolor" val="tx"/>
+                    </a:ext>
+                  </a:extLst>
+                </a:hlinkClick>
+              </a:rPr>
+              <a:t>How to Get Your First Job on Upwork (FAST!) Step by Step Tutorial for Beginners 2023 - YouTube</a:t>
+            </a:r>
+            <a:endParaRPr lang="fr-FR" dirty="0"/>
+          </a:p>
+        </p:txBody>
+      </p:sp>
+    </p:spTree>
+    <p:extLst>
+      <p:ext uri="{BB962C8B-B14F-4D97-AF65-F5344CB8AC3E}">
+        <p14:creationId xmlns:p14="http://schemas.microsoft.com/office/powerpoint/2010/main" val="979747431"/>
+      </p:ext>
+    </p:extLst>
+  </p:cSld>
+  <p:clrMapOvr>
+    <a:masterClrMapping/>
+  </p:clrMapOvr>
+</p:sld>
+</file>
+
+<file path=ppt/slides/slide18.xml><?xml version="1.0" encoding="utf-8"?>
+<p:sld xmlns:a="http://schemas.openxmlformats.org/drawingml/2006/main" xmlns:r="http://schemas.openxmlformats.org/officeDocument/2006/relationships" xmlns:p="http://schemas.openxmlformats.org/presentationml/2006/main">
+  <p:cSld>
+    <p:spTree>
+      <p:nvGrpSpPr>
+        <p:cNvPr id="1" name=""/>
+        <p:cNvGrpSpPr/>
+        <p:nvPr/>
+      </p:nvGrpSpPr>
+      <p:grpSpPr>
+        <a:xfrm>
+          <a:off x="0" y="0"/>
+          <a:ext cx="0" cy="0"/>
+          <a:chOff x="0" y="0"/>
+          <a:chExt cx="0" cy="0"/>
+        </a:xfrm>
+      </p:grpSpPr>
+      <p:sp>
+        <p:nvSpPr>
+          <p:cNvPr id="2" name="Title 1">
+            <a:extLst>
+              <a:ext uri="{FF2B5EF4-FFF2-40B4-BE49-F238E27FC236}">
+                <a16:creationId xmlns:a16="http://schemas.microsoft.com/office/drawing/2014/main" id="{10A6E79C-7337-425C-AD7E-D6AD9FF66A06}"/>
+              </a:ext>
+            </a:extLst>
+          </p:cNvPr>
+          <p:cNvSpPr>
+            <a:spLocks noGrp="1"/>
+          </p:cNvSpPr>
+          <p:nvPr>
+            <p:ph type="title"/>
+          </p:nvPr>
+        </p:nvSpPr>
+        <p:spPr>
+          <a:xfrm>
+            <a:off x="1097280" y="211036"/>
+            <a:ext cx="10058400" cy="1450757"/>
+          </a:xfrm>
+        </p:spPr>
+        <p:txBody>
+          <a:bodyPr/>
+          <a:lstStyle/>
+          <a:p>
+            <a:r>
+              <a:rPr lang="fr-FR" dirty="0" err="1"/>
+              <a:t>Upwork</a:t>
+            </a:r>
+            <a:r>
+              <a:rPr lang="fr-FR" dirty="0"/>
+              <a:t> Interview</a:t>
+            </a:r>
+          </a:p>
+        </p:txBody>
+      </p:sp>
+      <p:sp>
+        <p:nvSpPr>
+          <p:cNvPr id="8" name="TextBox 7">
+            <a:extLst>
+              <a:ext uri="{FF2B5EF4-FFF2-40B4-BE49-F238E27FC236}">
+                <a16:creationId xmlns:a16="http://schemas.microsoft.com/office/drawing/2014/main" id="{4AF17F59-F6B8-4BA7-8A20-7D6DC6990005}"/>
+              </a:ext>
+            </a:extLst>
+          </p:cNvPr>
+          <p:cNvSpPr txBox="1"/>
+          <p:nvPr/>
+        </p:nvSpPr>
+        <p:spPr>
+          <a:xfrm>
+            <a:off x="1097280" y="6409081"/>
+            <a:ext cx="7115542" cy="369332"/>
+          </a:xfrm>
+          <a:prstGeom prst="rect">
+            <a:avLst/>
+          </a:prstGeom>
+          <a:noFill/>
+        </p:spPr>
+        <p:txBody>
+          <a:bodyPr wrap="square">
+            <a:spAutoFit/>
+          </a:bodyPr>
+          <a:lstStyle/>
+          <a:p>
+            <a:r>
+              <a:rPr lang="en-GB" dirty="0">
+                <a:solidFill>
+                  <a:schemeClr val="accent1">
+                    <a:lumMod val="50000"/>
+                  </a:schemeClr>
+                </a:solidFill>
+              </a:rPr>
+              <a:t>Freelance Sessions </a:t>
+            </a:r>
+            <a:endParaRPr lang="fr-FR" dirty="0"/>
+          </a:p>
+        </p:txBody>
+      </p:sp>
+      <p:sp>
+        <p:nvSpPr>
+          <p:cNvPr id="6" name="TextBox 5">
+            <a:extLst>
+              <a:ext uri="{FF2B5EF4-FFF2-40B4-BE49-F238E27FC236}">
+                <a16:creationId xmlns:a16="http://schemas.microsoft.com/office/drawing/2014/main" id="{4D008299-F5D8-4AEE-A92F-F2672BD24422}"/>
+              </a:ext>
+            </a:extLst>
+          </p:cNvPr>
+          <p:cNvSpPr txBox="1"/>
+          <p:nvPr/>
+        </p:nvSpPr>
+        <p:spPr>
+          <a:xfrm>
+            <a:off x="6904382" y="6409081"/>
+            <a:ext cx="6096000" cy="369332"/>
+          </a:xfrm>
+          <a:prstGeom prst="rect">
+            <a:avLst/>
+          </a:prstGeom>
+          <a:noFill/>
+        </p:spPr>
+        <p:txBody>
+          <a:bodyPr wrap="square">
+            <a:spAutoFit/>
+          </a:bodyPr>
+          <a:lstStyle/>
+          <a:p>
+            <a:r>
+              <a:rPr lang="en-US" dirty="0">
+                <a:solidFill>
+                  <a:schemeClr val="accent1">
+                    <a:lumMod val="50000"/>
+                  </a:schemeClr>
+                </a:solidFill>
+                <a:hlinkClick r:id="rId2">
+                  <a:extLst>
+                    <a:ext uri="{A12FA001-AC4F-418D-AE19-62706E023703}">
+                      <ahyp:hlinkClr xmlns:ahyp="http://schemas.microsoft.com/office/drawing/2018/hyperlinkcolor" val="tx"/>
+                    </a:ext>
+                  </a:extLst>
+                </a:hlinkClick>
+              </a:rPr>
+              <a:t>Upwork Cover Letter Template (</a:t>
+            </a:r>
+            <a:r>
+              <a:rPr lang="en-US" dirty="0" err="1">
+                <a:solidFill>
+                  <a:schemeClr val="accent1">
+                    <a:lumMod val="50000"/>
+                  </a:schemeClr>
+                </a:solidFill>
+                <a:hlinkClick r:id="rId2">
+                  <a:extLst>
+                    <a:ext uri="{A12FA001-AC4F-418D-AE19-62706E023703}">
+                      <ahyp:hlinkClr xmlns:ahyp="http://schemas.microsoft.com/office/drawing/2018/hyperlinkcolor" val="tx"/>
+                    </a:ext>
+                  </a:extLst>
+                </a:hlinkClick>
+              </a:rPr>
+              <a:t>notion.site</a:t>
+            </a:r>
+            <a:r>
+              <a:rPr lang="en-US" dirty="0">
+                <a:solidFill>
+                  <a:schemeClr val="accent1">
+                    <a:lumMod val="50000"/>
+                  </a:schemeClr>
+                </a:solidFill>
+                <a:hlinkClick r:id="rId2">
+                  <a:extLst>
+                    <a:ext uri="{A12FA001-AC4F-418D-AE19-62706E023703}">
+                      <ahyp:hlinkClr xmlns:ahyp="http://schemas.microsoft.com/office/drawing/2018/hyperlinkcolor" val="tx"/>
+                    </a:ext>
+                  </a:extLst>
+                </a:hlinkClick>
+              </a:rPr>
+              <a:t>)</a:t>
+            </a:r>
+            <a:endParaRPr lang="fr-FR" dirty="0">
+              <a:solidFill>
+                <a:schemeClr val="accent1">
+                  <a:lumMod val="50000"/>
+                </a:schemeClr>
+              </a:solidFill>
+            </a:endParaRPr>
+          </a:p>
+        </p:txBody>
+      </p:sp>
+      <p:sp>
+        <p:nvSpPr>
+          <p:cNvPr id="9" name="Content Placeholder 8">
+            <a:extLst>
+              <a:ext uri="{FF2B5EF4-FFF2-40B4-BE49-F238E27FC236}">
+                <a16:creationId xmlns:a16="http://schemas.microsoft.com/office/drawing/2014/main" id="{BCB480BA-F4B0-48EC-9693-5BD69B67B931}"/>
+              </a:ext>
+            </a:extLst>
+          </p:cNvPr>
+          <p:cNvSpPr>
+            <a:spLocks noGrp="1"/>
+          </p:cNvSpPr>
+          <p:nvPr>
+            <p:ph idx="1"/>
+          </p:nvPr>
+        </p:nvSpPr>
+        <p:spPr/>
+        <p:txBody>
+          <a:bodyPr>
+            <a:normAutofit/>
+          </a:bodyPr>
+          <a:lstStyle/>
+          <a:p>
+            <a:r>
+              <a:rPr lang="en-GB" dirty="0"/>
+              <a:t>Happens on Upwork’s platform</a:t>
+            </a:r>
+          </a:p>
+          <a:p>
+            <a:r>
+              <a:rPr lang="en-GB" dirty="0"/>
+              <a:t>Dress formally and have a quiet well lit environment</a:t>
+            </a:r>
+          </a:p>
+          <a:p>
+            <a:r>
+              <a:rPr lang="fr-FR" dirty="0" err="1"/>
+              <a:t>Get</a:t>
+            </a:r>
+            <a:r>
+              <a:rPr lang="fr-FR" dirty="0"/>
+              <a:t> a good webcam </a:t>
+            </a:r>
+            <a:r>
+              <a:rPr lang="fr-FR" dirty="0" err="1"/>
+              <a:t>from</a:t>
+            </a:r>
+            <a:r>
+              <a:rPr lang="fr-FR" dirty="0"/>
+              <a:t> </a:t>
+            </a:r>
+            <a:r>
+              <a:rPr lang="fr-FR" dirty="0" err="1"/>
+              <a:t>Ebay</a:t>
+            </a:r>
+            <a:r>
+              <a:rPr lang="fr-FR" dirty="0"/>
+              <a:t> or Amazon</a:t>
+            </a:r>
+          </a:p>
+          <a:p>
+            <a:r>
+              <a:rPr lang="fr-FR" dirty="0" err="1"/>
+              <a:t>Keep</a:t>
+            </a:r>
+            <a:r>
+              <a:rPr lang="fr-FR" dirty="0"/>
+              <a:t> </a:t>
+            </a:r>
+            <a:r>
+              <a:rPr lang="fr-FR" dirty="0" err="1"/>
+              <a:t>your</a:t>
+            </a:r>
+            <a:r>
+              <a:rPr lang="fr-FR" dirty="0"/>
+              <a:t> </a:t>
+            </a:r>
+            <a:r>
+              <a:rPr lang="fr-FR" dirty="0" err="1"/>
+              <a:t>proposal</a:t>
+            </a:r>
+            <a:r>
+              <a:rPr lang="fr-FR" dirty="0"/>
+              <a:t> </a:t>
+            </a:r>
+            <a:r>
+              <a:rPr lang="fr-FR" dirty="0" err="1"/>
+              <a:t>side</a:t>
+            </a:r>
+            <a:r>
+              <a:rPr lang="fr-FR" dirty="0"/>
+              <a:t> by </a:t>
+            </a:r>
+            <a:r>
+              <a:rPr lang="fr-FR" dirty="0" err="1"/>
+              <a:t>side</a:t>
+            </a:r>
+            <a:r>
+              <a:rPr lang="fr-FR" dirty="0"/>
+              <a:t> </a:t>
+            </a:r>
+          </a:p>
+          <a:p>
+            <a:pPr lvl="1"/>
+            <a:r>
+              <a:rPr lang="fr-FR" dirty="0" err="1"/>
+              <a:t>when</a:t>
+            </a:r>
+            <a:r>
+              <a:rPr lang="fr-FR" dirty="0"/>
+              <a:t> </a:t>
+            </a:r>
+            <a:r>
+              <a:rPr lang="fr-FR" dirty="0" err="1"/>
+              <a:t>doing</a:t>
+            </a:r>
+            <a:r>
+              <a:rPr lang="fr-FR" dirty="0"/>
+              <a:t> the interview </a:t>
+            </a:r>
+            <a:r>
+              <a:rPr lang="fr-FR" dirty="0" err="1"/>
+              <a:t>such</a:t>
+            </a:r>
+            <a:r>
+              <a:rPr lang="fr-FR" dirty="0"/>
+              <a:t> </a:t>
+            </a:r>
+            <a:r>
+              <a:rPr lang="fr-FR" dirty="0" err="1"/>
+              <a:t>that</a:t>
+            </a:r>
+            <a:r>
+              <a:rPr lang="fr-FR" dirty="0"/>
+              <a:t> </a:t>
+            </a:r>
+            <a:r>
+              <a:rPr lang="fr-FR" dirty="0" err="1"/>
+              <a:t>you</a:t>
+            </a:r>
+            <a:r>
+              <a:rPr lang="fr-FR" dirty="0"/>
+              <a:t> can </a:t>
+            </a:r>
+            <a:r>
+              <a:rPr lang="fr-FR" dirty="0" err="1"/>
+              <a:t>elaborate</a:t>
+            </a:r>
+            <a:r>
+              <a:rPr lang="fr-FR" dirty="0"/>
+              <a:t> on </a:t>
+            </a:r>
+            <a:r>
+              <a:rPr lang="fr-FR" dirty="0" err="1"/>
+              <a:t>it</a:t>
+            </a:r>
+            <a:endParaRPr lang="fr-FR" dirty="0"/>
+          </a:p>
+          <a:p>
+            <a:pPr lvl="1"/>
+            <a:r>
+              <a:rPr lang="fr-FR" dirty="0"/>
+              <a:t>and </a:t>
+            </a:r>
+            <a:r>
+              <a:rPr lang="fr-FR" dirty="0" err="1"/>
+              <a:t>give</a:t>
+            </a:r>
+            <a:r>
+              <a:rPr lang="fr-FR" dirty="0"/>
+              <a:t> </a:t>
+            </a:r>
+            <a:r>
+              <a:rPr lang="fr-FR" dirty="0" err="1"/>
+              <a:t>any</a:t>
+            </a:r>
+            <a:r>
+              <a:rPr lang="fr-FR" dirty="0"/>
+              <a:t> </a:t>
+            </a:r>
+            <a:r>
+              <a:rPr lang="fr-FR" dirty="0" err="1"/>
+              <a:t>evidance</a:t>
+            </a:r>
+            <a:r>
+              <a:rPr lang="fr-FR" dirty="0"/>
+              <a:t> </a:t>
+            </a:r>
+            <a:r>
+              <a:rPr lang="fr-FR" dirty="0" err="1"/>
+              <a:t>required</a:t>
+            </a:r>
+            <a:r>
+              <a:rPr lang="fr-FR" dirty="0"/>
+              <a:t> to back up </a:t>
+            </a:r>
+            <a:r>
+              <a:rPr lang="fr-FR" dirty="0" err="1"/>
+              <a:t>your</a:t>
+            </a:r>
+            <a:r>
+              <a:rPr lang="fr-FR" dirty="0"/>
+              <a:t> claims </a:t>
+            </a:r>
+            <a:r>
+              <a:rPr lang="fr-FR" dirty="0" err="1"/>
+              <a:t>from</a:t>
+            </a:r>
+            <a:r>
+              <a:rPr lang="fr-FR" dirty="0"/>
+              <a:t> </a:t>
+            </a:r>
+            <a:r>
+              <a:rPr lang="fr-FR" dirty="0" err="1"/>
+              <a:t>that</a:t>
+            </a:r>
+            <a:r>
+              <a:rPr lang="fr-FR" dirty="0"/>
+              <a:t> </a:t>
+            </a:r>
+            <a:r>
+              <a:rPr lang="fr-FR" dirty="0" err="1"/>
+              <a:t>proposal</a:t>
+            </a:r>
+            <a:endParaRPr lang="fr-FR" dirty="0"/>
+          </a:p>
+        </p:txBody>
+      </p:sp>
+      <p:sp>
+        <p:nvSpPr>
+          <p:cNvPr id="11" name="TextBox 10">
+            <a:extLst>
+              <a:ext uri="{FF2B5EF4-FFF2-40B4-BE49-F238E27FC236}">
+                <a16:creationId xmlns:a16="http://schemas.microsoft.com/office/drawing/2014/main" id="{DCB3F9FB-5F17-47D6-8B13-EA45EE484049}"/>
+              </a:ext>
+            </a:extLst>
+          </p:cNvPr>
+          <p:cNvSpPr txBox="1"/>
+          <p:nvPr/>
+        </p:nvSpPr>
+        <p:spPr>
+          <a:xfrm>
+            <a:off x="4962727" y="5545928"/>
+            <a:ext cx="6500190" cy="646331"/>
+          </a:xfrm>
+          <a:prstGeom prst="rect">
+            <a:avLst/>
+          </a:prstGeom>
+          <a:noFill/>
+        </p:spPr>
+        <p:txBody>
+          <a:bodyPr wrap="square">
+            <a:spAutoFit/>
+          </a:bodyPr>
+          <a:lstStyle/>
+          <a:p>
+            <a:r>
+              <a:rPr lang="en-US" dirty="0">
+                <a:hlinkClick r:id="rId3">
+                  <a:extLst>
+                    <a:ext uri="{A12FA001-AC4F-418D-AE19-62706E023703}">
+                      <ahyp:hlinkClr xmlns:ahyp="http://schemas.microsoft.com/office/drawing/2018/hyperlinkcolor" val="tx"/>
+                    </a:ext>
+                  </a:extLst>
+                </a:hlinkClick>
+              </a:rPr>
+              <a:t>How to Get Your First Job on Upwork (FAST!) Step by Step Tutorial for Beginners 2023 - YouTube</a:t>
+            </a:r>
+            <a:endParaRPr lang="fr-FR" dirty="0"/>
+          </a:p>
+        </p:txBody>
+      </p:sp>
+    </p:spTree>
+    <p:extLst>
+      <p:ext uri="{BB962C8B-B14F-4D97-AF65-F5344CB8AC3E}">
+        <p14:creationId xmlns:p14="http://schemas.microsoft.com/office/powerpoint/2010/main" val="2068039636"/>
       </p:ext>
     </p:extLst>
   </p:cSld>
@@ -48196,13 +52736,8 @@
             </a:r>
             <a:r>
               <a:rPr lang="fr-FR" dirty="0"/>
-              <a:t> </a:t>
+              <a:t> Tips</a:t>
             </a:r>
-            <a:r>
-              <a:rPr lang="fr-FR" dirty="0" err="1"/>
-              <a:t>Connects</a:t>
-            </a:r>
-            <a:endParaRPr lang="fr-FR" dirty="0"/>
           </a:p>
         </p:txBody>
       </p:sp>
@@ -48220,6 +52755,11 @@
           </p:cNvGraphicFramePr>
           <p:nvPr>
             <p:ph idx="1"/>
+            <p:extLst>
+              <p:ext uri="{D42A27DB-BD31-4B8C-83A1-F6EECF244321}">
+                <p14:modId xmlns:p14="http://schemas.microsoft.com/office/powerpoint/2010/main" val="92932132"/>
+              </p:ext>
+            </p:extLst>
           </p:nvPr>
         </p:nvGraphicFramePr>
         <p:xfrm>
@@ -48274,10 +52814,70 @@
           </a:p>
         </p:txBody>
       </p:sp>
+      <p:pic>
+        <p:nvPicPr>
+          <p:cNvPr id="4" name="Picture 3">
+            <a:extLst>
+              <a:ext uri="{FF2B5EF4-FFF2-40B4-BE49-F238E27FC236}">
+                <a16:creationId xmlns:a16="http://schemas.microsoft.com/office/drawing/2014/main" id="{17053123-1C5C-4997-B65B-BF2CB3DDCB84}"/>
+              </a:ext>
+            </a:extLst>
+          </p:cNvPr>
+          <p:cNvPicPr>
+            <a:picLocks noChangeAspect="1"/>
+          </p:cNvPicPr>
+          <p:nvPr/>
+        </p:nvPicPr>
+        <p:blipFill>
+          <a:blip r:embed="rId7"/>
+          <a:stretch>
+            <a:fillRect/>
+          </a:stretch>
+        </p:blipFill>
+        <p:spPr>
+          <a:xfrm>
+            <a:off x="7927468" y="2557007"/>
+            <a:ext cx="4333460" cy="1394011"/>
+          </a:xfrm>
+          <a:prstGeom prst="rect">
+            <a:avLst/>
+          </a:prstGeom>
+        </p:spPr>
+      </p:pic>
+      <p:pic>
+        <p:nvPicPr>
+          <p:cNvPr id="6" name="Picture 5">
+            <a:extLst>
+              <a:ext uri="{FF2B5EF4-FFF2-40B4-BE49-F238E27FC236}">
+                <a16:creationId xmlns:a16="http://schemas.microsoft.com/office/drawing/2014/main" id="{EEC8A19C-2868-4FEC-A401-4D3F99859EB6}"/>
+              </a:ext>
+            </a:extLst>
+          </p:cNvPr>
+          <p:cNvPicPr>
+            <a:picLocks noChangeAspect="1"/>
+          </p:cNvPicPr>
+          <p:nvPr/>
+        </p:nvPicPr>
+        <p:blipFill>
+          <a:blip r:embed="rId8"/>
+          <a:stretch>
+            <a:fillRect/>
+          </a:stretch>
+        </p:blipFill>
+        <p:spPr>
+          <a:xfrm>
+            <a:off x="8411603" y="4770664"/>
+            <a:ext cx="3365191" cy="1712934"/>
+          </a:xfrm>
+          <a:prstGeom prst="rect">
+            <a:avLst/>
+          </a:prstGeom>
+        </p:spPr>
+      </p:pic>
     </p:spTree>
     <p:extLst>
       <p:ext uri="{BB962C8B-B14F-4D97-AF65-F5344CB8AC3E}">
-        <p14:creationId xmlns:p14="http://schemas.microsoft.com/office/powerpoint/2010/main" val="441231756"/>
+        <p14:creationId xmlns:p14="http://schemas.microsoft.com/office/powerpoint/2010/main" val="2462782834"/>
       </p:ext>
     </p:extLst>
   </p:cSld>
